--- a/python데이터 분석과 이미지처리.pptx
+++ b/python데이터 분석과 이미지처리.pptx
@@ -2,7 +2,7 @@
 <file path=ppt/presentation.xml><?xml version="1.0" encoding="utf-8"?>
 <p:presentation xmlns:r="http://schemas.openxmlformats.org/officeDocument/2006/relationships" xmlns:c="http://schemas.openxmlformats.org/drawingml/2006/chart" xmlns:a="http://schemas.openxmlformats.org/drawingml/2006/main" xmlns:dgm="http://schemas.openxmlformats.org/drawingml/2006/diagram" xmlns:dsp="http://schemas.microsoft.com/office/drawing/2008/diagram" xmlns:p="http://schemas.openxmlformats.org/presentationml/2006/main" saveSubsetFonts="1">
   <p:sldMasterIdLst>
-    <p:sldMasterId id="2147483673" r:id="rId1"/>
+    <p:sldMasterId id="2147483663" r:id="rId1"/>
   </p:sldMasterIdLst>
   <p:sldIdLst>
     <p:sldId id="256" r:id="rId2"/>
@@ -10415,6 +10415,977 @@
           </a:p>
         </p:txBody>
       </p:sp>
+      <p:sp>
+        <p:nvSpPr>
+          <p:cNvPr id="1030" name="Object 4"/>
+          <p:cNvSpPr txBox="1"/>
+          <p:nvPr/>
+        </p:nvSpPr>
+        <p:spPr>
+          <a:xfrm>
+            <a:off x="1295400" y="1524000"/>
+            <a:ext cx="16002000" cy="8267700"/>
+          </a:xfrm>
+          <a:prstGeom prst="rect">
+            <a:avLst/>
+          </a:prstGeom>
+          <a:noFill/>
+        </p:spPr>
+        <p:txBody>
+          <a:bodyPr vert="horz" wrap="square" lIns="91440" tIns="45720" rIns="91440" bIns="45720" anchor="t"/>
+          <a:lstStyle/>
+          <a:p>
+            <a:pPr>
+              <a:lnSpc>
+                <a:spcPct val="110000"/>
+              </a:lnSpc>
+              <a:defRPr/>
+            </a:pPr>
+            <a:r>
+              <a:rPr lang="en-US" altLang="ko-KR" sz="2000" b="1" kern="0" spc="600">
+                <a:solidFill>
+                  <a:srgbClr val="ff6600"/>
+                </a:solidFill>
+                <a:latin typeface="에스코어 드림 4 Regular"/>
+                <a:cs typeface="에스코어 드림 4 Regular"/>
+              </a:rPr>
+              <a:t>def</a:t>
+            </a:r>
+            <a:r>
+              <a:rPr lang="en-US" altLang="ko-KR" sz="2000" b="1" kern="0" spc="600">
+                <a:solidFill>
+                  <a:schemeClr val="tx1"/>
+                </a:solidFill>
+                <a:latin typeface="에스코어 드림 4 Regular"/>
+                <a:cs typeface="에스코어 드림 4 Regular"/>
+              </a:rPr>
+              <a:t> </a:t>
+            </a:r>
+            <a:r>
+              <a:rPr lang="en-US" altLang="ko-KR" sz="2000" b="1" kern="0" spc="600">
+                <a:solidFill>
+                  <a:srgbClr val="f6a328"/>
+                </a:solidFill>
+                <a:latin typeface="에스코어 드림 4 Regular"/>
+                <a:cs typeface="에스코어 드림 4 Regular"/>
+              </a:rPr>
+              <a:t>remove_first_0</a:t>
+            </a:r>
+            <a:r>
+              <a:rPr lang="en-US" altLang="ko-KR" sz="2000" b="1" kern="0" spc="600">
+                <a:solidFill>
+                  <a:schemeClr val="tx1"/>
+                </a:solidFill>
+                <a:latin typeface="에스코어 드림 4 Regular"/>
+                <a:cs typeface="에스코어 드림 4 Regular"/>
+              </a:rPr>
+              <a:t>(string): </a:t>
+            </a:r>
+            <a:r>
+              <a:rPr lang="en-US" altLang="ko-KR" sz="2000" b="1" kern="0" spc="600">
+                <a:solidFill>
+                  <a:srgbClr val="008000"/>
+                </a:solidFill>
+                <a:latin typeface="에스코어 드림 4 Regular"/>
+                <a:cs typeface="에스코어 드림 4 Regular"/>
+              </a:rPr>
+              <a:t>#수식정제 </a:t>
+            </a:r>
+            <a:endParaRPr lang="en-US" altLang="ko-KR" sz="2000" b="1" kern="0" spc="600">
+              <a:solidFill>
+                <a:schemeClr val="tx1"/>
+              </a:solidFill>
+              <a:latin typeface="에스코어 드림 4 Regular"/>
+              <a:cs typeface="에스코어 드림 4 Regular"/>
+            </a:endParaRPr>
+          </a:p>
+          <a:p>
+            <a:pPr>
+              <a:lnSpc>
+                <a:spcPct val="110000"/>
+              </a:lnSpc>
+              <a:defRPr/>
+            </a:pPr>
+            <a:r>
+              <a:rPr lang="en-US" altLang="ko-KR" sz="2000" b="1" kern="0" spc="600">
+                <a:solidFill>
+                  <a:schemeClr val="tx1"/>
+                </a:solidFill>
+                <a:latin typeface="에스코어 드림 4 Regular"/>
+                <a:cs typeface="에스코어 드림 4 Regular"/>
+              </a:rPr>
+              <a:t>    </a:t>
+            </a:r>
+            <a:r>
+              <a:rPr lang="en-US" altLang="ko-KR" sz="2000" b="1" kern="0" spc="600">
+                <a:solidFill>
+                  <a:srgbClr val="42c7f1"/>
+                </a:solidFill>
+                <a:latin typeface="에스코어 드림 4 Regular"/>
+                <a:cs typeface="에스코어 드림 4 Regular"/>
+              </a:rPr>
+              <a:t>temp=[]</a:t>
+            </a:r>
+            <a:endParaRPr lang="en-US" altLang="ko-KR" sz="2000" b="1" kern="0" spc="600">
+              <a:solidFill>
+                <a:schemeClr val="tx1"/>
+              </a:solidFill>
+              <a:latin typeface="에스코어 드림 4 Regular"/>
+              <a:cs typeface="에스코어 드림 4 Regular"/>
+            </a:endParaRPr>
+          </a:p>
+          <a:p>
+            <a:pPr>
+              <a:lnSpc>
+                <a:spcPct val="110000"/>
+              </a:lnSpc>
+              <a:defRPr/>
+            </a:pPr>
+            <a:r>
+              <a:rPr lang="en-US" altLang="ko-KR" sz="2000" b="1" kern="0" spc="600">
+                <a:solidFill>
+                  <a:schemeClr val="tx1"/>
+                </a:solidFill>
+                <a:latin typeface="에스코어 드림 4 Regular"/>
+                <a:cs typeface="에스코어 드림 4 Regular"/>
+              </a:rPr>
+              <a:t>    </a:t>
+            </a:r>
+            <a:r>
+              <a:rPr lang="en-US" altLang="ko-KR" sz="2000" b="1" kern="0" spc="600">
+                <a:solidFill>
+                  <a:srgbClr val="ef4ddf"/>
+                </a:solidFill>
+                <a:latin typeface="에스코어 드림 4 Regular"/>
+                <a:cs typeface="에스코어 드림 4 Regular"/>
+              </a:rPr>
+              <a:t>for</a:t>
+            </a:r>
+            <a:r>
+              <a:rPr lang="en-US" altLang="ko-KR" sz="2000" b="1" kern="0" spc="600">
+                <a:solidFill>
+                  <a:schemeClr val="tx1"/>
+                </a:solidFill>
+                <a:latin typeface="에스코어 드림 4 Regular"/>
+                <a:cs typeface="에스코어 드림 4 Regular"/>
+              </a:rPr>
+              <a:t> i </a:t>
+            </a:r>
+            <a:r>
+              <a:rPr lang="en-US" altLang="ko-KR" sz="2000" b="1" kern="0" spc="600">
+                <a:solidFill>
+                  <a:srgbClr val="ef4ddf"/>
+                </a:solidFill>
+                <a:latin typeface="에스코어 드림 4 Regular"/>
+                <a:cs typeface="에스코어 드림 4 Regular"/>
+              </a:rPr>
+              <a:t>in</a:t>
+            </a:r>
+            <a:r>
+              <a:rPr lang="en-US" altLang="ko-KR" sz="2000" b="1" kern="0" spc="600">
+                <a:solidFill>
+                  <a:schemeClr val="tx1"/>
+                </a:solidFill>
+                <a:latin typeface="에스코어 드림 4 Regular"/>
+                <a:cs typeface="에스코어 드림 4 Regular"/>
+              </a:rPr>
+              <a:t> string:</a:t>
+            </a:r>
+            <a:endParaRPr lang="en-US" altLang="ko-KR" sz="2000" b="1" kern="0" spc="600">
+              <a:solidFill>
+                <a:schemeClr val="tx1"/>
+              </a:solidFill>
+              <a:latin typeface="에스코어 드림 4 Regular"/>
+              <a:cs typeface="에스코어 드림 4 Regular"/>
+            </a:endParaRPr>
+          </a:p>
+          <a:p>
+            <a:pPr>
+              <a:lnSpc>
+                <a:spcPct val="110000"/>
+              </a:lnSpc>
+              <a:defRPr/>
+            </a:pPr>
+            <a:r>
+              <a:rPr lang="en-US" altLang="ko-KR" sz="2000" b="1" kern="0" spc="600">
+                <a:solidFill>
+                  <a:schemeClr val="tx1"/>
+                </a:solidFill>
+                <a:latin typeface="에스코어 드림 4 Regular"/>
+                <a:cs typeface="에스코어 드림 4 Regular"/>
+              </a:rPr>
+              <a:t>        </a:t>
+            </a:r>
+            <a:r>
+              <a:rPr lang="en-US" altLang="ko-KR" sz="2000" b="1" kern="0" spc="600">
+                <a:solidFill>
+                  <a:srgbClr val="ef4ddf"/>
+                </a:solidFill>
+                <a:latin typeface="에스코어 드림 4 Regular"/>
+                <a:cs typeface="에스코어 드림 4 Regular"/>
+              </a:rPr>
+              <a:t>if</a:t>
+            </a:r>
+            <a:r>
+              <a:rPr lang="en-US" altLang="ko-KR" sz="2000" b="1" kern="0" spc="600">
+                <a:solidFill>
+                  <a:schemeClr val="tx1"/>
+                </a:solidFill>
+                <a:latin typeface="에스코어 드림 4 Regular"/>
+                <a:cs typeface="에스코어 드림 4 Regular"/>
+              </a:rPr>
+              <a:t> i == '+' or i== '-' or i=='*':</a:t>
+            </a:r>
+            <a:endParaRPr lang="en-US" altLang="ko-KR" sz="2000" b="1" kern="0" spc="600">
+              <a:solidFill>
+                <a:schemeClr val="tx1"/>
+              </a:solidFill>
+              <a:latin typeface="에스코어 드림 4 Regular"/>
+              <a:cs typeface="에스코어 드림 4 Regular"/>
+            </a:endParaRPr>
+          </a:p>
+          <a:p>
+            <a:pPr>
+              <a:lnSpc>
+                <a:spcPct val="110000"/>
+              </a:lnSpc>
+              <a:defRPr/>
+            </a:pPr>
+            <a:r>
+              <a:rPr lang="en-US" altLang="ko-KR" sz="2000" b="1" kern="0" spc="600">
+                <a:solidFill>
+                  <a:schemeClr val="tx1"/>
+                </a:solidFill>
+                <a:latin typeface="에스코어 드림 4 Regular"/>
+                <a:cs typeface="에스코어 드림 4 Regular"/>
+              </a:rPr>
+              <a:t>           </a:t>
+            </a:r>
+            <a:r>
+              <a:rPr lang="en-US" altLang="ko-KR" sz="2000" b="1" kern="0" spc="600">
+                <a:solidFill>
+                  <a:srgbClr val="42c7f1"/>
+                </a:solidFill>
+                <a:latin typeface="에스코어 드림 4 Regular"/>
+                <a:cs typeface="에스코어 드림 4 Regular"/>
+              </a:rPr>
+              <a:t>temp</a:t>
+            </a:r>
+            <a:r>
+              <a:rPr lang="en-US" altLang="ko-KR" sz="2000" b="1" kern="0" spc="600">
+                <a:solidFill>
+                  <a:schemeClr val="tx1"/>
+                </a:solidFill>
+                <a:latin typeface="에스코어 드림 4 Regular"/>
+                <a:cs typeface="에스코어 드림 4 Regular"/>
+              </a:rPr>
+              <a:t>.append(i)</a:t>
+            </a:r>
+            <a:r>
+              <a:rPr lang="ko-KR" altLang="en-US" sz="2000" b="1" kern="0" spc="600">
+                <a:solidFill>
+                  <a:schemeClr val="tx1"/>
+                </a:solidFill>
+                <a:latin typeface="에스코어 드림 4 Regular"/>
+                <a:cs typeface="에스코어 드림 4 Regular"/>
+              </a:rPr>
+              <a:t> </a:t>
+            </a:r>
+            <a:r>
+              <a:rPr lang="en-US" altLang="ko-KR" sz="2000" b="1" kern="0" spc="600">
+                <a:solidFill>
+                  <a:srgbClr val="008000"/>
+                </a:solidFill>
+                <a:latin typeface="에스코어 드림 4 Regular"/>
+                <a:cs typeface="에스코어 드림 4 Regular"/>
+              </a:rPr>
+              <a:t>#수식 문자</a:t>
+            </a:r>
+            <a:endParaRPr lang="en-US" altLang="ko-KR" sz="2000" b="1" kern="0" spc="600">
+              <a:solidFill>
+                <a:srgbClr val="008000"/>
+              </a:solidFill>
+              <a:latin typeface="에스코어 드림 4 Regular"/>
+              <a:cs typeface="에스코어 드림 4 Regular"/>
+            </a:endParaRPr>
+          </a:p>
+          <a:p>
+            <a:pPr>
+              <a:lnSpc>
+                <a:spcPct val="110000"/>
+              </a:lnSpc>
+              <a:defRPr/>
+            </a:pPr>
+            <a:r>
+              <a:rPr lang="en-US" altLang="ko-KR" sz="2000" b="1" kern="0" spc="600">
+                <a:solidFill>
+                  <a:schemeClr val="tx1"/>
+                </a:solidFill>
+                <a:latin typeface="에스코어 드림 4 Regular"/>
+                <a:cs typeface="에스코어 드림 4 Regular"/>
+              </a:rPr>
+              <a:t>    </a:t>
+            </a:r>
+            <a:r>
+              <a:rPr lang="en-US" altLang="ko-KR" sz="2000" b="1" kern="0" spc="600">
+                <a:solidFill>
+                  <a:srgbClr val="ff6600"/>
+                </a:solidFill>
+                <a:latin typeface="에스코어 드림 4 Regular"/>
+                <a:cs typeface="에스코어 드림 4 Regular"/>
+              </a:rPr>
+              <a:t>import</a:t>
+            </a:r>
+            <a:r>
+              <a:rPr lang="en-US" altLang="ko-KR" sz="2000" b="1" kern="0" spc="600">
+                <a:solidFill>
+                  <a:schemeClr val="tx1"/>
+                </a:solidFill>
+                <a:latin typeface="에스코어 드림 4 Regular"/>
+                <a:cs typeface="에스코어 드림 4 Regular"/>
+              </a:rPr>
+              <a:t> re</a:t>
+            </a:r>
+            <a:endParaRPr lang="en-US" altLang="ko-KR" sz="2000" b="1" kern="0" spc="600">
+              <a:solidFill>
+                <a:schemeClr val="tx1"/>
+              </a:solidFill>
+              <a:latin typeface="에스코어 드림 4 Regular"/>
+              <a:cs typeface="에스코어 드림 4 Regular"/>
+            </a:endParaRPr>
+          </a:p>
+          <a:p>
+            <a:pPr>
+              <a:lnSpc>
+                <a:spcPct val="110000"/>
+              </a:lnSpc>
+              <a:defRPr/>
+            </a:pPr>
+            <a:r>
+              <a:rPr lang="en-US" altLang="ko-KR" sz="2000" b="1" kern="0" spc="600">
+                <a:solidFill>
+                  <a:schemeClr val="tx1"/>
+                </a:solidFill>
+                <a:latin typeface="에스코어 드림 4 Regular"/>
+                <a:cs typeface="에스코어 드림 4 Regular"/>
+              </a:rPr>
+              <a:t>    arr=</a:t>
+            </a:r>
+            <a:r>
+              <a:rPr lang="en-US" altLang="ko-KR" sz="2000" b="1" kern="0" spc="600">
+                <a:solidFill>
+                  <a:srgbClr val="ff6600"/>
+                </a:solidFill>
+                <a:latin typeface="에스코어 드림 4 Regular"/>
+                <a:cs typeface="에스코어 드림 4 Regular"/>
+              </a:rPr>
+              <a:t>re.split</a:t>
+            </a:r>
+            <a:r>
+              <a:rPr lang="en-US" altLang="ko-KR" sz="2000" b="1" kern="0" spc="600">
+                <a:solidFill>
+                  <a:schemeClr val="tx1"/>
+                </a:solidFill>
+                <a:latin typeface="에스코어 드림 4 Regular"/>
+                <a:cs typeface="에스코어 드림 4 Regular"/>
+              </a:rPr>
+              <a:t>('\*|\+|\-',string)</a:t>
+            </a:r>
+            <a:r>
+              <a:rPr lang="ko-KR" altLang="en-US" sz="2000" b="1" kern="0" spc="600">
+                <a:solidFill>
+                  <a:schemeClr val="tx1"/>
+                </a:solidFill>
+                <a:latin typeface="에스코어 드림 4 Regular"/>
+                <a:cs typeface="에스코어 드림 4 Regular"/>
+              </a:rPr>
+              <a:t>  </a:t>
+            </a:r>
+            <a:r>
+              <a:rPr lang="en-US" altLang="ko-KR" sz="2000" b="1" kern="0" spc="600">
+                <a:solidFill>
+                  <a:srgbClr val="008000"/>
+                </a:solidFill>
+                <a:latin typeface="에스코어 드림 4 Regular"/>
+                <a:cs typeface="에스코어 드림 4 Regular"/>
+              </a:rPr>
+              <a:t>#수식을 기준으로 문자열 나누기</a:t>
+            </a:r>
+            <a:endParaRPr lang="en-US" altLang="ko-KR" sz="2000" b="1" kern="0" spc="600">
+              <a:solidFill>
+                <a:srgbClr val="008000"/>
+              </a:solidFill>
+              <a:latin typeface="에스코어 드림 4 Regular"/>
+              <a:cs typeface="에스코어 드림 4 Regular"/>
+            </a:endParaRPr>
+          </a:p>
+          <a:p>
+            <a:pPr>
+              <a:lnSpc>
+                <a:spcPct val="110000"/>
+              </a:lnSpc>
+              <a:defRPr/>
+            </a:pPr>
+            <a:r>
+              <a:rPr lang="en-US" altLang="ko-KR" sz="2000" b="1" kern="0" spc="600">
+                <a:solidFill>
+                  <a:schemeClr val="tx1"/>
+                </a:solidFill>
+                <a:latin typeface="에스코어 드림 4 Regular"/>
+                <a:cs typeface="에스코어 드림 4 Regular"/>
+              </a:rPr>
+              <a:t>    return str(int(arr[0]))+temp[0]+str(int(arr[1]))</a:t>
+            </a:r>
+            <a:endParaRPr lang="en-US" altLang="ko-KR" sz="2000" b="1" kern="0" spc="600">
+              <a:solidFill>
+                <a:schemeClr val="tx1"/>
+              </a:solidFill>
+              <a:latin typeface="에스코어 드림 4 Regular"/>
+              <a:cs typeface="에스코어 드림 4 Regular"/>
+            </a:endParaRPr>
+          </a:p>
+          <a:p>
+            <a:pPr>
+              <a:lnSpc>
+                <a:spcPct val="110000"/>
+              </a:lnSpc>
+              <a:defRPr/>
+            </a:pPr>
+            <a:r>
+              <a:rPr lang="ko-KR" altLang="en-US" sz="2000" b="1" kern="0" spc="600">
+                <a:solidFill>
+                  <a:srgbClr val="008000"/>
+                </a:solidFill>
+                <a:latin typeface="에스코어 드림 4 Regular"/>
+                <a:cs typeface="에스코어 드림 4 Regular"/>
+              </a:rPr>
+              <a:t>              </a:t>
+            </a:r>
+            <a:r>
+              <a:rPr lang="en-US" altLang="ko-KR" sz="2000" b="1" kern="0" spc="600">
+                <a:solidFill>
+                  <a:srgbClr val="008000"/>
+                </a:solidFill>
+                <a:latin typeface="에스코어 드림 4 Regular"/>
+                <a:cs typeface="에스코어 드림 4 Regular"/>
+              </a:rPr>
+              <a:t>#숫자 문자열의 앞자리 0을 제거하기 위해 int형</a:t>
+            </a:r>
+            <a:r>
+              <a:rPr lang="ko-KR" altLang="en-US" sz="2000" b="1" kern="0" spc="600">
+                <a:solidFill>
+                  <a:srgbClr val="008000"/>
+                </a:solidFill>
+                <a:latin typeface="에스코어 드림 4 Regular"/>
+                <a:cs typeface="에스코어 드림 4 Regular"/>
+              </a:rPr>
+              <a:t> </a:t>
+            </a:r>
+            <a:r>
+              <a:rPr lang="en-US" altLang="ko-KR" sz="2000" b="1" kern="0" spc="600">
+                <a:solidFill>
+                  <a:srgbClr val="008000"/>
+                </a:solidFill>
+                <a:latin typeface="에스코어 드림 4 Regular"/>
+                <a:cs typeface="에스코어 드림 4 Regular"/>
+              </a:rPr>
+              <a:t>변환하여 제거후 다시 문자열로 변환</a:t>
+            </a:r>
+            <a:endParaRPr lang="en-US" altLang="ko-KR" sz="2000" b="1" kern="0" spc="600">
+              <a:solidFill>
+                <a:srgbClr val="008000"/>
+              </a:solidFill>
+              <a:latin typeface="에스코어 드림 4 Regular"/>
+              <a:cs typeface="에스코어 드림 4 Regular"/>
+            </a:endParaRPr>
+          </a:p>
+          <a:p>
+            <a:pPr>
+              <a:lnSpc>
+                <a:spcPct val="110000"/>
+              </a:lnSpc>
+              <a:defRPr/>
+            </a:pPr>
+            <a:endParaRPr lang="en-US" altLang="ko-KR" sz="2000" b="1" kern="0" spc="600">
+              <a:solidFill>
+                <a:schemeClr val="tx1"/>
+              </a:solidFill>
+              <a:latin typeface="에스코어 드림 4 Regular"/>
+              <a:cs typeface="에스코어 드림 4 Regular"/>
+            </a:endParaRPr>
+          </a:p>
+          <a:p>
+            <a:pPr>
+              <a:lnSpc>
+                <a:spcPct val="110000"/>
+              </a:lnSpc>
+              <a:defRPr/>
+            </a:pPr>
+            <a:r>
+              <a:rPr lang="en-US" altLang="ko-KR" sz="2000" b="1" kern="0" spc="600">
+                <a:solidFill>
+                  <a:srgbClr val="008000"/>
+                </a:solidFill>
+                <a:latin typeface="에스코어 드림 4 Regular"/>
+                <a:cs typeface="에스코어 드림 4 Regular"/>
+              </a:rPr>
+              <a:t># 특정한 폴더에 이미지 파일을 다운로드 받습니다.</a:t>
+            </a:r>
+            <a:endParaRPr lang="en-US" altLang="ko-KR" sz="2000" b="1" kern="0" spc="600">
+              <a:solidFill>
+                <a:schemeClr val="tx1"/>
+              </a:solidFill>
+              <a:latin typeface="에스코어 드림 4 Regular"/>
+              <a:cs typeface="에스코어 드림 4 Regular"/>
+            </a:endParaRPr>
+          </a:p>
+          <a:p>
+            <a:pPr>
+              <a:lnSpc>
+                <a:spcPct val="110000"/>
+              </a:lnSpc>
+              <a:defRPr/>
+            </a:pPr>
+            <a:r>
+              <a:rPr lang="en-US" altLang="ko-KR" sz="2000" b="1" kern="0" spc="600">
+                <a:solidFill>
+                  <a:schemeClr val="tx1"/>
+                </a:solidFill>
+                <a:latin typeface="에스코어 드림 4 Regular"/>
+                <a:cs typeface="에스코어 드림 4 Regular"/>
+              </a:rPr>
+              <a:t>response = s.get(image_url, stream=True)</a:t>
+            </a:r>
+            <a:endParaRPr lang="en-US" altLang="ko-KR" sz="2000" b="1" kern="0" spc="600">
+              <a:solidFill>
+                <a:schemeClr val="tx1"/>
+              </a:solidFill>
+              <a:latin typeface="에스코어 드림 4 Regular"/>
+              <a:cs typeface="에스코어 드림 4 Regular"/>
+            </a:endParaRPr>
+          </a:p>
+          <a:p>
+            <a:pPr>
+              <a:lnSpc>
+                <a:spcPct val="110000"/>
+              </a:lnSpc>
+              <a:defRPr/>
+            </a:pPr>
+            <a:r>
+              <a:rPr lang="en-US" altLang="ko-KR" sz="2000" b="1" kern="0" spc="600">
+                <a:solidFill>
+                  <a:schemeClr val="tx1"/>
+                </a:solidFill>
+                <a:latin typeface="에스코어 드림 4 Regular"/>
+                <a:cs typeface="에스코어 드림 4 Regular"/>
+              </a:rPr>
+              <a:t>target_image = './target_images/' + str(i) + '.png'</a:t>
+            </a:r>
+            <a:endParaRPr lang="en-US" altLang="ko-KR" sz="2000" b="1" kern="0" spc="600">
+              <a:solidFill>
+                <a:schemeClr val="tx1"/>
+              </a:solidFill>
+              <a:latin typeface="에스코어 드림 4 Regular"/>
+              <a:cs typeface="에스코어 드림 4 Regular"/>
+            </a:endParaRPr>
+          </a:p>
+          <a:p>
+            <a:pPr>
+              <a:lnSpc>
+                <a:spcPct val="110000"/>
+              </a:lnSpc>
+              <a:defRPr/>
+            </a:pPr>
+            <a:r>
+              <a:rPr lang="en-US" altLang="ko-KR" sz="2000" b="1" kern="0" spc="600">
+                <a:solidFill>
+                  <a:srgbClr val="ef4ddf"/>
+                </a:solidFill>
+                <a:latin typeface="에스코어 드림 4 Regular"/>
+                <a:cs typeface="에스코어 드림 4 Regular"/>
+              </a:rPr>
+              <a:t>with</a:t>
+            </a:r>
+            <a:r>
+              <a:rPr lang="en-US" altLang="ko-KR" sz="2000" b="1" kern="0" spc="600">
+                <a:solidFill>
+                  <a:schemeClr val="tx1"/>
+                </a:solidFill>
+                <a:latin typeface="에스코어 드림 4 Regular"/>
+                <a:cs typeface="에스코어 드림 4 Regular"/>
+              </a:rPr>
+              <a:t> open(target_image, 'wb') </a:t>
+            </a:r>
+            <a:r>
+              <a:rPr lang="en-US" altLang="ko-KR" sz="2000" b="1" kern="0" spc="600">
+                <a:solidFill>
+                  <a:srgbClr val="ef4ddf"/>
+                </a:solidFill>
+                <a:latin typeface="에스코어 드림 4 Regular"/>
+                <a:cs typeface="에스코어 드림 4 Regular"/>
+              </a:rPr>
+              <a:t>as</a:t>
+            </a:r>
+            <a:r>
+              <a:rPr lang="en-US" altLang="ko-KR" sz="2000" b="1" kern="0" spc="600">
+                <a:solidFill>
+                  <a:schemeClr val="tx1"/>
+                </a:solidFill>
+                <a:latin typeface="에스코어 드림 4 Regular"/>
+                <a:cs typeface="에스코어 드림 4 Regular"/>
+              </a:rPr>
+              <a:t> out_file:</a:t>
+            </a:r>
+            <a:endParaRPr lang="en-US" altLang="ko-KR" sz="2000" b="1" kern="0" spc="600">
+              <a:solidFill>
+                <a:schemeClr val="tx1"/>
+              </a:solidFill>
+              <a:latin typeface="에스코어 드림 4 Regular"/>
+              <a:cs typeface="에스코어 드림 4 Regular"/>
+            </a:endParaRPr>
+          </a:p>
+          <a:p>
+            <a:pPr>
+              <a:lnSpc>
+                <a:spcPct val="110000"/>
+              </a:lnSpc>
+              <a:defRPr/>
+            </a:pPr>
+            <a:r>
+              <a:rPr lang="en-US" altLang="ko-KR" sz="2000" b="1" kern="0" spc="600">
+                <a:solidFill>
+                  <a:schemeClr val="tx1"/>
+                </a:solidFill>
+                <a:latin typeface="에스코어 드림 4 Regular"/>
+                <a:cs typeface="에스코어 드림 4 Regular"/>
+              </a:rPr>
+              <a:t>    shutil.copyfileobj(response.raw, out_file)</a:t>
+            </a:r>
+            <a:endParaRPr lang="en-US" altLang="ko-KR" sz="2000" b="1" kern="0" spc="600">
+              <a:solidFill>
+                <a:schemeClr val="tx1"/>
+              </a:solidFill>
+              <a:latin typeface="에스코어 드림 4 Regular"/>
+              <a:cs typeface="에스코어 드림 4 Regular"/>
+            </a:endParaRPr>
+          </a:p>
+          <a:p>
+            <a:pPr>
+              <a:lnSpc>
+                <a:spcPct val="110000"/>
+              </a:lnSpc>
+              <a:defRPr/>
+            </a:pPr>
+            <a:r>
+              <a:rPr lang="en-US" altLang="ko-KR" sz="2000" b="1" kern="0" spc="600">
+                <a:solidFill>
+                  <a:srgbClr val="ef4ddf"/>
+                </a:solidFill>
+                <a:latin typeface="에스코어 드림 4 Regular"/>
+                <a:cs typeface="에스코어 드림 4 Regular"/>
+              </a:rPr>
+              <a:t>del</a:t>
+            </a:r>
+            <a:r>
+              <a:rPr lang="en-US" altLang="ko-KR" sz="2000" b="1" kern="0" spc="600">
+                <a:solidFill>
+                  <a:schemeClr val="tx1"/>
+                </a:solidFill>
+                <a:latin typeface="에스코어 드림 4 Regular"/>
+                <a:cs typeface="에스코어 드림 4 Regular"/>
+              </a:rPr>
+              <a:t> response</a:t>
+            </a:r>
+            <a:endParaRPr lang="en-US" altLang="ko-KR" sz="2000" b="1" kern="0" spc="600">
+              <a:solidFill>
+                <a:schemeClr val="tx1"/>
+              </a:solidFill>
+              <a:latin typeface="에스코어 드림 4 Regular"/>
+              <a:cs typeface="에스코어 드림 4 Regular"/>
+            </a:endParaRPr>
+          </a:p>
+          <a:p>
+            <a:pPr>
+              <a:lnSpc>
+                <a:spcPct val="110000"/>
+              </a:lnSpc>
+              <a:defRPr/>
+            </a:pPr>
+            <a:endParaRPr lang="en-US" altLang="ko-KR" sz="2000" b="1" kern="0" spc="600">
+              <a:solidFill>
+                <a:schemeClr val="tx1"/>
+              </a:solidFill>
+              <a:latin typeface="에스코어 드림 4 Regular"/>
+              <a:cs typeface="에스코어 드림 4 Regular"/>
+            </a:endParaRPr>
+          </a:p>
+          <a:p>
+            <a:pPr>
+              <a:lnSpc>
+                <a:spcPct val="110000"/>
+              </a:lnSpc>
+              <a:defRPr/>
+            </a:pPr>
+            <a:r>
+              <a:rPr lang="en-US" altLang="ko-KR" sz="2000" b="1" kern="0" spc="600">
+                <a:solidFill>
+                  <a:schemeClr val="tx1"/>
+                </a:solidFill>
+                <a:latin typeface="에스코어 드림 4 Regular"/>
+                <a:cs typeface="에스코어 드림 4 Regular"/>
+              </a:rPr>
+              <a:t># 다운로드 받은 이미지 파일을 분석하여 답을 도출합니다.</a:t>
+            </a:r>
+            <a:endParaRPr lang="en-US" altLang="ko-KR" sz="2000" b="1" kern="0" spc="600">
+              <a:solidFill>
+                <a:schemeClr val="tx1"/>
+              </a:solidFill>
+              <a:latin typeface="에스코어 드림 4 Regular"/>
+              <a:cs typeface="에스코어 드림 4 Regular"/>
+            </a:endParaRPr>
+          </a:p>
+          <a:p>
+            <a:pPr>
+              <a:lnSpc>
+                <a:spcPct val="110000"/>
+              </a:lnSpc>
+              <a:defRPr/>
+            </a:pPr>
+            <a:r>
+              <a:rPr lang="en-US" altLang="ko-KR" sz="2000" b="1" kern="0" spc="600">
+                <a:solidFill>
+                  <a:schemeClr val="tx1"/>
+                </a:solidFill>
+                <a:latin typeface="에스코어 드림 4 Regular"/>
+                <a:cs typeface="에스코어 드림 4 Regular"/>
+              </a:rPr>
+              <a:t>answer_string = </a:t>
+            </a:r>
+            <a:r>
+              <a:rPr lang="en-US" altLang="ko-KR" sz="2000" b="1" kern="0" spc="600">
+                <a:solidFill>
+                  <a:srgbClr val="f6a328"/>
+                </a:solidFill>
+                <a:latin typeface="에스코어 드림 4 Regular"/>
+                <a:cs typeface="에스코어 드림 4 Regular"/>
+              </a:rPr>
+              <a:t>get_result</a:t>
+            </a:r>
+            <a:r>
+              <a:rPr lang="en-US" altLang="ko-KR" sz="2000" b="1" kern="0" spc="600">
+                <a:solidFill>
+                  <a:schemeClr val="tx1"/>
+                </a:solidFill>
+                <a:latin typeface="에스코어 드림 4 Regular"/>
+                <a:cs typeface="에스코어 드림 4 Regular"/>
+              </a:rPr>
+              <a:t>(target_image)</a:t>
+            </a:r>
+            <a:endParaRPr lang="en-US" altLang="ko-KR" sz="2000" b="1" kern="0" spc="600">
+              <a:solidFill>
+                <a:schemeClr val="tx1"/>
+              </a:solidFill>
+              <a:latin typeface="에스코어 드림 4 Regular"/>
+              <a:cs typeface="에스코어 드림 4 Regular"/>
+            </a:endParaRPr>
+          </a:p>
+          <a:p>
+            <a:pPr>
+              <a:lnSpc>
+                <a:spcPct val="110000"/>
+              </a:lnSpc>
+              <a:defRPr/>
+            </a:pPr>
+            <a:r>
+              <a:rPr lang="en-US" altLang="ko-KR" sz="2000" b="1" kern="0" spc="600">
+                <a:solidFill>
+                  <a:schemeClr val="tx1"/>
+                </a:solidFill>
+                <a:latin typeface="에스코어 드림 4 Regular"/>
+                <a:cs typeface="에스코어 드림 4 Regular"/>
+              </a:rPr>
+              <a:t>print('String: ' + answer_string)</a:t>
+            </a:r>
+            <a:endParaRPr lang="en-US" altLang="ko-KR" sz="2000" b="1" kern="0" spc="600">
+              <a:solidFill>
+                <a:schemeClr val="tx1"/>
+              </a:solidFill>
+              <a:latin typeface="에스코어 드림 4 Regular"/>
+              <a:cs typeface="에스코어 드림 4 Regular"/>
+            </a:endParaRPr>
+          </a:p>
+          <a:p>
+            <a:pPr>
+              <a:lnSpc>
+                <a:spcPct val="110000"/>
+              </a:lnSpc>
+              <a:defRPr/>
+            </a:pPr>
+            <a:r>
+              <a:rPr lang="en-US" altLang="ko-KR" sz="2000" b="1" kern="0" spc="600">
+                <a:solidFill>
+                  <a:schemeClr val="tx1"/>
+                </a:solidFill>
+                <a:latin typeface="에스코어 드림 4 Regular"/>
+                <a:cs typeface="에스코어 드림 4 Regular"/>
+              </a:rPr>
+              <a:t>answer_string = </a:t>
+            </a:r>
+            <a:r>
+              <a:rPr lang="en-US" altLang="ko-KR" sz="2000" b="1" kern="0" spc="600">
+                <a:solidFill>
+                  <a:srgbClr val="f6a328"/>
+                </a:solidFill>
+                <a:latin typeface="에스코어 드림 4 Regular"/>
+                <a:cs typeface="에스코어 드림 4 Regular"/>
+              </a:rPr>
+              <a:t>remove_first_0</a:t>
+            </a:r>
+            <a:r>
+              <a:rPr lang="en-US" altLang="ko-KR" sz="2000" b="1" kern="0" spc="600">
+                <a:solidFill>
+                  <a:schemeClr val="tx1"/>
+                </a:solidFill>
+                <a:latin typeface="에스코어 드림 4 Regular"/>
+                <a:cs typeface="에스코어 드림 4 Regular"/>
+              </a:rPr>
+              <a:t>(answer_string)</a:t>
+            </a:r>
+            <a:endParaRPr lang="en-US" altLang="ko-KR" sz="2000" b="1" kern="0" spc="600">
+              <a:solidFill>
+                <a:schemeClr val="tx1"/>
+              </a:solidFill>
+              <a:latin typeface="에스코어 드림 4 Regular"/>
+              <a:cs typeface="에스코어 드림 4 Regular"/>
+            </a:endParaRPr>
+          </a:p>
+          <a:p>
+            <a:pPr>
+              <a:lnSpc>
+                <a:spcPct val="110000"/>
+              </a:lnSpc>
+              <a:defRPr/>
+            </a:pPr>
+            <a:r>
+              <a:rPr lang="en-US" altLang="ko-KR" sz="2000" b="1" kern="0" spc="600">
+                <a:solidFill>
+                  <a:schemeClr val="tx1"/>
+                </a:solidFill>
+                <a:latin typeface="에스코어 드림 4 Regular"/>
+                <a:cs typeface="에스코어 드림 4 Regular"/>
+              </a:rPr>
+              <a:t>answer = str(</a:t>
+            </a:r>
+            <a:r>
+              <a:rPr lang="en-US" altLang="ko-KR" sz="2000" b="1" kern="0" spc="600">
+                <a:solidFill>
+                  <a:srgbClr val="ff6600"/>
+                </a:solidFill>
+                <a:latin typeface="에스코어 드림 4 Regular"/>
+                <a:cs typeface="에스코어 드림 4 Regular"/>
+              </a:rPr>
+              <a:t>eval</a:t>
+            </a:r>
+            <a:r>
+              <a:rPr lang="en-US" altLang="ko-KR" sz="2000" b="1" kern="0" spc="600">
+                <a:solidFill>
+                  <a:schemeClr val="tx1"/>
+                </a:solidFill>
+                <a:latin typeface="에스코어 드림 4 Regular"/>
+                <a:cs typeface="에스코어 드림 4 Regular"/>
+              </a:rPr>
+              <a:t>(answer_string)) </a:t>
+            </a:r>
+            <a:endParaRPr lang="en-US" altLang="ko-KR" sz="2000" b="1" kern="0" spc="600">
+              <a:solidFill>
+                <a:srgbClr val="008000"/>
+              </a:solidFill>
+              <a:latin typeface="에스코어 드림 4 Regular"/>
+              <a:cs typeface="에스코어 드림 4 Regular"/>
+            </a:endParaRPr>
+          </a:p>
+          <a:p>
+            <a:pPr>
+              <a:lnSpc>
+                <a:spcPct val="110000"/>
+              </a:lnSpc>
+              <a:defRPr/>
+            </a:pPr>
+            <a:r>
+              <a:rPr lang="ko-KR" altLang="en-US" sz="2000" b="1" kern="0" spc="600">
+                <a:solidFill>
+                  <a:srgbClr val="008000"/>
+                </a:solidFill>
+                <a:latin typeface="에스코어 드림 4 Regular"/>
+                <a:cs typeface="에스코어 드림 4 Regular"/>
+              </a:rPr>
+              <a:t>               </a:t>
+            </a:r>
+            <a:r>
+              <a:rPr lang="en-US" altLang="ko-KR" sz="2000" b="1" kern="0" spc="600">
+                <a:solidFill>
+                  <a:srgbClr val="008000"/>
+                </a:solidFill>
+                <a:latin typeface="에스코어 드림 4 Regular"/>
+                <a:cs typeface="에스코어 드림 4 Regular"/>
+              </a:rPr>
+              <a:t>#ex)</a:t>
+            </a:r>
+            <a:r>
+              <a:rPr lang="en-US" altLang="ko-KR" sz="2000" b="1" kern="0" spc="600">
+                <a:solidFill>
+                  <a:srgbClr val="ff6600"/>
+                </a:solidFill>
+                <a:latin typeface="에스코어 드림 4 Regular"/>
+                <a:cs typeface="에스코어 드림 4 Regular"/>
+              </a:rPr>
+              <a:t>eval</a:t>
+            </a:r>
+            <a:r>
+              <a:rPr lang="en-US" altLang="ko-KR" sz="2000" b="1" kern="0" spc="600">
+                <a:solidFill>
+                  <a:srgbClr val="008000"/>
+                </a:solidFill>
+                <a:latin typeface="에스코어 드림 4 Regular"/>
+                <a:cs typeface="에스코어 드림 4 Regular"/>
+              </a:rPr>
+              <a:t>("7+5") = 12, 문자열로 이루어진 수식을 계산하는 함수</a:t>
+            </a:r>
+            <a:endParaRPr lang="en-US" altLang="ko-KR" sz="2000" b="1" kern="0" spc="600">
+              <a:solidFill>
+                <a:srgbClr val="008000"/>
+              </a:solidFill>
+              <a:latin typeface="에스코어 드림 4 Regular"/>
+              <a:cs typeface="에스코어 드림 4 Regular"/>
+            </a:endParaRPr>
+          </a:p>
+          <a:p>
+            <a:pPr>
+              <a:lnSpc>
+                <a:spcPct val="110000"/>
+              </a:lnSpc>
+              <a:defRPr/>
+            </a:pPr>
+            <a:r>
+              <a:rPr lang="en-US" altLang="ko-KR" sz="2000" b="1" kern="0" spc="600">
+                <a:solidFill>
+                  <a:schemeClr val="tx1"/>
+                </a:solidFill>
+                <a:latin typeface="에스코어 드림 4 Regular"/>
+                <a:cs typeface="에스코어 드림 4 Regular"/>
+              </a:rPr>
+              <a:t>print('Answer: ' + answer)</a:t>
+            </a:r>
+            <a:endParaRPr lang="en-US" altLang="ko-KR" sz="2000" b="1" kern="0" spc="600">
+              <a:solidFill>
+                <a:schemeClr val="tx1"/>
+              </a:solidFill>
+              <a:latin typeface="에스코어 드림 4 Regular"/>
+              <a:cs typeface="에스코어 드림 4 Regular"/>
+            </a:endParaRPr>
+          </a:p>
+        </p:txBody>
+      </p:sp>
     </p:spTree>
   </p:cSld>
   <p:clrMapOvr>

--- a/python데이터 분석과 이미지처리.pptx
+++ b/python데이터 분석과 이미지처리.pptx
@@ -2,7 +2,7 @@
 <file path=ppt/presentation.xml><?xml version="1.0" encoding="utf-8"?>
 <p:presentation xmlns:r="http://schemas.openxmlformats.org/officeDocument/2006/relationships" xmlns:c="http://schemas.openxmlformats.org/drawingml/2006/chart" xmlns:a="http://schemas.openxmlformats.org/drawingml/2006/main" xmlns:dgm="http://schemas.openxmlformats.org/drawingml/2006/diagram" xmlns:dsp="http://schemas.microsoft.com/office/drawing/2008/diagram" xmlns:p="http://schemas.openxmlformats.org/presentationml/2006/main" saveSubsetFonts="1">
   <p:sldMasterIdLst>
-    <p:sldMasterId id="2147483663" r:id="rId1"/>
+    <p:sldMasterId id="2147483733" r:id="rId1"/>
   </p:sldMasterIdLst>
   <p:sldIdLst>
     <p:sldId id="256" r:id="rId2"/>
@@ -2533,12 +2533,16 @@
 </file>
 
 <file path=ppt/slideMasters/slideMaster1.xml><?xml version="1.0" encoding="utf-8"?>
-<p:sldMaster xmlns:a="http://schemas.openxmlformats.org/drawingml/2006/main" xmlns:r="http://schemas.openxmlformats.org/officeDocument/2006/relationships" xmlns:p="http://schemas.openxmlformats.org/presentationml/2006/main">
-  <p:cSld>
+<p:sldMaster xmlns:r="http://schemas.openxmlformats.org/officeDocument/2006/relationships" xmlns:c="http://schemas.openxmlformats.org/drawingml/2006/chart" xmlns:a="http://schemas.openxmlformats.org/drawingml/2006/main" xmlns:dgm="http://schemas.openxmlformats.org/drawingml/2006/diagram" xmlns:dsp="http://schemas.microsoft.com/office/drawing/2008/diagram" xmlns:p="http://schemas.openxmlformats.org/presentationml/2006/main">
+  <p:cSld name="Office Theme">
     <p:bg>
-      <p:bgRef idx="1001">
-        <a:schemeClr val="bg1"/>
-      </p:bgRef>
+      <p:bgPr shadeToTitle="0">
+        <a:solidFill>
+          <a:srgbClr val="808080">
+            <a:alpha val="0"/>
+          </a:srgbClr>
+        </a:solidFill>
+      </p:bgPr>
     </p:bg>
     <p:spTree>
       <p:nvGrpSpPr>
@@ -2561,7 +2565,7 @@
             <a:spLocks noGrp="1"/>
           </p:cNvSpPr>
           <p:nvPr>
-            <p:ph type="title"/>
+            <p:ph type="title" idx="0"/>
           </p:nvPr>
         </p:nvSpPr>
         <p:spPr>
@@ -2574,13 +2578,16 @@
           </a:prstGeom>
         </p:spPr>
         <p:txBody>
-          <a:bodyPr vert="horz" lIns="91440" tIns="45720" rIns="91440" bIns="45720" rtlCol="0" anchor="ctr">
+          <a:bodyPr vert="horz" lIns="91440" tIns="45720" rIns="91440" bIns="45720" anchor="ctr">
             <a:normAutofit/>
           </a:bodyPr>
           <a:lstStyle/>
           <a:p>
-            <a:r>
-              <a:rPr lang="en-US" smtClean="0"/>
+            <a:pPr lvl="0">
+              <a:defRPr/>
+            </a:pPr>
+            <a:r>
+              <a:rPr lang="en-US"/>
               <a:t>Click to edit Master title style</a:t>
             </a:r>
             <a:endParaRPr lang="en-US"/>
@@ -2607,42 +2614,56 @@
           </a:prstGeom>
         </p:spPr>
         <p:txBody>
-          <a:bodyPr vert="horz" lIns="91440" tIns="45720" rIns="91440" bIns="45720" rtlCol="0">
+          <a:bodyPr vert="horz" lIns="91440" tIns="45720" rIns="91440" bIns="45720">
             <a:normAutofit/>
           </a:bodyPr>
           <a:lstStyle/>
           <a:p>
-            <a:pPr lvl="0"/>
-            <a:r>
-              <a:rPr lang="en-US" smtClean="0"/>
+            <a:pPr lvl="0">
+              <a:defRPr/>
+            </a:pPr>
+            <a:r>
+              <a:rPr lang="en-US"/>
               <a:t>Click to edit Master text styles</a:t>
             </a:r>
-          </a:p>
-          <a:p>
-            <a:pPr lvl="1"/>
-            <a:r>
-              <a:rPr lang="en-US" smtClean="0"/>
+            <a:endParaRPr lang="en-US"/>
+          </a:p>
+          <a:p>
+            <a:pPr lvl="1">
+              <a:defRPr/>
+            </a:pPr>
+            <a:r>
+              <a:rPr lang="en-US"/>
               <a:t>Second level</a:t>
             </a:r>
-          </a:p>
-          <a:p>
-            <a:pPr lvl="2"/>
-            <a:r>
-              <a:rPr lang="en-US" smtClean="0"/>
+            <a:endParaRPr lang="en-US"/>
+          </a:p>
+          <a:p>
+            <a:pPr lvl="2">
+              <a:defRPr/>
+            </a:pPr>
+            <a:r>
+              <a:rPr lang="en-US"/>
               <a:t>Third level</a:t>
             </a:r>
-          </a:p>
-          <a:p>
-            <a:pPr lvl="3"/>
-            <a:r>
-              <a:rPr lang="en-US" smtClean="0"/>
+            <a:endParaRPr lang="en-US"/>
+          </a:p>
+          <a:p>
+            <a:pPr lvl="3">
+              <a:defRPr/>
+            </a:pPr>
+            <a:r>
+              <a:rPr lang="en-US"/>
               <a:t>Fourth level</a:t>
             </a:r>
-          </a:p>
-          <a:p>
-            <a:pPr lvl="4"/>
-            <a:r>
-              <a:rPr lang="en-US" smtClean="0"/>
+            <a:endParaRPr lang="en-US"/>
+          </a:p>
+          <a:p>
+            <a:pPr lvl="4">
+              <a:defRPr/>
+            </a:pPr>
+            <a:r>
+              <a:rPr lang="en-US"/>
               <a:t>Fifth level</a:t>
             </a:r>
             <a:endParaRPr lang="en-US"/>
@@ -2669,7 +2690,7 @@
           </a:prstGeom>
         </p:spPr>
         <p:txBody>
-          <a:bodyPr vert="horz" lIns="91440" tIns="45720" rIns="91440" bIns="45720" rtlCol="0" anchor="ctr"/>
+          <a:bodyPr vert="horz" lIns="91440" tIns="45720" rIns="91440" bIns="45720" anchor="ctr"/>
           <a:lstStyle>
             <a:lvl1pPr algn="l">
               <a:defRPr sz="1200">
@@ -2682,9 +2703,15 @@
             </a:lvl1pPr>
           </a:lstStyle>
           <a:p>
-            <a:fld id="{F8166F1F-CE9B-4651-A6AA-CD717754106B}" type="datetimeFigureOut">
-              <a:rPr lang="en-US" smtClean="0"/>
-              <a:t>6/13/2013</a:t>
+            <a:pPr lvl="0">
+              <a:defRPr/>
+            </a:pPr>
+            <a:fld id="{F8166F1F-CE9B-4651-A6AA-CD717754106B}" type="datetime1">
+              <a:rPr lang="en-US"/>
+              <a:pPr lvl="0">
+                <a:defRPr/>
+              </a:pPr>
+              <a:t>7/25/2021</a:t>
             </a:fld>
             <a:endParaRPr lang="en-US"/>
           </a:p>
@@ -2710,7 +2737,7 @@
           </a:prstGeom>
         </p:spPr>
         <p:txBody>
-          <a:bodyPr vert="horz" lIns="91440" tIns="45720" rIns="91440" bIns="45720" rtlCol="0" anchor="ctr"/>
+          <a:bodyPr vert="horz" lIns="91440" tIns="45720" rIns="91440" bIns="45720" anchor="ctr"/>
           <a:lstStyle>
             <a:lvl1pPr algn="ctr">
               <a:defRPr sz="1200">
@@ -2723,7 +2750,14 @@
             </a:lvl1pPr>
           </a:lstStyle>
           <a:p>
-            <a:endParaRPr lang="en-US"/>
+            <a:pPr lvl="0">
+              <a:defRPr/>
+            </a:pPr>
+            <a:r>
+              <a:rPr lang="ko-KR" altLang="en-US"/>
+              <a:t/>
+            </a:r>
+            <a:endParaRPr lang="ko-KR" altLang="en-US"/>
           </a:p>
         </p:txBody>
       </p:sp>
@@ -2747,7 +2781,7 @@
           </a:prstGeom>
         </p:spPr>
         <p:txBody>
-          <a:bodyPr vert="horz" lIns="91440" tIns="45720" rIns="91440" bIns="45720" rtlCol="0" anchor="ctr"/>
+          <a:bodyPr vert="horz" lIns="91440" tIns="45720" rIns="91440" bIns="45720" anchor="ctr"/>
           <a:lstStyle>
             <a:lvl1pPr algn="r">
               <a:defRPr sz="1200">
@@ -2760,8 +2794,14 @@
             </a:lvl1pPr>
           </a:lstStyle>
           <a:p>
+            <a:pPr lvl="0">
+              <a:defRPr/>
+            </a:pPr>
             <a:fld id="{F7021451-1387-4CA6-816F-3879F97B5CBC}" type="slidenum">
-              <a:rPr lang="en-US" smtClean="0"/>
+              <a:rPr lang="en-US"/>
+              <a:pPr lvl="0">
+                <a:defRPr/>
+              </a:pPr>
               <a:t>�#�</a:t>
             </a:fld>
             <a:endParaRPr lang="en-US"/>
@@ -2772,18 +2812,19 @@
   </p:cSld>
   <p:clrMap bg1="lt1" tx1="dk1" bg2="lt2" tx2="dk2" accent1="accent1" accent2="accent2" accent3="accent3" accent4="accent4" accent5="accent5" accent6="accent6" hlink="hlink" folHlink="folHlink"/>
   <p:sldLayoutIdLst>
-    <p:sldLayoutId id="2147483649" r:id="rId1"/>
-    <p:sldLayoutId id="2147483650" r:id="rId3"/>
-    <p:sldLayoutId id="2147483651" r:id="rId4"/>
-    <p:sldLayoutId id="2147483652" r:id="rId5"/>
-    <p:sldLayoutId id="2147483653" r:id="rId6"/>
-    <p:sldLayoutId id="2147483654" r:id="rId7"/>
-    <p:sldLayoutId id="2147483655" r:id="rId8"/>
-    <p:sldLayoutId id="2147483656" r:id="rId9"/>
-    <p:sldLayoutId id="2147483657" r:id="rId10"/>
-    <p:sldLayoutId id="2147483658" r:id="rId11"/>
-    <p:sldLayoutId id="2147483659" r:id="rId12"/>
+    <p:sldLayoutId id="2147483701" r:id="rId1"/>
+    <p:sldLayoutId id="2147483702" r:id="rId2"/>
+    <p:sldLayoutId id="2147483703" r:id="rId3"/>
+    <p:sldLayoutId id="2147483704" r:id="rId4"/>
+    <p:sldLayoutId id="2147483705" r:id="rId5"/>
+    <p:sldLayoutId id="2147483706" r:id="rId6"/>
+    <p:sldLayoutId id="2147483707" r:id="rId7"/>
+    <p:sldLayoutId id="2147483708" r:id="rId8"/>
+    <p:sldLayoutId id="2147483709" r:id="rId9"/>
+    <p:sldLayoutId id="2147483710" r:id="rId10"/>
+    <p:sldLayoutId id="2147483711" r:id="rId11"/>
   </p:sldLayoutIdLst>
+  <p:transition xmlns:mc="http://schemas.openxmlformats.org/markup-compatibility/2006" xmlns:hp="http://schemas.haansoft.com/office/presentation/8.0" mc:Ignorable="hp" hp:hslDur="500"/>
   <p:txStyles>
     <p:titleStyle>
       <a:lvl1pPr algn="ctr" defTabSz="914400" rtl="0" eaLnBrk="1" latinLnBrk="0" hangingPunct="1">
@@ -2806,7 +2847,7 @@
         <a:spcBef>
           <a:spcPct val="20000"/>
         </a:spcBef>
-        <a:buFont typeface="Arial" pitchFamily="34" charset="0"/>
+        <a:buFont typeface="Arial"/>
         <a:buChar char="�"/>
         <a:defRPr sz="3200" kern="1200">
           <a:solidFill>
@@ -2821,7 +2862,7 @@
         <a:spcBef>
           <a:spcPct val="20000"/>
         </a:spcBef>
-        <a:buFont typeface="Arial" pitchFamily="34" charset="0"/>
+        <a:buFont typeface="Arial"/>
         <a:buChar char="�"/>
         <a:defRPr sz="2800" kern="1200">
           <a:solidFill>
@@ -2836,7 +2877,7 @@
         <a:spcBef>
           <a:spcPct val="20000"/>
         </a:spcBef>
-        <a:buFont typeface="Arial" pitchFamily="34" charset="0"/>
+        <a:buFont typeface="Arial"/>
         <a:buChar char="�"/>
         <a:defRPr sz="2400" kern="1200">
           <a:solidFill>
@@ -2851,7 +2892,7 @@
         <a:spcBef>
           <a:spcPct val="20000"/>
         </a:spcBef>
-        <a:buFont typeface="Arial" pitchFamily="34" charset="0"/>
+        <a:buFont typeface="Arial"/>
         <a:buChar char="�"/>
         <a:defRPr sz="2000" kern="1200">
           <a:solidFill>
@@ -2866,7 +2907,7 @@
         <a:spcBef>
           <a:spcPct val="20000"/>
         </a:spcBef>
-        <a:buFont typeface="Arial" pitchFamily="34" charset="0"/>
+        <a:buFont typeface="Arial"/>
         <a:buChar char="�"/>
         <a:defRPr sz="2000" kern="1200">
           <a:solidFill>
@@ -2881,7 +2922,7 @@
         <a:spcBef>
           <a:spcPct val="20000"/>
         </a:spcBef>
-        <a:buFont typeface="Arial" pitchFamily="34" charset="0"/>
+        <a:buFont typeface="Arial"/>
         <a:buChar char="�"/>
         <a:defRPr sz="2000" kern="1200">
           <a:solidFill>
@@ -2896,7 +2937,7 @@
         <a:spcBef>
           <a:spcPct val="20000"/>
         </a:spcBef>
-        <a:buFont typeface="Arial" pitchFamily="34" charset="0"/>
+        <a:buFont typeface="Arial"/>
         <a:buChar char="�"/>
         <a:defRPr sz="2000" kern="1200">
           <a:solidFill>
@@ -2911,7 +2952,7 @@
         <a:spcBef>
           <a:spcPct val="20000"/>
         </a:spcBef>
-        <a:buFont typeface="Arial" pitchFamily="34" charset="0"/>
+        <a:buFont typeface="Arial"/>
         <a:buChar char="�"/>
         <a:defRPr sz="2000" kern="1200">
           <a:solidFill>
@@ -2926,7 +2967,7 @@
         <a:spcBef>
           <a:spcPct val="20000"/>
         </a:spcBef>
-        <a:buFont typeface="Arial" pitchFamily="34" charset="0"/>
+        <a:buFont typeface="Arial"/>
         <a:buChar char="�"/>
         <a:defRPr sz="2000" kern="1200">
           <a:solidFill>
@@ -3040,13 +3081,6 @@
 <file path=ppt/slides/slide1.xml><?xml version="1.0" encoding="utf-8"?>
 <p:sld xmlns:r="http://schemas.openxmlformats.org/officeDocument/2006/relationships" xmlns:c="http://schemas.openxmlformats.org/drawingml/2006/chart" xmlns:a="http://schemas.openxmlformats.org/drawingml/2006/main" xmlns:dgm="http://schemas.openxmlformats.org/drawingml/2006/diagram" xmlns:dsp="http://schemas.microsoft.com/office/drawing/2008/diagram" xmlns:p="http://schemas.openxmlformats.org/presentationml/2006/main">
   <p:cSld name="Slide 1">
-    <p:bg>
-      <p:bgPr shadeToTitle="0">
-        <a:solidFill>
-          <a:srgbClr val="f4f4f4"/>
-        </a:solidFill>
-      </p:bgPr>
-    </p:bg>
     <p:spTree>
       <p:nvGrpSpPr>
         <p:cNvPr id="1" name=""/>
@@ -3330,7 +3364,7 @@
               <a:defRPr/>
             </a:pPr>
             <a:r>
-              <a:rPr lang="en-US" altLang="ko-KR" sz="9600" b="0" kern="0" spc="-400">
+              <a:rPr xmlns:mc="http://schemas.openxmlformats.org/markup-compatibility/2006" xmlns:hp="http://schemas.haansoft.com/office/presentation/8.0" lang="en-US" altLang="ko-KR" sz="9600" b="0" kern="0" spc="-400" mc:Ignorable="hp" hp:hslEmbossed="0">
                 <a:solidFill>
                   <a:srgbClr val="000000"/>
                 </a:solidFill>
@@ -3352,7 +3386,7 @@
               <a:t>Python </a:t>
             </a:r>
             <a:r>
-              <a:rPr lang="ko-KR" altLang="en-US" sz="9600" b="1" kern="0" spc="-400">
+              <a:rPr xmlns:mc="http://schemas.openxmlformats.org/markup-compatibility/2006" xmlns:hp="http://schemas.haansoft.com/office/presentation/8.0" lang="ko-KR" altLang="en-US" sz="9600" b="1" kern="0" spc="-400" mc:Ignorable="hp" hp:hslEmbossed="0">
                 <a:solidFill>
                   <a:srgbClr val="000000"/>
                 </a:solidFill>
@@ -3373,7 +3407,7 @@
               </a:rPr>
               <a:t>데이터 분석</a:t>
             </a:r>
-            <a:endParaRPr lang="ko-KR" altLang="en-US" sz="9600" b="1" kern="0" spc="-400">
+            <a:endParaRPr xmlns:mc="http://schemas.openxmlformats.org/markup-compatibility/2006" xmlns:hp="http://schemas.haansoft.com/office/presentation/8.0" lang="ko-KR" altLang="en-US" sz="9600" b="1" kern="0" spc="-400" mc:Ignorable="hp" hp:hslEmbossed="0">
               <a:solidFill>
                 <a:srgbClr val="000000"/>
               </a:solidFill>
@@ -3414,13 +3448,6 @@
 <file path=ppt/slides/slide10.xml><?xml version="1.0" encoding="utf-8"?>
 <p:sld xmlns:r="http://schemas.openxmlformats.org/officeDocument/2006/relationships" xmlns:c="http://schemas.openxmlformats.org/drawingml/2006/chart" xmlns:a="http://schemas.openxmlformats.org/drawingml/2006/main" xmlns:dgm="http://schemas.openxmlformats.org/drawingml/2006/diagram" xmlns:dsp="http://schemas.microsoft.com/office/drawing/2008/diagram" xmlns:p="http://schemas.openxmlformats.org/presentationml/2006/main">
   <p:cSld name="Slide 6">
-    <p:bg>
-      <p:bgPr shadeToTitle="0">
-        <a:solidFill>
-          <a:srgbClr val="ffffff"/>
-        </a:solidFill>
-      </p:bgPr>
-    </p:bg>
     <p:spTree>
       <p:nvGrpSpPr>
         <p:cNvPr id="1" name=""/>
@@ -4453,13 +4480,6 @@
 <file path=ppt/slides/slide11.xml><?xml version="1.0" encoding="utf-8"?>
 <p:sld xmlns:r="http://schemas.openxmlformats.org/officeDocument/2006/relationships" xmlns:c="http://schemas.openxmlformats.org/drawingml/2006/chart" xmlns:a="http://schemas.openxmlformats.org/drawingml/2006/main" xmlns:dgm="http://schemas.openxmlformats.org/drawingml/2006/diagram" xmlns:dsp="http://schemas.microsoft.com/office/drawing/2008/diagram" xmlns:p="http://schemas.openxmlformats.org/presentationml/2006/main">
   <p:cSld name="Slide 6">
-    <p:bg>
-      <p:bgPr shadeToTitle="0">
-        <a:solidFill>
-          <a:srgbClr val="ffffff"/>
-        </a:solidFill>
-      </p:bgPr>
-    </p:bg>
     <p:spTree>
       <p:nvGrpSpPr>
         <p:cNvPr id="1" name=""/>
@@ -6150,13 +6170,6 @@
 <file path=ppt/slides/slide12.xml><?xml version="1.0" encoding="utf-8"?>
 <p:sld xmlns:r="http://schemas.openxmlformats.org/officeDocument/2006/relationships" xmlns:c="http://schemas.openxmlformats.org/drawingml/2006/chart" xmlns:a="http://schemas.openxmlformats.org/drawingml/2006/main" xmlns:dgm="http://schemas.openxmlformats.org/drawingml/2006/diagram" xmlns:dsp="http://schemas.microsoft.com/office/drawing/2008/diagram" xmlns:p="http://schemas.openxmlformats.org/presentationml/2006/main">
   <p:cSld name="Slide 6">
-    <p:bg>
-      <p:bgPr shadeToTitle="0">
-        <a:solidFill>
-          <a:srgbClr val="ffffff"/>
-        </a:solidFill>
-      </p:bgPr>
-    </p:bg>
     <p:spTree>
       <p:nvGrpSpPr>
         <p:cNvPr id="1" name=""/>
@@ -6763,13 +6776,6 @@
 <file path=ppt/slides/slide13.xml><?xml version="1.0" encoding="utf-8"?>
 <p:sld xmlns:r="http://schemas.openxmlformats.org/officeDocument/2006/relationships" xmlns:c="http://schemas.openxmlformats.org/drawingml/2006/chart" xmlns:a="http://schemas.openxmlformats.org/drawingml/2006/main" xmlns:dgm="http://schemas.openxmlformats.org/drawingml/2006/diagram" xmlns:dsp="http://schemas.microsoft.com/office/drawing/2008/diagram" xmlns:p="http://schemas.openxmlformats.org/presentationml/2006/main">
   <p:cSld name="Slide 6">
-    <p:bg>
-      <p:bgPr shadeToTitle="0">
-        <a:solidFill>
-          <a:srgbClr val="ffffff"/>
-        </a:solidFill>
-      </p:bgPr>
-    </p:bg>
     <p:spTree>
       <p:nvGrpSpPr>
         <p:cNvPr id="1" name=""/>
@@ -7988,13 +7994,6 @@
 <file path=ppt/slides/slide14.xml><?xml version="1.0" encoding="utf-8"?>
 <p:sld xmlns:r="http://schemas.openxmlformats.org/officeDocument/2006/relationships" xmlns:c="http://schemas.openxmlformats.org/drawingml/2006/chart" xmlns:a="http://schemas.openxmlformats.org/drawingml/2006/main" xmlns:dgm="http://schemas.openxmlformats.org/drawingml/2006/diagram" xmlns:dsp="http://schemas.microsoft.com/office/drawing/2008/diagram" xmlns:p="http://schemas.openxmlformats.org/presentationml/2006/main">
   <p:cSld name="Slide 6">
-    <p:bg>
-      <p:bgPr shadeToTitle="0">
-        <a:solidFill>
-          <a:srgbClr val="ffffff"/>
-        </a:solidFill>
-      </p:bgPr>
-    </p:bg>
     <p:spTree>
       <p:nvGrpSpPr>
         <p:cNvPr id="1" name=""/>
@@ -8737,7 +8736,7 @@
             </a:r>
             <a:endParaRPr lang="ko-KR" altLang="en-US" sz="2000" b="1" kern="0" spc="600">
               <a:solidFill>
-                <a:srgbClr val="000000"/>
+                <a:srgbClr val="008000"/>
               </a:solidFill>
               <a:latin typeface="에스코어 드림 4 Regular"/>
               <a:cs typeface="에스코어 드림 4 Regular"/>
@@ -8848,7 +8847,7 @@
               </a:rPr>
               <a:t> </a:t>
             </a:r>
-            <a:endParaRPr lang="en-US" altLang="ko-KR" sz="2400" b="1" kern="0" spc="600">
+            <a:endParaRPr lang="ko-KR" altLang="en-US" sz="2400" b="1" kern="0" spc="600">
               <a:solidFill>
                 <a:schemeClr val="dk2"/>
               </a:solidFill>
@@ -9027,7 +9026,8 @@
               <a:solidFill>
                 <a:schemeClr val="dk2"/>
               </a:solidFill>
-              <a:latin typeface="에스코어 드림 4 Regular"/>
+              <a:latin typeface="에스코어 드림 3 Light"/>
+              <a:ea typeface="에스코어 드림 3 Light"/>
               <a:cs typeface="에스코어 드림 4 Regular"/>
             </a:endParaRPr>
           </a:p>
@@ -9243,13 +9243,6 @@
 <file path=ppt/slides/slide15.xml><?xml version="1.0" encoding="utf-8"?>
 <p:sld xmlns:r="http://schemas.openxmlformats.org/officeDocument/2006/relationships" xmlns:c="http://schemas.openxmlformats.org/drawingml/2006/chart" xmlns:a="http://schemas.openxmlformats.org/drawingml/2006/main" xmlns:dgm="http://schemas.openxmlformats.org/drawingml/2006/diagram" xmlns:dsp="http://schemas.microsoft.com/office/drawing/2008/diagram" xmlns:p="http://schemas.openxmlformats.org/presentationml/2006/main">
   <p:cSld name="Slide 6">
-    <p:bg>
-      <p:bgPr shadeToTitle="0">
-        <a:solidFill>
-          <a:srgbClr val="ffffff"/>
-        </a:solidFill>
-      </p:bgPr>
-    </p:bg>
     <p:spTree>
       <p:nvGrpSpPr>
         <p:cNvPr id="1" name=""/>
@@ -10271,13 +10264,6 @@
 <file path=ppt/slides/slide16.xml><?xml version="1.0" encoding="utf-8"?>
 <p:sld xmlns:r="http://schemas.openxmlformats.org/officeDocument/2006/relationships" xmlns:c="http://schemas.openxmlformats.org/drawingml/2006/chart" xmlns:a="http://schemas.openxmlformats.org/drawingml/2006/main" xmlns:dgm="http://schemas.openxmlformats.org/drawingml/2006/diagram" xmlns:dsp="http://schemas.microsoft.com/office/drawing/2008/diagram" xmlns:p="http://schemas.openxmlformats.org/presentationml/2006/main">
   <p:cSld name="Slide 6">
-    <p:bg>
-      <p:bgPr shadeToTitle="0">
-        <a:solidFill>
-          <a:srgbClr val="ffffff"/>
-        </a:solidFill>
-      </p:bgPr>
-    </p:bg>
     <p:spTree>
       <p:nvGrpSpPr>
         <p:cNvPr id="1" name=""/>
@@ -10493,7 +10479,7 @@
             </a:r>
             <a:endParaRPr lang="en-US" altLang="ko-KR" sz="2000" b="1" kern="0" spc="600">
               <a:solidFill>
-                <a:schemeClr val="tx1"/>
+                <a:srgbClr val="008000"/>
               </a:solidFill>
               <a:latin typeface="에스코어 드림 4 Regular"/>
               <a:cs typeface="에스코어 드림 4 Regular"/>
@@ -10528,7 +10514,7 @@
             </a:r>
             <a:endParaRPr lang="en-US" altLang="ko-KR" sz="2000" b="1" kern="0" spc="600">
               <a:solidFill>
-                <a:schemeClr val="tx1"/>
+                <a:srgbClr val="42c7f1"/>
               </a:solidFill>
               <a:latin typeface="에스코어 드림 4 Regular"/>
               <a:cs typeface="에스코어 드림 4 Regular"/>
@@ -10933,7 +10919,7 @@
             </a:r>
             <a:endParaRPr lang="en-US" altLang="ko-KR" sz="2000" b="1" kern="0" spc="600">
               <a:solidFill>
-                <a:schemeClr val="tx1"/>
+                <a:srgbClr val="008000"/>
               </a:solidFill>
               <a:latin typeface="에스코어 드림 4 Regular"/>
               <a:cs typeface="에스코어 드림 4 Regular"/>
@@ -11298,7 +11284,7 @@
             </a:r>
             <a:endParaRPr lang="en-US" altLang="ko-KR" sz="2000" b="1" kern="0" spc="600">
               <a:solidFill>
-                <a:srgbClr val="008000"/>
+                <a:schemeClr val="tx1"/>
               </a:solidFill>
               <a:latin typeface="에스코어 드림 4 Regular"/>
               <a:cs typeface="에스코어 드림 4 Regular"/>
@@ -11403,16 +11389,8 @@
 </file>
 
 <file path=ppt/slides/slide17.xml><?xml version="1.0" encoding="utf-8"?>
-<p:sld xmlns:a="http://schemas.openxmlformats.org/drawingml/2006/main" xmlns:r="http://schemas.openxmlformats.org/officeDocument/2006/relationships" xmlns:p="http://schemas.openxmlformats.org/presentationml/2006/main">
+<p:sld xmlns:r="http://schemas.openxmlformats.org/officeDocument/2006/relationships" xmlns:c="http://schemas.openxmlformats.org/drawingml/2006/chart" xmlns:a="http://schemas.openxmlformats.org/drawingml/2006/main" xmlns:dgm="http://schemas.openxmlformats.org/drawingml/2006/diagram" xmlns:dsp="http://schemas.microsoft.com/office/drawing/2008/diagram" xmlns:p="http://schemas.openxmlformats.org/presentationml/2006/main">
   <p:cSld name="Slide 11">
-    <p:bg>
-      <p:bgPr>
-        <a:solidFill>
-          <a:srgbClr val="FFFFFF"/>
-        </a:solidFill>
-        <a:effectLst/>
-      </p:bgPr>
-    </p:bg>
     <p:spTree>
       <p:nvGrpSpPr>
         <p:cNvPr id="1" name=""/>
@@ -11427,301 +11405,6 @@
           <a:chExt cx="0" cy="0"/>
         </a:xfrm>
       </p:grpSpPr>
-      <p:sp>
-        <p:nvSpPr>
-          <p:cNvPr id="2" name="Object 2"/>
-          <p:cNvSpPr txBox="1"/>
-          <p:nvPr/>
-        </p:nvSpPr>
-        <p:spPr>
-          <a:xfrm>
-            <a:off x="4476190" y="9489540"/>
-            <a:ext cx="7714286" cy="365705"/>
-          </a:xfrm>
-          <a:prstGeom prst="rect">
-            <a:avLst/>
-          </a:prstGeom>
-          <a:noFill/>
-        </p:spPr>
-        <p:txBody>
-          <a:bodyPr wrap="square" rtlCol="0"/>
-          <a:lstStyle/>
-          <a:p>
-            <a:pPr algn="ctr"/>
-            <a:r>
-              <a:rPr lang="en-US" sz="1600" spc="500" kern="0" dirty="0" smtClean="0">
-                <a:solidFill>
-                  <a:srgbClr val="656565"/>
-                </a:solidFill>
-                <a:latin typeface="에스코어 드림 3 Light" pitchFamily="34" charset="0"/>
-                <a:cs typeface="에스코어 드림 3 Light" pitchFamily="34" charset="0"/>
-              </a:rPr>
-              <a:t>1</a:t>
-            </a:r>
-            <a:r>
-              <a:rPr lang="en-US" sz="1600" spc="500" kern="0" dirty="0" smtClean="0">
-                <a:solidFill>
-                  <a:srgbClr val="656565"/>
-                </a:solidFill>
-                <a:latin typeface="에스코어 드림 3 Light" pitchFamily="34" charset="0"/>
-                <a:cs typeface="에스코어 드림 3 Light" pitchFamily="34" charset="0"/>
-              </a:rPr>
-              <a:t>0</a:t>
-            </a:r>
-            <a:endParaRPr lang="en-US" dirty="0"/>
-          </a:p>
-        </p:txBody>
-      </p:sp>
-      <p:sp>
-        <p:nvSpPr>
-          <p:cNvPr id="3" name="Object 3"/>
-          <p:cNvSpPr txBox="1"/>
-          <p:nvPr/>
-        </p:nvSpPr>
-        <p:spPr>
-          <a:xfrm>
-            <a:off x="4514286" y="911150"/>
-            <a:ext cx="7714286" cy="685697"/>
-          </a:xfrm>
-          <a:prstGeom prst="rect">
-            <a:avLst/>
-          </a:prstGeom>
-          <a:noFill/>
-        </p:spPr>
-        <p:txBody>
-          <a:bodyPr wrap="square" rtlCol="0"/>
-          <a:lstStyle/>
-          <a:p>
-            <a:pPr algn="ctr"/>
-            <a:r>
-              <a:rPr lang="en-US" sz="3000" spc="1000" kern="0" dirty="0" smtClean="0">
-                <a:solidFill>
-                  <a:srgbClr val="000000"/>
-                </a:solidFill>
-                <a:latin typeface="에스코어 드림 7 ExtraBold" pitchFamily="34" charset="0"/>
-                <a:cs typeface="에스코어 드림 7 ExtraBold" pitchFamily="34" charset="0"/>
-              </a:rPr>
-              <a:t>제</a:t>
-            </a:r>
-            <a:r>
-              <a:rPr lang="en-US" sz="3000" spc="1000" kern="0" dirty="0" smtClean="0">
-                <a:solidFill>
-                  <a:srgbClr val="000000"/>
-                </a:solidFill>
-                <a:latin typeface="에스코어 드림 7 ExtraBold" pitchFamily="34" charset="0"/>
-                <a:cs typeface="에스코어 드림 7 ExtraBold" pitchFamily="34" charset="0"/>
-              </a:rPr>
-              <a:t>목</a:t>
-            </a:r>
-            <a:r>
-              <a:rPr lang="en-US" sz="3000" spc="1000" kern="0" dirty="0" smtClean="0">
-                <a:solidFill>
-                  <a:srgbClr val="000000"/>
-                </a:solidFill>
-                <a:latin typeface="에스코어 드림 7 ExtraBold" pitchFamily="34" charset="0"/>
-                <a:cs typeface="에스코어 드림 7 ExtraBold" pitchFamily="34" charset="0"/>
-              </a:rPr>
-              <a:t>을</a:t>
-            </a:r>
-            <a:r>
-              <a:rPr lang="en-US" sz="3000" spc="1000" kern="0" dirty="0" smtClean="0">
-                <a:solidFill>
-                  <a:srgbClr val="000000"/>
-                </a:solidFill>
-                <a:latin typeface="에스코어 드림 7 ExtraBold" pitchFamily="34" charset="0"/>
-                <a:cs typeface="에스코어 드림 7 ExtraBold" pitchFamily="34" charset="0"/>
-              </a:rPr>
-              <a:t> </a:t>
-            </a:r>
-            <a:r>
-              <a:rPr lang="en-US" sz="3000" spc="1000" kern="0" dirty="0" smtClean="0">
-                <a:solidFill>
-                  <a:srgbClr val="000000"/>
-                </a:solidFill>
-                <a:latin typeface="에스코어 드림 7 ExtraBold" pitchFamily="34" charset="0"/>
-                <a:cs typeface="에스코어 드림 7 ExtraBold" pitchFamily="34" charset="0"/>
-              </a:rPr>
-              <a:t>입</a:t>
-            </a:r>
-            <a:r>
-              <a:rPr lang="en-US" sz="3000" spc="1000" kern="0" dirty="0" smtClean="0">
-                <a:solidFill>
-                  <a:srgbClr val="000000"/>
-                </a:solidFill>
-                <a:latin typeface="에스코어 드림 7 ExtraBold" pitchFamily="34" charset="0"/>
-                <a:cs typeface="에스코어 드림 7 ExtraBold" pitchFamily="34" charset="0"/>
-              </a:rPr>
-              <a:t>력</a:t>
-            </a:r>
-            <a:r>
-              <a:rPr lang="en-US" sz="3000" spc="1000" kern="0" dirty="0" smtClean="0">
-                <a:solidFill>
-                  <a:srgbClr val="000000"/>
-                </a:solidFill>
-                <a:latin typeface="에스코어 드림 7 ExtraBold" pitchFamily="34" charset="0"/>
-                <a:cs typeface="에스코어 드림 7 ExtraBold" pitchFamily="34" charset="0"/>
-              </a:rPr>
-              <a:t>해</a:t>
-            </a:r>
-            <a:r>
-              <a:rPr lang="en-US" sz="3000" spc="1000" kern="0" dirty="0" smtClean="0">
-                <a:solidFill>
-                  <a:srgbClr val="000000"/>
-                </a:solidFill>
-                <a:latin typeface="에스코어 드림 7 ExtraBold" pitchFamily="34" charset="0"/>
-                <a:cs typeface="에스코어 드림 7 ExtraBold" pitchFamily="34" charset="0"/>
-              </a:rPr>
-              <a:t>주</a:t>
-            </a:r>
-            <a:r>
-              <a:rPr lang="en-US" sz="3000" spc="1000" kern="0" dirty="0" smtClean="0">
-                <a:solidFill>
-                  <a:srgbClr val="000000"/>
-                </a:solidFill>
-                <a:latin typeface="에스코어 드림 7 ExtraBold" pitchFamily="34" charset="0"/>
-                <a:cs typeface="에스코어 드림 7 ExtraBold" pitchFamily="34" charset="0"/>
-              </a:rPr>
-              <a:t>세</a:t>
-            </a:r>
-            <a:r>
-              <a:rPr lang="en-US" sz="3000" spc="1000" kern="0" dirty="0" smtClean="0">
-                <a:solidFill>
-                  <a:srgbClr val="000000"/>
-                </a:solidFill>
-                <a:latin typeface="에스코어 드림 7 ExtraBold" pitchFamily="34" charset="0"/>
-                <a:cs typeface="에스코어 드림 7 ExtraBold" pitchFamily="34" charset="0"/>
-              </a:rPr>
-              <a:t>요</a:t>
-            </a:r>
-            <a:endParaRPr lang="en-US" dirty="0"/>
-          </a:p>
-        </p:txBody>
-      </p:sp>
-      <p:sp>
-        <p:nvSpPr>
-          <p:cNvPr id="4" name="Object 4"/>
-          <p:cNvSpPr txBox="1"/>
-          <p:nvPr/>
-        </p:nvSpPr>
-        <p:spPr>
-          <a:xfrm>
-            <a:off x="4514286" y="1491712"/>
-            <a:ext cx="7714286" cy="411418"/>
-          </a:xfrm>
-          <a:prstGeom prst="rect">
-            <a:avLst/>
-          </a:prstGeom>
-          <a:noFill/>
-        </p:spPr>
-        <p:txBody>
-          <a:bodyPr wrap="square" rtlCol="0"/>
-          <a:lstStyle/>
-          <a:p>
-            <a:pPr algn="ctr"/>
-            <a:r>
-              <a:rPr lang="en-US" sz="1800" spc="600" kern="0" dirty="0" smtClean="0">
-                <a:solidFill>
-                  <a:srgbClr val="656565"/>
-                </a:solidFill>
-                <a:latin typeface="에스코어 드림 4 Regular" pitchFamily="34" charset="0"/>
-                <a:cs typeface="에스코어 드림 4 Regular" pitchFamily="34" charset="0"/>
-              </a:rPr>
-              <a:t>부</a:t>
-            </a:r>
-            <a:r>
-              <a:rPr lang="en-US" sz="1800" spc="600" kern="0" dirty="0" smtClean="0">
-                <a:solidFill>
-                  <a:srgbClr val="656565"/>
-                </a:solidFill>
-                <a:latin typeface="에스코어 드림 4 Regular" pitchFamily="34" charset="0"/>
-                <a:cs typeface="에스코어 드림 4 Regular" pitchFamily="34" charset="0"/>
-              </a:rPr>
-              <a:t>제</a:t>
-            </a:r>
-            <a:r>
-              <a:rPr lang="en-US" sz="1800" spc="600" kern="0" dirty="0" smtClean="0">
-                <a:solidFill>
-                  <a:srgbClr val="656565"/>
-                </a:solidFill>
-                <a:latin typeface="에스코어 드림 4 Regular" pitchFamily="34" charset="0"/>
-                <a:cs typeface="에스코어 드림 4 Regular" pitchFamily="34" charset="0"/>
-              </a:rPr>
-              <a:t>를</a:t>
-            </a:r>
-            <a:r>
-              <a:rPr lang="en-US" sz="1800" spc="600" kern="0" dirty="0" smtClean="0">
-                <a:solidFill>
-                  <a:srgbClr val="656565"/>
-                </a:solidFill>
-                <a:latin typeface="에스코어 드림 4 Regular" pitchFamily="34" charset="0"/>
-                <a:cs typeface="에스코어 드림 4 Regular" pitchFamily="34" charset="0"/>
-              </a:rPr>
-              <a:t> </a:t>
-            </a:r>
-            <a:r>
-              <a:rPr lang="en-US" sz="1800" spc="600" kern="0" dirty="0" smtClean="0">
-                <a:solidFill>
-                  <a:srgbClr val="656565"/>
-                </a:solidFill>
-                <a:latin typeface="에스코어 드림 4 Regular" pitchFamily="34" charset="0"/>
-                <a:cs typeface="에스코어 드림 4 Regular" pitchFamily="34" charset="0"/>
-              </a:rPr>
-              <a:t>입</a:t>
-            </a:r>
-            <a:r>
-              <a:rPr lang="en-US" sz="1800" spc="600" kern="0" dirty="0" smtClean="0">
-                <a:solidFill>
-                  <a:srgbClr val="656565"/>
-                </a:solidFill>
-                <a:latin typeface="에스코어 드림 4 Regular" pitchFamily="34" charset="0"/>
-                <a:cs typeface="에스코어 드림 4 Regular" pitchFamily="34" charset="0"/>
-              </a:rPr>
-              <a:t>력</a:t>
-            </a:r>
-            <a:r>
-              <a:rPr lang="en-US" sz="1800" spc="600" kern="0" dirty="0" smtClean="0">
-                <a:solidFill>
-                  <a:srgbClr val="656565"/>
-                </a:solidFill>
-                <a:latin typeface="에스코어 드림 4 Regular" pitchFamily="34" charset="0"/>
-                <a:cs typeface="에스코어 드림 4 Regular" pitchFamily="34" charset="0"/>
-              </a:rPr>
-              <a:t>해</a:t>
-            </a:r>
-            <a:r>
-              <a:rPr lang="en-US" sz="1800" spc="600" kern="0" dirty="0" smtClean="0">
-                <a:solidFill>
-                  <a:srgbClr val="656565"/>
-                </a:solidFill>
-                <a:latin typeface="에스코어 드림 4 Regular" pitchFamily="34" charset="0"/>
-                <a:cs typeface="에스코어 드림 4 Regular" pitchFamily="34" charset="0"/>
-              </a:rPr>
-              <a:t>주</a:t>
-            </a:r>
-            <a:r>
-              <a:rPr lang="en-US" sz="1800" spc="600" kern="0" dirty="0" smtClean="0">
-                <a:solidFill>
-                  <a:srgbClr val="656565"/>
-                </a:solidFill>
-                <a:latin typeface="에스코어 드림 4 Regular" pitchFamily="34" charset="0"/>
-                <a:cs typeface="에스코어 드림 4 Regular" pitchFamily="34" charset="0"/>
-              </a:rPr>
-              <a:t>세</a:t>
-            </a:r>
-            <a:r>
-              <a:rPr lang="en-US" sz="1800" spc="600" kern="0" dirty="0" smtClean="0">
-                <a:solidFill>
-                  <a:srgbClr val="656565"/>
-                </a:solidFill>
-                <a:latin typeface="에스코어 드림 4 Regular" pitchFamily="34" charset="0"/>
-                <a:cs typeface="에스코어 드림 4 Regular" pitchFamily="34" charset="0"/>
-              </a:rPr>
-              <a:t>요</a:t>
-            </a:r>
-            <a:endParaRPr lang="en-US" dirty="0"/>
-          </a:p>
-        </p:txBody>
-      </p:sp>
       <p:grpSp>
         <p:nvGrpSpPr>
           <p:cNvPr id="1001" name="그룹 1001"/>
@@ -11729,8 +11412,8 @@
           <p:nvPr/>
         </p:nvGrpSpPr>
         <p:grpSpPr>
-          <a:xfrm>
-            <a:off x="3180952" y="2795367"/>
+          <a:xfrm rot="0">
+            <a:off x="7467600" y="5295900"/>
             <a:ext cx="11923810" cy="5685392"/>
             <a:chOff x="3180952" y="2795367"/>
             <a:chExt cx="11923810" cy="5685392"/>
@@ -11744,8 +11427,20 @@
             </p:cNvPicPr>
             <p:nvPr/>
           </p:nvPicPr>
-          <p:blipFill>
-            <a:blip r:embed="rId2" cstate="print"/>
+          <p:blipFill rotWithShape="1">
+            <a:blip r:embed="rId3">
+              <a:extLst>
+                <a:ext uri="783A4284-B454-46f5-B8C8-42B5039CE256">
+                  <hp:hncPhoto xmlns:hp="http://schemas.haansoft.com/office/presentation/8.0">
+                    <hd:imgLayer xmlns:hd="http://schemas.haansoft.com/office/drawingml/8.0" r:embed="rId2">
+                      <hd:imgEffect xmlns:hd="http://schemas.haansoft.com/office/drawingml/8.0">
+                        <hd:artEffectSharpenSoften amount="17000"/>
+                      </hd:imgEffect>
+                    </hd:imgLayer>
+                  </hp:hncPhoto>
+                </a:ext>
+              </a:extLst>
+            </a:blip>
             <a:stretch>
               <a:fillRect/>
             </a:stretch>
@@ -11763,14 +11458,14 @@
       </p:grpSp>
       <p:sp>
         <p:nvSpPr>
-          <p:cNvPr id="8" name="Object 8"/>
+          <p:cNvPr id="1004" name="Object 3"/>
           <p:cNvSpPr txBox="1"/>
           <p:nvPr/>
         </p:nvSpPr>
         <p:spPr>
           <a:xfrm>
-            <a:off x="4857022" y="8432315"/>
-            <a:ext cx="7143058" cy="457131"/>
+            <a:off x="1124914" y="342900"/>
+            <a:ext cx="7714286" cy="685697"/>
           </a:xfrm>
           <a:prstGeom prst="rect">
             <a:avLst/>
@@ -11778,320 +11473,7177 @@
           <a:noFill/>
         </p:spPr>
         <p:txBody>
-          <a:bodyPr wrap="square" rtlCol="0"/>
+          <a:bodyPr wrap="square"/>
           <a:lstStyle/>
           <a:p>
-            <a:pPr algn="ctr"/>
-            <a:r>
-              <a:rPr lang="en-US" sz="2000" spc="-100" kern="0" dirty="0" smtClean="0">
-                <a:solidFill>
-                  <a:srgbClr val="656565"/>
-                </a:solidFill>
-                <a:latin typeface="에스코어 드림 3 Light" pitchFamily="34" charset="0"/>
-                <a:cs typeface="에스코어 드림 3 Light" pitchFamily="34" charset="0"/>
-              </a:rPr>
-              <a:t>지</a:t>
-            </a:r>
-            <a:r>
-              <a:rPr lang="en-US" sz="2000" spc="-100" kern="0" dirty="0" smtClean="0">
-                <a:solidFill>
-                  <a:srgbClr val="656565"/>
-                </a:solidFill>
-                <a:latin typeface="에스코어 드림 3 Light" pitchFamily="34" charset="0"/>
-                <a:cs typeface="에스코어 드림 3 Light" pitchFamily="34" charset="0"/>
-              </a:rPr>
-              <a:t>도</a:t>
-            </a:r>
-            <a:r>
-              <a:rPr lang="en-US" sz="2000" spc="-100" kern="0" dirty="0" smtClean="0">
-                <a:solidFill>
-                  <a:srgbClr val="656565"/>
-                </a:solidFill>
-                <a:latin typeface="에스코어 드림 3 Light" pitchFamily="34" charset="0"/>
-                <a:cs typeface="에스코어 드림 3 Light" pitchFamily="34" charset="0"/>
-              </a:rPr>
-              <a:t>에</a:t>
-            </a:r>
-            <a:r>
-              <a:rPr lang="en-US" sz="2000" spc="-100" kern="0" dirty="0" smtClean="0">
-                <a:solidFill>
-                  <a:srgbClr val="656565"/>
-                </a:solidFill>
-                <a:latin typeface="에스코어 드림 3 Light" pitchFamily="34" charset="0"/>
-                <a:cs typeface="에스코어 드림 3 Light" pitchFamily="34" charset="0"/>
-              </a:rPr>
-              <a:t> </a:t>
-            </a:r>
-            <a:r>
-              <a:rPr lang="en-US" sz="2000" spc="-100" kern="0" dirty="0" smtClean="0">
-                <a:solidFill>
-                  <a:srgbClr val="656565"/>
-                </a:solidFill>
-                <a:latin typeface="에스코어 드림 3 Light" pitchFamily="34" charset="0"/>
-                <a:cs typeface="에스코어 드림 3 Light" pitchFamily="34" charset="0"/>
-              </a:rPr>
-              <a:t>대</a:t>
-            </a:r>
-            <a:r>
-              <a:rPr lang="en-US" sz="2000" spc="-100" kern="0" dirty="0" smtClean="0">
-                <a:solidFill>
-                  <a:srgbClr val="656565"/>
-                </a:solidFill>
-                <a:latin typeface="에스코어 드림 3 Light" pitchFamily="34" charset="0"/>
-                <a:cs typeface="에스코어 드림 3 Light" pitchFamily="34" charset="0"/>
-              </a:rPr>
-              <a:t>한</a:t>
-            </a:r>
-            <a:r>
-              <a:rPr lang="en-US" sz="2000" spc="-100" kern="0" dirty="0" smtClean="0">
-                <a:solidFill>
-                  <a:srgbClr val="656565"/>
-                </a:solidFill>
-                <a:latin typeface="에스코어 드림 3 Light" pitchFamily="34" charset="0"/>
-                <a:cs typeface="에스코어 드림 3 Light" pitchFamily="34" charset="0"/>
-              </a:rPr>
-              <a:t> </a:t>
-            </a:r>
-            <a:r>
-              <a:rPr lang="en-US" sz="2000" spc="-100" kern="0" dirty="0" smtClean="0">
-                <a:solidFill>
-                  <a:srgbClr val="656565"/>
-                </a:solidFill>
-                <a:latin typeface="에스코어 드림 3 Light" pitchFamily="34" charset="0"/>
-                <a:cs typeface="에스코어 드림 3 Light" pitchFamily="34" charset="0"/>
-              </a:rPr>
-              <a:t>간</a:t>
-            </a:r>
-            <a:r>
-              <a:rPr lang="en-US" sz="2000" spc="-100" kern="0" dirty="0" smtClean="0">
-                <a:solidFill>
-                  <a:srgbClr val="656565"/>
-                </a:solidFill>
-                <a:latin typeface="에스코어 드림 3 Light" pitchFamily="34" charset="0"/>
-                <a:cs typeface="에스코어 드림 3 Light" pitchFamily="34" charset="0"/>
-              </a:rPr>
-              <a:t>단</a:t>
-            </a:r>
-            <a:r>
-              <a:rPr lang="en-US" sz="2000" spc="-100" kern="0" dirty="0" smtClean="0">
-                <a:solidFill>
-                  <a:srgbClr val="656565"/>
-                </a:solidFill>
-                <a:latin typeface="에스코어 드림 3 Light" pitchFamily="34" charset="0"/>
-                <a:cs typeface="에스코어 드림 3 Light" pitchFamily="34" charset="0"/>
-              </a:rPr>
-              <a:t>한</a:t>
-            </a:r>
-            <a:r>
-              <a:rPr lang="en-US" sz="2000" spc="-100" kern="0" dirty="0" smtClean="0">
-                <a:solidFill>
-                  <a:srgbClr val="656565"/>
-                </a:solidFill>
-                <a:latin typeface="에스코어 드림 3 Light" pitchFamily="34" charset="0"/>
-                <a:cs typeface="에스코어 드림 3 Light" pitchFamily="34" charset="0"/>
-              </a:rPr>
-              <a:t> </a:t>
-            </a:r>
-            <a:r>
-              <a:rPr lang="en-US" sz="2000" spc="-100" kern="0" dirty="0" smtClean="0">
-                <a:solidFill>
-                  <a:srgbClr val="656565"/>
-                </a:solidFill>
-                <a:latin typeface="에스코어 드림 3 Light" pitchFamily="34" charset="0"/>
-                <a:cs typeface="에스코어 드림 3 Light" pitchFamily="34" charset="0"/>
-              </a:rPr>
-              <a:t>설</a:t>
-            </a:r>
-            <a:r>
-              <a:rPr lang="en-US" sz="2000" spc="-100" kern="0" dirty="0" smtClean="0">
-                <a:solidFill>
-                  <a:srgbClr val="656565"/>
-                </a:solidFill>
-                <a:latin typeface="에스코어 드림 3 Light" pitchFamily="34" charset="0"/>
-                <a:cs typeface="에스코어 드림 3 Light" pitchFamily="34" charset="0"/>
-              </a:rPr>
-              <a:t>명</a:t>
-            </a:r>
-            <a:r>
-              <a:rPr lang="en-US" sz="2000" spc="-100" kern="0" dirty="0" smtClean="0">
-                <a:solidFill>
-                  <a:srgbClr val="656565"/>
-                </a:solidFill>
-                <a:latin typeface="에스코어 드림 3 Light" pitchFamily="34" charset="0"/>
-                <a:cs typeface="에스코어 드림 3 Light" pitchFamily="34" charset="0"/>
-              </a:rPr>
-              <a:t>을</a:t>
-            </a:r>
-            <a:r>
-              <a:rPr lang="en-US" sz="2000" spc="-100" kern="0" dirty="0" smtClean="0">
-                <a:solidFill>
-                  <a:srgbClr val="656565"/>
-                </a:solidFill>
-                <a:latin typeface="에스코어 드림 3 Light" pitchFamily="34" charset="0"/>
-                <a:cs typeface="에스코어 드림 3 Light" pitchFamily="34" charset="0"/>
-              </a:rPr>
-              <a:t> </a:t>
-            </a:r>
-            <a:r>
-              <a:rPr lang="en-US" sz="2000" spc="-100" kern="0" dirty="0" smtClean="0">
-                <a:solidFill>
-                  <a:srgbClr val="656565"/>
-                </a:solidFill>
-                <a:latin typeface="에스코어 드림 3 Light" pitchFamily="34" charset="0"/>
-                <a:cs typeface="에스코어 드림 3 Light" pitchFamily="34" charset="0"/>
-              </a:rPr>
-              <a:t>입</a:t>
-            </a:r>
-            <a:r>
-              <a:rPr lang="en-US" sz="2000" spc="-100" kern="0" dirty="0" smtClean="0">
-                <a:solidFill>
-                  <a:srgbClr val="656565"/>
-                </a:solidFill>
-                <a:latin typeface="에스코어 드림 3 Light" pitchFamily="34" charset="0"/>
-                <a:cs typeface="에스코어 드림 3 Light" pitchFamily="34" charset="0"/>
-              </a:rPr>
-              <a:t>력</a:t>
-            </a:r>
-            <a:r>
-              <a:rPr lang="en-US" sz="2000" spc="-100" kern="0" dirty="0" smtClean="0">
-                <a:solidFill>
-                  <a:srgbClr val="656565"/>
-                </a:solidFill>
-                <a:latin typeface="에스코어 드림 3 Light" pitchFamily="34" charset="0"/>
-                <a:cs typeface="에스코어 드림 3 Light" pitchFamily="34" charset="0"/>
-              </a:rPr>
-              <a:t>해</a:t>
-            </a:r>
-            <a:r>
-              <a:rPr lang="en-US" sz="2000" spc="-100" kern="0" dirty="0" smtClean="0">
-                <a:solidFill>
-                  <a:srgbClr val="656565"/>
-                </a:solidFill>
-                <a:latin typeface="에스코어 드림 3 Light" pitchFamily="34" charset="0"/>
-                <a:cs typeface="에스코어 드림 3 Light" pitchFamily="34" charset="0"/>
-              </a:rPr>
-              <a:t>주</a:t>
-            </a:r>
-            <a:r>
-              <a:rPr lang="en-US" sz="2000" spc="-100" kern="0" dirty="0" smtClean="0">
-                <a:solidFill>
-                  <a:srgbClr val="656565"/>
-                </a:solidFill>
-                <a:latin typeface="에스코어 드림 3 Light" pitchFamily="34" charset="0"/>
-                <a:cs typeface="에스코어 드림 3 Light" pitchFamily="34" charset="0"/>
-              </a:rPr>
-              <a:t>세</a:t>
-            </a:r>
-            <a:r>
-              <a:rPr lang="en-US" sz="2000" spc="-100" kern="0" dirty="0" smtClean="0">
-                <a:solidFill>
-                  <a:srgbClr val="656565"/>
-                </a:solidFill>
-                <a:latin typeface="에스코어 드림 3 Light" pitchFamily="34" charset="0"/>
-                <a:cs typeface="에스코어 드림 3 Light" pitchFamily="34" charset="0"/>
-              </a:rPr>
-              <a:t>요</a:t>
-            </a:r>
-            <a:endParaRPr lang="en-US" dirty="0"/>
+            <a:pPr>
+              <a:defRPr/>
+            </a:pPr>
+            <a:r>
+              <a:rPr lang="ko-KR" altLang="en-US" sz="3600" b="0" kern="0" spc="1000">
+                <a:solidFill>
+                  <a:srgbClr val="867a9d"/>
+                </a:solidFill>
+                <a:latin typeface="에스코어 드림 5 Medium"/>
+                <a:ea typeface="에스코어 드림 5 Medium"/>
+                <a:cs typeface="에스코어 드림 7 ExtraBold"/>
+              </a:rPr>
+              <a:t>사고의전환</a:t>
+            </a:r>
+            <a:endParaRPr lang="ko-KR" altLang="en-US" sz="3600" b="0" kern="0" spc="1000">
+              <a:solidFill>
+                <a:srgbClr val="867a9d"/>
+              </a:solidFill>
+              <a:latin typeface="에스코어 드림 5 Medium"/>
+              <a:ea typeface="에스코어 드림 5 Medium"/>
+              <a:cs typeface="에스코어 드림 7 ExtraBold"/>
+            </a:endParaRPr>
           </a:p>
         </p:txBody>
       </p:sp>
+      <p:sp>
+        <p:nvSpPr>
+          <p:cNvPr id="1005" name=""/>
+          <p:cNvSpPr txBox="1"/>
+          <p:nvPr/>
+        </p:nvSpPr>
+        <p:spPr>
+          <a:xfrm>
+            <a:off x="3200400" y="495300"/>
+            <a:ext cx="4572000" cy="367665"/>
+          </a:xfrm>
+          <a:prstGeom prst="rect">
+            <a:avLst/>
+          </a:prstGeom>
+        </p:spPr>
+        <p:txBody>
+          <a:bodyPr wrap="square">
+            <a:spAutoFit/>
+          </a:bodyPr>
+          <a:lstStyle/>
+          <a:p>
+            <a:pPr>
+              <a:defRPr/>
+            </a:pPr>
+            <a:endParaRPr lang="ko-KR" altLang="en-US" b="1" kern="0" spc="600">
+              <a:solidFill>
+                <a:srgbClr val="595959"/>
+              </a:solidFill>
+              <a:latin typeface="에스코어 드림 4 Regular"/>
+              <a:cs typeface="에스코어 드림 4 Regular"/>
+            </a:endParaRPr>
+          </a:p>
+        </p:txBody>
+      </p:sp>
+      <p:sp>
+        <p:nvSpPr>
+          <p:cNvPr id="1006" name=""/>
+          <p:cNvSpPr txBox="1"/>
+          <p:nvPr/>
+        </p:nvSpPr>
+        <p:spPr>
+          <a:xfrm>
+            <a:off x="4114800" y="495300"/>
+            <a:ext cx="7848600" cy="445770"/>
+          </a:xfrm>
+          <a:prstGeom prst="rect">
+            <a:avLst/>
+          </a:prstGeom>
+        </p:spPr>
+        <p:txBody>
+          <a:bodyPr wrap="square">
+            <a:spAutoFit/>
+          </a:bodyPr>
+          <a:lstStyle/>
+          <a:p>
+            <a:pPr>
+              <a:defRPr/>
+            </a:pPr>
+            <a:r>
+              <a:rPr lang="ko-KR" altLang="en-US" sz="2400" b="1" kern="0" spc="600">
+                <a:solidFill>
+                  <a:srgbClr val="595959"/>
+                </a:solidFill>
+                <a:latin typeface="에스코어 드림 4 Regular"/>
+                <a:cs typeface="에스코어 드림 4 Regular"/>
+              </a:rPr>
+              <a:t>개인 정보</a:t>
+            </a:r>
+            <a:r>
+              <a:rPr lang="en-US" altLang="ko-KR" sz="2400" b="1" kern="0" spc="600">
+                <a:solidFill>
+                  <a:srgbClr val="595959"/>
+                </a:solidFill>
+                <a:latin typeface="에스코어 드림 4 Regular"/>
+                <a:cs typeface="에스코어 드림 4 Regular"/>
+              </a:rPr>
+              <a:t>(</a:t>
+            </a:r>
+            <a:r>
+              <a:rPr lang="ko-KR" altLang="en-US" sz="2400" b="1" kern="0" spc="600">
+                <a:solidFill>
+                  <a:srgbClr val="595959"/>
+                </a:solidFill>
+                <a:latin typeface="에스코어 드림 4 Regular"/>
+                <a:cs typeface="에스코어 드림 4 Regular"/>
+              </a:rPr>
+              <a:t>자산</a:t>
+            </a:r>
+            <a:r>
+              <a:rPr lang="en-US" altLang="ko-KR" sz="2400" b="1" kern="0" spc="600">
+                <a:solidFill>
+                  <a:srgbClr val="595959"/>
+                </a:solidFill>
+                <a:latin typeface="에스코어 드림 4 Regular"/>
+                <a:cs typeface="에스코어 드림 4 Regular"/>
+              </a:rPr>
+              <a:t>)</a:t>
+            </a:r>
+            <a:r>
+              <a:rPr lang="ko-KR" altLang="en-US" sz="2400" b="1" kern="0" spc="600">
+                <a:solidFill>
+                  <a:srgbClr val="595959"/>
+                </a:solidFill>
+                <a:latin typeface="에스코어 드림 4 Regular"/>
+                <a:cs typeface="에스코어 드림 4 Regular"/>
+              </a:rPr>
+              <a:t> 이미지 토큰화</a:t>
+            </a:r>
+            <a:endParaRPr lang="ko-KR" altLang="en-US" sz="2400" b="1" kern="0" spc="600">
+              <a:solidFill>
+                <a:srgbClr val="595959"/>
+              </a:solidFill>
+              <a:latin typeface="에스코어 드림 4 Regular"/>
+              <a:cs typeface="에스코어 드림 4 Regular"/>
+            </a:endParaRPr>
+          </a:p>
+        </p:txBody>
+      </p:sp>
+      <p:pic>
+        <p:nvPicPr>
+          <p:cNvPr id="1007" name=""/>
+          <p:cNvPicPr>
+            <a:picLocks noChangeAspect="1"/>
+          </p:cNvPicPr>
+          <p:nvPr/>
+        </p:nvPicPr>
+        <p:blipFill rotWithShape="1">
+          <a:blip r:embed="rId4"/>
+          <a:stretch>
+            <a:fillRect/>
+          </a:stretch>
+        </p:blipFill>
+        <p:spPr>
+          <a:xfrm>
+            <a:off x="11173372" y="569529"/>
+            <a:ext cx="7114628" cy="5335970"/>
+          </a:xfrm>
+          <a:prstGeom prst="rect">
+            <a:avLst/>
+          </a:prstGeom>
+        </p:spPr>
+      </p:pic>
+      <p:sp>
+        <p:nvSpPr>
+          <p:cNvPr id="1011" name=""/>
+          <p:cNvSpPr/>
+          <p:nvPr/>
+        </p:nvSpPr>
+        <p:spPr>
+          <a:xfrm>
+            <a:off x="11201400" y="571499"/>
+            <a:ext cx="7086600" cy="5334000"/>
+          </a:xfrm>
+          <a:prstGeom prst="rect">
+            <a:avLst/>
+          </a:prstGeom>
+          <a:solidFill>
+            <a:schemeClr val="lt1">
+              <a:alpha val="44000"/>
+            </a:schemeClr>
+          </a:solidFill>
+          <a:ln>
+            <a:noFill/>
+          </a:ln>
+        </p:spPr>
+        <p:style>
+          <a:lnRef idx="2">
+            <a:schemeClr val="accent1">
+              <a:shade val="20000"/>
+            </a:schemeClr>
+          </a:lnRef>
+          <a:fillRef idx="1">
+            <a:schemeClr val="accent1"/>
+          </a:fillRef>
+          <a:effectRef idx="0">
+            <a:schemeClr val="accent1"/>
+          </a:effectRef>
+          <a:fontRef idx="minor">
+            <a:schemeClr val="lt1"/>
+          </a:fontRef>
+        </p:style>
+        <p:txBody>
+          <a:bodyPr anchor="ctr"/>
+          <a:p>
+            <a:pPr algn="ctr">
+              <a:defRPr/>
+            </a:pPr>
+            <a:endParaRPr lang="en-US" altLang="ko-KR"/>
+          </a:p>
+        </p:txBody>
+      </p:sp>
+      <p:pic>
+        <p:nvPicPr>
+          <p:cNvPr id="1008" name=""/>
+          <p:cNvPicPr>
+            <a:picLocks noChangeAspect="1"/>
+          </p:cNvPicPr>
+          <p:nvPr/>
+        </p:nvPicPr>
+        <p:blipFill rotWithShape="1">
+          <a:blip r:embed="rId5"/>
+          <a:srcRect l="35340" t="46030" r="37880" b="15330"/>
+          <a:stretch>
+            <a:fillRect/>
+          </a:stretch>
+        </p:blipFill>
+        <p:spPr>
+          <a:xfrm>
+            <a:off x="9296400" y="3102201"/>
+            <a:ext cx="3771900" cy="4082598"/>
+          </a:xfrm>
+          <a:prstGeom prst="rect">
+            <a:avLst/>
+          </a:prstGeom>
+        </p:spPr>
+      </p:pic>
+      <p:graphicFrame>
+        <p:nvGraphicFramePr>
+          <p:cNvPr id="1009" name=""/>
+          <p:cNvGraphicFramePr>
+            <a:graphicFrameLocks noGrp="1"/>
+          </p:cNvGraphicFramePr>
+          <p:nvPr/>
+        </p:nvGraphicFramePr>
+        <p:xfrm>
+          <a:off x="9296400" y="3102201"/>
+          <a:ext cx="3810000" cy="4082595"/>
+        </p:xfrm>
+        <a:graphic>
+          <a:graphicData uri="http://schemas.openxmlformats.org/drawingml/2006/table">
+            <a:tbl>
+              <a:tblPr firstRow="1" bandRow="1">
+                <a:tableStyleId>{01A66EDD-3DAB-4C5B-A090-DC80EC1FD486}</a:tableStyleId>
+              </a:tblPr>
+              <a:tblGrid>
+                <a:gridCol w="381000"/>
+                <a:gridCol w="381000"/>
+                <a:gridCol w="381000"/>
+                <a:gridCol w="381000"/>
+                <a:gridCol w="381000"/>
+                <a:gridCol w="381000"/>
+                <a:gridCol w="357673"/>
+                <a:gridCol w="404326"/>
+                <a:gridCol w="381000"/>
+                <a:gridCol w="381000"/>
+              </a:tblGrid>
+              <a:tr h="408259">
+                <a:tc>
+                  <a:txBody>
+                    <a:bodyPr vert="horz" wrap="square" lIns="91440" tIns="45720" rIns="91440" bIns="45720" anchor="t" anchorCtr="0">
+                      <a:spAutoFit/>
+                    </a:bodyPr>
+                    <a:p>
+                      <a:pPr algn="ctr">
+                        <a:defRPr/>
+                      </a:pPr>
+                      <a:r>
+                        <a:rPr lang="en-US" altLang="ko-KR" sz="2000">
+                          <a:solidFill>
+                            <a:srgbClr val="baff1a"/>
+                          </a:solidFill>
+                          <a:latin typeface="에스코어 드림 2 ExtraLight"/>
+                          <a:ea typeface="에스코어 드림 2 ExtraLight"/>
+                        </a:rPr>
+                        <a:t>0</a:t>
+                      </a:r>
+                      <a:endParaRPr lang="en-US" altLang="ko-KR" sz="2000">
+                        <a:solidFill>
+                          <a:srgbClr val="baff1a"/>
+                        </a:solidFill>
+                        <a:latin typeface="에스코어 드림 2 ExtraLight"/>
+                        <a:ea typeface="에스코어 드림 2 ExtraLight"/>
+                      </a:endParaRPr>
+                    </a:p>
+                  </a:txBody>
+                  <a:tcPr marL="91440" marR="91440">
+                    <a:lnL w="25400" cap="flat" cmpd="sng" algn="ctr">
+                      <a:solidFill>
+                        <a:schemeClr val="lt1"/>
+                      </a:solidFill>
+                      <a:prstDash val="solid"/>
+                      <a:round/>
+                    </a:lnL>
+                    <a:lnR w="25400" cap="flat" cmpd="sng" algn="ctr">
+                      <a:solidFill>
+                        <a:schemeClr val="lt1"/>
+                      </a:solidFill>
+                      <a:prstDash val="solid"/>
+                      <a:round/>
+                    </a:lnR>
+                    <a:lnT w="25400" cap="flat" cmpd="sng" algn="ctr">
+                      <a:solidFill>
+                        <a:schemeClr val="lt1"/>
+                      </a:solidFill>
+                      <a:prstDash val="solid"/>
+                      <a:round/>
+                    </a:lnT>
+                    <a:lnB w="25400" cap="flat" cmpd="sng" algn="ctr">
+                      <a:solidFill>
+                        <a:schemeClr val="lt1"/>
+                      </a:solidFill>
+                      <a:prstDash val="solid"/>
+                      <a:round/>
+                    </a:lnB>
+                    <a:noFill/>
+                  </a:tcPr>
+                </a:tc>
+                <a:tc>
+                  <a:txBody>
+                    <a:bodyPr vert="horz" wrap="square" lIns="91440" tIns="45720" rIns="91440" bIns="45720" anchor="t" anchorCtr="0">
+                      <a:spAutoFit/>
+                    </a:bodyPr>
+                    <a:p>
+                      <a:pPr algn="ctr">
+                        <a:defRPr/>
+                      </a:pPr>
+                      <a:r>
+                        <a:rPr lang="en-US" altLang="ko-KR" sz="2000">
+                          <a:solidFill>
+                            <a:srgbClr val="baff1a"/>
+                          </a:solidFill>
+                          <a:latin typeface="에스코어 드림 2 ExtraLight"/>
+                          <a:ea typeface="에스코어 드림 2 ExtraLight"/>
+                        </a:rPr>
+                        <a:t>3</a:t>
+                      </a:r>
+                      <a:endParaRPr lang="en-US" altLang="ko-KR" sz="2000">
+                        <a:solidFill>
+                          <a:srgbClr val="baff1a"/>
+                        </a:solidFill>
+                        <a:latin typeface="에스코어 드림 2 ExtraLight"/>
+                        <a:ea typeface="에스코어 드림 2 ExtraLight"/>
+                      </a:endParaRPr>
+                    </a:p>
+                  </a:txBody>
+                  <a:tcPr marL="91440" marR="91440">
+                    <a:lnL w="25400" cap="flat" cmpd="sng" algn="ctr">
+                      <a:solidFill>
+                        <a:schemeClr val="lt1"/>
+                      </a:solidFill>
+                      <a:prstDash val="solid"/>
+                      <a:round/>
+                    </a:lnL>
+                    <a:lnR w="25400" cap="flat" cmpd="sng" algn="ctr">
+                      <a:solidFill>
+                        <a:schemeClr val="lt1"/>
+                      </a:solidFill>
+                      <a:prstDash val="solid"/>
+                      <a:round/>
+                    </a:lnR>
+                    <a:lnT w="25400" cap="flat" cmpd="sng" algn="ctr">
+                      <a:solidFill>
+                        <a:schemeClr val="lt1"/>
+                      </a:solidFill>
+                      <a:prstDash val="solid"/>
+                      <a:round/>
+                    </a:lnT>
+                    <a:lnB w="25400" cap="flat" cmpd="sng" algn="ctr">
+                      <a:solidFill>
+                        <a:schemeClr val="lt1"/>
+                      </a:solidFill>
+                      <a:prstDash val="solid"/>
+                      <a:round/>
+                    </a:lnB>
+                    <a:noFill/>
+                  </a:tcPr>
+                </a:tc>
+                <a:tc>
+                  <a:txBody>
+                    <a:bodyPr vert="horz" wrap="square" lIns="91440" tIns="45720" rIns="91440" bIns="45720" anchor="t" anchorCtr="0">
+                      <a:spAutoFit/>
+                    </a:bodyPr>
+                    <a:p>
+                      <a:pPr algn="ctr">
+                        <a:defRPr/>
+                      </a:pPr>
+                      <a:r>
+                        <a:rPr lang="en-US" altLang="ko-KR" sz="2000">
+                          <a:solidFill>
+                            <a:srgbClr val="baff1a"/>
+                          </a:solidFill>
+                          <a:latin typeface="에스코어 드림 2 ExtraLight"/>
+                          <a:ea typeface="에스코어 드림 2 ExtraLight"/>
+                        </a:rPr>
+                        <a:t>9</a:t>
+                      </a:r>
+                      <a:endParaRPr lang="en-US" altLang="ko-KR" sz="2000">
+                        <a:solidFill>
+                          <a:srgbClr val="baff1a"/>
+                        </a:solidFill>
+                        <a:latin typeface="에스코어 드림 2 ExtraLight"/>
+                        <a:ea typeface="에스코어 드림 2 ExtraLight"/>
+                      </a:endParaRPr>
+                    </a:p>
+                  </a:txBody>
+                  <a:tcPr marL="91440" marR="91440">
+                    <a:lnL w="25400" cap="flat" cmpd="sng" algn="ctr">
+                      <a:solidFill>
+                        <a:schemeClr val="lt1"/>
+                      </a:solidFill>
+                      <a:prstDash val="solid"/>
+                      <a:round/>
+                    </a:lnL>
+                    <a:lnR w="25400" cap="flat" cmpd="sng" algn="ctr">
+                      <a:solidFill>
+                        <a:schemeClr val="lt1"/>
+                      </a:solidFill>
+                      <a:prstDash val="solid"/>
+                      <a:round/>
+                    </a:lnR>
+                    <a:lnT w="25400" cap="flat" cmpd="sng" algn="ctr">
+                      <a:solidFill>
+                        <a:schemeClr val="lt1"/>
+                      </a:solidFill>
+                      <a:prstDash val="solid"/>
+                      <a:round/>
+                    </a:lnT>
+                    <a:lnB w="25400" cap="flat" cmpd="sng" algn="ctr">
+                      <a:solidFill>
+                        <a:schemeClr val="lt1"/>
+                      </a:solidFill>
+                      <a:prstDash val="solid"/>
+                      <a:round/>
+                    </a:lnB>
+                    <a:noFill/>
+                  </a:tcPr>
+                </a:tc>
+                <a:tc>
+                  <a:txBody>
+                    <a:bodyPr vert="horz" wrap="square" lIns="91440" tIns="45720" rIns="91440" bIns="45720" anchor="t" anchorCtr="0">
+                      <a:spAutoFit/>
+                    </a:bodyPr>
+                    <a:p>
+                      <a:pPr algn="ctr">
+                        <a:defRPr/>
+                      </a:pPr>
+                      <a:r>
+                        <a:rPr lang="en-US" altLang="ko-KR" sz="2000">
+                          <a:solidFill>
+                            <a:srgbClr val="baff1a"/>
+                          </a:solidFill>
+                          <a:latin typeface="에스코어 드림 2 ExtraLight"/>
+                          <a:ea typeface="에스코어 드림 2 ExtraLight"/>
+                        </a:rPr>
+                        <a:t>1</a:t>
+                      </a:r>
+                      <a:endParaRPr lang="en-US" altLang="ko-KR" sz="2000">
+                        <a:solidFill>
+                          <a:srgbClr val="baff1a"/>
+                        </a:solidFill>
+                        <a:latin typeface="에스코어 드림 2 ExtraLight"/>
+                        <a:ea typeface="에스코어 드림 2 ExtraLight"/>
+                      </a:endParaRPr>
+                    </a:p>
+                  </a:txBody>
+                  <a:tcPr marL="91440" marR="91440">
+                    <a:lnL w="25400" cap="flat" cmpd="sng" algn="ctr">
+                      <a:solidFill>
+                        <a:schemeClr val="lt1"/>
+                      </a:solidFill>
+                      <a:prstDash val="solid"/>
+                      <a:round/>
+                    </a:lnL>
+                    <a:lnR w="25400" cap="flat" cmpd="sng" algn="ctr">
+                      <a:solidFill>
+                        <a:schemeClr val="lt1"/>
+                      </a:solidFill>
+                      <a:prstDash val="solid"/>
+                      <a:round/>
+                    </a:lnR>
+                    <a:lnT w="25400" cap="flat" cmpd="sng" algn="ctr">
+                      <a:solidFill>
+                        <a:schemeClr val="lt1"/>
+                      </a:solidFill>
+                      <a:prstDash val="solid"/>
+                      <a:round/>
+                    </a:lnT>
+                    <a:lnB w="25400" cap="flat" cmpd="sng" algn="ctr">
+                      <a:solidFill>
+                        <a:schemeClr val="lt1"/>
+                      </a:solidFill>
+                      <a:prstDash val="solid"/>
+                      <a:round/>
+                    </a:lnB>
+                    <a:noFill/>
+                  </a:tcPr>
+                </a:tc>
+                <a:tc>
+                  <a:txBody>
+                    <a:bodyPr vert="horz" wrap="square" lIns="91440" tIns="45720" rIns="91440" bIns="45720" anchor="t" anchorCtr="0">
+                      <a:spAutoFit/>
+                    </a:bodyPr>
+                    <a:p>
+                      <a:pPr algn="ctr">
+                        <a:defRPr/>
+                      </a:pPr>
+                      <a:r>
+                        <a:rPr lang="en-US" altLang="ko-KR" sz="2000">
+                          <a:solidFill>
+                            <a:srgbClr val="baff1a"/>
+                          </a:solidFill>
+                          <a:latin typeface="에스코어 드림 2 ExtraLight"/>
+                          <a:ea typeface="에스코어 드림 2 ExtraLight"/>
+                        </a:rPr>
+                        <a:t>7</a:t>
+                      </a:r>
+                      <a:endParaRPr lang="en-US" altLang="ko-KR" sz="2000">
+                        <a:solidFill>
+                          <a:srgbClr val="baff1a"/>
+                        </a:solidFill>
+                        <a:latin typeface="에스코어 드림 2 ExtraLight"/>
+                        <a:ea typeface="에스코어 드림 2 ExtraLight"/>
+                      </a:endParaRPr>
+                    </a:p>
+                  </a:txBody>
+                  <a:tcPr marL="91440" marR="91440">
+                    <a:lnL w="25400" cap="flat" cmpd="sng" algn="ctr">
+                      <a:solidFill>
+                        <a:schemeClr val="lt1"/>
+                      </a:solidFill>
+                      <a:prstDash val="solid"/>
+                      <a:round/>
+                    </a:lnL>
+                    <a:lnR w="25400" cap="flat" cmpd="sng" algn="ctr">
+                      <a:solidFill>
+                        <a:schemeClr val="lt1"/>
+                      </a:solidFill>
+                      <a:prstDash val="solid"/>
+                      <a:round/>
+                    </a:lnR>
+                    <a:lnT w="25400" cap="flat" cmpd="sng" algn="ctr">
+                      <a:solidFill>
+                        <a:schemeClr val="lt1"/>
+                      </a:solidFill>
+                      <a:prstDash val="solid"/>
+                      <a:round/>
+                    </a:lnT>
+                    <a:lnB w="25400" cap="flat" cmpd="sng" algn="ctr">
+                      <a:solidFill>
+                        <a:schemeClr val="lt1"/>
+                      </a:solidFill>
+                      <a:prstDash val="solid"/>
+                      <a:round/>
+                    </a:lnB>
+                    <a:noFill/>
+                  </a:tcPr>
+                </a:tc>
+                <a:tc>
+                  <a:txBody>
+                    <a:bodyPr vert="horz" wrap="square" lIns="91440" tIns="45720" rIns="91440" bIns="45720" anchor="t" anchorCtr="0">
+                      <a:spAutoFit/>
+                    </a:bodyPr>
+                    <a:p>
+                      <a:pPr algn="ctr">
+                        <a:defRPr/>
+                      </a:pPr>
+                      <a:r>
+                        <a:rPr lang="en-US" altLang="ko-KR" sz="2000">
+                          <a:solidFill>
+                            <a:srgbClr val="baff1a"/>
+                          </a:solidFill>
+                          <a:latin typeface="에스코어 드림 2 ExtraLight"/>
+                          <a:ea typeface="에스코어 드림 2 ExtraLight"/>
+                        </a:rPr>
+                        <a:t>3</a:t>
+                      </a:r>
+                      <a:endParaRPr lang="en-US" altLang="ko-KR" sz="2000">
+                        <a:solidFill>
+                          <a:srgbClr val="baff1a"/>
+                        </a:solidFill>
+                        <a:latin typeface="에스코어 드림 2 ExtraLight"/>
+                        <a:ea typeface="에스코어 드림 2 ExtraLight"/>
+                      </a:endParaRPr>
+                    </a:p>
+                  </a:txBody>
+                  <a:tcPr marL="91440" marR="91440">
+                    <a:lnL w="25400" cap="flat" cmpd="sng" algn="ctr">
+                      <a:solidFill>
+                        <a:schemeClr val="lt1"/>
+                      </a:solidFill>
+                      <a:prstDash val="solid"/>
+                      <a:round/>
+                    </a:lnL>
+                    <a:lnR w="25400" cap="flat" cmpd="sng" algn="ctr">
+                      <a:solidFill>
+                        <a:schemeClr val="lt1"/>
+                      </a:solidFill>
+                      <a:prstDash val="solid"/>
+                      <a:round/>
+                    </a:lnR>
+                    <a:lnT w="25400" cap="flat" cmpd="sng" algn="ctr">
+                      <a:solidFill>
+                        <a:schemeClr val="lt1"/>
+                      </a:solidFill>
+                      <a:prstDash val="solid"/>
+                      <a:round/>
+                    </a:lnT>
+                    <a:lnB w="25400" cap="flat" cmpd="sng" algn="ctr">
+                      <a:solidFill>
+                        <a:schemeClr val="lt1"/>
+                      </a:solidFill>
+                      <a:prstDash val="solid"/>
+                      <a:round/>
+                    </a:lnB>
+                    <a:noFill/>
+                  </a:tcPr>
+                </a:tc>
+                <a:tc>
+                  <a:txBody>
+                    <a:bodyPr vert="horz" wrap="square" lIns="91440" tIns="45720" rIns="91440" bIns="45720" anchor="t" anchorCtr="0">
+                      <a:spAutoFit/>
+                    </a:bodyPr>
+                    <a:p>
+                      <a:pPr algn="ctr">
+                        <a:defRPr/>
+                      </a:pPr>
+                      <a:endParaRPr lang="en-US" altLang="ko-KR" sz="2000">
+                        <a:solidFill>
+                          <a:srgbClr val="baff1a"/>
+                        </a:solidFill>
+                        <a:latin typeface="에스코어 드림 2 ExtraLight"/>
+                        <a:ea typeface="에스코어 드림 2 ExtraLight"/>
+                      </a:endParaRPr>
+                    </a:p>
+                  </a:txBody>
+                  <a:tcPr marL="91440" marR="91440">
+                    <a:lnL w="25400" cap="flat" cmpd="sng" algn="ctr">
+                      <a:solidFill>
+                        <a:schemeClr val="lt1"/>
+                      </a:solidFill>
+                      <a:prstDash val="solid"/>
+                      <a:round/>
+                    </a:lnL>
+                    <a:lnR w="25400" cap="flat" cmpd="sng" algn="ctr">
+                      <a:solidFill>
+                        <a:schemeClr val="lt1"/>
+                      </a:solidFill>
+                      <a:prstDash val="solid"/>
+                      <a:round/>
+                    </a:lnR>
+                    <a:lnT w="25400" cap="flat" cmpd="sng" algn="ctr">
+                      <a:solidFill>
+                        <a:schemeClr val="lt1"/>
+                      </a:solidFill>
+                      <a:prstDash val="solid"/>
+                      <a:round/>
+                    </a:lnT>
+                    <a:lnB w="25400" cap="flat" cmpd="sng" algn="ctr">
+                      <a:solidFill>
+                        <a:schemeClr val="lt1"/>
+                      </a:solidFill>
+                      <a:prstDash val="solid"/>
+                      <a:round/>
+                    </a:lnB>
+                    <a:noFill/>
+                  </a:tcPr>
+                </a:tc>
+                <a:tc>
+                  <a:txBody>
+                    <a:bodyPr vert="horz" wrap="square" lIns="91440" tIns="45720" rIns="91440" bIns="45720" anchor="t" anchorCtr="0">
+                      <a:spAutoFit/>
+                    </a:bodyPr>
+                    <a:p>
+                      <a:pPr algn="ctr">
+                        <a:defRPr/>
+                      </a:pPr>
+                      <a:endParaRPr lang="en-US" altLang="ko-KR" sz="2000">
+                        <a:solidFill>
+                          <a:srgbClr val="baff1a"/>
+                        </a:solidFill>
+                        <a:latin typeface="에스코어 드림 2 ExtraLight"/>
+                        <a:ea typeface="에스코어 드림 2 ExtraLight"/>
+                      </a:endParaRPr>
+                    </a:p>
+                  </a:txBody>
+                  <a:tcPr marL="91440" marR="91440">
+                    <a:lnL w="25400" cap="flat" cmpd="sng" algn="ctr">
+                      <a:solidFill>
+                        <a:schemeClr val="lt1"/>
+                      </a:solidFill>
+                      <a:prstDash val="solid"/>
+                      <a:round/>
+                    </a:lnL>
+                    <a:lnR w="25400" cap="flat" cmpd="sng" algn="ctr">
+                      <a:solidFill>
+                        <a:schemeClr val="lt1"/>
+                      </a:solidFill>
+                      <a:prstDash val="solid"/>
+                      <a:round/>
+                    </a:lnR>
+                    <a:lnT w="25400" cap="flat" cmpd="sng" algn="ctr">
+                      <a:solidFill>
+                        <a:schemeClr val="lt1"/>
+                      </a:solidFill>
+                      <a:prstDash val="solid"/>
+                      <a:round/>
+                    </a:lnT>
+                    <a:lnB w="25400" cap="flat" cmpd="sng" algn="ctr">
+                      <a:solidFill>
+                        <a:schemeClr val="lt1"/>
+                      </a:solidFill>
+                      <a:prstDash val="solid"/>
+                      <a:round/>
+                    </a:lnB>
+                    <a:noFill/>
+                  </a:tcPr>
+                </a:tc>
+                <a:tc>
+                  <a:txBody>
+                    <a:bodyPr vert="horz" wrap="square" lIns="91440" tIns="45720" rIns="91440" bIns="45720" anchor="t" anchorCtr="0">
+                      <a:spAutoFit/>
+                    </a:bodyPr>
+                    <a:p>
+                      <a:pPr algn="ctr">
+                        <a:defRPr/>
+                      </a:pPr>
+                      <a:endParaRPr lang="en-US" altLang="ko-KR" sz="2000">
+                        <a:solidFill>
+                          <a:srgbClr val="baff1a"/>
+                        </a:solidFill>
+                        <a:latin typeface="에스코어 드림 2 ExtraLight"/>
+                        <a:ea typeface="에스코어 드림 2 ExtraLight"/>
+                      </a:endParaRPr>
+                    </a:p>
+                  </a:txBody>
+                  <a:tcPr marL="91440" marR="91440">
+                    <a:lnL w="25400" cap="flat" cmpd="sng" algn="ctr">
+                      <a:solidFill>
+                        <a:schemeClr val="lt1"/>
+                      </a:solidFill>
+                      <a:prstDash val="solid"/>
+                      <a:round/>
+                    </a:lnL>
+                    <a:lnR w="25400" cap="flat" cmpd="sng" algn="ctr">
+                      <a:solidFill>
+                        <a:schemeClr val="lt1"/>
+                      </a:solidFill>
+                      <a:prstDash val="solid"/>
+                      <a:round/>
+                    </a:lnR>
+                    <a:lnT w="25400" cap="flat" cmpd="sng" algn="ctr">
+                      <a:solidFill>
+                        <a:schemeClr val="lt1"/>
+                      </a:solidFill>
+                      <a:prstDash val="solid"/>
+                      <a:round/>
+                    </a:lnT>
+                    <a:lnB w="25400" cap="flat" cmpd="sng" algn="ctr">
+                      <a:solidFill>
+                        <a:schemeClr val="lt1"/>
+                      </a:solidFill>
+                      <a:prstDash val="solid"/>
+                      <a:round/>
+                    </a:lnB>
+                    <a:noFill/>
+                  </a:tcPr>
+                </a:tc>
+                <a:tc>
+                  <a:txBody>
+                    <a:bodyPr vert="horz" wrap="square" lIns="91440" tIns="45720" rIns="91440" bIns="45720" anchor="t" anchorCtr="0">
+                      <a:spAutoFit/>
+                    </a:bodyPr>
+                    <a:p>
+                      <a:pPr algn="ctr">
+                        <a:defRPr/>
+                      </a:pPr>
+                      <a:endParaRPr lang="en-US" altLang="ko-KR" sz="2000">
+                        <a:solidFill>
+                          <a:srgbClr val="baff1a"/>
+                        </a:solidFill>
+                        <a:latin typeface="에스코어 드림 2 ExtraLight"/>
+                        <a:ea typeface="에스코어 드림 2 ExtraLight"/>
+                      </a:endParaRPr>
+                    </a:p>
+                  </a:txBody>
+                  <a:tcPr marL="91440" marR="91440">
+                    <a:lnL w="25400" cap="flat" cmpd="sng" algn="ctr">
+                      <a:solidFill>
+                        <a:schemeClr val="lt1"/>
+                      </a:solidFill>
+                      <a:prstDash val="solid"/>
+                      <a:round/>
+                    </a:lnL>
+                    <a:lnR w="25400" cap="flat" cmpd="sng" algn="ctr">
+                      <a:solidFill>
+                        <a:schemeClr val="lt1"/>
+                      </a:solidFill>
+                      <a:prstDash val="solid"/>
+                      <a:round/>
+                    </a:lnR>
+                    <a:lnT w="25400" cap="flat" cmpd="sng" algn="ctr">
+                      <a:solidFill>
+                        <a:schemeClr val="lt1"/>
+                      </a:solidFill>
+                      <a:prstDash val="solid"/>
+                      <a:round/>
+                    </a:lnT>
+                    <a:lnB w="25400" cap="flat" cmpd="sng" algn="ctr">
+                      <a:solidFill>
+                        <a:schemeClr val="lt1"/>
+                      </a:solidFill>
+                      <a:prstDash val="solid"/>
+                      <a:round/>
+                    </a:lnB>
+                    <a:noFill/>
+                  </a:tcPr>
+                </a:tc>
+              </a:tr>
+              <a:tr h="408259">
+                <a:tc>
+                  <a:txBody>
+                    <a:bodyPr vert="horz" wrap="square" lIns="91440" tIns="45720" rIns="91440" bIns="45720" anchor="t" anchorCtr="0">
+                      <a:spAutoFit/>
+                    </a:bodyPr>
+                    <a:p>
+                      <a:pPr algn="ctr">
+                        <a:defRPr/>
+                      </a:pPr>
+                      <a:endParaRPr lang="en-US" altLang="ko-KR" sz="2000" b="1">
+                        <a:solidFill>
+                          <a:srgbClr val="baff1a"/>
+                        </a:solidFill>
+                        <a:latin typeface="에스코어 드림 2 ExtraLight"/>
+                        <a:ea typeface="에스코어 드림 2 ExtraLight"/>
+                      </a:endParaRPr>
+                    </a:p>
+                  </a:txBody>
+                  <a:tcPr marL="91440" marR="91440">
+                    <a:lnL w="25400" cap="flat" cmpd="sng" algn="ctr">
+                      <a:solidFill>
+                        <a:schemeClr val="lt1"/>
+                      </a:solidFill>
+                      <a:prstDash val="solid"/>
+                      <a:round/>
+                    </a:lnL>
+                    <a:lnR w="25400" cap="flat" cmpd="sng" algn="ctr">
+                      <a:solidFill>
+                        <a:schemeClr val="lt1"/>
+                      </a:solidFill>
+                      <a:prstDash val="solid"/>
+                      <a:round/>
+                    </a:lnR>
+                    <a:lnT w="25400" cap="flat" cmpd="sng" algn="ctr">
+                      <a:solidFill>
+                        <a:schemeClr val="lt1"/>
+                      </a:solidFill>
+                      <a:prstDash val="solid"/>
+                      <a:round/>
+                    </a:lnT>
+                    <a:lnB w="25400" cap="flat" cmpd="sng" algn="ctr">
+                      <a:solidFill>
+                        <a:schemeClr val="lt1"/>
+                      </a:solidFill>
+                      <a:prstDash val="solid"/>
+                      <a:round/>
+                    </a:lnB>
+                    <a:noFill/>
+                  </a:tcPr>
+                </a:tc>
+                <a:tc>
+                  <a:txBody>
+                    <a:bodyPr vert="horz" wrap="square" lIns="91440" tIns="45720" rIns="91440" bIns="45720" anchor="t" anchorCtr="0">
+                      <a:spAutoFit/>
+                    </a:bodyPr>
+                    <a:p>
+                      <a:pPr algn="ctr">
+                        <a:defRPr/>
+                      </a:pPr>
+                      <a:endParaRPr lang="en-US" altLang="ko-KR" sz="2000" b="1">
+                        <a:solidFill>
+                          <a:srgbClr val="baff1a"/>
+                        </a:solidFill>
+                        <a:latin typeface="에스코어 드림 2 ExtraLight"/>
+                        <a:ea typeface="에스코어 드림 2 ExtraLight"/>
+                      </a:endParaRPr>
+                    </a:p>
+                  </a:txBody>
+                  <a:tcPr marL="91440" marR="91440">
+                    <a:lnL w="25400" cap="flat" cmpd="sng" algn="ctr">
+                      <a:solidFill>
+                        <a:schemeClr val="lt1"/>
+                      </a:solidFill>
+                      <a:prstDash val="solid"/>
+                      <a:round/>
+                    </a:lnL>
+                    <a:lnR w="25400" cap="flat" cmpd="sng" algn="ctr">
+                      <a:solidFill>
+                        <a:schemeClr val="lt1"/>
+                      </a:solidFill>
+                      <a:prstDash val="solid"/>
+                      <a:round/>
+                    </a:lnR>
+                    <a:lnT w="25400" cap="flat" cmpd="sng" algn="ctr">
+                      <a:solidFill>
+                        <a:schemeClr val="lt1"/>
+                      </a:solidFill>
+                      <a:prstDash val="solid"/>
+                      <a:round/>
+                    </a:lnT>
+                    <a:lnB w="25400" cap="flat" cmpd="sng" algn="ctr">
+                      <a:solidFill>
+                        <a:schemeClr val="lt1"/>
+                      </a:solidFill>
+                      <a:prstDash val="solid"/>
+                      <a:round/>
+                    </a:lnB>
+                    <a:noFill/>
+                  </a:tcPr>
+                </a:tc>
+                <a:tc>
+                  <a:txBody>
+                    <a:bodyPr vert="horz" wrap="square" lIns="91440" tIns="45720" rIns="91440" bIns="45720" anchor="t" anchorCtr="0">
+                      <a:spAutoFit/>
+                    </a:bodyPr>
+                    <a:p>
+                      <a:pPr algn="ctr">
+                        <a:defRPr/>
+                      </a:pPr>
+                      <a:endParaRPr lang="en-US" altLang="ko-KR" sz="2000" b="1">
+                        <a:solidFill>
+                          <a:srgbClr val="baff1a"/>
+                        </a:solidFill>
+                        <a:latin typeface="에스코어 드림 2 ExtraLight"/>
+                        <a:ea typeface="에스코어 드림 2 ExtraLight"/>
+                      </a:endParaRPr>
+                    </a:p>
+                  </a:txBody>
+                  <a:tcPr marL="91440" marR="91440">
+                    <a:lnL w="25400" cap="flat" cmpd="sng" algn="ctr">
+                      <a:solidFill>
+                        <a:schemeClr val="lt1"/>
+                      </a:solidFill>
+                      <a:prstDash val="solid"/>
+                      <a:round/>
+                    </a:lnL>
+                    <a:lnR w="25400" cap="flat" cmpd="sng" algn="ctr">
+                      <a:solidFill>
+                        <a:schemeClr val="lt1"/>
+                      </a:solidFill>
+                      <a:prstDash val="solid"/>
+                      <a:round/>
+                    </a:lnR>
+                    <a:lnT w="25400" cap="flat" cmpd="sng" algn="ctr">
+                      <a:solidFill>
+                        <a:schemeClr val="lt1"/>
+                      </a:solidFill>
+                      <a:prstDash val="solid"/>
+                      <a:round/>
+                    </a:lnT>
+                    <a:lnB w="25400" cap="flat" cmpd="sng" algn="ctr">
+                      <a:solidFill>
+                        <a:schemeClr val="lt1"/>
+                      </a:solidFill>
+                      <a:prstDash val="solid"/>
+                      <a:round/>
+                    </a:lnB>
+                    <a:noFill/>
+                  </a:tcPr>
+                </a:tc>
+                <a:tc>
+                  <a:txBody>
+                    <a:bodyPr vert="horz" wrap="square" lIns="91440" tIns="45720" rIns="91440" bIns="45720" anchor="t" anchorCtr="0">
+                      <a:spAutoFit/>
+                    </a:bodyPr>
+                    <a:p>
+                      <a:pPr algn="ctr">
+                        <a:defRPr/>
+                      </a:pPr>
+                      <a:endParaRPr lang="en-US" altLang="ko-KR" sz="2000" b="1">
+                        <a:solidFill>
+                          <a:srgbClr val="baff1a"/>
+                        </a:solidFill>
+                        <a:latin typeface="에스코어 드림 2 ExtraLight"/>
+                        <a:ea typeface="에스코어 드림 2 ExtraLight"/>
+                      </a:endParaRPr>
+                    </a:p>
+                  </a:txBody>
+                  <a:tcPr marL="91440" marR="91440">
+                    <a:lnL w="25400" cap="flat" cmpd="sng" algn="ctr">
+                      <a:solidFill>
+                        <a:schemeClr val="lt1"/>
+                      </a:solidFill>
+                      <a:prstDash val="solid"/>
+                      <a:round/>
+                    </a:lnL>
+                    <a:lnR w="25400" cap="flat" cmpd="sng" algn="ctr">
+                      <a:solidFill>
+                        <a:schemeClr val="lt1"/>
+                      </a:solidFill>
+                      <a:prstDash val="solid"/>
+                      <a:round/>
+                    </a:lnR>
+                    <a:lnT w="25400" cap="flat" cmpd="sng" algn="ctr">
+                      <a:solidFill>
+                        <a:schemeClr val="lt1"/>
+                      </a:solidFill>
+                      <a:prstDash val="solid"/>
+                      <a:round/>
+                    </a:lnT>
+                    <a:lnB w="25400" cap="flat" cmpd="sng" algn="ctr">
+                      <a:solidFill>
+                        <a:schemeClr val="lt1"/>
+                      </a:solidFill>
+                      <a:prstDash val="solid"/>
+                      <a:round/>
+                    </a:lnB>
+                    <a:noFill/>
+                  </a:tcPr>
+                </a:tc>
+                <a:tc>
+                  <a:txBody>
+                    <a:bodyPr vert="horz" wrap="square" lIns="91440" tIns="45720" rIns="91440" bIns="45720" anchor="t" anchorCtr="0">
+                      <a:spAutoFit/>
+                    </a:bodyPr>
+                    <a:p>
+                      <a:pPr algn="ctr">
+                        <a:defRPr/>
+                      </a:pPr>
+                      <a:endParaRPr lang="en-US" altLang="ko-KR" sz="2000" b="1">
+                        <a:solidFill>
+                          <a:srgbClr val="baff1a"/>
+                        </a:solidFill>
+                        <a:latin typeface="에스코어 드림 2 ExtraLight"/>
+                        <a:ea typeface="에스코어 드림 2 ExtraLight"/>
+                      </a:endParaRPr>
+                    </a:p>
+                  </a:txBody>
+                  <a:tcPr marL="91440" marR="91440">
+                    <a:lnL w="25400" cap="flat" cmpd="sng" algn="ctr">
+                      <a:solidFill>
+                        <a:schemeClr val="lt1"/>
+                      </a:solidFill>
+                      <a:prstDash val="solid"/>
+                      <a:round/>
+                    </a:lnL>
+                    <a:lnR w="25400" cap="flat" cmpd="sng" algn="ctr">
+                      <a:solidFill>
+                        <a:schemeClr val="lt1"/>
+                      </a:solidFill>
+                      <a:prstDash val="solid"/>
+                      <a:round/>
+                    </a:lnR>
+                    <a:lnT w="25400" cap="flat" cmpd="sng" algn="ctr">
+                      <a:solidFill>
+                        <a:schemeClr val="lt1"/>
+                      </a:solidFill>
+                      <a:prstDash val="solid"/>
+                      <a:round/>
+                    </a:lnT>
+                    <a:lnB w="25400" cap="flat" cmpd="sng" algn="ctr">
+                      <a:solidFill>
+                        <a:schemeClr val="lt1"/>
+                      </a:solidFill>
+                      <a:prstDash val="solid"/>
+                      <a:round/>
+                    </a:lnB>
+                    <a:noFill/>
+                  </a:tcPr>
+                </a:tc>
+                <a:tc>
+                  <a:txBody>
+                    <a:bodyPr vert="horz" wrap="square" lIns="91440" tIns="45720" rIns="91440" bIns="45720" anchor="t" anchorCtr="0">
+                      <a:spAutoFit/>
+                    </a:bodyPr>
+                    <a:p>
+                      <a:pPr algn="ctr">
+                        <a:defRPr/>
+                      </a:pPr>
+                      <a:endParaRPr lang="en-US" altLang="ko-KR" sz="2000" b="1">
+                        <a:solidFill>
+                          <a:srgbClr val="baff1a"/>
+                        </a:solidFill>
+                        <a:latin typeface="에스코어 드림 2 ExtraLight"/>
+                        <a:ea typeface="에스코어 드림 2 ExtraLight"/>
+                      </a:endParaRPr>
+                    </a:p>
+                  </a:txBody>
+                  <a:tcPr marL="91440" marR="91440">
+                    <a:lnL w="25400" cap="flat" cmpd="sng" algn="ctr">
+                      <a:solidFill>
+                        <a:schemeClr val="lt1"/>
+                      </a:solidFill>
+                      <a:prstDash val="solid"/>
+                      <a:round/>
+                    </a:lnL>
+                    <a:lnR w="25400" cap="flat" cmpd="sng" algn="ctr">
+                      <a:solidFill>
+                        <a:schemeClr val="lt1"/>
+                      </a:solidFill>
+                      <a:prstDash val="solid"/>
+                      <a:round/>
+                    </a:lnR>
+                    <a:lnT w="25400" cap="flat" cmpd="sng" algn="ctr">
+                      <a:solidFill>
+                        <a:schemeClr val="lt1"/>
+                      </a:solidFill>
+                      <a:prstDash val="solid"/>
+                      <a:round/>
+                    </a:lnT>
+                    <a:lnB w="25400" cap="flat" cmpd="sng" algn="ctr">
+                      <a:solidFill>
+                        <a:schemeClr val="lt1"/>
+                      </a:solidFill>
+                      <a:prstDash val="solid"/>
+                      <a:round/>
+                    </a:lnB>
+                    <a:noFill/>
+                  </a:tcPr>
+                </a:tc>
+                <a:tc>
+                  <a:txBody>
+                    <a:bodyPr vert="horz" wrap="square" lIns="91440" tIns="45720" rIns="91440" bIns="45720" anchor="t" anchorCtr="0">
+                      <a:spAutoFit/>
+                    </a:bodyPr>
+                    <a:p>
+                      <a:pPr algn="ctr">
+                        <a:defRPr/>
+                      </a:pPr>
+                      <a:endParaRPr lang="en-US" altLang="ko-KR" sz="2000" b="1">
+                        <a:solidFill>
+                          <a:srgbClr val="baff1a"/>
+                        </a:solidFill>
+                        <a:latin typeface="에스코어 드림 2 ExtraLight"/>
+                        <a:ea typeface="에스코어 드림 2 ExtraLight"/>
+                      </a:endParaRPr>
+                    </a:p>
+                  </a:txBody>
+                  <a:tcPr marL="91440" marR="91440">
+                    <a:lnL w="25400" cap="flat" cmpd="sng" algn="ctr">
+                      <a:solidFill>
+                        <a:schemeClr val="lt1"/>
+                      </a:solidFill>
+                      <a:prstDash val="solid"/>
+                      <a:round/>
+                    </a:lnL>
+                    <a:lnR w="25400" cap="flat" cmpd="sng" algn="ctr">
+                      <a:solidFill>
+                        <a:schemeClr val="lt1"/>
+                      </a:solidFill>
+                      <a:prstDash val="solid"/>
+                      <a:round/>
+                    </a:lnR>
+                    <a:lnT w="25400" cap="flat" cmpd="sng" algn="ctr">
+                      <a:solidFill>
+                        <a:schemeClr val="lt1"/>
+                      </a:solidFill>
+                      <a:prstDash val="solid"/>
+                      <a:round/>
+                    </a:lnT>
+                    <a:lnB w="25400" cap="flat" cmpd="sng" algn="ctr">
+                      <a:solidFill>
+                        <a:schemeClr val="lt1"/>
+                      </a:solidFill>
+                      <a:prstDash val="solid"/>
+                      <a:round/>
+                    </a:lnB>
+                    <a:noFill/>
+                  </a:tcPr>
+                </a:tc>
+                <a:tc>
+                  <a:txBody>
+                    <a:bodyPr vert="horz" wrap="square" lIns="91440" tIns="45720" rIns="91440" bIns="45720" anchor="t" anchorCtr="0">
+                      <a:spAutoFit/>
+                    </a:bodyPr>
+                    <a:p>
+                      <a:pPr algn="ctr">
+                        <a:defRPr/>
+                      </a:pPr>
+                      <a:endParaRPr lang="en-US" altLang="ko-KR" sz="2000" b="1">
+                        <a:solidFill>
+                          <a:srgbClr val="baff1a"/>
+                        </a:solidFill>
+                        <a:latin typeface="에스코어 드림 2 ExtraLight"/>
+                        <a:ea typeface="에스코어 드림 2 ExtraLight"/>
+                      </a:endParaRPr>
+                    </a:p>
+                  </a:txBody>
+                  <a:tcPr marL="91440" marR="91440">
+                    <a:lnL w="25400" cap="flat" cmpd="sng" algn="ctr">
+                      <a:solidFill>
+                        <a:schemeClr val="lt1"/>
+                      </a:solidFill>
+                      <a:prstDash val="solid"/>
+                      <a:round/>
+                    </a:lnL>
+                    <a:lnR w="25400" cap="flat" cmpd="sng" algn="ctr">
+                      <a:solidFill>
+                        <a:schemeClr val="lt1"/>
+                      </a:solidFill>
+                      <a:prstDash val="solid"/>
+                      <a:round/>
+                    </a:lnR>
+                    <a:lnT w="25400" cap="flat" cmpd="sng" algn="ctr">
+                      <a:solidFill>
+                        <a:schemeClr val="lt1"/>
+                      </a:solidFill>
+                      <a:prstDash val="solid"/>
+                      <a:round/>
+                    </a:lnT>
+                    <a:lnB w="25400" cap="flat" cmpd="sng" algn="ctr">
+                      <a:solidFill>
+                        <a:schemeClr val="lt1"/>
+                      </a:solidFill>
+                      <a:prstDash val="solid"/>
+                      <a:round/>
+                    </a:lnB>
+                    <a:noFill/>
+                  </a:tcPr>
+                </a:tc>
+                <a:tc>
+                  <a:txBody>
+                    <a:bodyPr vert="horz" wrap="square" lIns="91440" tIns="45720" rIns="91440" bIns="45720" anchor="t" anchorCtr="0">
+                      <a:spAutoFit/>
+                    </a:bodyPr>
+                    <a:p>
+                      <a:pPr algn="ctr">
+                        <a:defRPr/>
+                      </a:pPr>
+                      <a:endParaRPr lang="en-US" altLang="ko-KR" sz="2000" b="1">
+                        <a:solidFill>
+                          <a:srgbClr val="baff1a"/>
+                        </a:solidFill>
+                        <a:latin typeface="에스코어 드림 2 ExtraLight"/>
+                        <a:ea typeface="에스코어 드림 2 ExtraLight"/>
+                      </a:endParaRPr>
+                    </a:p>
+                  </a:txBody>
+                  <a:tcPr marL="91440" marR="91440">
+                    <a:lnL w="25400" cap="flat" cmpd="sng" algn="ctr">
+                      <a:solidFill>
+                        <a:schemeClr val="lt1"/>
+                      </a:solidFill>
+                      <a:prstDash val="solid"/>
+                      <a:round/>
+                    </a:lnL>
+                    <a:lnR w="25400" cap="flat" cmpd="sng" algn="ctr">
+                      <a:solidFill>
+                        <a:schemeClr val="lt1"/>
+                      </a:solidFill>
+                      <a:prstDash val="solid"/>
+                      <a:round/>
+                    </a:lnR>
+                    <a:lnT w="25400" cap="flat" cmpd="sng" algn="ctr">
+                      <a:solidFill>
+                        <a:schemeClr val="lt1"/>
+                      </a:solidFill>
+                      <a:prstDash val="solid"/>
+                      <a:round/>
+                    </a:lnT>
+                    <a:lnB w="25400" cap="flat" cmpd="sng" algn="ctr">
+                      <a:solidFill>
+                        <a:schemeClr val="lt1"/>
+                      </a:solidFill>
+                      <a:prstDash val="solid"/>
+                      <a:round/>
+                    </a:lnB>
+                    <a:noFill/>
+                  </a:tcPr>
+                </a:tc>
+                <a:tc>
+                  <a:txBody>
+                    <a:bodyPr vert="horz" wrap="square" lIns="91440" tIns="45720" rIns="91440" bIns="45720" anchor="t" anchorCtr="0">
+                      <a:spAutoFit/>
+                    </a:bodyPr>
+                    <a:p>
+                      <a:pPr algn="ctr">
+                        <a:defRPr/>
+                      </a:pPr>
+                      <a:endParaRPr lang="en-US" altLang="ko-KR" sz="2000" b="1">
+                        <a:solidFill>
+                          <a:srgbClr val="baff1a"/>
+                        </a:solidFill>
+                        <a:latin typeface="에스코어 드림 2 ExtraLight"/>
+                        <a:ea typeface="에스코어 드림 2 ExtraLight"/>
+                      </a:endParaRPr>
+                    </a:p>
+                  </a:txBody>
+                  <a:tcPr marL="91440" marR="91440">
+                    <a:lnL w="25400" cap="flat" cmpd="sng" algn="ctr">
+                      <a:solidFill>
+                        <a:schemeClr val="lt1"/>
+                      </a:solidFill>
+                      <a:prstDash val="solid"/>
+                      <a:round/>
+                    </a:lnL>
+                    <a:lnR w="25400" cap="flat" cmpd="sng" algn="ctr">
+                      <a:solidFill>
+                        <a:schemeClr val="lt1"/>
+                      </a:solidFill>
+                      <a:prstDash val="solid"/>
+                      <a:round/>
+                    </a:lnR>
+                    <a:lnT w="25400" cap="flat" cmpd="sng" algn="ctr">
+                      <a:solidFill>
+                        <a:schemeClr val="lt1"/>
+                      </a:solidFill>
+                      <a:prstDash val="solid"/>
+                      <a:round/>
+                    </a:lnT>
+                    <a:lnB w="25400" cap="flat" cmpd="sng" algn="ctr">
+                      <a:solidFill>
+                        <a:schemeClr val="lt1"/>
+                      </a:solidFill>
+                      <a:prstDash val="solid"/>
+                      <a:round/>
+                    </a:lnB>
+                    <a:noFill/>
+                  </a:tcPr>
+                </a:tc>
+              </a:tr>
+              <a:tr h="408259">
+                <a:tc>
+                  <a:txBody>
+                    <a:bodyPr vert="horz" wrap="square" lIns="91440" tIns="45720" rIns="91440" bIns="45720" anchor="t" anchorCtr="0">
+                      <a:spAutoFit/>
+                    </a:bodyPr>
+                    <a:p>
+                      <a:pPr algn="ctr">
+                        <a:defRPr/>
+                      </a:pPr>
+                      <a:endParaRPr lang="en-US" altLang="ko-KR" sz="2000" b="1">
+                        <a:solidFill>
+                          <a:srgbClr val="baff1a"/>
+                        </a:solidFill>
+                        <a:latin typeface="에스코어 드림 2 ExtraLight"/>
+                        <a:ea typeface="에스코어 드림 2 ExtraLight"/>
+                      </a:endParaRPr>
+                    </a:p>
+                  </a:txBody>
+                  <a:tcPr marL="91440" marR="91440">
+                    <a:lnL w="25400" cap="flat" cmpd="sng" algn="ctr">
+                      <a:solidFill>
+                        <a:schemeClr val="lt1"/>
+                      </a:solidFill>
+                      <a:prstDash val="solid"/>
+                      <a:round/>
+                    </a:lnL>
+                    <a:lnR w="25400" cap="flat" cmpd="sng" algn="ctr">
+                      <a:solidFill>
+                        <a:schemeClr val="lt1"/>
+                      </a:solidFill>
+                      <a:prstDash val="solid"/>
+                      <a:round/>
+                    </a:lnR>
+                    <a:lnT w="25400" cap="flat" cmpd="sng" algn="ctr">
+                      <a:solidFill>
+                        <a:schemeClr val="lt1"/>
+                      </a:solidFill>
+                      <a:prstDash val="solid"/>
+                      <a:round/>
+                    </a:lnT>
+                    <a:lnB w="25400" cap="flat" cmpd="sng" algn="ctr">
+                      <a:solidFill>
+                        <a:schemeClr val="lt1"/>
+                      </a:solidFill>
+                      <a:prstDash val="solid"/>
+                      <a:round/>
+                    </a:lnB>
+                    <a:noFill/>
+                  </a:tcPr>
+                </a:tc>
+                <a:tc>
+                  <a:txBody>
+                    <a:bodyPr vert="horz" wrap="square" lIns="91440" tIns="45720" rIns="91440" bIns="45720" anchor="t" anchorCtr="0">
+                      <a:spAutoFit/>
+                    </a:bodyPr>
+                    <a:p>
+                      <a:pPr algn="ctr">
+                        <a:defRPr/>
+                      </a:pPr>
+                      <a:endParaRPr lang="en-US" altLang="ko-KR" sz="2000" b="1">
+                        <a:solidFill>
+                          <a:srgbClr val="baff1a"/>
+                        </a:solidFill>
+                        <a:latin typeface="에스코어 드림 2 ExtraLight"/>
+                        <a:ea typeface="에스코어 드림 2 ExtraLight"/>
+                      </a:endParaRPr>
+                    </a:p>
+                  </a:txBody>
+                  <a:tcPr marL="91440" marR="91440">
+                    <a:lnL w="25400" cap="flat" cmpd="sng" algn="ctr">
+                      <a:solidFill>
+                        <a:schemeClr val="lt1"/>
+                      </a:solidFill>
+                      <a:prstDash val="solid"/>
+                      <a:round/>
+                    </a:lnL>
+                    <a:lnR w="25400" cap="flat" cmpd="sng" algn="ctr">
+                      <a:solidFill>
+                        <a:schemeClr val="lt1"/>
+                      </a:solidFill>
+                      <a:prstDash val="solid"/>
+                      <a:round/>
+                    </a:lnR>
+                    <a:lnT w="25400" cap="flat" cmpd="sng" algn="ctr">
+                      <a:solidFill>
+                        <a:schemeClr val="lt1"/>
+                      </a:solidFill>
+                      <a:prstDash val="solid"/>
+                      <a:round/>
+                    </a:lnT>
+                    <a:lnB w="25400" cap="flat" cmpd="sng" algn="ctr">
+                      <a:solidFill>
+                        <a:schemeClr val="lt1"/>
+                      </a:solidFill>
+                      <a:prstDash val="solid"/>
+                      <a:round/>
+                    </a:lnB>
+                    <a:noFill/>
+                  </a:tcPr>
+                </a:tc>
+                <a:tc>
+                  <a:txBody>
+                    <a:bodyPr vert="horz" wrap="square" lIns="91440" tIns="45720" rIns="91440" bIns="45720" anchor="t" anchorCtr="0">
+                      <a:spAutoFit/>
+                    </a:bodyPr>
+                    <a:p>
+                      <a:pPr algn="ctr">
+                        <a:defRPr/>
+                      </a:pPr>
+                      <a:endParaRPr lang="en-US" altLang="ko-KR" sz="2000" b="1">
+                        <a:solidFill>
+                          <a:srgbClr val="baff1a"/>
+                        </a:solidFill>
+                        <a:latin typeface="에스코어 드림 2 ExtraLight"/>
+                        <a:ea typeface="에스코어 드림 2 ExtraLight"/>
+                      </a:endParaRPr>
+                    </a:p>
+                  </a:txBody>
+                  <a:tcPr marL="91440" marR="91440">
+                    <a:lnL w="25400" cap="flat" cmpd="sng" algn="ctr">
+                      <a:solidFill>
+                        <a:schemeClr val="lt1"/>
+                      </a:solidFill>
+                      <a:prstDash val="solid"/>
+                      <a:round/>
+                    </a:lnL>
+                    <a:lnR w="25400" cap="flat" cmpd="sng" algn="ctr">
+                      <a:solidFill>
+                        <a:schemeClr val="lt1"/>
+                      </a:solidFill>
+                      <a:prstDash val="solid"/>
+                      <a:round/>
+                    </a:lnR>
+                    <a:lnT w="25400" cap="flat" cmpd="sng" algn="ctr">
+                      <a:solidFill>
+                        <a:schemeClr val="lt1"/>
+                      </a:solidFill>
+                      <a:prstDash val="solid"/>
+                      <a:round/>
+                    </a:lnT>
+                    <a:lnB w="25400" cap="flat" cmpd="sng" algn="ctr">
+                      <a:solidFill>
+                        <a:schemeClr val="lt1"/>
+                      </a:solidFill>
+                      <a:prstDash val="solid"/>
+                      <a:round/>
+                    </a:lnB>
+                    <a:noFill/>
+                  </a:tcPr>
+                </a:tc>
+                <a:tc>
+                  <a:txBody>
+                    <a:bodyPr vert="horz" wrap="square" lIns="91440" tIns="45720" rIns="91440" bIns="45720" anchor="t" anchorCtr="0">
+                      <a:spAutoFit/>
+                    </a:bodyPr>
+                    <a:p>
+                      <a:pPr algn="ctr">
+                        <a:defRPr/>
+                      </a:pPr>
+                      <a:endParaRPr lang="en-US" altLang="ko-KR" sz="2000" b="1">
+                        <a:solidFill>
+                          <a:srgbClr val="baff1a"/>
+                        </a:solidFill>
+                        <a:latin typeface="에스코어 드림 2 ExtraLight"/>
+                        <a:ea typeface="에스코어 드림 2 ExtraLight"/>
+                      </a:endParaRPr>
+                    </a:p>
+                  </a:txBody>
+                  <a:tcPr marL="91440" marR="91440">
+                    <a:lnL w="25400" cap="flat" cmpd="sng" algn="ctr">
+                      <a:solidFill>
+                        <a:schemeClr val="lt1"/>
+                      </a:solidFill>
+                      <a:prstDash val="solid"/>
+                      <a:round/>
+                    </a:lnL>
+                    <a:lnR w="25400" cap="flat" cmpd="sng" algn="ctr">
+                      <a:solidFill>
+                        <a:schemeClr val="lt1"/>
+                      </a:solidFill>
+                      <a:prstDash val="solid"/>
+                      <a:round/>
+                    </a:lnR>
+                    <a:lnT w="25400" cap="flat" cmpd="sng" algn="ctr">
+                      <a:solidFill>
+                        <a:schemeClr val="lt1"/>
+                      </a:solidFill>
+                      <a:prstDash val="solid"/>
+                      <a:round/>
+                    </a:lnT>
+                    <a:lnB w="25400" cap="flat" cmpd="sng" algn="ctr">
+                      <a:solidFill>
+                        <a:schemeClr val="lt1"/>
+                      </a:solidFill>
+                      <a:prstDash val="solid"/>
+                      <a:round/>
+                    </a:lnB>
+                    <a:noFill/>
+                  </a:tcPr>
+                </a:tc>
+                <a:tc>
+                  <a:txBody>
+                    <a:bodyPr vert="horz" wrap="square" lIns="91440" tIns="45720" rIns="91440" bIns="45720" anchor="t" anchorCtr="0">
+                      <a:spAutoFit/>
+                    </a:bodyPr>
+                    <a:p>
+                      <a:pPr algn="ctr">
+                        <a:defRPr/>
+                      </a:pPr>
+                      <a:endParaRPr lang="en-US" altLang="ko-KR" sz="2000" b="1">
+                        <a:solidFill>
+                          <a:srgbClr val="baff1a"/>
+                        </a:solidFill>
+                        <a:latin typeface="에스코어 드림 2 ExtraLight"/>
+                        <a:ea typeface="에스코어 드림 2 ExtraLight"/>
+                      </a:endParaRPr>
+                    </a:p>
+                  </a:txBody>
+                  <a:tcPr marL="91440" marR="91440">
+                    <a:lnL w="25400" cap="flat" cmpd="sng" algn="ctr">
+                      <a:solidFill>
+                        <a:schemeClr val="lt1"/>
+                      </a:solidFill>
+                      <a:prstDash val="solid"/>
+                      <a:round/>
+                    </a:lnL>
+                    <a:lnR w="25400" cap="flat" cmpd="sng" algn="ctr">
+                      <a:solidFill>
+                        <a:schemeClr val="lt1"/>
+                      </a:solidFill>
+                      <a:prstDash val="solid"/>
+                      <a:round/>
+                    </a:lnR>
+                    <a:lnT w="25400" cap="flat" cmpd="sng" algn="ctr">
+                      <a:solidFill>
+                        <a:schemeClr val="lt1"/>
+                      </a:solidFill>
+                      <a:prstDash val="solid"/>
+                      <a:round/>
+                    </a:lnT>
+                    <a:lnB w="25400" cap="flat" cmpd="sng" algn="ctr">
+                      <a:solidFill>
+                        <a:schemeClr val="lt1"/>
+                      </a:solidFill>
+                      <a:prstDash val="solid"/>
+                      <a:round/>
+                    </a:lnB>
+                    <a:noFill/>
+                  </a:tcPr>
+                </a:tc>
+                <a:tc>
+                  <a:txBody>
+                    <a:bodyPr vert="horz" wrap="square" lIns="91440" tIns="45720" rIns="91440" bIns="45720" anchor="t" anchorCtr="0">
+                      <a:spAutoFit/>
+                    </a:bodyPr>
+                    <a:p>
+                      <a:pPr algn="ctr">
+                        <a:defRPr/>
+                      </a:pPr>
+                      <a:endParaRPr lang="en-US" altLang="ko-KR" sz="2000" b="1">
+                        <a:solidFill>
+                          <a:srgbClr val="baff1a"/>
+                        </a:solidFill>
+                        <a:latin typeface="에스코어 드림 2 ExtraLight"/>
+                        <a:ea typeface="에스코어 드림 2 ExtraLight"/>
+                      </a:endParaRPr>
+                    </a:p>
+                  </a:txBody>
+                  <a:tcPr marL="91440" marR="91440">
+                    <a:lnL w="25400" cap="flat" cmpd="sng" algn="ctr">
+                      <a:solidFill>
+                        <a:schemeClr val="lt1"/>
+                      </a:solidFill>
+                      <a:prstDash val="solid"/>
+                      <a:round/>
+                    </a:lnL>
+                    <a:lnR w="25400" cap="flat" cmpd="sng" algn="ctr">
+                      <a:solidFill>
+                        <a:schemeClr val="lt1"/>
+                      </a:solidFill>
+                      <a:prstDash val="solid"/>
+                      <a:round/>
+                    </a:lnR>
+                    <a:lnT w="25400" cap="flat" cmpd="sng" algn="ctr">
+                      <a:solidFill>
+                        <a:schemeClr val="lt1"/>
+                      </a:solidFill>
+                      <a:prstDash val="solid"/>
+                      <a:round/>
+                    </a:lnT>
+                    <a:lnB w="25400" cap="flat" cmpd="sng" algn="ctr">
+                      <a:solidFill>
+                        <a:schemeClr val="lt1"/>
+                      </a:solidFill>
+                      <a:prstDash val="solid"/>
+                      <a:round/>
+                    </a:lnB>
+                    <a:noFill/>
+                  </a:tcPr>
+                </a:tc>
+                <a:tc>
+                  <a:txBody>
+                    <a:bodyPr vert="horz" wrap="square" lIns="91440" tIns="45720" rIns="91440" bIns="45720" anchor="t" anchorCtr="0">
+                      <a:spAutoFit/>
+                    </a:bodyPr>
+                    <a:p>
+                      <a:pPr algn="ctr">
+                        <a:defRPr/>
+                      </a:pPr>
+                      <a:endParaRPr lang="en-US" altLang="ko-KR" sz="2000" b="1">
+                        <a:solidFill>
+                          <a:srgbClr val="baff1a"/>
+                        </a:solidFill>
+                        <a:latin typeface="에스코어 드림 2 ExtraLight"/>
+                        <a:ea typeface="에스코어 드림 2 ExtraLight"/>
+                      </a:endParaRPr>
+                    </a:p>
+                  </a:txBody>
+                  <a:tcPr marL="91440" marR="91440">
+                    <a:lnL w="25400" cap="flat" cmpd="sng" algn="ctr">
+                      <a:solidFill>
+                        <a:schemeClr val="lt1"/>
+                      </a:solidFill>
+                      <a:prstDash val="solid"/>
+                      <a:round/>
+                    </a:lnL>
+                    <a:lnR w="25400" cap="flat" cmpd="sng" algn="ctr">
+                      <a:solidFill>
+                        <a:schemeClr val="lt1"/>
+                      </a:solidFill>
+                      <a:prstDash val="solid"/>
+                      <a:round/>
+                    </a:lnR>
+                    <a:lnT w="25400" cap="flat" cmpd="sng" algn="ctr">
+                      <a:solidFill>
+                        <a:schemeClr val="lt1"/>
+                      </a:solidFill>
+                      <a:prstDash val="solid"/>
+                      <a:round/>
+                    </a:lnT>
+                    <a:lnB w="25400" cap="flat" cmpd="sng" algn="ctr">
+                      <a:solidFill>
+                        <a:schemeClr val="lt1"/>
+                      </a:solidFill>
+                      <a:prstDash val="solid"/>
+                      <a:round/>
+                    </a:lnB>
+                    <a:noFill/>
+                  </a:tcPr>
+                </a:tc>
+                <a:tc>
+                  <a:txBody>
+                    <a:bodyPr vert="horz" wrap="square" lIns="91440" tIns="45720" rIns="91440" bIns="45720" anchor="t" anchorCtr="0">
+                      <a:spAutoFit/>
+                    </a:bodyPr>
+                    <a:p>
+                      <a:pPr algn="ctr">
+                        <a:defRPr/>
+                      </a:pPr>
+                      <a:endParaRPr lang="en-US" altLang="ko-KR" sz="2000" b="1">
+                        <a:solidFill>
+                          <a:srgbClr val="baff1a"/>
+                        </a:solidFill>
+                        <a:latin typeface="에스코어 드림 2 ExtraLight"/>
+                        <a:ea typeface="에스코어 드림 2 ExtraLight"/>
+                      </a:endParaRPr>
+                    </a:p>
+                  </a:txBody>
+                  <a:tcPr marL="91440" marR="91440">
+                    <a:lnL w="25400" cap="flat" cmpd="sng" algn="ctr">
+                      <a:solidFill>
+                        <a:schemeClr val="lt1"/>
+                      </a:solidFill>
+                      <a:prstDash val="solid"/>
+                      <a:round/>
+                    </a:lnL>
+                    <a:lnR w="25400" cap="flat" cmpd="sng" algn="ctr">
+                      <a:solidFill>
+                        <a:schemeClr val="lt1"/>
+                      </a:solidFill>
+                      <a:prstDash val="solid"/>
+                      <a:round/>
+                    </a:lnR>
+                    <a:lnT w="25400" cap="flat" cmpd="sng" algn="ctr">
+                      <a:solidFill>
+                        <a:schemeClr val="lt1"/>
+                      </a:solidFill>
+                      <a:prstDash val="solid"/>
+                      <a:round/>
+                    </a:lnT>
+                    <a:lnB w="25400" cap="flat" cmpd="sng" algn="ctr">
+                      <a:solidFill>
+                        <a:schemeClr val="lt1"/>
+                      </a:solidFill>
+                      <a:prstDash val="solid"/>
+                      <a:round/>
+                    </a:lnB>
+                    <a:noFill/>
+                  </a:tcPr>
+                </a:tc>
+                <a:tc>
+                  <a:txBody>
+                    <a:bodyPr vert="horz" wrap="square" lIns="91440" tIns="45720" rIns="91440" bIns="45720" anchor="t" anchorCtr="0">
+                      <a:spAutoFit/>
+                    </a:bodyPr>
+                    <a:p>
+                      <a:pPr algn="ctr">
+                        <a:defRPr/>
+                      </a:pPr>
+                      <a:endParaRPr lang="en-US" altLang="ko-KR" sz="2000" b="1">
+                        <a:solidFill>
+                          <a:srgbClr val="baff1a"/>
+                        </a:solidFill>
+                        <a:latin typeface="에스코어 드림 2 ExtraLight"/>
+                        <a:ea typeface="에스코어 드림 2 ExtraLight"/>
+                      </a:endParaRPr>
+                    </a:p>
+                  </a:txBody>
+                  <a:tcPr marL="91440" marR="91440">
+                    <a:lnL w="25400" cap="flat" cmpd="sng" algn="ctr">
+                      <a:solidFill>
+                        <a:schemeClr val="lt1"/>
+                      </a:solidFill>
+                      <a:prstDash val="solid"/>
+                      <a:round/>
+                    </a:lnL>
+                    <a:lnR w="25400" cap="flat" cmpd="sng" algn="ctr">
+                      <a:solidFill>
+                        <a:schemeClr val="lt1"/>
+                      </a:solidFill>
+                      <a:prstDash val="solid"/>
+                      <a:round/>
+                    </a:lnR>
+                    <a:lnT w="25400" cap="flat" cmpd="sng" algn="ctr">
+                      <a:solidFill>
+                        <a:schemeClr val="lt1"/>
+                      </a:solidFill>
+                      <a:prstDash val="solid"/>
+                      <a:round/>
+                    </a:lnT>
+                    <a:lnB w="25400" cap="flat" cmpd="sng" algn="ctr">
+                      <a:solidFill>
+                        <a:schemeClr val="lt1"/>
+                      </a:solidFill>
+                      <a:prstDash val="solid"/>
+                      <a:round/>
+                    </a:lnB>
+                    <a:noFill/>
+                  </a:tcPr>
+                </a:tc>
+                <a:tc>
+                  <a:txBody>
+                    <a:bodyPr vert="horz" wrap="square" lIns="91440" tIns="45720" rIns="91440" bIns="45720" anchor="t" anchorCtr="0">
+                      <a:spAutoFit/>
+                    </a:bodyPr>
+                    <a:p>
+                      <a:pPr algn="ctr">
+                        <a:defRPr/>
+                      </a:pPr>
+                      <a:endParaRPr lang="en-US" altLang="ko-KR" sz="2000" b="1">
+                        <a:solidFill>
+                          <a:srgbClr val="baff1a"/>
+                        </a:solidFill>
+                        <a:latin typeface="에스코어 드림 2 ExtraLight"/>
+                        <a:ea typeface="에스코어 드림 2 ExtraLight"/>
+                      </a:endParaRPr>
+                    </a:p>
+                  </a:txBody>
+                  <a:tcPr marL="91440" marR="91440">
+                    <a:lnL w="25400" cap="flat" cmpd="sng" algn="ctr">
+                      <a:solidFill>
+                        <a:schemeClr val="lt1"/>
+                      </a:solidFill>
+                      <a:prstDash val="solid"/>
+                      <a:round/>
+                    </a:lnL>
+                    <a:lnR w="25400" cap="flat" cmpd="sng" algn="ctr">
+                      <a:solidFill>
+                        <a:schemeClr val="lt1"/>
+                      </a:solidFill>
+                      <a:prstDash val="solid"/>
+                      <a:round/>
+                    </a:lnR>
+                    <a:lnT w="25400" cap="flat" cmpd="sng" algn="ctr">
+                      <a:solidFill>
+                        <a:schemeClr val="lt1"/>
+                      </a:solidFill>
+                      <a:prstDash val="solid"/>
+                      <a:round/>
+                    </a:lnT>
+                    <a:lnB w="25400" cap="flat" cmpd="sng" algn="ctr">
+                      <a:solidFill>
+                        <a:schemeClr val="lt1"/>
+                      </a:solidFill>
+                      <a:prstDash val="solid"/>
+                      <a:round/>
+                    </a:lnB>
+                    <a:noFill/>
+                  </a:tcPr>
+                </a:tc>
+              </a:tr>
+              <a:tr h="408259">
+                <a:tc>
+                  <a:txBody>
+                    <a:bodyPr vert="horz" wrap="square" lIns="91440" tIns="45720" rIns="91440" bIns="45720" anchor="t" anchorCtr="0">
+                      <a:spAutoFit/>
+                    </a:bodyPr>
+                    <a:p>
+                      <a:pPr algn="ctr">
+                        <a:defRPr/>
+                      </a:pPr>
+                      <a:endParaRPr lang="en-US" altLang="ko-KR" sz="2000" b="1">
+                        <a:solidFill>
+                          <a:srgbClr val="baff1a"/>
+                        </a:solidFill>
+                        <a:latin typeface="에스코어 드림 2 ExtraLight"/>
+                        <a:ea typeface="에스코어 드림 2 ExtraLight"/>
+                      </a:endParaRPr>
+                    </a:p>
+                  </a:txBody>
+                  <a:tcPr marL="91440" marR="91440">
+                    <a:lnL w="25400" cap="flat" cmpd="sng" algn="ctr">
+                      <a:solidFill>
+                        <a:schemeClr val="lt1"/>
+                      </a:solidFill>
+                      <a:prstDash val="solid"/>
+                      <a:round/>
+                    </a:lnL>
+                    <a:lnR w="25400" cap="flat" cmpd="sng" algn="ctr">
+                      <a:solidFill>
+                        <a:schemeClr val="lt1"/>
+                      </a:solidFill>
+                      <a:prstDash val="solid"/>
+                      <a:round/>
+                    </a:lnR>
+                    <a:lnT w="25400" cap="flat" cmpd="sng" algn="ctr">
+                      <a:solidFill>
+                        <a:schemeClr val="lt1"/>
+                      </a:solidFill>
+                      <a:prstDash val="solid"/>
+                      <a:round/>
+                    </a:lnT>
+                    <a:lnB w="25400" cap="flat" cmpd="sng" algn="ctr">
+                      <a:solidFill>
+                        <a:schemeClr val="lt1"/>
+                      </a:solidFill>
+                      <a:prstDash val="solid"/>
+                      <a:round/>
+                    </a:lnB>
+                    <a:noFill/>
+                  </a:tcPr>
+                </a:tc>
+                <a:tc>
+                  <a:txBody>
+                    <a:bodyPr vert="horz" wrap="square" lIns="91440" tIns="45720" rIns="91440" bIns="45720" anchor="t" anchorCtr="0">
+                      <a:spAutoFit/>
+                    </a:bodyPr>
+                    <a:p>
+                      <a:pPr algn="ctr">
+                        <a:defRPr/>
+                      </a:pPr>
+                      <a:endParaRPr lang="en-US" altLang="ko-KR" sz="2000" b="1">
+                        <a:solidFill>
+                          <a:srgbClr val="baff1a"/>
+                        </a:solidFill>
+                        <a:latin typeface="에스코어 드림 2 ExtraLight"/>
+                        <a:ea typeface="에스코어 드림 2 ExtraLight"/>
+                      </a:endParaRPr>
+                    </a:p>
+                  </a:txBody>
+                  <a:tcPr marL="91440" marR="91440">
+                    <a:lnL w="25400" cap="flat" cmpd="sng" algn="ctr">
+                      <a:solidFill>
+                        <a:schemeClr val="lt1"/>
+                      </a:solidFill>
+                      <a:prstDash val="solid"/>
+                      <a:round/>
+                    </a:lnL>
+                    <a:lnR w="25400" cap="flat" cmpd="sng" algn="ctr">
+                      <a:solidFill>
+                        <a:schemeClr val="lt1"/>
+                      </a:solidFill>
+                      <a:prstDash val="solid"/>
+                      <a:round/>
+                    </a:lnR>
+                    <a:lnT w="25400" cap="flat" cmpd="sng" algn="ctr">
+                      <a:solidFill>
+                        <a:schemeClr val="lt1"/>
+                      </a:solidFill>
+                      <a:prstDash val="solid"/>
+                      <a:round/>
+                    </a:lnT>
+                    <a:lnB w="25400" cap="flat" cmpd="sng" algn="ctr">
+                      <a:solidFill>
+                        <a:schemeClr val="lt1"/>
+                      </a:solidFill>
+                      <a:prstDash val="solid"/>
+                      <a:round/>
+                    </a:lnB>
+                    <a:noFill/>
+                  </a:tcPr>
+                </a:tc>
+                <a:tc>
+                  <a:txBody>
+                    <a:bodyPr vert="horz" wrap="square" lIns="91440" tIns="45720" rIns="91440" bIns="45720" anchor="t" anchorCtr="0">
+                      <a:spAutoFit/>
+                    </a:bodyPr>
+                    <a:p>
+                      <a:pPr algn="ctr">
+                        <a:defRPr/>
+                      </a:pPr>
+                      <a:endParaRPr lang="en-US" altLang="ko-KR" sz="2000" b="1">
+                        <a:solidFill>
+                          <a:srgbClr val="baff1a"/>
+                        </a:solidFill>
+                        <a:latin typeface="에스코어 드림 2 ExtraLight"/>
+                        <a:ea typeface="에스코어 드림 2 ExtraLight"/>
+                      </a:endParaRPr>
+                    </a:p>
+                  </a:txBody>
+                  <a:tcPr marL="91440" marR="91440">
+                    <a:lnL w="25400" cap="flat" cmpd="sng" algn="ctr">
+                      <a:solidFill>
+                        <a:schemeClr val="lt1"/>
+                      </a:solidFill>
+                      <a:prstDash val="solid"/>
+                      <a:round/>
+                    </a:lnL>
+                    <a:lnR w="25400" cap="flat" cmpd="sng" algn="ctr">
+                      <a:solidFill>
+                        <a:schemeClr val="lt1"/>
+                      </a:solidFill>
+                      <a:prstDash val="solid"/>
+                      <a:round/>
+                    </a:lnR>
+                    <a:lnT w="25400" cap="flat" cmpd="sng" algn="ctr">
+                      <a:solidFill>
+                        <a:schemeClr val="lt1"/>
+                      </a:solidFill>
+                      <a:prstDash val="solid"/>
+                      <a:round/>
+                    </a:lnT>
+                    <a:lnB w="25400" cap="flat" cmpd="sng" algn="ctr">
+                      <a:solidFill>
+                        <a:schemeClr val="lt1"/>
+                      </a:solidFill>
+                      <a:prstDash val="solid"/>
+                      <a:round/>
+                    </a:lnB>
+                    <a:noFill/>
+                  </a:tcPr>
+                </a:tc>
+                <a:tc>
+                  <a:txBody>
+                    <a:bodyPr vert="horz" wrap="square" lIns="91440" tIns="45720" rIns="91440" bIns="45720" anchor="t" anchorCtr="0">
+                      <a:spAutoFit/>
+                    </a:bodyPr>
+                    <a:p>
+                      <a:pPr algn="ctr">
+                        <a:defRPr/>
+                      </a:pPr>
+                      <a:r>
+                        <a:rPr lang="en-US" altLang="ko-KR" sz="2000" b="1">
+                          <a:solidFill>
+                            <a:srgbClr val="baff1a"/>
+                          </a:solidFill>
+                          <a:latin typeface="에스코어 드림 2 ExtraLight"/>
+                          <a:ea typeface="에스코어 드림 2 ExtraLight"/>
+                        </a:rPr>
+                        <a:t>2</a:t>
+                      </a:r>
+                      <a:endParaRPr lang="en-US" altLang="ko-KR" sz="2000" b="1">
+                        <a:solidFill>
+                          <a:srgbClr val="baff1a"/>
+                        </a:solidFill>
+                        <a:latin typeface="에스코어 드림 2 ExtraLight"/>
+                        <a:ea typeface="에스코어 드림 2 ExtraLight"/>
+                      </a:endParaRPr>
+                    </a:p>
+                  </a:txBody>
+                  <a:tcPr marL="91440" marR="91440">
+                    <a:lnL w="25400" cap="flat" cmpd="sng" algn="ctr">
+                      <a:solidFill>
+                        <a:schemeClr val="lt1"/>
+                      </a:solidFill>
+                      <a:prstDash val="solid"/>
+                      <a:round/>
+                    </a:lnL>
+                    <a:lnR w="25400" cap="flat" cmpd="sng" algn="ctr">
+                      <a:solidFill>
+                        <a:schemeClr val="lt1"/>
+                      </a:solidFill>
+                      <a:prstDash val="solid"/>
+                      <a:round/>
+                    </a:lnR>
+                    <a:lnT w="25400" cap="flat" cmpd="sng" algn="ctr">
+                      <a:solidFill>
+                        <a:schemeClr val="lt1"/>
+                      </a:solidFill>
+                      <a:prstDash val="solid"/>
+                      <a:round/>
+                    </a:lnT>
+                    <a:lnB w="25400" cap="flat" cmpd="sng" algn="ctr">
+                      <a:solidFill>
+                        <a:schemeClr val="lt1"/>
+                      </a:solidFill>
+                      <a:prstDash val="solid"/>
+                      <a:round/>
+                    </a:lnB>
+                    <a:noFill/>
+                  </a:tcPr>
+                </a:tc>
+                <a:tc>
+                  <a:txBody>
+                    <a:bodyPr vert="horz" wrap="square" lIns="91440" tIns="45720" rIns="91440" bIns="45720" anchor="t" anchorCtr="0">
+                      <a:spAutoFit/>
+                    </a:bodyPr>
+                    <a:p>
+                      <a:pPr algn="ctr">
+                        <a:defRPr/>
+                      </a:pPr>
+                      <a:r>
+                        <a:rPr lang="en-US" altLang="ko-KR" sz="2000" b="1">
+                          <a:solidFill>
+                            <a:srgbClr val="baff1a"/>
+                          </a:solidFill>
+                          <a:latin typeface="에스코어 드림 2 ExtraLight"/>
+                          <a:ea typeface="에스코어 드림 2 ExtraLight"/>
+                        </a:rPr>
+                        <a:t>5</a:t>
+                      </a:r>
+                      <a:endParaRPr lang="en-US" altLang="ko-KR" sz="2000" b="1">
+                        <a:solidFill>
+                          <a:srgbClr val="baff1a"/>
+                        </a:solidFill>
+                        <a:latin typeface="에스코어 드림 2 ExtraLight"/>
+                        <a:ea typeface="에스코어 드림 2 ExtraLight"/>
+                      </a:endParaRPr>
+                    </a:p>
+                  </a:txBody>
+                  <a:tcPr marL="91440" marR="91440">
+                    <a:lnL w="25400" cap="flat" cmpd="sng" algn="ctr">
+                      <a:solidFill>
+                        <a:schemeClr val="lt1"/>
+                      </a:solidFill>
+                      <a:prstDash val="solid"/>
+                      <a:round/>
+                    </a:lnL>
+                    <a:lnR w="25400" cap="flat" cmpd="sng" algn="ctr">
+                      <a:solidFill>
+                        <a:schemeClr val="lt1"/>
+                      </a:solidFill>
+                      <a:prstDash val="solid"/>
+                      <a:round/>
+                    </a:lnR>
+                    <a:lnT w="25400" cap="flat" cmpd="sng" algn="ctr">
+                      <a:solidFill>
+                        <a:schemeClr val="lt1"/>
+                      </a:solidFill>
+                      <a:prstDash val="solid"/>
+                      <a:round/>
+                    </a:lnT>
+                    <a:lnB w="25400" cap="flat" cmpd="sng" algn="ctr">
+                      <a:solidFill>
+                        <a:schemeClr val="lt1"/>
+                      </a:solidFill>
+                      <a:prstDash val="solid"/>
+                      <a:round/>
+                    </a:lnB>
+                    <a:noFill/>
+                  </a:tcPr>
+                </a:tc>
+                <a:tc>
+                  <a:txBody>
+                    <a:bodyPr vert="horz" wrap="square" lIns="91440" tIns="45720" rIns="91440" bIns="45720" anchor="t" anchorCtr="0">
+                      <a:spAutoFit/>
+                    </a:bodyPr>
+                    <a:p>
+                      <a:pPr algn="ctr">
+                        <a:defRPr/>
+                      </a:pPr>
+                      <a:r>
+                        <a:rPr lang="en-US" altLang="ko-KR" sz="2000" b="1">
+                          <a:solidFill>
+                            <a:srgbClr val="baff1a"/>
+                          </a:solidFill>
+                          <a:latin typeface="에스코어 드림 2 ExtraLight"/>
+                          <a:ea typeface="에스코어 드림 2 ExtraLight"/>
+                        </a:rPr>
+                        <a:t>4</a:t>
+                      </a:r>
+                      <a:endParaRPr lang="en-US" altLang="ko-KR" sz="2000" b="1">
+                        <a:solidFill>
+                          <a:srgbClr val="baff1a"/>
+                        </a:solidFill>
+                        <a:latin typeface="에스코어 드림 2 ExtraLight"/>
+                        <a:ea typeface="에스코어 드림 2 ExtraLight"/>
+                      </a:endParaRPr>
+                    </a:p>
+                  </a:txBody>
+                  <a:tcPr marL="91440" marR="91440">
+                    <a:lnL w="25400" cap="flat" cmpd="sng" algn="ctr">
+                      <a:solidFill>
+                        <a:schemeClr val="lt1"/>
+                      </a:solidFill>
+                      <a:prstDash val="solid"/>
+                      <a:round/>
+                    </a:lnL>
+                    <a:lnR w="25400" cap="flat" cmpd="sng" algn="ctr">
+                      <a:solidFill>
+                        <a:schemeClr val="lt1"/>
+                      </a:solidFill>
+                      <a:prstDash val="solid"/>
+                      <a:round/>
+                    </a:lnR>
+                    <a:lnT w="25400" cap="flat" cmpd="sng" algn="ctr">
+                      <a:solidFill>
+                        <a:schemeClr val="lt1"/>
+                      </a:solidFill>
+                      <a:prstDash val="solid"/>
+                      <a:round/>
+                    </a:lnT>
+                    <a:lnB w="25400" cap="flat" cmpd="sng" algn="ctr">
+                      <a:solidFill>
+                        <a:schemeClr val="lt1"/>
+                      </a:solidFill>
+                      <a:prstDash val="solid"/>
+                      <a:round/>
+                    </a:lnB>
+                    <a:noFill/>
+                  </a:tcPr>
+                </a:tc>
+                <a:tc>
+                  <a:txBody>
+                    <a:bodyPr vert="horz" wrap="square" lIns="91440" tIns="45720" rIns="91440" bIns="45720" anchor="t" anchorCtr="0">
+                      <a:spAutoFit/>
+                    </a:bodyPr>
+                    <a:p>
+                      <a:pPr algn="ctr">
+                        <a:defRPr/>
+                      </a:pPr>
+                      <a:r>
+                        <a:rPr lang="en-US" altLang="ko-KR" sz="2000" b="1">
+                          <a:solidFill>
+                            <a:srgbClr val="baff1a"/>
+                          </a:solidFill>
+                          <a:latin typeface="에스코어 드림 2 ExtraLight"/>
+                          <a:ea typeface="에스코어 드림 2 ExtraLight"/>
+                        </a:rPr>
+                        <a:t>8</a:t>
+                      </a:r>
+                      <a:endParaRPr lang="en-US" altLang="ko-KR" sz="2000" b="1">
+                        <a:solidFill>
+                          <a:srgbClr val="baff1a"/>
+                        </a:solidFill>
+                        <a:latin typeface="에스코어 드림 2 ExtraLight"/>
+                        <a:ea typeface="에스코어 드림 2 ExtraLight"/>
+                      </a:endParaRPr>
+                    </a:p>
+                  </a:txBody>
+                  <a:tcPr marL="91440" marR="91440">
+                    <a:lnL w="25400" cap="flat" cmpd="sng" algn="ctr">
+                      <a:solidFill>
+                        <a:schemeClr val="lt1"/>
+                      </a:solidFill>
+                      <a:prstDash val="solid"/>
+                      <a:round/>
+                    </a:lnL>
+                    <a:lnR w="25400" cap="flat" cmpd="sng" algn="ctr">
+                      <a:solidFill>
+                        <a:schemeClr val="lt1"/>
+                      </a:solidFill>
+                      <a:prstDash val="solid"/>
+                      <a:round/>
+                    </a:lnR>
+                    <a:lnT w="25400" cap="flat" cmpd="sng" algn="ctr">
+                      <a:solidFill>
+                        <a:schemeClr val="lt1"/>
+                      </a:solidFill>
+                      <a:prstDash val="solid"/>
+                      <a:round/>
+                    </a:lnT>
+                    <a:lnB w="25400" cap="flat" cmpd="sng" algn="ctr">
+                      <a:solidFill>
+                        <a:schemeClr val="lt1"/>
+                      </a:solidFill>
+                      <a:prstDash val="solid"/>
+                      <a:round/>
+                    </a:lnB>
+                    <a:noFill/>
+                  </a:tcPr>
+                </a:tc>
+                <a:tc>
+                  <a:txBody>
+                    <a:bodyPr vert="horz" wrap="square" lIns="91440" tIns="45720" rIns="91440" bIns="45720" anchor="t" anchorCtr="0">
+                      <a:spAutoFit/>
+                    </a:bodyPr>
+                    <a:p>
+                      <a:pPr algn="ctr">
+                        <a:defRPr/>
+                      </a:pPr>
+                      <a:r>
+                        <a:rPr lang="en-US" altLang="ko-KR" sz="2000" b="1">
+                          <a:solidFill>
+                            <a:srgbClr val="baff1a"/>
+                          </a:solidFill>
+                          <a:latin typeface="에스코어 드림 2 ExtraLight"/>
+                          <a:ea typeface="에스코어 드림 2 ExtraLight"/>
+                        </a:rPr>
+                        <a:t>2</a:t>
+                      </a:r>
+                      <a:endParaRPr lang="en-US" altLang="ko-KR" sz="2000" b="1">
+                        <a:solidFill>
+                          <a:srgbClr val="baff1a"/>
+                        </a:solidFill>
+                        <a:latin typeface="에스코어 드림 2 ExtraLight"/>
+                        <a:ea typeface="에스코어 드림 2 ExtraLight"/>
+                      </a:endParaRPr>
+                    </a:p>
+                  </a:txBody>
+                  <a:tcPr marL="91440" marR="91440">
+                    <a:lnL w="25400" cap="flat" cmpd="sng" algn="ctr">
+                      <a:solidFill>
+                        <a:schemeClr val="lt1"/>
+                      </a:solidFill>
+                      <a:prstDash val="solid"/>
+                      <a:round/>
+                    </a:lnL>
+                    <a:lnR w="25400" cap="flat" cmpd="sng" algn="ctr">
+                      <a:solidFill>
+                        <a:schemeClr val="lt1"/>
+                      </a:solidFill>
+                      <a:prstDash val="solid"/>
+                      <a:round/>
+                    </a:lnR>
+                    <a:lnT w="25400" cap="flat" cmpd="sng" algn="ctr">
+                      <a:solidFill>
+                        <a:schemeClr val="lt1"/>
+                      </a:solidFill>
+                      <a:prstDash val="solid"/>
+                      <a:round/>
+                    </a:lnT>
+                    <a:lnB w="25400" cap="flat" cmpd="sng" algn="ctr">
+                      <a:solidFill>
+                        <a:schemeClr val="lt1"/>
+                      </a:solidFill>
+                      <a:prstDash val="solid"/>
+                      <a:round/>
+                    </a:lnB>
+                    <a:noFill/>
+                  </a:tcPr>
+                </a:tc>
+                <a:tc>
+                  <a:txBody>
+                    <a:bodyPr vert="horz" wrap="square" lIns="91440" tIns="45720" rIns="91440" bIns="45720" anchor="t" anchorCtr="0">
+                      <a:spAutoFit/>
+                    </a:bodyPr>
+                    <a:p>
+                      <a:pPr algn="ctr">
+                        <a:defRPr/>
+                      </a:pPr>
+                      <a:r>
+                        <a:rPr lang="en-US" altLang="ko-KR" sz="2000" b="1">
+                          <a:solidFill>
+                            <a:srgbClr val="baff1a"/>
+                          </a:solidFill>
+                          <a:latin typeface="에스코어 드림 2 ExtraLight"/>
+                          <a:ea typeface="에스코어 드림 2 ExtraLight"/>
+                        </a:rPr>
+                        <a:t>0</a:t>
+                      </a:r>
+                      <a:endParaRPr lang="en-US" altLang="ko-KR" sz="2000" b="1">
+                        <a:solidFill>
+                          <a:srgbClr val="baff1a"/>
+                        </a:solidFill>
+                        <a:latin typeface="에스코어 드림 2 ExtraLight"/>
+                        <a:ea typeface="에스코어 드림 2 ExtraLight"/>
+                      </a:endParaRPr>
+                    </a:p>
+                  </a:txBody>
+                  <a:tcPr marL="91440" marR="91440">
+                    <a:lnL w="25400" cap="flat" cmpd="sng" algn="ctr">
+                      <a:solidFill>
+                        <a:schemeClr val="lt1"/>
+                      </a:solidFill>
+                      <a:prstDash val="solid"/>
+                      <a:round/>
+                    </a:lnL>
+                    <a:lnR w="25400" cap="flat" cmpd="sng" algn="ctr">
+                      <a:solidFill>
+                        <a:schemeClr val="lt1"/>
+                      </a:solidFill>
+                      <a:prstDash val="solid"/>
+                      <a:round/>
+                    </a:lnR>
+                    <a:lnT w="25400" cap="flat" cmpd="sng" algn="ctr">
+                      <a:solidFill>
+                        <a:schemeClr val="lt1"/>
+                      </a:solidFill>
+                      <a:prstDash val="solid"/>
+                      <a:round/>
+                    </a:lnT>
+                    <a:lnB w="25400" cap="flat" cmpd="sng" algn="ctr">
+                      <a:solidFill>
+                        <a:schemeClr val="lt1"/>
+                      </a:solidFill>
+                      <a:prstDash val="solid"/>
+                      <a:round/>
+                    </a:lnB>
+                    <a:noFill/>
+                  </a:tcPr>
+                </a:tc>
+                <a:tc>
+                  <a:txBody>
+                    <a:bodyPr vert="horz" wrap="square" lIns="91440" tIns="45720" rIns="91440" bIns="45720" anchor="t" anchorCtr="0">
+                      <a:spAutoFit/>
+                    </a:bodyPr>
+                    <a:p>
+                      <a:pPr algn="ctr">
+                        <a:defRPr/>
+                      </a:pPr>
+                      <a:endParaRPr lang="en-US" altLang="ko-KR" sz="2000" b="1">
+                        <a:solidFill>
+                          <a:srgbClr val="baff1a"/>
+                        </a:solidFill>
+                        <a:latin typeface="에스코어 드림 2 ExtraLight"/>
+                        <a:ea typeface="에스코어 드림 2 ExtraLight"/>
+                      </a:endParaRPr>
+                    </a:p>
+                  </a:txBody>
+                  <a:tcPr marL="91440" marR="91440">
+                    <a:lnL w="25400" cap="flat" cmpd="sng" algn="ctr">
+                      <a:solidFill>
+                        <a:schemeClr val="lt1"/>
+                      </a:solidFill>
+                      <a:prstDash val="solid"/>
+                      <a:round/>
+                    </a:lnL>
+                    <a:lnR w="25400" cap="flat" cmpd="sng" algn="ctr">
+                      <a:solidFill>
+                        <a:schemeClr val="lt1"/>
+                      </a:solidFill>
+                      <a:prstDash val="solid"/>
+                      <a:round/>
+                    </a:lnR>
+                    <a:lnT w="25400" cap="flat" cmpd="sng" algn="ctr">
+                      <a:solidFill>
+                        <a:schemeClr val="lt1"/>
+                      </a:solidFill>
+                      <a:prstDash val="solid"/>
+                      <a:round/>
+                    </a:lnT>
+                    <a:lnB w="25400" cap="flat" cmpd="sng" algn="ctr">
+                      <a:solidFill>
+                        <a:schemeClr val="lt1"/>
+                      </a:solidFill>
+                      <a:prstDash val="solid"/>
+                      <a:round/>
+                    </a:lnB>
+                    <a:noFill/>
+                  </a:tcPr>
+                </a:tc>
+              </a:tr>
+              <a:tr h="408259">
+                <a:tc>
+                  <a:txBody>
+                    <a:bodyPr vert="horz" wrap="square" lIns="91440" tIns="45720" rIns="91440" bIns="45720" anchor="t" anchorCtr="0">
+                      <a:spAutoFit/>
+                    </a:bodyPr>
+                    <a:p>
+                      <a:pPr algn="ctr">
+                        <a:defRPr/>
+                      </a:pPr>
+                      <a:endParaRPr lang="en-US" altLang="ko-KR" sz="2000" b="1">
+                        <a:solidFill>
+                          <a:srgbClr val="baff1a"/>
+                        </a:solidFill>
+                        <a:latin typeface="에스코어 드림 2 ExtraLight"/>
+                        <a:ea typeface="에스코어 드림 2 ExtraLight"/>
+                      </a:endParaRPr>
+                    </a:p>
+                  </a:txBody>
+                  <a:tcPr marL="91440" marR="91440">
+                    <a:lnL w="25400" cap="flat" cmpd="sng" algn="ctr">
+                      <a:solidFill>
+                        <a:schemeClr val="lt1"/>
+                      </a:solidFill>
+                      <a:prstDash val="solid"/>
+                      <a:round/>
+                    </a:lnL>
+                    <a:lnR w="25400" cap="flat" cmpd="sng" algn="ctr">
+                      <a:solidFill>
+                        <a:schemeClr val="lt1"/>
+                      </a:solidFill>
+                      <a:prstDash val="solid"/>
+                      <a:round/>
+                    </a:lnR>
+                    <a:lnT w="25400" cap="flat" cmpd="sng" algn="ctr">
+                      <a:solidFill>
+                        <a:schemeClr val="lt1"/>
+                      </a:solidFill>
+                      <a:prstDash val="solid"/>
+                      <a:round/>
+                    </a:lnT>
+                    <a:lnB w="25400" cap="flat" cmpd="sng" algn="ctr">
+                      <a:solidFill>
+                        <a:schemeClr val="lt1"/>
+                      </a:solidFill>
+                      <a:prstDash val="solid"/>
+                      <a:round/>
+                    </a:lnB>
+                    <a:noFill/>
+                  </a:tcPr>
+                </a:tc>
+                <a:tc>
+                  <a:txBody>
+                    <a:bodyPr vert="horz" wrap="square" lIns="91440" tIns="45720" rIns="91440" bIns="45720" anchor="t" anchorCtr="0">
+                      <a:spAutoFit/>
+                    </a:bodyPr>
+                    <a:p>
+                      <a:pPr algn="ctr">
+                        <a:defRPr/>
+                      </a:pPr>
+                      <a:endParaRPr lang="en-US" altLang="ko-KR" sz="2000" b="1">
+                        <a:solidFill>
+                          <a:srgbClr val="baff1a"/>
+                        </a:solidFill>
+                        <a:latin typeface="에스코어 드림 2 ExtraLight"/>
+                        <a:ea typeface="에스코어 드림 2 ExtraLight"/>
+                      </a:endParaRPr>
+                    </a:p>
+                  </a:txBody>
+                  <a:tcPr marL="91440" marR="91440">
+                    <a:lnL w="25400" cap="flat" cmpd="sng" algn="ctr">
+                      <a:solidFill>
+                        <a:schemeClr val="lt1"/>
+                      </a:solidFill>
+                      <a:prstDash val="solid"/>
+                      <a:round/>
+                    </a:lnL>
+                    <a:lnR w="25400" cap="flat" cmpd="sng" algn="ctr">
+                      <a:solidFill>
+                        <a:schemeClr val="lt1"/>
+                      </a:solidFill>
+                      <a:prstDash val="solid"/>
+                      <a:round/>
+                    </a:lnR>
+                    <a:lnT w="25400" cap="flat" cmpd="sng" algn="ctr">
+                      <a:solidFill>
+                        <a:schemeClr val="lt1"/>
+                      </a:solidFill>
+                      <a:prstDash val="solid"/>
+                      <a:round/>
+                    </a:lnT>
+                    <a:lnB w="25400" cap="flat" cmpd="sng" algn="ctr">
+                      <a:solidFill>
+                        <a:schemeClr val="lt1"/>
+                      </a:solidFill>
+                      <a:prstDash val="solid"/>
+                      <a:round/>
+                    </a:lnB>
+                    <a:noFill/>
+                  </a:tcPr>
+                </a:tc>
+                <a:tc>
+                  <a:txBody>
+                    <a:bodyPr vert="horz" wrap="square" lIns="91440" tIns="45720" rIns="91440" bIns="45720" anchor="t" anchorCtr="0">
+                      <a:spAutoFit/>
+                    </a:bodyPr>
+                    <a:p>
+                      <a:pPr algn="ctr">
+                        <a:defRPr/>
+                      </a:pPr>
+                      <a:endParaRPr lang="en-US" altLang="ko-KR" sz="2000" b="1">
+                        <a:solidFill>
+                          <a:srgbClr val="baff1a"/>
+                        </a:solidFill>
+                        <a:latin typeface="에스코어 드림 2 ExtraLight"/>
+                        <a:ea typeface="에스코어 드림 2 ExtraLight"/>
+                      </a:endParaRPr>
+                    </a:p>
+                  </a:txBody>
+                  <a:tcPr marL="91440" marR="91440">
+                    <a:lnL w="25400" cap="flat" cmpd="sng" algn="ctr">
+                      <a:solidFill>
+                        <a:schemeClr val="lt1"/>
+                      </a:solidFill>
+                      <a:prstDash val="solid"/>
+                      <a:round/>
+                    </a:lnL>
+                    <a:lnR w="25400" cap="flat" cmpd="sng" algn="ctr">
+                      <a:solidFill>
+                        <a:schemeClr val="lt1"/>
+                      </a:solidFill>
+                      <a:prstDash val="solid"/>
+                      <a:round/>
+                    </a:lnR>
+                    <a:lnT w="25400" cap="flat" cmpd="sng" algn="ctr">
+                      <a:solidFill>
+                        <a:schemeClr val="lt1"/>
+                      </a:solidFill>
+                      <a:prstDash val="solid"/>
+                      <a:round/>
+                    </a:lnT>
+                    <a:lnB w="25400" cap="flat" cmpd="sng" algn="ctr">
+                      <a:solidFill>
+                        <a:schemeClr val="lt1"/>
+                      </a:solidFill>
+                      <a:prstDash val="solid"/>
+                      <a:round/>
+                    </a:lnB>
+                    <a:noFill/>
+                  </a:tcPr>
+                </a:tc>
+                <a:tc>
+                  <a:txBody>
+                    <a:bodyPr vert="horz" wrap="square" lIns="91440" tIns="45720" rIns="91440" bIns="45720" anchor="t" anchorCtr="0">
+                      <a:spAutoFit/>
+                    </a:bodyPr>
+                    <a:p>
+                      <a:pPr algn="ctr">
+                        <a:defRPr/>
+                      </a:pPr>
+                      <a:endParaRPr lang="en-US" altLang="ko-KR" sz="2000" b="1">
+                        <a:solidFill>
+                          <a:srgbClr val="baff1a"/>
+                        </a:solidFill>
+                        <a:latin typeface="에스코어 드림 2 ExtraLight"/>
+                        <a:ea typeface="에스코어 드림 2 ExtraLight"/>
+                      </a:endParaRPr>
+                    </a:p>
+                  </a:txBody>
+                  <a:tcPr marL="91440" marR="91440">
+                    <a:lnL w="25400" cap="flat" cmpd="sng" algn="ctr">
+                      <a:solidFill>
+                        <a:schemeClr val="lt1"/>
+                      </a:solidFill>
+                      <a:prstDash val="solid"/>
+                      <a:round/>
+                    </a:lnL>
+                    <a:lnR w="25400" cap="flat" cmpd="sng" algn="ctr">
+                      <a:solidFill>
+                        <a:schemeClr val="lt1"/>
+                      </a:solidFill>
+                      <a:prstDash val="solid"/>
+                      <a:round/>
+                    </a:lnR>
+                    <a:lnT w="25400" cap="flat" cmpd="sng" algn="ctr">
+                      <a:solidFill>
+                        <a:schemeClr val="lt1"/>
+                      </a:solidFill>
+                      <a:prstDash val="solid"/>
+                      <a:round/>
+                    </a:lnT>
+                    <a:lnB w="25400" cap="flat" cmpd="sng" algn="ctr">
+                      <a:solidFill>
+                        <a:schemeClr val="lt1"/>
+                      </a:solidFill>
+                      <a:prstDash val="solid"/>
+                      <a:round/>
+                    </a:lnB>
+                    <a:noFill/>
+                  </a:tcPr>
+                </a:tc>
+                <a:tc>
+                  <a:txBody>
+                    <a:bodyPr vert="horz" wrap="square" lIns="91440" tIns="45720" rIns="91440" bIns="45720" anchor="t" anchorCtr="0">
+                      <a:spAutoFit/>
+                    </a:bodyPr>
+                    <a:p>
+                      <a:pPr algn="ctr">
+                        <a:defRPr/>
+                      </a:pPr>
+                      <a:endParaRPr lang="en-US" altLang="ko-KR" sz="2000" b="1">
+                        <a:solidFill>
+                          <a:srgbClr val="baff1a"/>
+                        </a:solidFill>
+                        <a:latin typeface="에스코어 드림 2 ExtraLight"/>
+                        <a:ea typeface="에스코어 드림 2 ExtraLight"/>
+                      </a:endParaRPr>
+                    </a:p>
+                  </a:txBody>
+                  <a:tcPr marL="91440" marR="91440">
+                    <a:lnL w="25400" cap="flat" cmpd="sng" algn="ctr">
+                      <a:solidFill>
+                        <a:schemeClr val="lt1"/>
+                      </a:solidFill>
+                      <a:prstDash val="solid"/>
+                      <a:round/>
+                    </a:lnL>
+                    <a:lnR w="25400" cap="flat" cmpd="sng" algn="ctr">
+                      <a:solidFill>
+                        <a:schemeClr val="lt1"/>
+                      </a:solidFill>
+                      <a:prstDash val="solid"/>
+                      <a:round/>
+                    </a:lnR>
+                    <a:lnT w="25400" cap="flat" cmpd="sng" algn="ctr">
+                      <a:solidFill>
+                        <a:schemeClr val="lt1"/>
+                      </a:solidFill>
+                      <a:prstDash val="solid"/>
+                      <a:round/>
+                    </a:lnT>
+                    <a:lnB w="25400" cap="flat" cmpd="sng" algn="ctr">
+                      <a:solidFill>
+                        <a:schemeClr val="lt1"/>
+                      </a:solidFill>
+                      <a:prstDash val="solid"/>
+                      <a:round/>
+                    </a:lnB>
+                    <a:noFill/>
+                  </a:tcPr>
+                </a:tc>
+                <a:tc>
+                  <a:txBody>
+                    <a:bodyPr vert="horz" wrap="square" lIns="91440" tIns="45720" rIns="91440" bIns="45720" anchor="t" anchorCtr="0">
+                      <a:spAutoFit/>
+                    </a:bodyPr>
+                    <a:p>
+                      <a:pPr algn="ctr">
+                        <a:defRPr/>
+                      </a:pPr>
+                      <a:endParaRPr lang="en-US" altLang="ko-KR" sz="2000" b="1">
+                        <a:solidFill>
+                          <a:srgbClr val="baff1a"/>
+                        </a:solidFill>
+                        <a:latin typeface="에스코어 드림 2 ExtraLight"/>
+                        <a:ea typeface="에스코어 드림 2 ExtraLight"/>
+                      </a:endParaRPr>
+                    </a:p>
+                  </a:txBody>
+                  <a:tcPr marL="91440" marR="91440">
+                    <a:lnL w="25400" cap="flat" cmpd="sng" algn="ctr">
+                      <a:solidFill>
+                        <a:schemeClr val="lt1"/>
+                      </a:solidFill>
+                      <a:prstDash val="solid"/>
+                      <a:round/>
+                    </a:lnL>
+                    <a:lnR w="25400" cap="flat" cmpd="sng" algn="ctr">
+                      <a:solidFill>
+                        <a:schemeClr val="lt1"/>
+                      </a:solidFill>
+                      <a:prstDash val="solid"/>
+                      <a:round/>
+                    </a:lnR>
+                    <a:lnT w="25400" cap="flat" cmpd="sng" algn="ctr">
+                      <a:solidFill>
+                        <a:schemeClr val="lt1"/>
+                      </a:solidFill>
+                      <a:prstDash val="solid"/>
+                      <a:round/>
+                    </a:lnT>
+                    <a:lnB w="25400" cap="flat" cmpd="sng" algn="ctr">
+                      <a:solidFill>
+                        <a:schemeClr val="lt1"/>
+                      </a:solidFill>
+                      <a:prstDash val="solid"/>
+                      <a:round/>
+                    </a:lnB>
+                    <a:noFill/>
+                  </a:tcPr>
+                </a:tc>
+                <a:tc>
+                  <a:txBody>
+                    <a:bodyPr vert="horz" wrap="square" lIns="91440" tIns="45720" rIns="91440" bIns="45720" anchor="t" anchorCtr="0">
+                      <a:spAutoFit/>
+                    </a:bodyPr>
+                    <a:p>
+                      <a:pPr algn="ctr">
+                        <a:defRPr/>
+                      </a:pPr>
+                      <a:endParaRPr lang="en-US" altLang="ko-KR" sz="2000" b="1">
+                        <a:solidFill>
+                          <a:srgbClr val="baff1a"/>
+                        </a:solidFill>
+                        <a:latin typeface="에스코어 드림 2 ExtraLight"/>
+                        <a:ea typeface="에스코어 드림 2 ExtraLight"/>
+                      </a:endParaRPr>
+                    </a:p>
+                  </a:txBody>
+                  <a:tcPr marL="91440" marR="91440">
+                    <a:lnL w="25400" cap="flat" cmpd="sng" algn="ctr">
+                      <a:solidFill>
+                        <a:schemeClr val="lt1"/>
+                      </a:solidFill>
+                      <a:prstDash val="solid"/>
+                      <a:round/>
+                    </a:lnL>
+                    <a:lnR w="25400" cap="flat" cmpd="sng" algn="ctr">
+                      <a:solidFill>
+                        <a:schemeClr val="lt1"/>
+                      </a:solidFill>
+                      <a:prstDash val="solid"/>
+                      <a:round/>
+                    </a:lnR>
+                    <a:lnT w="25400" cap="flat" cmpd="sng" algn="ctr">
+                      <a:solidFill>
+                        <a:schemeClr val="lt1"/>
+                      </a:solidFill>
+                      <a:prstDash val="solid"/>
+                      <a:round/>
+                    </a:lnT>
+                    <a:lnB w="25400" cap="flat" cmpd="sng" algn="ctr">
+                      <a:solidFill>
+                        <a:schemeClr val="lt1"/>
+                      </a:solidFill>
+                      <a:prstDash val="solid"/>
+                      <a:round/>
+                    </a:lnB>
+                    <a:noFill/>
+                  </a:tcPr>
+                </a:tc>
+                <a:tc>
+                  <a:txBody>
+                    <a:bodyPr vert="horz" wrap="square" lIns="91440" tIns="45720" rIns="91440" bIns="45720" anchor="t" anchorCtr="0">
+                      <a:spAutoFit/>
+                    </a:bodyPr>
+                    <a:p>
+                      <a:pPr algn="ctr">
+                        <a:defRPr/>
+                      </a:pPr>
+                      <a:endParaRPr lang="en-US" altLang="ko-KR" sz="2000" b="1">
+                        <a:solidFill>
+                          <a:srgbClr val="baff1a"/>
+                        </a:solidFill>
+                        <a:latin typeface="에스코어 드림 2 ExtraLight"/>
+                        <a:ea typeface="에스코어 드림 2 ExtraLight"/>
+                      </a:endParaRPr>
+                    </a:p>
+                  </a:txBody>
+                  <a:tcPr marL="91440" marR="91440">
+                    <a:lnL w="25400" cap="flat" cmpd="sng" algn="ctr">
+                      <a:solidFill>
+                        <a:schemeClr val="lt1"/>
+                      </a:solidFill>
+                      <a:prstDash val="solid"/>
+                      <a:round/>
+                    </a:lnL>
+                    <a:lnR w="25400" cap="flat" cmpd="sng" algn="ctr">
+                      <a:solidFill>
+                        <a:schemeClr val="lt1"/>
+                      </a:solidFill>
+                      <a:prstDash val="solid"/>
+                      <a:round/>
+                    </a:lnR>
+                    <a:lnT w="25400" cap="flat" cmpd="sng" algn="ctr">
+                      <a:solidFill>
+                        <a:schemeClr val="lt1"/>
+                      </a:solidFill>
+                      <a:prstDash val="solid"/>
+                      <a:round/>
+                    </a:lnT>
+                    <a:lnB w="25400" cap="flat" cmpd="sng" algn="ctr">
+                      <a:solidFill>
+                        <a:schemeClr val="lt1"/>
+                      </a:solidFill>
+                      <a:prstDash val="solid"/>
+                      <a:round/>
+                    </a:lnB>
+                    <a:noFill/>
+                  </a:tcPr>
+                </a:tc>
+                <a:tc>
+                  <a:txBody>
+                    <a:bodyPr vert="horz" wrap="square" lIns="91440" tIns="45720" rIns="91440" bIns="45720" anchor="t" anchorCtr="0">
+                      <a:spAutoFit/>
+                    </a:bodyPr>
+                    <a:p>
+                      <a:pPr algn="ctr">
+                        <a:defRPr/>
+                      </a:pPr>
+                      <a:endParaRPr lang="en-US" altLang="ko-KR" sz="2000" b="1">
+                        <a:solidFill>
+                          <a:srgbClr val="baff1a"/>
+                        </a:solidFill>
+                        <a:latin typeface="에스코어 드림 2 ExtraLight"/>
+                        <a:ea typeface="에스코어 드림 2 ExtraLight"/>
+                      </a:endParaRPr>
+                    </a:p>
+                  </a:txBody>
+                  <a:tcPr marL="91440" marR="91440">
+                    <a:lnL w="25400" cap="flat" cmpd="sng" algn="ctr">
+                      <a:solidFill>
+                        <a:schemeClr val="lt1"/>
+                      </a:solidFill>
+                      <a:prstDash val="solid"/>
+                      <a:round/>
+                    </a:lnL>
+                    <a:lnR w="25400" cap="flat" cmpd="sng" algn="ctr">
+                      <a:solidFill>
+                        <a:schemeClr val="lt1"/>
+                      </a:solidFill>
+                      <a:prstDash val="solid"/>
+                      <a:round/>
+                    </a:lnR>
+                    <a:lnT w="25400" cap="flat" cmpd="sng" algn="ctr">
+                      <a:solidFill>
+                        <a:schemeClr val="lt1"/>
+                      </a:solidFill>
+                      <a:prstDash val="solid"/>
+                      <a:round/>
+                    </a:lnT>
+                    <a:lnB w="25400" cap="flat" cmpd="sng" algn="ctr">
+                      <a:solidFill>
+                        <a:schemeClr val="lt1"/>
+                      </a:solidFill>
+                      <a:prstDash val="solid"/>
+                      <a:round/>
+                    </a:lnB>
+                    <a:noFill/>
+                  </a:tcPr>
+                </a:tc>
+                <a:tc>
+                  <a:txBody>
+                    <a:bodyPr vert="horz" wrap="square" lIns="91440" tIns="45720" rIns="91440" bIns="45720" anchor="t" anchorCtr="0">
+                      <a:spAutoFit/>
+                    </a:bodyPr>
+                    <a:p>
+                      <a:pPr algn="ctr">
+                        <a:defRPr/>
+                      </a:pPr>
+                      <a:endParaRPr lang="en-US" altLang="ko-KR" sz="2000" b="1">
+                        <a:solidFill>
+                          <a:srgbClr val="baff1a"/>
+                        </a:solidFill>
+                        <a:latin typeface="에스코어 드림 2 ExtraLight"/>
+                        <a:ea typeface="에스코어 드림 2 ExtraLight"/>
+                      </a:endParaRPr>
+                    </a:p>
+                  </a:txBody>
+                  <a:tcPr marL="91440" marR="91440">
+                    <a:lnL w="25400" cap="flat" cmpd="sng" algn="ctr">
+                      <a:solidFill>
+                        <a:schemeClr val="lt1"/>
+                      </a:solidFill>
+                      <a:prstDash val="solid"/>
+                      <a:round/>
+                    </a:lnL>
+                    <a:lnR w="25400" cap="flat" cmpd="sng" algn="ctr">
+                      <a:solidFill>
+                        <a:schemeClr val="lt1"/>
+                      </a:solidFill>
+                      <a:prstDash val="solid"/>
+                      <a:round/>
+                    </a:lnR>
+                    <a:lnT w="25400" cap="flat" cmpd="sng" algn="ctr">
+                      <a:solidFill>
+                        <a:schemeClr val="lt1"/>
+                      </a:solidFill>
+                      <a:prstDash val="solid"/>
+                      <a:round/>
+                    </a:lnT>
+                    <a:lnB w="25400" cap="flat" cmpd="sng" algn="ctr">
+                      <a:solidFill>
+                        <a:schemeClr val="lt1"/>
+                      </a:solidFill>
+                      <a:prstDash val="solid"/>
+                      <a:round/>
+                    </a:lnB>
+                    <a:noFill/>
+                  </a:tcPr>
+                </a:tc>
+              </a:tr>
+              <a:tr h="408260">
+                <a:tc>
+                  <a:txBody>
+                    <a:bodyPr vert="horz" wrap="square" lIns="91440" tIns="45720" rIns="91440" bIns="45720" anchor="t" anchorCtr="0">
+                      <a:spAutoFit/>
+                    </a:bodyPr>
+                    <a:p>
+                      <a:pPr algn="ctr">
+                        <a:defRPr/>
+                      </a:pPr>
+                      <a:r>
+                        <a:rPr lang="en-US" altLang="ko-KR" sz="2000" b="1">
+                          <a:solidFill>
+                            <a:srgbClr val="baff1a"/>
+                          </a:solidFill>
+                          <a:latin typeface="에스코어 드림 2 ExtraLight"/>
+                          <a:ea typeface="에스코어 드림 2 ExtraLight"/>
+                        </a:rPr>
+                        <a:t>0</a:t>
+                      </a:r>
+                      <a:endParaRPr lang="en-US" altLang="ko-KR" sz="2000" b="1">
+                        <a:solidFill>
+                          <a:srgbClr val="baff1a"/>
+                        </a:solidFill>
+                        <a:latin typeface="에스코어 드림 2 ExtraLight"/>
+                        <a:ea typeface="에스코어 드림 2 ExtraLight"/>
+                      </a:endParaRPr>
+                    </a:p>
+                  </a:txBody>
+                  <a:tcPr marL="91440" marR="91440">
+                    <a:lnL w="25400" cap="flat" cmpd="sng" algn="ctr">
+                      <a:solidFill>
+                        <a:schemeClr val="lt1"/>
+                      </a:solidFill>
+                      <a:prstDash val="solid"/>
+                      <a:round/>
+                    </a:lnL>
+                    <a:lnR w="25400" cap="flat" cmpd="sng" algn="ctr">
+                      <a:solidFill>
+                        <a:schemeClr val="lt1"/>
+                      </a:solidFill>
+                      <a:prstDash val="solid"/>
+                      <a:round/>
+                    </a:lnR>
+                    <a:lnT w="25400" cap="flat" cmpd="sng" algn="ctr">
+                      <a:solidFill>
+                        <a:schemeClr val="lt1"/>
+                      </a:solidFill>
+                      <a:prstDash val="solid"/>
+                      <a:round/>
+                    </a:lnT>
+                    <a:lnB w="25400" cap="flat" cmpd="sng" algn="ctr">
+                      <a:solidFill>
+                        <a:schemeClr val="lt1"/>
+                      </a:solidFill>
+                      <a:prstDash val="solid"/>
+                      <a:round/>
+                    </a:lnB>
+                    <a:noFill/>
+                  </a:tcPr>
+                </a:tc>
+                <a:tc>
+                  <a:txBody>
+                    <a:bodyPr vert="horz" wrap="square" lIns="91440" tIns="45720" rIns="91440" bIns="45720" anchor="t" anchorCtr="0">
+                      <a:spAutoFit/>
+                    </a:bodyPr>
+                    <a:p>
+                      <a:pPr algn="ctr">
+                        <a:defRPr/>
+                      </a:pPr>
+                      <a:r>
+                        <a:rPr lang="en-US" altLang="ko-KR" sz="2000" b="1">
+                          <a:solidFill>
+                            <a:srgbClr val="baff1a"/>
+                          </a:solidFill>
+                          <a:latin typeface="에스코어 드림 2 ExtraLight"/>
+                          <a:ea typeface="에스코어 드림 2 ExtraLight"/>
+                        </a:rPr>
+                        <a:t>3</a:t>
+                      </a:r>
+                      <a:endParaRPr lang="en-US" altLang="ko-KR" sz="2000" b="1">
+                        <a:solidFill>
+                          <a:srgbClr val="baff1a"/>
+                        </a:solidFill>
+                        <a:latin typeface="에스코어 드림 2 ExtraLight"/>
+                        <a:ea typeface="에스코어 드림 2 ExtraLight"/>
+                      </a:endParaRPr>
+                    </a:p>
+                  </a:txBody>
+                  <a:tcPr marL="91440" marR="91440">
+                    <a:lnL w="25400" cap="flat" cmpd="sng" algn="ctr">
+                      <a:solidFill>
+                        <a:schemeClr val="lt1"/>
+                      </a:solidFill>
+                      <a:prstDash val="solid"/>
+                      <a:round/>
+                    </a:lnL>
+                    <a:lnR w="25400" cap="flat" cmpd="sng" algn="ctr">
+                      <a:solidFill>
+                        <a:schemeClr val="lt1"/>
+                      </a:solidFill>
+                      <a:prstDash val="solid"/>
+                      <a:round/>
+                    </a:lnR>
+                    <a:lnT w="25400" cap="flat" cmpd="sng" algn="ctr">
+                      <a:solidFill>
+                        <a:schemeClr val="lt1"/>
+                      </a:solidFill>
+                      <a:prstDash val="solid"/>
+                      <a:round/>
+                    </a:lnT>
+                    <a:lnB w="25400" cap="flat" cmpd="sng" algn="ctr">
+                      <a:solidFill>
+                        <a:schemeClr val="lt1"/>
+                      </a:solidFill>
+                      <a:prstDash val="solid"/>
+                      <a:round/>
+                    </a:lnB>
+                    <a:noFill/>
+                  </a:tcPr>
+                </a:tc>
+                <a:tc>
+                  <a:txBody>
+                    <a:bodyPr vert="horz" wrap="square" lIns="91440" tIns="45720" rIns="91440" bIns="45720" anchor="t" anchorCtr="0">
+                      <a:spAutoFit/>
+                    </a:bodyPr>
+                    <a:p>
+                      <a:pPr algn="ctr">
+                        <a:defRPr/>
+                      </a:pPr>
+                      <a:r>
+                        <a:rPr lang="en-US" altLang="ko-KR" sz="2000" b="1">
+                          <a:solidFill>
+                            <a:srgbClr val="baff1a"/>
+                          </a:solidFill>
+                          <a:latin typeface="에스코어 드림 2 ExtraLight"/>
+                          <a:ea typeface="에스코어 드림 2 ExtraLight"/>
+                        </a:rPr>
+                        <a:t>6</a:t>
+                      </a:r>
+                      <a:endParaRPr lang="en-US" altLang="ko-KR" sz="2000" b="1">
+                        <a:solidFill>
+                          <a:srgbClr val="baff1a"/>
+                        </a:solidFill>
+                        <a:latin typeface="에스코어 드림 2 ExtraLight"/>
+                        <a:ea typeface="에스코어 드림 2 ExtraLight"/>
+                      </a:endParaRPr>
+                    </a:p>
+                  </a:txBody>
+                  <a:tcPr marL="91440" marR="91440">
+                    <a:lnL w="25400" cap="flat" cmpd="sng" algn="ctr">
+                      <a:solidFill>
+                        <a:schemeClr val="lt1"/>
+                      </a:solidFill>
+                      <a:prstDash val="solid"/>
+                      <a:round/>
+                    </a:lnL>
+                    <a:lnR w="25400" cap="flat" cmpd="sng" algn="ctr">
+                      <a:solidFill>
+                        <a:schemeClr val="lt1"/>
+                      </a:solidFill>
+                      <a:prstDash val="solid"/>
+                      <a:round/>
+                    </a:lnR>
+                    <a:lnT w="25400" cap="flat" cmpd="sng" algn="ctr">
+                      <a:solidFill>
+                        <a:schemeClr val="lt1"/>
+                      </a:solidFill>
+                      <a:prstDash val="solid"/>
+                      <a:round/>
+                    </a:lnT>
+                    <a:lnB w="25400" cap="flat" cmpd="sng" algn="ctr">
+                      <a:solidFill>
+                        <a:schemeClr val="lt1"/>
+                      </a:solidFill>
+                      <a:prstDash val="solid"/>
+                      <a:round/>
+                    </a:lnB>
+                    <a:noFill/>
+                  </a:tcPr>
+                </a:tc>
+                <a:tc>
+                  <a:txBody>
+                    <a:bodyPr vert="horz" wrap="square" lIns="91440" tIns="45720" rIns="91440" bIns="45720" anchor="t" anchorCtr="0">
+                      <a:spAutoFit/>
+                    </a:bodyPr>
+                    <a:p>
+                      <a:pPr algn="ctr">
+                        <a:defRPr/>
+                      </a:pPr>
+                      <a:r>
+                        <a:rPr lang="en-US" altLang="ko-KR" sz="2000" b="1">
+                          <a:solidFill>
+                            <a:srgbClr val="baff1a"/>
+                          </a:solidFill>
+                          <a:latin typeface="에스코어 드림 2 ExtraLight"/>
+                          <a:ea typeface="에스코어 드림 2 ExtraLight"/>
+                        </a:rPr>
+                        <a:t>5</a:t>
+                      </a:r>
+                      <a:endParaRPr lang="en-US" altLang="ko-KR" sz="2000" b="1">
+                        <a:solidFill>
+                          <a:srgbClr val="baff1a"/>
+                        </a:solidFill>
+                        <a:latin typeface="에스코어 드림 2 ExtraLight"/>
+                        <a:ea typeface="에스코어 드림 2 ExtraLight"/>
+                      </a:endParaRPr>
+                    </a:p>
+                  </a:txBody>
+                  <a:tcPr marL="91440" marR="91440">
+                    <a:lnL w="25400" cap="flat" cmpd="sng" algn="ctr">
+                      <a:solidFill>
+                        <a:schemeClr val="lt1"/>
+                      </a:solidFill>
+                      <a:prstDash val="solid"/>
+                      <a:round/>
+                    </a:lnL>
+                    <a:lnR w="25400" cap="flat" cmpd="sng" algn="ctr">
+                      <a:solidFill>
+                        <a:schemeClr val="lt1"/>
+                      </a:solidFill>
+                      <a:prstDash val="solid"/>
+                      <a:round/>
+                    </a:lnR>
+                    <a:lnT w="25400" cap="flat" cmpd="sng" algn="ctr">
+                      <a:solidFill>
+                        <a:schemeClr val="lt1"/>
+                      </a:solidFill>
+                      <a:prstDash val="solid"/>
+                      <a:round/>
+                    </a:lnT>
+                    <a:lnB w="25400" cap="flat" cmpd="sng" algn="ctr">
+                      <a:solidFill>
+                        <a:schemeClr val="lt1"/>
+                      </a:solidFill>
+                      <a:prstDash val="solid"/>
+                      <a:round/>
+                    </a:lnB>
+                    <a:noFill/>
+                  </a:tcPr>
+                </a:tc>
+                <a:tc>
+                  <a:txBody>
+                    <a:bodyPr vert="horz" wrap="square" lIns="91440" tIns="45720" rIns="91440" bIns="45720" anchor="t" anchorCtr="0">
+                      <a:spAutoFit/>
+                    </a:bodyPr>
+                    <a:p>
+                      <a:pPr algn="ctr">
+                        <a:defRPr/>
+                      </a:pPr>
+                      <a:endParaRPr lang="en-US" altLang="ko-KR" sz="2000" b="1">
+                        <a:solidFill>
+                          <a:srgbClr val="baff1a"/>
+                        </a:solidFill>
+                        <a:latin typeface="에스코어 드림 2 ExtraLight"/>
+                        <a:ea typeface="에스코어 드림 2 ExtraLight"/>
+                      </a:endParaRPr>
+                    </a:p>
+                  </a:txBody>
+                  <a:tcPr marL="91440" marR="91440">
+                    <a:lnL w="25400" cap="flat" cmpd="sng" algn="ctr">
+                      <a:solidFill>
+                        <a:schemeClr val="lt1"/>
+                      </a:solidFill>
+                      <a:prstDash val="solid"/>
+                      <a:round/>
+                    </a:lnL>
+                    <a:lnR w="25400" cap="flat" cmpd="sng" algn="ctr">
+                      <a:solidFill>
+                        <a:schemeClr val="lt1"/>
+                      </a:solidFill>
+                      <a:prstDash val="solid"/>
+                      <a:round/>
+                    </a:lnR>
+                    <a:lnT w="25400" cap="flat" cmpd="sng" algn="ctr">
+                      <a:solidFill>
+                        <a:schemeClr val="lt1"/>
+                      </a:solidFill>
+                      <a:prstDash val="solid"/>
+                      <a:round/>
+                    </a:lnT>
+                    <a:lnB w="25400" cap="flat" cmpd="sng" algn="ctr">
+                      <a:solidFill>
+                        <a:schemeClr val="lt1"/>
+                      </a:solidFill>
+                      <a:prstDash val="solid"/>
+                      <a:round/>
+                    </a:lnB>
+                    <a:noFill/>
+                  </a:tcPr>
+                </a:tc>
+                <a:tc>
+                  <a:txBody>
+                    <a:bodyPr vert="horz" wrap="square" lIns="91440" tIns="45720" rIns="91440" bIns="45720" anchor="t" anchorCtr="0">
+                      <a:spAutoFit/>
+                    </a:bodyPr>
+                    <a:p>
+                      <a:pPr algn="ctr">
+                        <a:defRPr/>
+                      </a:pPr>
+                      <a:endParaRPr lang="en-US" altLang="ko-KR" sz="2000" b="1">
+                        <a:solidFill>
+                          <a:srgbClr val="baff1a"/>
+                        </a:solidFill>
+                        <a:latin typeface="에스코어 드림 2 ExtraLight"/>
+                        <a:ea typeface="에스코어 드림 2 ExtraLight"/>
+                      </a:endParaRPr>
+                    </a:p>
+                  </a:txBody>
+                  <a:tcPr marL="91440" marR="91440">
+                    <a:lnL w="25400" cap="flat" cmpd="sng" algn="ctr">
+                      <a:solidFill>
+                        <a:schemeClr val="lt1"/>
+                      </a:solidFill>
+                      <a:prstDash val="solid"/>
+                      <a:round/>
+                    </a:lnL>
+                    <a:lnR w="25400" cap="flat" cmpd="sng" algn="ctr">
+                      <a:solidFill>
+                        <a:schemeClr val="lt1"/>
+                      </a:solidFill>
+                      <a:prstDash val="solid"/>
+                      <a:round/>
+                    </a:lnR>
+                    <a:lnT w="25400" cap="flat" cmpd="sng" algn="ctr">
+                      <a:solidFill>
+                        <a:schemeClr val="lt1"/>
+                      </a:solidFill>
+                      <a:prstDash val="solid"/>
+                      <a:round/>
+                    </a:lnT>
+                    <a:lnB w="25400" cap="flat" cmpd="sng" algn="ctr">
+                      <a:solidFill>
+                        <a:schemeClr val="lt1"/>
+                      </a:solidFill>
+                      <a:prstDash val="solid"/>
+                      <a:round/>
+                    </a:lnB>
+                    <a:noFill/>
+                  </a:tcPr>
+                </a:tc>
+                <a:tc>
+                  <a:txBody>
+                    <a:bodyPr vert="horz" wrap="square" lIns="91440" tIns="45720" rIns="91440" bIns="45720" anchor="t" anchorCtr="0">
+                      <a:spAutoFit/>
+                    </a:bodyPr>
+                    <a:p>
+                      <a:pPr algn="ctr">
+                        <a:defRPr/>
+                      </a:pPr>
+                      <a:endParaRPr lang="en-US" altLang="ko-KR" sz="2000" b="1">
+                        <a:solidFill>
+                          <a:srgbClr val="baff1a"/>
+                        </a:solidFill>
+                        <a:latin typeface="에스코어 드림 2 ExtraLight"/>
+                        <a:ea typeface="에스코어 드림 2 ExtraLight"/>
+                      </a:endParaRPr>
+                    </a:p>
+                  </a:txBody>
+                  <a:tcPr marL="91440" marR="91440">
+                    <a:lnL w="25400" cap="flat" cmpd="sng" algn="ctr">
+                      <a:solidFill>
+                        <a:schemeClr val="lt1"/>
+                      </a:solidFill>
+                      <a:prstDash val="solid"/>
+                      <a:round/>
+                    </a:lnL>
+                    <a:lnR w="25400" cap="flat" cmpd="sng" algn="ctr">
+                      <a:solidFill>
+                        <a:schemeClr val="lt1"/>
+                      </a:solidFill>
+                      <a:prstDash val="solid"/>
+                      <a:round/>
+                    </a:lnR>
+                    <a:lnT w="25400" cap="flat" cmpd="sng" algn="ctr">
+                      <a:solidFill>
+                        <a:schemeClr val="lt1"/>
+                      </a:solidFill>
+                      <a:prstDash val="solid"/>
+                      <a:round/>
+                    </a:lnT>
+                    <a:lnB w="25400" cap="flat" cmpd="sng" algn="ctr">
+                      <a:solidFill>
+                        <a:schemeClr val="lt1"/>
+                      </a:solidFill>
+                      <a:prstDash val="solid"/>
+                      <a:round/>
+                    </a:lnB>
+                    <a:noFill/>
+                  </a:tcPr>
+                </a:tc>
+                <a:tc>
+                  <a:txBody>
+                    <a:bodyPr vert="horz" wrap="square" lIns="91440" tIns="45720" rIns="91440" bIns="45720" anchor="t" anchorCtr="0">
+                      <a:spAutoFit/>
+                    </a:bodyPr>
+                    <a:p>
+                      <a:pPr algn="ctr">
+                        <a:defRPr/>
+                      </a:pPr>
+                      <a:endParaRPr lang="en-US" altLang="ko-KR" sz="2000" b="1">
+                        <a:solidFill>
+                          <a:srgbClr val="baff1a"/>
+                        </a:solidFill>
+                        <a:latin typeface="에스코어 드림 2 ExtraLight"/>
+                        <a:ea typeface="에스코어 드림 2 ExtraLight"/>
+                      </a:endParaRPr>
+                    </a:p>
+                  </a:txBody>
+                  <a:tcPr marL="91440" marR="91440">
+                    <a:lnL w="25400" cap="flat" cmpd="sng" algn="ctr">
+                      <a:solidFill>
+                        <a:schemeClr val="lt1"/>
+                      </a:solidFill>
+                      <a:prstDash val="solid"/>
+                      <a:round/>
+                    </a:lnL>
+                    <a:lnR w="25400" cap="flat" cmpd="sng" algn="ctr">
+                      <a:solidFill>
+                        <a:schemeClr val="lt1"/>
+                      </a:solidFill>
+                      <a:prstDash val="solid"/>
+                      <a:round/>
+                    </a:lnR>
+                    <a:lnT w="25400" cap="flat" cmpd="sng" algn="ctr">
+                      <a:solidFill>
+                        <a:schemeClr val="lt1"/>
+                      </a:solidFill>
+                      <a:prstDash val="solid"/>
+                      <a:round/>
+                    </a:lnT>
+                    <a:lnB w="25400" cap="flat" cmpd="sng" algn="ctr">
+                      <a:solidFill>
+                        <a:schemeClr val="lt1"/>
+                      </a:solidFill>
+                      <a:prstDash val="solid"/>
+                      <a:round/>
+                    </a:lnB>
+                    <a:noFill/>
+                  </a:tcPr>
+                </a:tc>
+                <a:tc>
+                  <a:txBody>
+                    <a:bodyPr vert="horz" wrap="square" lIns="91440" tIns="45720" rIns="91440" bIns="45720" anchor="t" anchorCtr="0">
+                      <a:spAutoFit/>
+                    </a:bodyPr>
+                    <a:p>
+                      <a:pPr algn="ctr">
+                        <a:defRPr/>
+                      </a:pPr>
+                      <a:endParaRPr lang="en-US" altLang="ko-KR" sz="2000" b="1">
+                        <a:solidFill>
+                          <a:srgbClr val="baff1a"/>
+                        </a:solidFill>
+                        <a:latin typeface="에스코어 드림 2 ExtraLight"/>
+                        <a:ea typeface="에스코어 드림 2 ExtraLight"/>
+                      </a:endParaRPr>
+                    </a:p>
+                  </a:txBody>
+                  <a:tcPr marL="91440" marR="91440">
+                    <a:lnL w="25400" cap="flat" cmpd="sng" algn="ctr">
+                      <a:solidFill>
+                        <a:schemeClr val="lt1"/>
+                      </a:solidFill>
+                      <a:prstDash val="solid"/>
+                      <a:round/>
+                    </a:lnL>
+                    <a:lnR w="25400" cap="flat" cmpd="sng" algn="ctr">
+                      <a:solidFill>
+                        <a:schemeClr val="lt1"/>
+                      </a:solidFill>
+                      <a:prstDash val="solid"/>
+                      <a:round/>
+                    </a:lnR>
+                    <a:lnT w="25400" cap="flat" cmpd="sng" algn="ctr">
+                      <a:solidFill>
+                        <a:schemeClr val="lt1"/>
+                      </a:solidFill>
+                      <a:prstDash val="solid"/>
+                      <a:round/>
+                    </a:lnT>
+                    <a:lnB w="25400" cap="flat" cmpd="sng" algn="ctr">
+                      <a:solidFill>
+                        <a:schemeClr val="lt1"/>
+                      </a:solidFill>
+                      <a:prstDash val="solid"/>
+                      <a:round/>
+                    </a:lnB>
+                    <a:noFill/>
+                  </a:tcPr>
+                </a:tc>
+                <a:tc>
+                  <a:txBody>
+                    <a:bodyPr vert="horz" wrap="square" lIns="91440" tIns="45720" rIns="91440" bIns="45720" anchor="t" anchorCtr="0">
+                      <a:spAutoFit/>
+                    </a:bodyPr>
+                    <a:p>
+                      <a:pPr algn="ctr">
+                        <a:defRPr/>
+                      </a:pPr>
+                      <a:endParaRPr lang="en-US" altLang="ko-KR" sz="2000" b="1">
+                        <a:solidFill>
+                          <a:srgbClr val="baff1a"/>
+                        </a:solidFill>
+                        <a:latin typeface="에스코어 드림 2 ExtraLight"/>
+                        <a:ea typeface="에스코어 드림 2 ExtraLight"/>
+                      </a:endParaRPr>
+                    </a:p>
+                  </a:txBody>
+                  <a:tcPr marL="91440" marR="91440">
+                    <a:lnL w="25400" cap="flat" cmpd="sng" algn="ctr">
+                      <a:solidFill>
+                        <a:schemeClr val="lt1"/>
+                      </a:solidFill>
+                      <a:prstDash val="solid"/>
+                      <a:round/>
+                    </a:lnL>
+                    <a:lnR w="25400" cap="flat" cmpd="sng" algn="ctr">
+                      <a:solidFill>
+                        <a:schemeClr val="lt1"/>
+                      </a:solidFill>
+                      <a:prstDash val="solid"/>
+                      <a:round/>
+                    </a:lnR>
+                    <a:lnT w="25400" cap="flat" cmpd="sng" algn="ctr">
+                      <a:solidFill>
+                        <a:schemeClr val="lt1"/>
+                      </a:solidFill>
+                      <a:prstDash val="solid"/>
+                      <a:round/>
+                    </a:lnT>
+                    <a:lnB w="25400" cap="flat" cmpd="sng" algn="ctr">
+                      <a:solidFill>
+                        <a:schemeClr val="lt1"/>
+                      </a:solidFill>
+                      <a:prstDash val="solid"/>
+                      <a:round/>
+                    </a:lnB>
+                    <a:noFill/>
+                  </a:tcPr>
+                </a:tc>
+              </a:tr>
+              <a:tr h="408258">
+                <a:tc>
+                  <a:txBody>
+                    <a:bodyPr vert="horz" wrap="square" lIns="91440" tIns="45720" rIns="91440" bIns="45720" anchor="t" anchorCtr="0">
+                      <a:spAutoFit/>
+                    </a:bodyPr>
+                    <a:p>
+                      <a:pPr algn="ctr">
+                        <a:defRPr/>
+                      </a:pPr>
+                      <a:endParaRPr lang="en-US" altLang="ko-KR" sz="2000" b="1">
+                        <a:solidFill>
+                          <a:srgbClr val="baff1a"/>
+                        </a:solidFill>
+                        <a:latin typeface="에스코어 드림 2 ExtraLight"/>
+                        <a:ea typeface="에스코어 드림 2 ExtraLight"/>
+                      </a:endParaRPr>
+                    </a:p>
+                  </a:txBody>
+                  <a:tcPr marL="91440" marR="91440">
+                    <a:lnL w="25400" cap="flat" cmpd="sng" algn="ctr">
+                      <a:solidFill>
+                        <a:schemeClr val="lt1"/>
+                      </a:solidFill>
+                      <a:prstDash val="solid"/>
+                      <a:round/>
+                    </a:lnL>
+                    <a:lnR w="25400" cap="flat" cmpd="sng" algn="ctr">
+                      <a:solidFill>
+                        <a:schemeClr val="lt1"/>
+                      </a:solidFill>
+                      <a:prstDash val="solid"/>
+                      <a:round/>
+                    </a:lnR>
+                    <a:lnT w="25400" cap="flat" cmpd="sng" algn="ctr">
+                      <a:solidFill>
+                        <a:schemeClr val="lt1"/>
+                      </a:solidFill>
+                      <a:prstDash val="solid"/>
+                      <a:round/>
+                    </a:lnT>
+                    <a:lnB w="25400" cap="flat" cmpd="sng" algn="ctr">
+                      <a:solidFill>
+                        <a:schemeClr val="lt1"/>
+                      </a:solidFill>
+                      <a:prstDash val="solid"/>
+                      <a:round/>
+                    </a:lnB>
+                    <a:noFill/>
+                  </a:tcPr>
+                </a:tc>
+                <a:tc>
+                  <a:txBody>
+                    <a:bodyPr vert="horz" wrap="square" lIns="91440" tIns="45720" rIns="91440" bIns="45720" anchor="t" anchorCtr="0">
+                      <a:spAutoFit/>
+                    </a:bodyPr>
+                    <a:p>
+                      <a:pPr algn="ctr">
+                        <a:defRPr/>
+                      </a:pPr>
+                      <a:r>
+                        <a:rPr lang="en-US" altLang="ko-KR" sz="2000" b="1">
+                          <a:solidFill>
+                            <a:srgbClr val="baff1a"/>
+                          </a:solidFill>
+                          <a:latin typeface="에스코어 드림 2 ExtraLight"/>
+                          <a:ea typeface="에스코어 드림 2 ExtraLight"/>
+                        </a:rPr>
+                        <a:t>0</a:t>
+                      </a:r>
+                      <a:endParaRPr lang="en-US" altLang="ko-KR" sz="2000" b="1">
+                        <a:solidFill>
+                          <a:srgbClr val="baff1a"/>
+                        </a:solidFill>
+                        <a:latin typeface="에스코어 드림 2 ExtraLight"/>
+                        <a:ea typeface="에스코어 드림 2 ExtraLight"/>
+                      </a:endParaRPr>
+                    </a:p>
+                  </a:txBody>
+                  <a:tcPr marL="91440" marR="91440">
+                    <a:lnL w="25400" cap="flat" cmpd="sng" algn="ctr">
+                      <a:solidFill>
+                        <a:schemeClr val="lt1"/>
+                      </a:solidFill>
+                      <a:prstDash val="solid"/>
+                      <a:round/>
+                    </a:lnL>
+                    <a:lnR w="25400" cap="flat" cmpd="sng" algn="ctr">
+                      <a:solidFill>
+                        <a:schemeClr val="lt1"/>
+                      </a:solidFill>
+                      <a:prstDash val="solid"/>
+                      <a:round/>
+                    </a:lnR>
+                    <a:lnT w="25400" cap="flat" cmpd="sng" algn="ctr">
+                      <a:solidFill>
+                        <a:schemeClr val="lt1"/>
+                      </a:solidFill>
+                      <a:prstDash val="solid"/>
+                      <a:round/>
+                    </a:lnT>
+                    <a:lnB w="25400" cap="flat" cmpd="sng" algn="ctr">
+                      <a:solidFill>
+                        <a:schemeClr val="lt1"/>
+                      </a:solidFill>
+                      <a:prstDash val="solid"/>
+                      <a:round/>
+                    </a:lnB>
+                    <a:noFill/>
+                  </a:tcPr>
+                </a:tc>
+                <a:tc>
+                  <a:txBody>
+                    <a:bodyPr vert="horz" wrap="square" lIns="91440" tIns="45720" rIns="91440" bIns="45720" anchor="t" anchorCtr="0">
+                      <a:spAutoFit/>
+                    </a:bodyPr>
+                    <a:p>
+                      <a:pPr algn="ctr">
+                        <a:defRPr/>
+                      </a:pPr>
+                      <a:r>
+                        <a:rPr lang="en-US" altLang="ko-KR" sz="2000" b="1">
+                          <a:solidFill>
+                            <a:srgbClr val="baff1a"/>
+                          </a:solidFill>
+                          <a:latin typeface="에스코어 드림 2 ExtraLight"/>
+                          <a:ea typeface="에스코어 드림 2 ExtraLight"/>
+                        </a:rPr>
+                        <a:t>1</a:t>
+                      </a:r>
+                      <a:endParaRPr lang="en-US" altLang="ko-KR" sz="2000" b="1">
+                        <a:solidFill>
+                          <a:srgbClr val="baff1a"/>
+                        </a:solidFill>
+                        <a:latin typeface="에스코어 드림 2 ExtraLight"/>
+                        <a:ea typeface="에스코어 드림 2 ExtraLight"/>
+                      </a:endParaRPr>
+                    </a:p>
+                  </a:txBody>
+                  <a:tcPr marL="91440" marR="91440">
+                    <a:lnL w="25400" cap="flat" cmpd="sng" algn="ctr">
+                      <a:solidFill>
+                        <a:schemeClr val="lt1"/>
+                      </a:solidFill>
+                      <a:prstDash val="solid"/>
+                      <a:round/>
+                    </a:lnL>
+                    <a:lnR w="25400" cap="flat" cmpd="sng" algn="ctr">
+                      <a:solidFill>
+                        <a:schemeClr val="lt1"/>
+                      </a:solidFill>
+                      <a:prstDash val="solid"/>
+                      <a:round/>
+                    </a:lnR>
+                    <a:lnT w="25400" cap="flat" cmpd="sng" algn="ctr">
+                      <a:solidFill>
+                        <a:schemeClr val="lt1"/>
+                      </a:solidFill>
+                      <a:prstDash val="solid"/>
+                      <a:round/>
+                    </a:lnT>
+                    <a:lnB w="25400" cap="flat" cmpd="sng" algn="ctr">
+                      <a:solidFill>
+                        <a:schemeClr val="lt1"/>
+                      </a:solidFill>
+                      <a:prstDash val="solid"/>
+                      <a:round/>
+                    </a:lnB>
+                    <a:noFill/>
+                  </a:tcPr>
+                </a:tc>
+                <a:tc>
+                  <a:txBody>
+                    <a:bodyPr vert="horz" wrap="square" lIns="91440" tIns="45720" rIns="91440" bIns="45720" anchor="t" anchorCtr="0">
+                      <a:spAutoFit/>
+                    </a:bodyPr>
+                    <a:p>
+                      <a:pPr algn="ctr">
+                        <a:defRPr/>
+                      </a:pPr>
+                      <a:r>
+                        <a:rPr lang="en-US" altLang="ko-KR" sz="2000" b="1">
+                          <a:solidFill>
+                            <a:srgbClr val="baff1a"/>
+                          </a:solidFill>
+                          <a:latin typeface="에스코어 드림 2 ExtraLight"/>
+                          <a:ea typeface="에스코어 드림 2 ExtraLight"/>
+                        </a:rPr>
+                        <a:t>2</a:t>
+                      </a:r>
+                      <a:endParaRPr lang="en-US" altLang="ko-KR" sz="2000" b="1">
+                        <a:solidFill>
+                          <a:srgbClr val="baff1a"/>
+                        </a:solidFill>
+                        <a:latin typeface="에스코어 드림 2 ExtraLight"/>
+                        <a:ea typeface="에스코어 드림 2 ExtraLight"/>
+                      </a:endParaRPr>
+                    </a:p>
+                  </a:txBody>
+                  <a:tcPr marL="91440" marR="91440">
+                    <a:lnL w="25400" cap="flat" cmpd="sng" algn="ctr">
+                      <a:solidFill>
+                        <a:schemeClr val="lt1"/>
+                      </a:solidFill>
+                      <a:prstDash val="solid"/>
+                      <a:round/>
+                    </a:lnL>
+                    <a:lnR w="25400" cap="flat" cmpd="sng" algn="ctr">
+                      <a:solidFill>
+                        <a:schemeClr val="lt1"/>
+                      </a:solidFill>
+                      <a:prstDash val="solid"/>
+                      <a:round/>
+                    </a:lnR>
+                    <a:lnT w="25400" cap="flat" cmpd="sng" algn="ctr">
+                      <a:solidFill>
+                        <a:schemeClr val="lt1"/>
+                      </a:solidFill>
+                      <a:prstDash val="solid"/>
+                      <a:round/>
+                    </a:lnT>
+                    <a:lnB w="25400" cap="flat" cmpd="sng" algn="ctr">
+                      <a:solidFill>
+                        <a:schemeClr val="lt1"/>
+                      </a:solidFill>
+                      <a:prstDash val="solid"/>
+                      <a:round/>
+                    </a:lnB>
+                    <a:noFill/>
+                  </a:tcPr>
+                </a:tc>
+                <a:tc>
+                  <a:txBody>
+                    <a:bodyPr vert="horz" wrap="square" lIns="91440" tIns="45720" rIns="91440" bIns="45720" anchor="t" anchorCtr="0">
+                      <a:spAutoFit/>
+                    </a:bodyPr>
+                    <a:p>
+                      <a:pPr algn="ctr">
+                        <a:defRPr/>
+                      </a:pPr>
+                      <a:r>
+                        <a:rPr lang="en-US" altLang="ko-KR" sz="2000" b="1">
+                          <a:solidFill>
+                            <a:srgbClr val="baff1a"/>
+                          </a:solidFill>
+                          <a:latin typeface="에스코어 드림 2 ExtraLight"/>
+                          <a:ea typeface="에스코어 드림 2 ExtraLight"/>
+                        </a:rPr>
+                        <a:t>1</a:t>
+                      </a:r>
+                      <a:endParaRPr lang="en-US" altLang="ko-KR" sz="2000" b="1">
+                        <a:solidFill>
+                          <a:srgbClr val="baff1a"/>
+                        </a:solidFill>
+                        <a:latin typeface="에스코어 드림 2 ExtraLight"/>
+                        <a:ea typeface="에스코어 드림 2 ExtraLight"/>
+                      </a:endParaRPr>
+                    </a:p>
+                  </a:txBody>
+                  <a:tcPr marL="91440" marR="91440">
+                    <a:lnL w="25400" cap="flat" cmpd="sng" algn="ctr">
+                      <a:solidFill>
+                        <a:schemeClr val="lt1"/>
+                      </a:solidFill>
+                      <a:prstDash val="solid"/>
+                      <a:round/>
+                    </a:lnL>
+                    <a:lnR w="25400" cap="flat" cmpd="sng" algn="ctr">
+                      <a:solidFill>
+                        <a:schemeClr val="lt1"/>
+                      </a:solidFill>
+                      <a:prstDash val="solid"/>
+                      <a:round/>
+                    </a:lnR>
+                    <a:lnT w="25400" cap="flat" cmpd="sng" algn="ctr">
+                      <a:solidFill>
+                        <a:schemeClr val="lt1"/>
+                      </a:solidFill>
+                      <a:prstDash val="solid"/>
+                      <a:round/>
+                    </a:lnT>
+                    <a:lnB w="25400" cap="flat" cmpd="sng" algn="ctr">
+                      <a:solidFill>
+                        <a:schemeClr val="lt1"/>
+                      </a:solidFill>
+                      <a:prstDash val="solid"/>
+                      <a:round/>
+                    </a:lnB>
+                    <a:noFill/>
+                  </a:tcPr>
+                </a:tc>
+                <a:tc>
+                  <a:txBody>
+                    <a:bodyPr vert="horz" wrap="square" lIns="91440" tIns="45720" rIns="91440" bIns="45720" anchor="t" anchorCtr="0">
+                      <a:spAutoFit/>
+                    </a:bodyPr>
+                    <a:p>
+                      <a:pPr algn="ctr">
+                        <a:defRPr/>
+                      </a:pPr>
+                      <a:r>
+                        <a:rPr lang="en-US" altLang="ko-KR" sz="2000" b="1">
+                          <a:solidFill>
+                            <a:srgbClr val="baff1a"/>
+                          </a:solidFill>
+                          <a:latin typeface="에스코어 드림 2 ExtraLight"/>
+                          <a:ea typeface="에스코어 드림 2 ExtraLight"/>
+                        </a:rPr>
+                        <a:t>0</a:t>
+                      </a:r>
+                      <a:endParaRPr lang="en-US" altLang="ko-KR" sz="2000" b="1">
+                        <a:solidFill>
+                          <a:srgbClr val="baff1a"/>
+                        </a:solidFill>
+                        <a:latin typeface="에스코어 드림 2 ExtraLight"/>
+                        <a:ea typeface="에스코어 드림 2 ExtraLight"/>
+                      </a:endParaRPr>
+                    </a:p>
+                  </a:txBody>
+                  <a:tcPr marL="91440" marR="91440">
+                    <a:lnL w="25400" cap="flat" cmpd="sng" algn="ctr">
+                      <a:solidFill>
+                        <a:schemeClr val="lt1"/>
+                      </a:solidFill>
+                      <a:prstDash val="solid"/>
+                      <a:round/>
+                    </a:lnL>
+                    <a:lnR w="25400" cap="flat" cmpd="sng" algn="ctr">
+                      <a:solidFill>
+                        <a:schemeClr val="lt1"/>
+                      </a:solidFill>
+                      <a:prstDash val="solid"/>
+                      <a:round/>
+                    </a:lnR>
+                    <a:lnT w="25400" cap="flat" cmpd="sng" algn="ctr">
+                      <a:solidFill>
+                        <a:schemeClr val="lt1"/>
+                      </a:solidFill>
+                      <a:prstDash val="solid"/>
+                      <a:round/>
+                    </a:lnT>
+                    <a:lnB w="25400" cap="flat" cmpd="sng" algn="ctr">
+                      <a:solidFill>
+                        <a:schemeClr val="lt1"/>
+                      </a:solidFill>
+                      <a:prstDash val="solid"/>
+                      <a:round/>
+                    </a:lnB>
+                    <a:noFill/>
+                  </a:tcPr>
+                </a:tc>
+                <a:tc>
+                  <a:txBody>
+                    <a:bodyPr vert="horz" wrap="square" lIns="91440" tIns="45720" rIns="91440" bIns="45720" anchor="t" anchorCtr="0">
+                      <a:spAutoFit/>
+                    </a:bodyPr>
+                    <a:p>
+                      <a:pPr algn="ctr">
+                        <a:defRPr/>
+                      </a:pPr>
+                      <a:endParaRPr lang="en-US" altLang="ko-KR" sz="2000" b="1">
+                        <a:solidFill>
+                          <a:srgbClr val="baff1a"/>
+                        </a:solidFill>
+                        <a:latin typeface="에스코어 드림 2 ExtraLight"/>
+                        <a:ea typeface="에스코어 드림 2 ExtraLight"/>
+                      </a:endParaRPr>
+                    </a:p>
+                  </a:txBody>
+                  <a:tcPr marL="91440" marR="91440">
+                    <a:lnL w="25400" cap="flat" cmpd="sng" algn="ctr">
+                      <a:solidFill>
+                        <a:schemeClr val="lt1"/>
+                      </a:solidFill>
+                      <a:prstDash val="solid"/>
+                      <a:round/>
+                    </a:lnL>
+                    <a:lnR w="25400" cap="flat" cmpd="sng" algn="ctr">
+                      <a:solidFill>
+                        <a:schemeClr val="lt1"/>
+                      </a:solidFill>
+                      <a:prstDash val="solid"/>
+                      <a:round/>
+                    </a:lnR>
+                    <a:lnT w="25400" cap="flat" cmpd="sng" algn="ctr">
+                      <a:solidFill>
+                        <a:schemeClr val="lt1"/>
+                      </a:solidFill>
+                      <a:prstDash val="solid"/>
+                      <a:round/>
+                    </a:lnT>
+                    <a:lnB w="25400" cap="flat" cmpd="sng" algn="ctr">
+                      <a:solidFill>
+                        <a:schemeClr val="lt1"/>
+                      </a:solidFill>
+                      <a:prstDash val="solid"/>
+                      <a:round/>
+                    </a:lnB>
+                    <a:noFill/>
+                  </a:tcPr>
+                </a:tc>
+                <a:tc>
+                  <a:txBody>
+                    <a:bodyPr vert="horz" wrap="square" lIns="91440" tIns="45720" rIns="91440" bIns="45720" anchor="t" anchorCtr="0">
+                      <a:spAutoFit/>
+                    </a:bodyPr>
+                    <a:p>
+                      <a:pPr algn="ctr">
+                        <a:defRPr/>
+                      </a:pPr>
+                      <a:endParaRPr lang="en-US" altLang="ko-KR" sz="2000" b="1">
+                        <a:solidFill>
+                          <a:srgbClr val="baff1a"/>
+                        </a:solidFill>
+                        <a:latin typeface="에스코어 드림 2 ExtraLight"/>
+                        <a:ea typeface="에스코어 드림 2 ExtraLight"/>
+                      </a:endParaRPr>
+                    </a:p>
+                  </a:txBody>
+                  <a:tcPr marL="91440" marR="91440">
+                    <a:lnL w="25400" cap="flat" cmpd="sng" algn="ctr">
+                      <a:solidFill>
+                        <a:schemeClr val="lt1"/>
+                      </a:solidFill>
+                      <a:prstDash val="solid"/>
+                      <a:round/>
+                    </a:lnL>
+                    <a:lnR w="25400" cap="flat" cmpd="sng" algn="ctr">
+                      <a:solidFill>
+                        <a:schemeClr val="lt1"/>
+                      </a:solidFill>
+                      <a:prstDash val="solid"/>
+                      <a:round/>
+                    </a:lnR>
+                    <a:lnT w="25400" cap="flat" cmpd="sng" algn="ctr">
+                      <a:solidFill>
+                        <a:schemeClr val="lt1"/>
+                      </a:solidFill>
+                      <a:prstDash val="solid"/>
+                      <a:round/>
+                    </a:lnT>
+                    <a:lnB w="25400" cap="flat" cmpd="sng" algn="ctr">
+                      <a:solidFill>
+                        <a:schemeClr val="lt1"/>
+                      </a:solidFill>
+                      <a:prstDash val="solid"/>
+                      <a:round/>
+                    </a:lnB>
+                    <a:noFill/>
+                  </a:tcPr>
+                </a:tc>
+                <a:tc>
+                  <a:txBody>
+                    <a:bodyPr vert="horz" wrap="square" lIns="91440" tIns="45720" rIns="91440" bIns="45720" anchor="t" anchorCtr="0">
+                      <a:spAutoFit/>
+                    </a:bodyPr>
+                    <a:p>
+                      <a:pPr algn="ctr">
+                        <a:defRPr/>
+                      </a:pPr>
+                      <a:endParaRPr lang="en-US" altLang="ko-KR" sz="2000" b="1">
+                        <a:solidFill>
+                          <a:srgbClr val="baff1a"/>
+                        </a:solidFill>
+                        <a:latin typeface="에스코어 드림 2 ExtraLight"/>
+                        <a:ea typeface="에스코어 드림 2 ExtraLight"/>
+                      </a:endParaRPr>
+                    </a:p>
+                  </a:txBody>
+                  <a:tcPr marL="91440" marR="91440">
+                    <a:lnL w="25400" cap="flat" cmpd="sng" algn="ctr">
+                      <a:solidFill>
+                        <a:schemeClr val="lt1"/>
+                      </a:solidFill>
+                      <a:prstDash val="solid"/>
+                      <a:round/>
+                    </a:lnL>
+                    <a:lnR w="25400" cap="flat" cmpd="sng" algn="ctr">
+                      <a:solidFill>
+                        <a:schemeClr val="lt1"/>
+                      </a:solidFill>
+                      <a:prstDash val="solid"/>
+                      <a:round/>
+                    </a:lnR>
+                    <a:lnT w="25400" cap="flat" cmpd="sng" algn="ctr">
+                      <a:solidFill>
+                        <a:schemeClr val="lt1"/>
+                      </a:solidFill>
+                      <a:prstDash val="solid"/>
+                      <a:round/>
+                    </a:lnT>
+                    <a:lnB w="25400" cap="flat" cmpd="sng" algn="ctr">
+                      <a:solidFill>
+                        <a:schemeClr val="lt1"/>
+                      </a:solidFill>
+                      <a:prstDash val="solid"/>
+                      <a:round/>
+                    </a:lnB>
+                    <a:noFill/>
+                  </a:tcPr>
+                </a:tc>
+                <a:tc>
+                  <a:txBody>
+                    <a:bodyPr vert="horz" wrap="square" lIns="91440" tIns="45720" rIns="91440" bIns="45720" anchor="t" anchorCtr="0">
+                      <a:spAutoFit/>
+                    </a:bodyPr>
+                    <a:p>
+                      <a:pPr algn="ctr">
+                        <a:defRPr/>
+                      </a:pPr>
+                      <a:endParaRPr lang="en-US" altLang="ko-KR" sz="2000" b="1">
+                        <a:solidFill>
+                          <a:srgbClr val="baff1a"/>
+                        </a:solidFill>
+                        <a:latin typeface="에스코어 드림 2 ExtraLight"/>
+                        <a:ea typeface="에스코어 드림 2 ExtraLight"/>
+                      </a:endParaRPr>
+                    </a:p>
+                  </a:txBody>
+                  <a:tcPr marL="91440" marR="91440">
+                    <a:lnL w="25400" cap="flat" cmpd="sng" algn="ctr">
+                      <a:solidFill>
+                        <a:schemeClr val="lt1"/>
+                      </a:solidFill>
+                      <a:prstDash val="solid"/>
+                      <a:round/>
+                    </a:lnL>
+                    <a:lnR w="25400" cap="flat" cmpd="sng" algn="ctr">
+                      <a:solidFill>
+                        <a:schemeClr val="lt1"/>
+                      </a:solidFill>
+                      <a:prstDash val="solid"/>
+                      <a:round/>
+                    </a:lnR>
+                    <a:lnT w="25400" cap="flat" cmpd="sng" algn="ctr">
+                      <a:solidFill>
+                        <a:schemeClr val="lt1"/>
+                      </a:solidFill>
+                      <a:prstDash val="solid"/>
+                      <a:round/>
+                    </a:lnT>
+                    <a:lnB w="25400" cap="flat" cmpd="sng" algn="ctr">
+                      <a:solidFill>
+                        <a:schemeClr val="lt1"/>
+                      </a:solidFill>
+                      <a:prstDash val="solid"/>
+                      <a:round/>
+                    </a:lnB>
+                    <a:noFill/>
+                  </a:tcPr>
+                </a:tc>
+              </a:tr>
+              <a:tr h="408259">
+                <a:tc>
+                  <a:txBody>
+                    <a:bodyPr vert="horz" wrap="square" lIns="91440" tIns="45720" rIns="91440" bIns="45720" anchor="t" anchorCtr="0">
+                      <a:spAutoFit/>
+                    </a:bodyPr>
+                    <a:p>
+                      <a:pPr algn="ctr">
+                        <a:defRPr/>
+                      </a:pPr>
+                      <a:endParaRPr lang="en-US" altLang="ko-KR" sz="2000" b="1">
+                        <a:solidFill>
+                          <a:srgbClr val="baff1a"/>
+                        </a:solidFill>
+                        <a:latin typeface="에스코어 드림 2 ExtraLight"/>
+                        <a:ea typeface="에스코어 드림 2 ExtraLight"/>
+                      </a:endParaRPr>
+                    </a:p>
+                  </a:txBody>
+                  <a:tcPr marL="91440" marR="91440">
+                    <a:lnL w="25400" cap="flat" cmpd="sng" algn="ctr">
+                      <a:solidFill>
+                        <a:schemeClr val="lt1"/>
+                      </a:solidFill>
+                      <a:prstDash val="solid"/>
+                      <a:round/>
+                    </a:lnL>
+                    <a:lnR w="25400" cap="flat" cmpd="sng" algn="ctr">
+                      <a:solidFill>
+                        <a:schemeClr val="lt1"/>
+                      </a:solidFill>
+                      <a:prstDash val="solid"/>
+                      <a:round/>
+                    </a:lnR>
+                    <a:lnT w="25400" cap="flat" cmpd="sng" algn="ctr">
+                      <a:solidFill>
+                        <a:schemeClr val="lt1"/>
+                      </a:solidFill>
+                      <a:prstDash val="solid"/>
+                      <a:round/>
+                    </a:lnT>
+                    <a:lnB w="25400" cap="flat" cmpd="sng" algn="ctr">
+                      <a:solidFill>
+                        <a:schemeClr val="lt1"/>
+                      </a:solidFill>
+                      <a:prstDash val="solid"/>
+                      <a:round/>
+                    </a:lnB>
+                    <a:noFill/>
+                  </a:tcPr>
+                </a:tc>
+                <a:tc>
+                  <a:txBody>
+                    <a:bodyPr vert="horz" wrap="square" lIns="91440" tIns="45720" rIns="91440" bIns="45720" anchor="t" anchorCtr="0">
+                      <a:spAutoFit/>
+                    </a:bodyPr>
+                    <a:p>
+                      <a:pPr algn="ctr">
+                        <a:defRPr/>
+                      </a:pPr>
+                      <a:endParaRPr lang="en-US" altLang="ko-KR" sz="2000" b="1">
+                        <a:solidFill>
+                          <a:srgbClr val="baff1a"/>
+                        </a:solidFill>
+                        <a:latin typeface="에스코어 드림 2 ExtraLight"/>
+                        <a:ea typeface="에스코어 드림 2 ExtraLight"/>
+                      </a:endParaRPr>
+                    </a:p>
+                  </a:txBody>
+                  <a:tcPr marL="91440" marR="91440">
+                    <a:lnL w="25400" cap="flat" cmpd="sng" algn="ctr">
+                      <a:solidFill>
+                        <a:schemeClr val="lt1"/>
+                      </a:solidFill>
+                      <a:prstDash val="solid"/>
+                      <a:round/>
+                    </a:lnL>
+                    <a:lnR w="25400" cap="flat" cmpd="sng" algn="ctr">
+                      <a:solidFill>
+                        <a:schemeClr val="lt1"/>
+                      </a:solidFill>
+                      <a:prstDash val="solid"/>
+                      <a:round/>
+                    </a:lnR>
+                    <a:lnT w="25400" cap="flat" cmpd="sng" algn="ctr">
+                      <a:solidFill>
+                        <a:schemeClr val="lt1"/>
+                      </a:solidFill>
+                      <a:prstDash val="solid"/>
+                      <a:round/>
+                    </a:lnT>
+                    <a:lnB w="25400" cap="flat" cmpd="sng" algn="ctr">
+                      <a:solidFill>
+                        <a:schemeClr val="lt1"/>
+                      </a:solidFill>
+                      <a:prstDash val="solid"/>
+                      <a:round/>
+                    </a:lnB>
+                    <a:noFill/>
+                  </a:tcPr>
+                </a:tc>
+                <a:tc>
+                  <a:txBody>
+                    <a:bodyPr vert="horz" wrap="square" lIns="91440" tIns="45720" rIns="91440" bIns="45720" anchor="t" anchorCtr="0">
+                      <a:spAutoFit/>
+                    </a:bodyPr>
+                    <a:p>
+                      <a:pPr algn="ctr">
+                        <a:defRPr/>
+                      </a:pPr>
+                      <a:endParaRPr lang="en-US" altLang="ko-KR" sz="2000" b="1">
+                        <a:solidFill>
+                          <a:srgbClr val="baff1a"/>
+                        </a:solidFill>
+                        <a:latin typeface="에스코어 드림 2 ExtraLight"/>
+                        <a:ea typeface="에스코어 드림 2 ExtraLight"/>
+                      </a:endParaRPr>
+                    </a:p>
+                  </a:txBody>
+                  <a:tcPr marL="91440" marR="91440">
+                    <a:lnL w="25400" cap="flat" cmpd="sng" algn="ctr">
+                      <a:solidFill>
+                        <a:schemeClr val="lt1"/>
+                      </a:solidFill>
+                      <a:prstDash val="solid"/>
+                      <a:round/>
+                    </a:lnL>
+                    <a:lnR w="25400" cap="flat" cmpd="sng" algn="ctr">
+                      <a:solidFill>
+                        <a:schemeClr val="lt1"/>
+                      </a:solidFill>
+                      <a:prstDash val="solid"/>
+                      <a:round/>
+                    </a:lnR>
+                    <a:lnT w="25400" cap="flat" cmpd="sng" algn="ctr">
+                      <a:solidFill>
+                        <a:schemeClr val="lt1"/>
+                      </a:solidFill>
+                      <a:prstDash val="solid"/>
+                      <a:round/>
+                    </a:lnT>
+                    <a:lnB w="25400" cap="flat" cmpd="sng" algn="ctr">
+                      <a:solidFill>
+                        <a:schemeClr val="lt1"/>
+                      </a:solidFill>
+                      <a:prstDash val="solid"/>
+                      <a:round/>
+                    </a:lnB>
+                    <a:noFill/>
+                  </a:tcPr>
+                </a:tc>
+                <a:tc>
+                  <a:txBody>
+                    <a:bodyPr vert="horz" wrap="square" lIns="91440" tIns="45720" rIns="91440" bIns="45720" anchor="t" anchorCtr="0">
+                      <a:spAutoFit/>
+                    </a:bodyPr>
+                    <a:p>
+                      <a:pPr algn="ctr">
+                        <a:defRPr/>
+                      </a:pPr>
+                      <a:endParaRPr lang="en-US" altLang="ko-KR" sz="2000" b="1">
+                        <a:solidFill>
+                          <a:srgbClr val="baff1a"/>
+                        </a:solidFill>
+                        <a:latin typeface="에스코어 드림 2 ExtraLight"/>
+                        <a:ea typeface="에스코어 드림 2 ExtraLight"/>
+                      </a:endParaRPr>
+                    </a:p>
+                  </a:txBody>
+                  <a:tcPr marL="91440" marR="91440">
+                    <a:lnL w="25400" cap="flat" cmpd="sng" algn="ctr">
+                      <a:solidFill>
+                        <a:schemeClr val="lt1"/>
+                      </a:solidFill>
+                      <a:prstDash val="solid"/>
+                      <a:round/>
+                    </a:lnL>
+                    <a:lnR w="25400" cap="flat" cmpd="sng" algn="ctr">
+                      <a:solidFill>
+                        <a:schemeClr val="lt1"/>
+                      </a:solidFill>
+                      <a:prstDash val="solid"/>
+                      <a:round/>
+                    </a:lnR>
+                    <a:lnT w="25400" cap="flat" cmpd="sng" algn="ctr">
+                      <a:solidFill>
+                        <a:schemeClr val="lt1"/>
+                      </a:solidFill>
+                      <a:prstDash val="solid"/>
+                      <a:round/>
+                    </a:lnT>
+                    <a:lnB w="25400" cap="flat" cmpd="sng" algn="ctr">
+                      <a:solidFill>
+                        <a:schemeClr val="lt1"/>
+                      </a:solidFill>
+                      <a:prstDash val="solid"/>
+                      <a:round/>
+                    </a:lnB>
+                    <a:noFill/>
+                  </a:tcPr>
+                </a:tc>
+                <a:tc>
+                  <a:txBody>
+                    <a:bodyPr vert="horz" wrap="square" lIns="91440" tIns="45720" rIns="91440" bIns="45720" anchor="t" anchorCtr="0">
+                      <a:spAutoFit/>
+                    </a:bodyPr>
+                    <a:p>
+                      <a:pPr algn="ctr">
+                        <a:defRPr/>
+                      </a:pPr>
+                      <a:endParaRPr lang="en-US" altLang="ko-KR" sz="2000" b="1">
+                        <a:solidFill>
+                          <a:srgbClr val="baff1a"/>
+                        </a:solidFill>
+                        <a:latin typeface="에스코어 드림 2 ExtraLight"/>
+                        <a:ea typeface="에스코어 드림 2 ExtraLight"/>
+                      </a:endParaRPr>
+                    </a:p>
+                  </a:txBody>
+                  <a:tcPr marL="91440" marR="91440">
+                    <a:lnL w="25400" cap="flat" cmpd="sng" algn="ctr">
+                      <a:solidFill>
+                        <a:schemeClr val="lt1"/>
+                      </a:solidFill>
+                      <a:prstDash val="solid"/>
+                      <a:round/>
+                    </a:lnL>
+                    <a:lnR w="25400" cap="flat" cmpd="sng" algn="ctr">
+                      <a:solidFill>
+                        <a:schemeClr val="lt1"/>
+                      </a:solidFill>
+                      <a:prstDash val="solid"/>
+                      <a:round/>
+                    </a:lnR>
+                    <a:lnT w="25400" cap="flat" cmpd="sng" algn="ctr">
+                      <a:solidFill>
+                        <a:schemeClr val="lt1"/>
+                      </a:solidFill>
+                      <a:prstDash val="solid"/>
+                      <a:round/>
+                    </a:lnT>
+                    <a:lnB w="25400" cap="flat" cmpd="sng" algn="ctr">
+                      <a:solidFill>
+                        <a:schemeClr val="lt1"/>
+                      </a:solidFill>
+                      <a:prstDash val="solid"/>
+                      <a:round/>
+                    </a:lnB>
+                    <a:noFill/>
+                  </a:tcPr>
+                </a:tc>
+                <a:tc>
+                  <a:txBody>
+                    <a:bodyPr vert="horz" wrap="square" lIns="91440" tIns="45720" rIns="91440" bIns="45720" anchor="t" anchorCtr="0">
+                      <a:spAutoFit/>
+                    </a:bodyPr>
+                    <a:p>
+                      <a:pPr algn="ctr">
+                        <a:defRPr/>
+                      </a:pPr>
+                      <a:endParaRPr lang="en-US" altLang="ko-KR" sz="2000" b="1">
+                        <a:solidFill>
+                          <a:srgbClr val="baff1a"/>
+                        </a:solidFill>
+                        <a:latin typeface="에스코어 드림 2 ExtraLight"/>
+                        <a:ea typeface="에스코어 드림 2 ExtraLight"/>
+                      </a:endParaRPr>
+                    </a:p>
+                  </a:txBody>
+                  <a:tcPr marL="91440" marR="91440">
+                    <a:lnL w="25400" cap="flat" cmpd="sng" algn="ctr">
+                      <a:solidFill>
+                        <a:schemeClr val="lt1"/>
+                      </a:solidFill>
+                      <a:prstDash val="solid"/>
+                      <a:round/>
+                    </a:lnL>
+                    <a:lnR w="25400" cap="flat" cmpd="sng" algn="ctr">
+                      <a:solidFill>
+                        <a:schemeClr val="lt1"/>
+                      </a:solidFill>
+                      <a:prstDash val="solid"/>
+                      <a:round/>
+                    </a:lnR>
+                    <a:lnT w="25400" cap="flat" cmpd="sng" algn="ctr">
+                      <a:solidFill>
+                        <a:schemeClr val="lt1"/>
+                      </a:solidFill>
+                      <a:prstDash val="solid"/>
+                      <a:round/>
+                    </a:lnT>
+                    <a:lnB w="25400" cap="flat" cmpd="sng" algn="ctr">
+                      <a:solidFill>
+                        <a:schemeClr val="lt1"/>
+                      </a:solidFill>
+                      <a:prstDash val="solid"/>
+                      <a:round/>
+                    </a:lnB>
+                    <a:noFill/>
+                  </a:tcPr>
+                </a:tc>
+                <a:tc>
+                  <a:txBody>
+                    <a:bodyPr vert="horz" wrap="square" lIns="91440" tIns="45720" rIns="91440" bIns="45720" anchor="t" anchorCtr="0">
+                      <a:spAutoFit/>
+                    </a:bodyPr>
+                    <a:p>
+                      <a:pPr algn="ctr">
+                        <a:defRPr/>
+                      </a:pPr>
+                      <a:endParaRPr lang="en-US" altLang="ko-KR" sz="2000" b="1">
+                        <a:solidFill>
+                          <a:srgbClr val="baff1a"/>
+                        </a:solidFill>
+                        <a:latin typeface="에스코어 드림 2 ExtraLight"/>
+                        <a:ea typeface="에스코어 드림 2 ExtraLight"/>
+                      </a:endParaRPr>
+                    </a:p>
+                  </a:txBody>
+                  <a:tcPr marL="91440" marR="91440">
+                    <a:lnL w="25400" cap="flat" cmpd="sng" algn="ctr">
+                      <a:solidFill>
+                        <a:schemeClr val="lt1"/>
+                      </a:solidFill>
+                      <a:prstDash val="solid"/>
+                      <a:round/>
+                    </a:lnL>
+                    <a:lnR w="25400" cap="flat" cmpd="sng" algn="ctr">
+                      <a:solidFill>
+                        <a:schemeClr val="lt1"/>
+                      </a:solidFill>
+                      <a:prstDash val="solid"/>
+                      <a:round/>
+                    </a:lnR>
+                    <a:lnT w="25400" cap="flat" cmpd="sng" algn="ctr">
+                      <a:solidFill>
+                        <a:schemeClr val="lt1"/>
+                      </a:solidFill>
+                      <a:prstDash val="solid"/>
+                      <a:round/>
+                    </a:lnT>
+                    <a:lnB w="25400" cap="flat" cmpd="sng" algn="ctr">
+                      <a:solidFill>
+                        <a:schemeClr val="lt1"/>
+                      </a:solidFill>
+                      <a:prstDash val="solid"/>
+                      <a:round/>
+                    </a:lnB>
+                    <a:noFill/>
+                  </a:tcPr>
+                </a:tc>
+                <a:tc>
+                  <a:txBody>
+                    <a:bodyPr vert="horz" wrap="square" lIns="91440" tIns="45720" rIns="91440" bIns="45720" anchor="t" anchorCtr="0">
+                      <a:spAutoFit/>
+                    </a:bodyPr>
+                    <a:p>
+                      <a:pPr algn="ctr">
+                        <a:defRPr/>
+                      </a:pPr>
+                      <a:endParaRPr lang="en-US" altLang="ko-KR" sz="2000" b="1">
+                        <a:solidFill>
+                          <a:srgbClr val="baff1a"/>
+                        </a:solidFill>
+                        <a:latin typeface="에스코어 드림 2 ExtraLight"/>
+                        <a:ea typeface="에스코어 드림 2 ExtraLight"/>
+                      </a:endParaRPr>
+                    </a:p>
+                  </a:txBody>
+                  <a:tcPr marL="91440" marR="91440">
+                    <a:lnL w="25400" cap="flat" cmpd="sng" algn="ctr">
+                      <a:solidFill>
+                        <a:schemeClr val="lt1"/>
+                      </a:solidFill>
+                      <a:prstDash val="solid"/>
+                      <a:round/>
+                    </a:lnL>
+                    <a:lnR w="25400" cap="flat" cmpd="sng" algn="ctr">
+                      <a:solidFill>
+                        <a:schemeClr val="lt1"/>
+                      </a:solidFill>
+                      <a:prstDash val="solid"/>
+                      <a:round/>
+                    </a:lnR>
+                    <a:lnT w="25400" cap="flat" cmpd="sng" algn="ctr">
+                      <a:solidFill>
+                        <a:schemeClr val="lt1"/>
+                      </a:solidFill>
+                      <a:prstDash val="solid"/>
+                      <a:round/>
+                    </a:lnT>
+                    <a:lnB w="25400" cap="flat" cmpd="sng" algn="ctr">
+                      <a:solidFill>
+                        <a:schemeClr val="lt1"/>
+                      </a:solidFill>
+                      <a:prstDash val="solid"/>
+                      <a:round/>
+                    </a:lnB>
+                    <a:noFill/>
+                  </a:tcPr>
+                </a:tc>
+                <a:tc>
+                  <a:txBody>
+                    <a:bodyPr vert="horz" wrap="square" lIns="91440" tIns="45720" rIns="91440" bIns="45720" anchor="t" anchorCtr="0">
+                      <a:spAutoFit/>
+                    </a:bodyPr>
+                    <a:p>
+                      <a:pPr algn="ctr">
+                        <a:defRPr/>
+                      </a:pPr>
+                      <a:endParaRPr lang="en-US" altLang="ko-KR" sz="2000" b="1">
+                        <a:solidFill>
+                          <a:srgbClr val="baff1a"/>
+                        </a:solidFill>
+                        <a:latin typeface="에스코어 드림 2 ExtraLight"/>
+                        <a:ea typeface="에스코어 드림 2 ExtraLight"/>
+                      </a:endParaRPr>
+                    </a:p>
+                  </a:txBody>
+                  <a:tcPr marL="91440" marR="91440">
+                    <a:lnL w="25400" cap="flat" cmpd="sng" algn="ctr">
+                      <a:solidFill>
+                        <a:schemeClr val="lt1"/>
+                      </a:solidFill>
+                      <a:prstDash val="solid"/>
+                      <a:round/>
+                    </a:lnL>
+                    <a:lnR w="25400" cap="flat" cmpd="sng" algn="ctr">
+                      <a:solidFill>
+                        <a:schemeClr val="lt1"/>
+                      </a:solidFill>
+                      <a:prstDash val="solid"/>
+                      <a:round/>
+                    </a:lnR>
+                    <a:lnT w="25400" cap="flat" cmpd="sng" algn="ctr">
+                      <a:solidFill>
+                        <a:schemeClr val="lt1"/>
+                      </a:solidFill>
+                      <a:prstDash val="solid"/>
+                      <a:round/>
+                    </a:lnT>
+                    <a:lnB w="25400" cap="flat" cmpd="sng" algn="ctr">
+                      <a:solidFill>
+                        <a:schemeClr val="lt1"/>
+                      </a:solidFill>
+                      <a:prstDash val="solid"/>
+                      <a:round/>
+                    </a:lnB>
+                    <a:noFill/>
+                  </a:tcPr>
+                </a:tc>
+                <a:tc>
+                  <a:txBody>
+                    <a:bodyPr vert="horz" wrap="square" lIns="91440" tIns="45720" rIns="91440" bIns="45720" anchor="t" anchorCtr="0">
+                      <a:spAutoFit/>
+                    </a:bodyPr>
+                    <a:p>
+                      <a:pPr algn="ctr">
+                        <a:defRPr/>
+                      </a:pPr>
+                      <a:endParaRPr lang="en-US" altLang="ko-KR" sz="2000" b="1">
+                        <a:solidFill>
+                          <a:srgbClr val="baff1a"/>
+                        </a:solidFill>
+                        <a:latin typeface="에스코어 드림 2 ExtraLight"/>
+                        <a:ea typeface="에스코어 드림 2 ExtraLight"/>
+                      </a:endParaRPr>
+                    </a:p>
+                  </a:txBody>
+                  <a:tcPr marL="91440" marR="91440">
+                    <a:lnL w="25400" cap="flat" cmpd="sng" algn="ctr">
+                      <a:solidFill>
+                        <a:schemeClr val="lt1"/>
+                      </a:solidFill>
+                      <a:prstDash val="solid"/>
+                      <a:round/>
+                    </a:lnL>
+                    <a:lnR w="25400" cap="flat" cmpd="sng" algn="ctr">
+                      <a:solidFill>
+                        <a:schemeClr val="lt1"/>
+                      </a:solidFill>
+                      <a:prstDash val="solid"/>
+                      <a:round/>
+                    </a:lnR>
+                    <a:lnT w="25400" cap="flat" cmpd="sng" algn="ctr">
+                      <a:solidFill>
+                        <a:schemeClr val="lt1"/>
+                      </a:solidFill>
+                      <a:prstDash val="solid"/>
+                      <a:round/>
+                    </a:lnT>
+                    <a:lnB w="25400" cap="flat" cmpd="sng" algn="ctr">
+                      <a:solidFill>
+                        <a:schemeClr val="lt1"/>
+                      </a:solidFill>
+                      <a:prstDash val="solid"/>
+                      <a:round/>
+                    </a:lnB>
+                    <a:noFill/>
+                  </a:tcPr>
+                </a:tc>
+              </a:tr>
+              <a:tr h="408260">
+                <a:tc>
+                  <a:txBody>
+                    <a:bodyPr vert="horz" wrap="square" lIns="91440" tIns="45720" rIns="91440" bIns="45720" anchor="t" anchorCtr="0">
+                      <a:spAutoFit/>
+                    </a:bodyPr>
+                    <a:p>
+                      <a:pPr algn="ctr">
+                        <a:defRPr/>
+                      </a:pPr>
+                      <a:endParaRPr lang="en-US" altLang="ko-KR" sz="2000" b="1">
+                        <a:solidFill>
+                          <a:srgbClr val="baff1a"/>
+                        </a:solidFill>
+                        <a:latin typeface="에스코어 드림 2 ExtraLight"/>
+                        <a:ea typeface="에스코어 드림 2 ExtraLight"/>
+                      </a:endParaRPr>
+                    </a:p>
+                  </a:txBody>
+                  <a:tcPr marL="91440" marR="91440">
+                    <a:lnL w="25400" cap="flat" cmpd="sng" algn="ctr">
+                      <a:solidFill>
+                        <a:schemeClr val="lt1"/>
+                      </a:solidFill>
+                      <a:prstDash val="solid"/>
+                      <a:round/>
+                    </a:lnL>
+                    <a:lnR w="25400" cap="flat" cmpd="sng" algn="ctr">
+                      <a:solidFill>
+                        <a:schemeClr val="lt1"/>
+                      </a:solidFill>
+                      <a:prstDash val="solid"/>
+                      <a:round/>
+                    </a:lnR>
+                    <a:lnT w="25400" cap="flat" cmpd="sng" algn="ctr">
+                      <a:solidFill>
+                        <a:schemeClr val="lt1"/>
+                      </a:solidFill>
+                      <a:prstDash val="solid"/>
+                      <a:round/>
+                    </a:lnT>
+                    <a:lnB w="25400" cap="flat" cmpd="sng" algn="ctr">
+                      <a:solidFill>
+                        <a:schemeClr val="lt1"/>
+                      </a:solidFill>
+                      <a:prstDash val="solid"/>
+                      <a:round/>
+                    </a:lnB>
+                    <a:noFill/>
+                  </a:tcPr>
+                </a:tc>
+                <a:tc>
+                  <a:txBody>
+                    <a:bodyPr vert="horz" wrap="square" lIns="91440" tIns="45720" rIns="91440" bIns="45720" anchor="t" anchorCtr="0">
+                      <a:spAutoFit/>
+                    </a:bodyPr>
+                    <a:p>
+                      <a:pPr algn="ctr">
+                        <a:defRPr/>
+                      </a:pPr>
+                      <a:endParaRPr lang="en-US" altLang="ko-KR" sz="2000" b="1">
+                        <a:solidFill>
+                          <a:srgbClr val="baff1a"/>
+                        </a:solidFill>
+                        <a:latin typeface="에스코어 드림 2 ExtraLight"/>
+                        <a:ea typeface="에스코어 드림 2 ExtraLight"/>
+                      </a:endParaRPr>
+                    </a:p>
+                  </a:txBody>
+                  <a:tcPr marL="91440" marR="91440">
+                    <a:lnL w="25400" cap="flat" cmpd="sng" algn="ctr">
+                      <a:solidFill>
+                        <a:schemeClr val="lt1"/>
+                      </a:solidFill>
+                      <a:prstDash val="solid"/>
+                      <a:round/>
+                    </a:lnL>
+                    <a:lnR w="25400" cap="flat" cmpd="sng" algn="ctr">
+                      <a:solidFill>
+                        <a:schemeClr val="lt1"/>
+                      </a:solidFill>
+                      <a:prstDash val="solid"/>
+                      <a:round/>
+                    </a:lnR>
+                    <a:lnT w="25400" cap="flat" cmpd="sng" algn="ctr">
+                      <a:solidFill>
+                        <a:schemeClr val="lt1"/>
+                      </a:solidFill>
+                      <a:prstDash val="solid"/>
+                      <a:round/>
+                    </a:lnT>
+                    <a:lnB w="25400" cap="flat" cmpd="sng" algn="ctr">
+                      <a:solidFill>
+                        <a:schemeClr val="lt1"/>
+                      </a:solidFill>
+                      <a:prstDash val="solid"/>
+                      <a:round/>
+                    </a:lnB>
+                    <a:noFill/>
+                  </a:tcPr>
+                </a:tc>
+                <a:tc>
+                  <a:txBody>
+                    <a:bodyPr vert="horz" wrap="square" lIns="91440" tIns="45720" rIns="91440" bIns="45720" anchor="t" anchorCtr="0">
+                      <a:spAutoFit/>
+                    </a:bodyPr>
+                    <a:p>
+                      <a:pPr algn="ctr">
+                        <a:defRPr/>
+                      </a:pPr>
+                      <a:endParaRPr lang="en-US" altLang="ko-KR" sz="2000" b="1">
+                        <a:solidFill>
+                          <a:srgbClr val="baff1a"/>
+                        </a:solidFill>
+                        <a:latin typeface="에스코어 드림 2 ExtraLight"/>
+                        <a:ea typeface="에스코어 드림 2 ExtraLight"/>
+                      </a:endParaRPr>
+                    </a:p>
+                  </a:txBody>
+                  <a:tcPr marL="91440" marR="91440">
+                    <a:lnL w="25400" cap="flat" cmpd="sng" algn="ctr">
+                      <a:solidFill>
+                        <a:schemeClr val="lt1"/>
+                      </a:solidFill>
+                      <a:prstDash val="solid"/>
+                      <a:round/>
+                    </a:lnL>
+                    <a:lnR w="25400" cap="flat" cmpd="sng" algn="ctr">
+                      <a:solidFill>
+                        <a:schemeClr val="lt1"/>
+                      </a:solidFill>
+                      <a:prstDash val="solid"/>
+                      <a:round/>
+                    </a:lnR>
+                    <a:lnT w="25400" cap="flat" cmpd="sng" algn="ctr">
+                      <a:solidFill>
+                        <a:schemeClr val="lt1"/>
+                      </a:solidFill>
+                      <a:prstDash val="solid"/>
+                      <a:round/>
+                    </a:lnT>
+                    <a:lnB w="25400" cap="flat" cmpd="sng" algn="ctr">
+                      <a:solidFill>
+                        <a:schemeClr val="lt1"/>
+                      </a:solidFill>
+                      <a:prstDash val="solid"/>
+                      <a:round/>
+                    </a:lnB>
+                    <a:noFill/>
+                  </a:tcPr>
+                </a:tc>
+                <a:tc>
+                  <a:txBody>
+                    <a:bodyPr vert="horz" wrap="square" lIns="91440" tIns="45720" rIns="91440" bIns="45720" anchor="t" anchorCtr="0">
+                      <a:spAutoFit/>
+                    </a:bodyPr>
+                    <a:p>
+                      <a:pPr algn="ctr">
+                        <a:defRPr/>
+                      </a:pPr>
+                      <a:endParaRPr lang="en-US" altLang="ko-KR" sz="2000" b="1">
+                        <a:solidFill>
+                          <a:srgbClr val="baff1a"/>
+                        </a:solidFill>
+                        <a:latin typeface="에스코어 드림 2 ExtraLight"/>
+                        <a:ea typeface="에스코어 드림 2 ExtraLight"/>
+                      </a:endParaRPr>
+                    </a:p>
+                  </a:txBody>
+                  <a:tcPr marL="91440" marR="91440">
+                    <a:lnL w="25400" cap="flat" cmpd="sng" algn="ctr">
+                      <a:solidFill>
+                        <a:schemeClr val="lt1"/>
+                      </a:solidFill>
+                      <a:prstDash val="solid"/>
+                      <a:round/>
+                    </a:lnL>
+                    <a:lnR w="25400" cap="flat" cmpd="sng" algn="ctr">
+                      <a:solidFill>
+                        <a:schemeClr val="lt1"/>
+                      </a:solidFill>
+                      <a:prstDash val="solid"/>
+                      <a:round/>
+                    </a:lnR>
+                    <a:lnT w="25400" cap="flat" cmpd="sng" algn="ctr">
+                      <a:solidFill>
+                        <a:schemeClr val="lt1"/>
+                      </a:solidFill>
+                      <a:prstDash val="solid"/>
+                      <a:round/>
+                    </a:lnT>
+                    <a:lnB w="25400" cap="flat" cmpd="sng" algn="ctr">
+                      <a:solidFill>
+                        <a:schemeClr val="lt1"/>
+                      </a:solidFill>
+                      <a:prstDash val="solid"/>
+                      <a:round/>
+                    </a:lnB>
+                    <a:noFill/>
+                  </a:tcPr>
+                </a:tc>
+                <a:tc>
+                  <a:txBody>
+                    <a:bodyPr vert="horz" wrap="square" lIns="91440" tIns="45720" rIns="91440" bIns="45720" anchor="t" anchorCtr="0">
+                      <a:spAutoFit/>
+                    </a:bodyPr>
+                    <a:p>
+                      <a:pPr algn="ctr">
+                        <a:defRPr/>
+                      </a:pPr>
+                      <a:r>
+                        <a:rPr lang="en-US" altLang="ko-KR" sz="2000" b="1">
+                          <a:solidFill>
+                            <a:srgbClr val="baff1a"/>
+                          </a:solidFill>
+                          <a:latin typeface="에스코어 드림 2 ExtraLight"/>
+                          <a:ea typeface="에스코어 드림 2 ExtraLight"/>
+                        </a:rPr>
+                        <a:t>0</a:t>
+                      </a:r>
+                      <a:endParaRPr lang="en-US" altLang="ko-KR" sz="2000" b="1">
+                        <a:solidFill>
+                          <a:srgbClr val="baff1a"/>
+                        </a:solidFill>
+                        <a:latin typeface="에스코어 드림 2 ExtraLight"/>
+                        <a:ea typeface="에스코어 드림 2 ExtraLight"/>
+                      </a:endParaRPr>
+                    </a:p>
+                  </a:txBody>
+                  <a:tcPr marL="91440" marR="91440">
+                    <a:lnL w="25400" cap="flat" cmpd="sng" algn="ctr">
+                      <a:solidFill>
+                        <a:schemeClr val="lt1"/>
+                      </a:solidFill>
+                      <a:prstDash val="solid"/>
+                      <a:round/>
+                    </a:lnL>
+                    <a:lnR w="25400" cap="flat" cmpd="sng" algn="ctr">
+                      <a:solidFill>
+                        <a:schemeClr val="lt1"/>
+                      </a:solidFill>
+                      <a:prstDash val="solid"/>
+                      <a:round/>
+                    </a:lnR>
+                    <a:lnT w="25400" cap="flat" cmpd="sng" algn="ctr">
+                      <a:solidFill>
+                        <a:schemeClr val="lt1"/>
+                      </a:solidFill>
+                      <a:prstDash val="solid"/>
+                      <a:round/>
+                    </a:lnT>
+                    <a:lnB w="25400" cap="flat" cmpd="sng" algn="ctr">
+                      <a:solidFill>
+                        <a:schemeClr val="lt1"/>
+                      </a:solidFill>
+                      <a:prstDash val="solid"/>
+                      <a:round/>
+                    </a:lnB>
+                    <a:noFill/>
+                  </a:tcPr>
+                </a:tc>
+                <a:tc>
+                  <a:txBody>
+                    <a:bodyPr vert="horz" wrap="square" lIns="91440" tIns="45720" rIns="91440" bIns="45720" anchor="t" anchorCtr="0">
+                      <a:spAutoFit/>
+                    </a:bodyPr>
+                    <a:p>
+                      <a:pPr algn="ctr">
+                        <a:defRPr/>
+                      </a:pPr>
+                      <a:r>
+                        <a:rPr lang="en-US" altLang="ko-KR" sz="2000" b="1">
+                          <a:solidFill>
+                            <a:srgbClr val="baff1a"/>
+                          </a:solidFill>
+                          <a:latin typeface="에스코어 드림 2 ExtraLight"/>
+                          <a:ea typeface="에스코어 드림 2 ExtraLight"/>
+                        </a:rPr>
+                        <a:t>2</a:t>
+                      </a:r>
+                      <a:endParaRPr lang="en-US" altLang="ko-KR" sz="2000" b="1">
+                        <a:solidFill>
+                          <a:srgbClr val="baff1a"/>
+                        </a:solidFill>
+                        <a:latin typeface="에스코어 드림 2 ExtraLight"/>
+                        <a:ea typeface="에스코어 드림 2 ExtraLight"/>
+                      </a:endParaRPr>
+                    </a:p>
+                  </a:txBody>
+                  <a:tcPr marL="91440" marR="91440">
+                    <a:lnL w="25400" cap="flat" cmpd="sng" algn="ctr">
+                      <a:solidFill>
+                        <a:schemeClr val="lt1"/>
+                      </a:solidFill>
+                      <a:prstDash val="solid"/>
+                      <a:round/>
+                    </a:lnL>
+                    <a:lnR w="25400" cap="flat" cmpd="sng" algn="ctr">
+                      <a:solidFill>
+                        <a:schemeClr val="lt1"/>
+                      </a:solidFill>
+                      <a:prstDash val="solid"/>
+                      <a:round/>
+                    </a:lnR>
+                    <a:lnT w="25400" cap="flat" cmpd="sng" algn="ctr">
+                      <a:solidFill>
+                        <a:schemeClr val="lt1"/>
+                      </a:solidFill>
+                      <a:prstDash val="solid"/>
+                      <a:round/>
+                    </a:lnT>
+                    <a:lnB w="25400" cap="flat" cmpd="sng" algn="ctr">
+                      <a:solidFill>
+                        <a:schemeClr val="lt1"/>
+                      </a:solidFill>
+                      <a:prstDash val="solid"/>
+                      <a:round/>
+                    </a:lnB>
+                    <a:noFill/>
+                  </a:tcPr>
+                </a:tc>
+                <a:tc>
+                  <a:txBody>
+                    <a:bodyPr vert="horz" wrap="square" lIns="91440" tIns="45720" rIns="91440" bIns="45720" anchor="t" anchorCtr="0">
+                      <a:spAutoFit/>
+                    </a:bodyPr>
+                    <a:p>
+                      <a:pPr algn="ctr">
+                        <a:defRPr/>
+                      </a:pPr>
+                      <a:r>
+                        <a:rPr lang="en-US" altLang="ko-KR" sz="2000" b="1">
+                          <a:solidFill>
+                            <a:srgbClr val="baff1a"/>
+                          </a:solidFill>
+                          <a:latin typeface="에스코어 드림 2 ExtraLight"/>
+                          <a:ea typeface="에스코어 드림 2 ExtraLight"/>
+                        </a:rPr>
+                        <a:t>1</a:t>
+                      </a:r>
+                      <a:endParaRPr lang="en-US" altLang="ko-KR" sz="2000" b="1">
+                        <a:solidFill>
+                          <a:srgbClr val="baff1a"/>
+                        </a:solidFill>
+                        <a:latin typeface="에스코어 드림 2 ExtraLight"/>
+                        <a:ea typeface="에스코어 드림 2 ExtraLight"/>
+                      </a:endParaRPr>
+                    </a:p>
+                  </a:txBody>
+                  <a:tcPr marL="91440" marR="91440">
+                    <a:lnL w="25400" cap="flat" cmpd="sng" algn="ctr">
+                      <a:solidFill>
+                        <a:schemeClr val="lt1"/>
+                      </a:solidFill>
+                      <a:prstDash val="solid"/>
+                      <a:round/>
+                    </a:lnL>
+                    <a:lnR w="25400" cap="flat" cmpd="sng" algn="ctr">
+                      <a:solidFill>
+                        <a:schemeClr val="lt1"/>
+                      </a:solidFill>
+                      <a:prstDash val="solid"/>
+                      <a:round/>
+                    </a:lnR>
+                    <a:lnT w="25400" cap="flat" cmpd="sng" algn="ctr">
+                      <a:solidFill>
+                        <a:schemeClr val="lt1"/>
+                      </a:solidFill>
+                      <a:prstDash val="solid"/>
+                      <a:round/>
+                    </a:lnT>
+                    <a:lnB w="25400" cap="flat" cmpd="sng" algn="ctr">
+                      <a:solidFill>
+                        <a:schemeClr val="lt1"/>
+                      </a:solidFill>
+                      <a:prstDash val="solid"/>
+                      <a:round/>
+                    </a:lnB>
+                    <a:noFill/>
+                  </a:tcPr>
+                </a:tc>
+                <a:tc>
+                  <a:txBody>
+                    <a:bodyPr vert="horz" wrap="square" lIns="91440" tIns="45720" rIns="91440" bIns="45720" anchor="t" anchorCtr="0">
+                      <a:spAutoFit/>
+                    </a:bodyPr>
+                    <a:p>
+                      <a:pPr algn="ctr">
+                        <a:defRPr/>
+                      </a:pPr>
+                      <a:r>
+                        <a:rPr lang="en-US" altLang="ko-KR" sz="2000" b="1">
+                          <a:solidFill>
+                            <a:srgbClr val="baff1a"/>
+                          </a:solidFill>
+                          <a:latin typeface="에스코어 드림 2 ExtraLight"/>
+                          <a:ea typeface="에스코어 드림 2 ExtraLight"/>
+                        </a:rPr>
+                        <a:t>0</a:t>
+                      </a:r>
+                      <a:endParaRPr lang="en-US" altLang="ko-KR" sz="2000" b="1">
+                        <a:solidFill>
+                          <a:srgbClr val="baff1a"/>
+                        </a:solidFill>
+                        <a:latin typeface="에스코어 드림 2 ExtraLight"/>
+                        <a:ea typeface="에스코어 드림 2 ExtraLight"/>
+                      </a:endParaRPr>
+                    </a:p>
+                  </a:txBody>
+                  <a:tcPr marL="91440" marR="91440">
+                    <a:lnL w="25400" cap="flat" cmpd="sng" algn="ctr">
+                      <a:solidFill>
+                        <a:schemeClr val="lt1"/>
+                      </a:solidFill>
+                      <a:prstDash val="solid"/>
+                      <a:round/>
+                    </a:lnL>
+                    <a:lnR w="25400" cap="flat" cmpd="sng" algn="ctr">
+                      <a:solidFill>
+                        <a:schemeClr val="lt1"/>
+                      </a:solidFill>
+                      <a:prstDash val="solid"/>
+                      <a:round/>
+                    </a:lnR>
+                    <a:lnT w="25400" cap="flat" cmpd="sng" algn="ctr">
+                      <a:solidFill>
+                        <a:schemeClr val="lt1"/>
+                      </a:solidFill>
+                      <a:prstDash val="solid"/>
+                      <a:round/>
+                    </a:lnT>
+                    <a:lnB w="25400" cap="flat" cmpd="sng" algn="ctr">
+                      <a:solidFill>
+                        <a:schemeClr val="lt1"/>
+                      </a:solidFill>
+                      <a:prstDash val="solid"/>
+                      <a:round/>
+                    </a:lnB>
+                    <a:noFill/>
+                  </a:tcPr>
+                </a:tc>
+                <a:tc>
+                  <a:txBody>
+                    <a:bodyPr vert="horz" wrap="square" lIns="91440" tIns="45720" rIns="91440" bIns="45720" anchor="t" anchorCtr="0">
+                      <a:spAutoFit/>
+                    </a:bodyPr>
+                    <a:p>
+                      <a:pPr algn="ctr">
+                        <a:defRPr/>
+                      </a:pPr>
+                      <a:endParaRPr lang="en-US" altLang="ko-KR" sz="2000" b="1">
+                        <a:solidFill>
+                          <a:srgbClr val="baff1a"/>
+                        </a:solidFill>
+                        <a:latin typeface="에스코어 드림 2 ExtraLight"/>
+                        <a:ea typeface="에스코어 드림 2 ExtraLight"/>
+                      </a:endParaRPr>
+                    </a:p>
+                  </a:txBody>
+                  <a:tcPr marL="91440" marR="91440">
+                    <a:lnL w="25400" cap="flat" cmpd="sng" algn="ctr">
+                      <a:solidFill>
+                        <a:schemeClr val="lt1"/>
+                      </a:solidFill>
+                      <a:prstDash val="solid"/>
+                      <a:round/>
+                    </a:lnL>
+                    <a:lnR w="25400" cap="flat" cmpd="sng" algn="ctr">
+                      <a:solidFill>
+                        <a:schemeClr val="lt1"/>
+                      </a:solidFill>
+                      <a:prstDash val="solid"/>
+                      <a:round/>
+                    </a:lnR>
+                    <a:lnT w="25400" cap="flat" cmpd="sng" algn="ctr">
+                      <a:solidFill>
+                        <a:schemeClr val="lt1"/>
+                      </a:solidFill>
+                      <a:prstDash val="solid"/>
+                      <a:round/>
+                    </a:lnT>
+                    <a:lnB w="25400" cap="flat" cmpd="sng" algn="ctr">
+                      <a:solidFill>
+                        <a:schemeClr val="lt1"/>
+                      </a:solidFill>
+                      <a:prstDash val="solid"/>
+                      <a:round/>
+                    </a:lnB>
+                    <a:noFill/>
+                  </a:tcPr>
+                </a:tc>
+                <a:tc>
+                  <a:txBody>
+                    <a:bodyPr vert="horz" wrap="square" lIns="91440" tIns="45720" rIns="91440" bIns="45720" anchor="t" anchorCtr="0">
+                      <a:spAutoFit/>
+                    </a:bodyPr>
+                    <a:p>
+                      <a:pPr algn="ctr">
+                        <a:defRPr/>
+                      </a:pPr>
+                      <a:endParaRPr lang="en-US" altLang="ko-KR" sz="2000" b="1">
+                        <a:solidFill>
+                          <a:srgbClr val="baff1a"/>
+                        </a:solidFill>
+                        <a:latin typeface="에스코어 드림 2 ExtraLight"/>
+                        <a:ea typeface="에스코어 드림 2 ExtraLight"/>
+                      </a:endParaRPr>
+                    </a:p>
+                  </a:txBody>
+                  <a:tcPr marL="91440" marR="91440">
+                    <a:lnL w="25400" cap="flat" cmpd="sng" algn="ctr">
+                      <a:solidFill>
+                        <a:schemeClr val="lt1"/>
+                      </a:solidFill>
+                      <a:prstDash val="solid"/>
+                      <a:round/>
+                    </a:lnL>
+                    <a:lnR w="25400" cap="flat" cmpd="sng" algn="ctr">
+                      <a:solidFill>
+                        <a:schemeClr val="lt1"/>
+                      </a:solidFill>
+                      <a:prstDash val="solid"/>
+                      <a:round/>
+                    </a:lnR>
+                    <a:lnT w="25400" cap="flat" cmpd="sng" algn="ctr">
+                      <a:solidFill>
+                        <a:schemeClr val="lt1"/>
+                      </a:solidFill>
+                      <a:prstDash val="solid"/>
+                      <a:round/>
+                    </a:lnT>
+                    <a:lnB w="25400" cap="flat" cmpd="sng" algn="ctr">
+                      <a:solidFill>
+                        <a:schemeClr val="lt1"/>
+                      </a:solidFill>
+                      <a:prstDash val="solid"/>
+                      <a:round/>
+                    </a:lnB>
+                    <a:noFill/>
+                  </a:tcPr>
+                </a:tc>
+              </a:tr>
+              <a:tr h="408258">
+                <a:tc>
+                  <a:txBody>
+                    <a:bodyPr vert="horz" wrap="square" lIns="91440" tIns="45720" rIns="91440" bIns="45720" anchor="t" anchorCtr="0">
+                      <a:spAutoFit/>
+                    </a:bodyPr>
+                    <a:p>
+                      <a:pPr algn="ctr">
+                        <a:defRPr/>
+                      </a:pPr>
+                      <a:endParaRPr lang="en-US" altLang="ko-KR" sz="2000" b="1">
+                        <a:solidFill>
+                          <a:srgbClr val="baff1a"/>
+                        </a:solidFill>
+                        <a:latin typeface="에스코어 드림 2 ExtraLight"/>
+                        <a:ea typeface="에스코어 드림 2 ExtraLight"/>
+                      </a:endParaRPr>
+                    </a:p>
+                  </a:txBody>
+                  <a:tcPr marL="91440" marR="91440">
+                    <a:lnL w="25400" cap="flat" cmpd="sng" algn="ctr">
+                      <a:solidFill>
+                        <a:schemeClr val="lt1"/>
+                      </a:solidFill>
+                      <a:prstDash val="solid"/>
+                      <a:round/>
+                    </a:lnL>
+                    <a:lnR w="25400" cap="flat" cmpd="sng" algn="ctr">
+                      <a:solidFill>
+                        <a:schemeClr val="lt1"/>
+                      </a:solidFill>
+                      <a:prstDash val="solid"/>
+                      <a:round/>
+                    </a:lnR>
+                    <a:lnT w="25400" cap="flat" cmpd="sng" algn="ctr">
+                      <a:solidFill>
+                        <a:schemeClr val="lt1"/>
+                      </a:solidFill>
+                      <a:prstDash val="solid"/>
+                      <a:round/>
+                    </a:lnT>
+                    <a:lnB w="25400" cap="flat" cmpd="sng" algn="ctr">
+                      <a:solidFill>
+                        <a:schemeClr val="lt1"/>
+                      </a:solidFill>
+                      <a:prstDash val="solid"/>
+                      <a:round/>
+                    </a:lnB>
+                    <a:noFill/>
+                  </a:tcPr>
+                </a:tc>
+                <a:tc>
+                  <a:txBody>
+                    <a:bodyPr vert="horz" wrap="square" lIns="91440" tIns="45720" rIns="91440" bIns="45720" anchor="t" anchorCtr="0">
+                      <a:spAutoFit/>
+                    </a:bodyPr>
+                    <a:p>
+                      <a:pPr algn="ctr">
+                        <a:defRPr/>
+                      </a:pPr>
+                      <a:endParaRPr lang="en-US" altLang="ko-KR" sz="2000" b="1">
+                        <a:solidFill>
+                          <a:srgbClr val="baff1a"/>
+                        </a:solidFill>
+                        <a:latin typeface="에스코어 드림 2 ExtraLight"/>
+                        <a:ea typeface="에스코어 드림 2 ExtraLight"/>
+                      </a:endParaRPr>
+                    </a:p>
+                  </a:txBody>
+                  <a:tcPr marL="91440" marR="91440">
+                    <a:lnL w="25400" cap="flat" cmpd="sng" algn="ctr">
+                      <a:solidFill>
+                        <a:schemeClr val="lt1"/>
+                      </a:solidFill>
+                      <a:prstDash val="solid"/>
+                      <a:round/>
+                    </a:lnL>
+                    <a:lnR w="25400" cap="flat" cmpd="sng" algn="ctr">
+                      <a:solidFill>
+                        <a:schemeClr val="lt1"/>
+                      </a:solidFill>
+                      <a:prstDash val="solid"/>
+                      <a:round/>
+                    </a:lnR>
+                    <a:lnT w="25400" cap="flat" cmpd="sng" algn="ctr">
+                      <a:solidFill>
+                        <a:schemeClr val="lt1"/>
+                      </a:solidFill>
+                      <a:prstDash val="solid"/>
+                      <a:round/>
+                    </a:lnT>
+                    <a:lnB w="25400" cap="flat" cmpd="sng" algn="ctr">
+                      <a:solidFill>
+                        <a:schemeClr val="lt1"/>
+                      </a:solidFill>
+                      <a:prstDash val="solid"/>
+                      <a:round/>
+                    </a:lnB>
+                    <a:noFill/>
+                  </a:tcPr>
+                </a:tc>
+                <a:tc>
+                  <a:txBody>
+                    <a:bodyPr vert="horz" wrap="square" lIns="91440" tIns="45720" rIns="91440" bIns="45720" anchor="t" anchorCtr="0">
+                      <a:spAutoFit/>
+                    </a:bodyPr>
+                    <a:p>
+                      <a:pPr algn="ctr">
+                        <a:defRPr/>
+                      </a:pPr>
+                      <a:endParaRPr lang="en-US" altLang="ko-KR" sz="2000" b="1">
+                        <a:solidFill>
+                          <a:srgbClr val="baff1a"/>
+                        </a:solidFill>
+                        <a:latin typeface="에스코어 드림 2 ExtraLight"/>
+                        <a:ea typeface="에스코어 드림 2 ExtraLight"/>
+                      </a:endParaRPr>
+                    </a:p>
+                  </a:txBody>
+                  <a:tcPr marL="91440" marR="91440">
+                    <a:lnL w="25400" cap="flat" cmpd="sng" algn="ctr">
+                      <a:solidFill>
+                        <a:schemeClr val="lt1"/>
+                      </a:solidFill>
+                      <a:prstDash val="solid"/>
+                      <a:round/>
+                    </a:lnL>
+                    <a:lnR w="25400" cap="flat" cmpd="sng" algn="ctr">
+                      <a:solidFill>
+                        <a:schemeClr val="lt1"/>
+                      </a:solidFill>
+                      <a:prstDash val="solid"/>
+                      <a:round/>
+                    </a:lnR>
+                    <a:lnT w="25400" cap="flat" cmpd="sng" algn="ctr">
+                      <a:solidFill>
+                        <a:schemeClr val="lt1"/>
+                      </a:solidFill>
+                      <a:prstDash val="solid"/>
+                      <a:round/>
+                    </a:lnT>
+                    <a:lnB w="25400" cap="flat" cmpd="sng" algn="ctr">
+                      <a:solidFill>
+                        <a:schemeClr val="lt1"/>
+                      </a:solidFill>
+                      <a:prstDash val="solid"/>
+                      <a:round/>
+                    </a:lnB>
+                    <a:noFill/>
+                  </a:tcPr>
+                </a:tc>
+                <a:tc>
+                  <a:txBody>
+                    <a:bodyPr vert="horz" wrap="square" lIns="91440" tIns="45720" rIns="91440" bIns="45720" anchor="t" anchorCtr="0">
+                      <a:spAutoFit/>
+                    </a:bodyPr>
+                    <a:p>
+                      <a:pPr algn="ctr">
+                        <a:defRPr/>
+                      </a:pPr>
+                      <a:endParaRPr lang="en-US" altLang="ko-KR" sz="2000" b="1">
+                        <a:solidFill>
+                          <a:srgbClr val="baff1a"/>
+                        </a:solidFill>
+                        <a:latin typeface="에스코어 드림 2 ExtraLight"/>
+                        <a:ea typeface="에스코어 드림 2 ExtraLight"/>
+                      </a:endParaRPr>
+                    </a:p>
+                  </a:txBody>
+                  <a:tcPr marL="91440" marR="91440">
+                    <a:lnL w="25400" cap="flat" cmpd="sng" algn="ctr">
+                      <a:solidFill>
+                        <a:schemeClr val="lt1"/>
+                      </a:solidFill>
+                      <a:prstDash val="solid"/>
+                      <a:round/>
+                    </a:lnL>
+                    <a:lnR w="25400" cap="flat" cmpd="sng" algn="ctr">
+                      <a:solidFill>
+                        <a:schemeClr val="lt1"/>
+                      </a:solidFill>
+                      <a:prstDash val="solid"/>
+                      <a:round/>
+                    </a:lnR>
+                    <a:lnT w="25400" cap="flat" cmpd="sng" algn="ctr">
+                      <a:solidFill>
+                        <a:schemeClr val="lt1"/>
+                      </a:solidFill>
+                      <a:prstDash val="solid"/>
+                      <a:round/>
+                    </a:lnT>
+                    <a:lnB w="25400" cap="flat" cmpd="sng" algn="ctr">
+                      <a:solidFill>
+                        <a:schemeClr val="lt1"/>
+                      </a:solidFill>
+                      <a:prstDash val="solid"/>
+                      <a:round/>
+                    </a:lnB>
+                    <a:noFill/>
+                  </a:tcPr>
+                </a:tc>
+                <a:tc>
+                  <a:txBody>
+                    <a:bodyPr vert="horz" wrap="square" lIns="91440" tIns="45720" rIns="91440" bIns="45720" anchor="t" anchorCtr="0">
+                      <a:spAutoFit/>
+                    </a:bodyPr>
+                    <a:p>
+                      <a:pPr algn="ctr">
+                        <a:defRPr/>
+                      </a:pPr>
+                      <a:endParaRPr lang="en-US" altLang="ko-KR" sz="2000" b="1">
+                        <a:solidFill>
+                          <a:srgbClr val="baff1a"/>
+                        </a:solidFill>
+                        <a:latin typeface="에스코어 드림 2 ExtraLight"/>
+                        <a:ea typeface="에스코어 드림 2 ExtraLight"/>
+                      </a:endParaRPr>
+                    </a:p>
+                  </a:txBody>
+                  <a:tcPr marL="91440" marR="91440">
+                    <a:lnL w="25400" cap="flat" cmpd="sng" algn="ctr">
+                      <a:solidFill>
+                        <a:schemeClr val="lt1"/>
+                      </a:solidFill>
+                      <a:prstDash val="solid"/>
+                      <a:round/>
+                    </a:lnL>
+                    <a:lnR w="25400" cap="flat" cmpd="sng" algn="ctr">
+                      <a:solidFill>
+                        <a:schemeClr val="lt1"/>
+                      </a:solidFill>
+                      <a:prstDash val="solid"/>
+                      <a:round/>
+                    </a:lnR>
+                    <a:lnT w="25400" cap="flat" cmpd="sng" algn="ctr">
+                      <a:solidFill>
+                        <a:schemeClr val="lt1"/>
+                      </a:solidFill>
+                      <a:prstDash val="solid"/>
+                      <a:round/>
+                    </a:lnT>
+                    <a:lnB w="25400" cap="flat" cmpd="sng" algn="ctr">
+                      <a:solidFill>
+                        <a:schemeClr val="lt1"/>
+                      </a:solidFill>
+                      <a:prstDash val="solid"/>
+                      <a:round/>
+                    </a:lnB>
+                    <a:noFill/>
+                  </a:tcPr>
+                </a:tc>
+                <a:tc>
+                  <a:txBody>
+                    <a:bodyPr vert="horz" wrap="square" lIns="91440" tIns="45720" rIns="91440" bIns="45720" anchor="t" anchorCtr="0">
+                      <a:spAutoFit/>
+                    </a:bodyPr>
+                    <a:p>
+                      <a:pPr algn="ctr">
+                        <a:defRPr/>
+                      </a:pPr>
+                      <a:endParaRPr lang="en-US" altLang="ko-KR" sz="2000" b="1">
+                        <a:solidFill>
+                          <a:srgbClr val="baff1a"/>
+                        </a:solidFill>
+                        <a:latin typeface="에스코어 드림 2 ExtraLight"/>
+                        <a:ea typeface="에스코어 드림 2 ExtraLight"/>
+                      </a:endParaRPr>
+                    </a:p>
+                  </a:txBody>
+                  <a:tcPr marL="91440" marR="91440">
+                    <a:lnL w="25400" cap="flat" cmpd="sng" algn="ctr">
+                      <a:solidFill>
+                        <a:schemeClr val="lt1"/>
+                      </a:solidFill>
+                      <a:prstDash val="solid"/>
+                      <a:round/>
+                    </a:lnL>
+                    <a:lnR w="25400" cap="flat" cmpd="sng" algn="ctr">
+                      <a:solidFill>
+                        <a:schemeClr val="lt1"/>
+                      </a:solidFill>
+                      <a:prstDash val="solid"/>
+                      <a:round/>
+                    </a:lnR>
+                    <a:lnT w="25400" cap="flat" cmpd="sng" algn="ctr">
+                      <a:solidFill>
+                        <a:schemeClr val="lt1"/>
+                      </a:solidFill>
+                      <a:prstDash val="solid"/>
+                      <a:round/>
+                    </a:lnT>
+                    <a:lnB w="25400" cap="flat" cmpd="sng" algn="ctr">
+                      <a:solidFill>
+                        <a:schemeClr val="lt1"/>
+                      </a:solidFill>
+                      <a:prstDash val="solid"/>
+                      <a:round/>
+                    </a:lnB>
+                    <a:noFill/>
+                  </a:tcPr>
+                </a:tc>
+                <a:tc>
+                  <a:txBody>
+                    <a:bodyPr vert="horz" wrap="square" lIns="91440" tIns="45720" rIns="91440" bIns="45720" anchor="t" anchorCtr="0">
+                      <a:spAutoFit/>
+                    </a:bodyPr>
+                    <a:p>
+                      <a:pPr algn="ctr">
+                        <a:defRPr/>
+                      </a:pPr>
+                      <a:endParaRPr lang="en-US" altLang="ko-KR" sz="2000" b="1">
+                        <a:solidFill>
+                          <a:srgbClr val="baff1a"/>
+                        </a:solidFill>
+                        <a:latin typeface="에스코어 드림 2 ExtraLight"/>
+                        <a:ea typeface="에스코어 드림 2 ExtraLight"/>
+                      </a:endParaRPr>
+                    </a:p>
+                  </a:txBody>
+                  <a:tcPr marL="91440" marR="91440">
+                    <a:lnL w="25400" cap="flat" cmpd="sng" algn="ctr">
+                      <a:solidFill>
+                        <a:schemeClr val="lt1"/>
+                      </a:solidFill>
+                      <a:prstDash val="solid"/>
+                      <a:round/>
+                    </a:lnL>
+                    <a:lnR w="25400" cap="flat" cmpd="sng" algn="ctr">
+                      <a:solidFill>
+                        <a:schemeClr val="lt1"/>
+                      </a:solidFill>
+                      <a:prstDash val="solid"/>
+                      <a:round/>
+                    </a:lnR>
+                    <a:lnT w="25400" cap="flat" cmpd="sng" algn="ctr">
+                      <a:solidFill>
+                        <a:schemeClr val="lt1"/>
+                      </a:solidFill>
+                      <a:prstDash val="solid"/>
+                      <a:round/>
+                    </a:lnT>
+                    <a:lnB w="25400" cap="flat" cmpd="sng" algn="ctr">
+                      <a:solidFill>
+                        <a:schemeClr val="lt1"/>
+                      </a:solidFill>
+                      <a:prstDash val="solid"/>
+                      <a:round/>
+                    </a:lnB>
+                    <a:noFill/>
+                  </a:tcPr>
+                </a:tc>
+                <a:tc>
+                  <a:txBody>
+                    <a:bodyPr vert="horz" wrap="square" lIns="91440" tIns="45720" rIns="91440" bIns="45720" anchor="t" anchorCtr="0">
+                      <a:spAutoFit/>
+                    </a:bodyPr>
+                    <a:p>
+                      <a:pPr algn="ctr">
+                        <a:defRPr/>
+                      </a:pPr>
+                      <a:endParaRPr lang="en-US" altLang="ko-KR" sz="2000" b="1">
+                        <a:solidFill>
+                          <a:srgbClr val="baff1a"/>
+                        </a:solidFill>
+                        <a:latin typeface="에스코어 드림 2 ExtraLight"/>
+                        <a:ea typeface="에스코어 드림 2 ExtraLight"/>
+                      </a:endParaRPr>
+                    </a:p>
+                  </a:txBody>
+                  <a:tcPr marL="91440" marR="91440">
+                    <a:lnL w="25400" cap="flat" cmpd="sng" algn="ctr">
+                      <a:solidFill>
+                        <a:schemeClr val="lt1"/>
+                      </a:solidFill>
+                      <a:prstDash val="solid"/>
+                      <a:round/>
+                    </a:lnL>
+                    <a:lnR w="25400" cap="flat" cmpd="sng" algn="ctr">
+                      <a:solidFill>
+                        <a:schemeClr val="lt1"/>
+                      </a:solidFill>
+                      <a:prstDash val="solid"/>
+                      <a:round/>
+                    </a:lnR>
+                    <a:lnT w="25400" cap="flat" cmpd="sng" algn="ctr">
+                      <a:solidFill>
+                        <a:schemeClr val="lt1"/>
+                      </a:solidFill>
+                      <a:prstDash val="solid"/>
+                      <a:round/>
+                    </a:lnT>
+                    <a:lnB w="25400" cap="flat" cmpd="sng" algn="ctr">
+                      <a:solidFill>
+                        <a:schemeClr val="lt1"/>
+                      </a:solidFill>
+                      <a:prstDash val="solid"/>
+                      <a:round/>
+                    </a:lnB>
+                    <a:noFill/>
+                  </a:tcPr>
+                </a:tc>
+                <a:tc>
+                  <a:txBody>
+                    <a:bodyPr vert="horz" wrap="square" lIns="91440" tIns="45720" rIns="91440" bIns="45720" anchor="t" anchorCtr="0">
+                      <a:spAutoFit/>
+                    </a:bodyPr>
+                    <a:p>
+                      <a:pPr algn="ctr">
+                        <a:defRPr/>
+                      </a:pPr>
+                      <a:endParaRPr lang="en-US" altLang="ko-KR" sz="2000" b="1">
+                        <a:solidFill>
+                          <a:srgbClr val="baff1a"/>
+                        </a:solidFill>
+                        <a:latin typeface="에스코어 드림 2 ExtraLight"/>
+                        <a:ea typeface="에스코어 드림 2 ExtraLight"/>
+                      </a:endParaRPr>
+                    </a:p>
+                  </a:txBody>
+                  <a:tcPr marL="91440" marR="91440">
+                    <a:lnL w="25400" cap="flat" cmpd="sng" algn="ctr">
+                      <a:solidFill>
+                        <a:schemeClr val="lt1"/>
+                      </a:solidFill>
+                      <a:prstDash val="solid"/>
+                      <a:round/>
+                    </a:lnL>
+                    <a:lnR w="25400" cap="flat" cmpd="sng" algn="ctr">
+                      <a:solidFill>
+                        <a:schemeClr val="lt1"/>
+                      </a:solidFill>
+                      <a:prstDash val="solid"/>
+                      <a:round/>
+                    </a:lnR>
+                    <a:lnT w="25400" cap="flat" cmpd="sng" algn="ctr">
+                      <a:solidFill>
+                        <a:schemeClr val="lt1"/>
+                      </a:solidFill>
+                      <a:prstDash val="solid"/>
+                      <a:round/>
+                    </a:lnT>
+                    <a:lnB w="25400" cap="flat" cmpd="sng" algn="ctr">
+                      <a:solidFill>
+                        <a:schemeClr val="lt1"/>
+                      </a:solidFill>
+                      <a:prstDash val="solid"/>
+                      <a:round/>
+                    </a:lnB>
+                    <a:noFill/>
+                  </a:tcPr>
+                </a:tc>
+                <a:tc>
+                  <a:txBody>
+                    <a:bodyPr vert="horz" wrap="square" lIns="91440" tIns="45720" rIns="91440" bIns="45720" anchor="t" anchorCtr="0">
+                      <a:spAutoFit/>
+                    </a:bodyPr>
+                    <a:p>
+                      <a:pPr algn="ctr">
+                        <a:defRPr/>
+                      </a:pPr>
+                      <a:endParaRPr lang="en-US" altLang="ko-KR" sz="2000" b="1">
+                        <a:solidFill>
+                          <a:srgbClr val="baff1a"/>
+                        </a:solidFill>
+                        <a:latin typeface="에스코어 드림 2 ExtraLight"/>
+                        <a:ea typeface="에스코어 드림 2 ExtraLight"/>
+                      </a:endParaRPr>
+                    </a:p>
+                  </a:txBody>
+                  <a:tcPr marL="91440" marR="91440">
+                    <a:lnL w="25400" cap="flat" cmpd="sng" algn="ctr">
+                      <a:solidFill>
+                        <a:schemeClr val="lt1"/>
+                      </a:solidFill>
+                      <a:prstDash val="solid"/>
+                      <a:round/>
+                    </a:lnL>
+                    <a:lnR w="25400" cap="flat" cmpd="sng" algn="ctr">
+                      <a:solidFill>
+                        <a:schemeClr val="lt1"/>
+                      </a:solidFill>
+                      <a:prstDash val="solid"/>
+                      <a:round/>
+                    </a:lnR>
+                    <a:lnT w="25400" cap="flat" cmpd="sng" algn="ctr">
+                      <a:solidFill>
+                        <a:schemeClr val="lt1"/>
+                      </a:solidFill>
+                      <a:prstDash val="solid"/>
+                      <a:round/>
+                    </a:lnT>
+                    <a:lnB w="25400" cap="flat" cmpd="sng" algn="ctr">
+                      <a:solidFill>
+                        <a:schemeClr val="lt1"/>
+                      </a:solidFill>
+                      <a:prstDash val="solid"/>
+                      <a:round/>
+                    </a:lnB>
+                    <a:noFill/>
+                  </a:tcPr>
+                </a:tc>
+              </a:tr>
+            </a:tbl>
+          </a:graphicData>
+        </a:graphic>
+      </p:graphicFrame>
+      <p:sp>
+        <p:nvSpPr>
+          <p:cNvPr id="1013" name="Object 5"/>
+          <p:cNvSpPr txBox="1"/>
+          <p:nvPr/>
+        </p:nvSpPr>
+        <p:spPr>
+          <a:xfrm>
+            <a:off x="4572000" y="1333500"/>
+            <a:ext cx="10494552" cy="1091930"/>
+          </a:xfrm>
+          <a:prstGeom prst="rect">
+            <a:avLst/>
+          </a:prstGeom>
+          <a:noFill/>
+          <a:ln>
+            <a:noFill/>
+          </a:ln>
+        </p:spPr>
+        <p:txBody>
+          <a:bodyPr wrap="square"/>
+          <a:lstStyle/>
+          <a:p>
+            <a:pPr algn="just">
+              <a:defRPr/>
+            </a:pPr>
+            <a:r>
+              <a:rPr xmlns:mc="http://schemas.openxmlformats.org/markup-compatibility/2006" xmlns:hp="http://schemas.haansoft.com/office/presentation/8.0" lang="en-US" altLang="ko-KR" sz="6000" b="1" kern="0" spc="-400" mc:Ignorable="hp" hp:hslEmbossed="0">
+                <a:solidFill>
+                  <a:srgbClr val="000000"/>
+                </a:solidFill>
+                <a:effectLst>
+                  <a:glow rad="63500">
+                    <a:srgbClr val="78e3a6">
+                      <a:alpha val="50000"/>
+                    </a:srgbClr>
+                  </a:glow>
+                  <a:outerShdw blurRad="76200" dist="204107" dir="2700000" algn="ctr" rotWithShape="0">
+                    <a:srgbClr val="000000">
+                      <a:alpha val="50000"/>
+                    </a:srgbClr>
+                  </a:outerShdw>
+                </a:effectLst>
+                <a:latin typeface="에스코어 드림 6 Bold"/>
+                <a:cs typeface="에스코어 드림 6 Bold"/>
+              </a:rPr>
+              <a:t>NFT</a:t>
+            </a:r>
+            <a:r>
+              <a:rPr xmlns:mc="http://schemas.openxmlformats.org/markup-compatibility/2006" xmlns:hp="http://schemas.haansoft.com/office/presentation/8.0" lang="ko-KR" altLang="en-US" sz="6000" b="1" kern="0" spc="-400" mc:Ignorable="hp" hp:hslEmbossed="0">
+                <a:solidFill>
+                  <a:srgbClr val="000000"/>
+                </a:solidFill>
+                <a:effectLst>
+                  <a:glow rad="63500">
+                    <a:srgbClr val="78e3a6">
+                      <a:alpha val="50000"/>
+                    </a:srgbClr>
+                  </a:glow>
+                  <a:outerShdw blurRad="76200" dist="204107" dir="2700000" algn="ctr" rotWithShape="0">
+                    <a:srgbClr val="000000">
+                      <a:alpha val="50000"/>
+                    </a:srgbClr>
+                  </a:outerShdw>
+                </a:effectLst>
+                <a:latin typeface="에스코어 드림 6 Bold"/>
+                <a:cs typeface="에스코어 드림 6 Bold"/>
+              </a:rPr>
+              <a:t> </a:t>
+            </a:r>
+            <a:r>
+              <a:rPr xmlns:mc="http://schemas.openxmlformats.org/markup-compatibility/2006" xmlns:hp="http://schemas.haansoft.com/office/presentation/8.0" lang="en-US" altLang="ko-KR" sz="3600" b="1" kern="0" spc="-400" mc:Ignorable="hp" hp:hslEmbossed="0">
+                <a:solidFill>
+                  <a:srgbClr val="000000"/>
+                </a:solidFill>
+                <a:effectLst>
+                  <a:glow rad="63500">
+                    <a:srgbClr val="78e3a6">
+                      <a:alpha val="50000"/>
+                    </a:srgbClr>
+                  </a:glow>
+                  <a:outerShdw blurRad="76200" dist="204107" dir="2700000" algn="ctr" rotWithShape="0">
+                    <a:srgbClr val="000000">
+                      <a:alpha val="50000"/>
+                    </a:srgbClr>
+                  </a:outerShdw>
+                </a:effectLst>
+                <a:latin typeface="에스코어 드림 6 Bold"/>
+                <a:cs typeface="에스코어 드림 6 Bold"/>
+              </a:rPr>
+              <a:t>(Non-fungible token, </a:t>
+            </a:r>
+            <a:r>
+              <a:rPr xmlns:mc="http://schemas.openxmlformats.org/markup-compatibility/2006" xmlns:hp="http://schemas.haansoft.com/office/presentation/8.0" lang="ko-KR" altLang="en-US" sz="3600" b="1" kern="0" spc="-400" mc:Ignorable="hp" hp:hslEmbossed="0">
+                <a:solidFill>
+                  <a:srgbClr val="000000"/>
+                </a:solidFill>
+                <a:effectLst>
+                  <a:glow rad="63500">
+                    <a:srgbClr val="78e3a6">
+                      <a:alpha val="50000"/>
+                    </a:srgbClr>
+                  </a:glow>
+                  <a:outerShdw blurRad="76200" dist="204107" dir="2700000" algn="ctr" rotWithShape="0">
+                    <a:srgbClr val="000000">
+                      <a:alpha val="50000"/>
+                    </a:srgbClr>
+                  </a:outerShdw>
+                </a:effectLst>
+                <a:latin typeface="에스코어 드림 6 Bold"/>
+                <a:cs typeface="에스코어 드림 6 Bold"/>
+              </a:rPr>
+              <a:t>대체불가능토근</a:t>
+            </a:r>
+            <a:r>
+              <a:rPr xmlns:mc="http://schemas.openxmlformats.org/markup-compatibility/2006" xmlns:hp="http://schemas.haansoft.com/office/presentation/8.0" lang="en-US" altLang="ko-KR" sz="3600" b="1" kern="0" spc="-400" mc:Ignorable="hp" hp:hslEmbossed="0">
+                <a:solidFill>
+                  <a:srgbClr val="000000"/>
+                </a:solidFill>
+                <a:effectLst>
+                  <a:glow rad="63500">
+                    <a:srgbClr val="78e3a6">
+                      <a:alpha val="50000"/>
+                    </a:srgbClr>
+                  </a:glow>
+                  <a:outerShdw blurRad="76200" dist="204107" dir="2700000" algn="ctr" rotWithShape="0">
+                    <a:srgbClr val="000000">
+                      <a:alpha val="50000"/>
+                    </a:srgbClr>
+                  </a:outerShdw>
+                </a:effectLst>
+                <a:latin typeface="에스코어 드림 6 Bold"/>
+                <a:cs typeface="에스코어 드림 6 Bold"/>
+              </a:rPr>
+              <a:t>)</a:t>
+            </a:r>
+            <a:endParaRPr xmlns:mc="http://schemas.openxmlformats.org/markup-compatibility/2006" xmlns:hp="http://schemas.haansoft.com/office/presentation/8.0" lang="en-US" altLang="ko-KR" sz="3600" b="1" kern="0" spc="-400" mc:Ignorable="hp" hp:hslEmbossed="0">
+              <a:solidFill>
+                <a:srgbClr val="000000"/>
+              </a:solidFill>
+              <a:effectLst>
+                <a:glow rad="63500">
+                  <a:srgbClr val="78e3a6">
+                    <a:alpha val="50000"/>
+                  </a:srgbClr>
+                </a:glow>
+                <a:outerShdw blurRad="76200" dist="204107" dir="2700000" algn="ctr" rotWithShape="0">
+                  <a:srgbClr val="000000">
+                    <a:alpha val="50000"/>
+                  </a:srgbClr>
+                </a:outerShdw>
+              </a:effectLst>
+              <a:latin typeface="에스코어 드림 6 Bold"/>
+              <a:cs typeface="에스코어 드림 6 Bold"/>
+            </a:endParaRPr>
+          </a:p>
+        </p:txBody>
+      </p:sp>
+      <p:sp>
+        <p:nvSpPr>
+          <p:cNvPr id="1014" name="Object 5"/>
+          <p:cNvSpPr txBox="1"/>
+          <p:nvPr/>
+        </p:nvSpPr>
+        <p:spPr>
+          <a:xfrm>
+            <a:off x="630648" y="2603769"/>
+            <a:ext cx="6989352" cy="1091930"/>
+          </a:xfrm>
+          <a:prstGeom prst="rect">
+            <a:avLst/>
+          </a:prstGeom>
+          <a:noFill/>
+          <a:ln>
+            <a:noFill/>
+          </a:ln>
+        </p:spPr>
+        <p:txBody>
+          <a:bodyPr wrap="square"/>
+          <a:lstStyle/>
+          <a:p>
+            <a:pPr algn="just">
+              <a:defRPr/>
+            </a:pPr>
+            <a:r>
+              <a:rPr xmlns:mc="http://schemas.openxmlformats.org/markup-compatibility/2006" xmlns:hp="http://schemas.haansoft.com/office/presentation/8.0" lang="ko-KR" altLang="en-US" sz="6000" b="1" kern="0" spc="-400" mc:Ignorable="hp" hp:hslEmbossed="0">
+                <a:solidFill>
+                  <a:srgbClr val="000000"/>
+                </a:solidFill>
+                <a:effectLst>
+                  <a:glow rad="63500">
+                    <a:srgbClr val="f920dc">
+                      <a:alpha val="50000"/>
+                    </a:srgbClr>
+                  </a:glow>
+                  <a:outerShdw blurRad="76200" dist="204107" dir="2700000" algn="ctr" rotWithShape="0">
+                    <a:srgbClr val="000000">
+                      <a:alpha val="50000"/>
+                    </a:srgbClr>
+                  </a:outerShdw>
+                </a:effectLst>
+                <a:latin typeface="에스코어 드림 6 Bold"/>
+                <a:cs typeface="에스코어 드림 6 Bold"/>
+              </a:rPr>
+              <a:t>블록체인</a:t>
+            </a:r>
+            <a:r>
+              <a:rPr xmlns:mc="http://schemas.openxmlformats.org/markup-compatibility/2006" xmlns:hp="http://schemas.haansoft.com/office/presentation/8.0" lang="ko-KR" altLang="en-US" sz="6600" b="1" kern="0" spc="-400" mc:Ignorable="hp" hp:hslEmbossed="0">
+                <a:solidFill>
+                  <a:srgbClr val="000000"/>
+                </a:solidFill>
+                <a:effectLst>
+                  <a:glow rad="63500">
+                    <a:srgbClr val="f920dc">
+                      <a:alpha val="50000"/>
+                    </a:srgbClr>
+                  </a:glow>
+                  <a:outerShdw blurRad="76200" dist="204107" dir="2700000" algn="ctr" rotWithShape="0">
+                    <a:srgbClr val="000000">
+                      <a:alpha val="50000"/>
+                    </a:srgbClr>
+                  </a:outerShdw>
+                </a:effectLst>
+                <a:latin typeface="에스코어 드림 6 Bold"/>
+                <a:cs typeface="에스코어 드림 6 Bold"/>
+              </a:rPr>
+              <a:t> </a:t>
+            </a:r>
+            <a:r>
+              <a:rPr xmlns:mc="http://schemas.openxmlformats.org/markup-compatibility/2006" xmlns:hp="http://schemas.haansoft.com/office/presentation/8.0" lang="en-US" altLang="ko-KR" sz="4800" b="1" kern="0" spc="-400" mc:Ignorable="hp" hp:hslEmbossed="0">
+                <a:solidFill>
+                  <a:srgbClr val="000000"/>
+                </a:solidFill>
+                <a:effectLst>
+                  <a:glow rad="63500">
+                    <a:srgbClr val="f920dc">
+                      <a:alpha val="50000"/>
+                    </a:srgbClr>
+                  </a:glow>
+                  <a:outerShdw blurRad="76200" dist="204107" dir="2700000" algn="ctr" rotWithShape="0">
+                    <a:srgbClr val="000000">
+                      <a:alpha val="50000"/>
+                    </a:srgbClr>
+                  </a:outerShdw>
+                </a:effectLst>
+                <a:latin typeface="에스코어 드림 6 Bold"/>
+                <a:cs typeface="에스코어 드림 6 Bold"/>
+              </a:rPr>
+              <a:t>(Block Chain)</a:t>
+            </a:r>
+            <a:endParaRPr xmlns:mc="http://schemas.openxmlformats.org/markup-compatibility/2006" xmlns:hp="http://schemas.haansoft.com/office/presentation/8.0" lang="en-US" altLang="ko-KR" sz="4800" b="1" kern="0" spc="-400" mc:Ignorable="hp" hp:hslEmbossed="0">
+              <a:solidFill>
+                <a:srgbClr val="000000"/>
+              </a:solidFill>
+              <a:effectLst>
+                <a:glow rad="63500">
+                  <a:srgbClr val="f920dc">
+                    <a:alpha val="50000"/>
+                  </a:srgbClr>
+                </a:glow>
+                <a:outerShdw blurRad="76200" dist="204107" dir="2700000" algn="ctr" rotWithShape="0">
+                  <a:srgbClr val="000000">
+                    <a:alpha val="50000"/>
+                  </a:srgbClr>
+                </a:outerShdw>
+              </a:effectLst>
+              <a:latin typeface="에스코어 드림 6 Bold"/>
+              <a:cs typeface="에스코어 드림 6 Bold"/>
+            </a:endParaRPr>
+          </a:p>
+        </p:txBody>
+      </p:sp>
+      <p:sp>
+        <p:nvSpPr>
+          <p:cNvPr id="1015" name=""/>
+          <p:cNvSpPr>
+            <a:spLocks noEditPoints="1"/>
+          </p:cNvSpPr>
+          <p:nvPr/>
+        </p:nvSpPr>
+        <p:spPr>
+          <a:xfrm>
+            <a:off x="228600" y="342900"/>
+            <a:ext cx="609600" cy="609599"/>
+          </a:xfrm>
+          <a:custGeom>
+            <a:avLst/>
+            <a:gdLst>
+              <a:gd name="T0" fmla="*/ 1013 w 2028"/>
+              <a:gd name="T1" fmla="*/ 960 h 2013"/>
+              <a:gd name="T2" fmla="*/ 533 w 2028"/>
+              <a:gd name="T3" fmla="*/ 480 h 2013"/>
+              <a:gd name="T4" fmla="*/ 1013 w 2028"/>
+              <a:gd name="T5" fmla="*/ 0 h 2013"/>
+              <a:gd name="T6" fmla="*/ 1493 w 2028"/>
+              <a:gd name="T7" fmla="*/ 480 h 2013"/>
+              <a:gd name="T8" fmla="*/ 1013 w 2028"/>
+              <a:gd name="T9" fmla="*/ 960 h 2013"/>
+              <a:gd name="T10" fmla="*/ 1013 w 2028"/>
+              <a:gd name="T11" fmla="*/ 133 h 2013"/>
+              <a:gd name="T12" fmla="*/ 666 w 2028"/>
+              <a:gd name="T13" fmla="*/ 480 h 2013"/>
+              <a:gd name="T14" fmla="*/ 1013 w 2028"/>
+              <a:gd name="T15" fmla="*/ 827 h 2013"/>
+              <a:gd name="T16" fmla="*/ 1360 w 2028"/>
+              <a:gd name="T17" fmla="*/ 480 h 2013"/>
+              <a:gd name="T18" fmla="*/ 1013 w 2028"/>
+              <a:gd name="T19" fmla="*/ 133 h 2013"/>
+              <a:gd name="T20" fmla="*/ 2028 w 2028"/>
+              <a:gd name="T21" fmla="*/ 2013 h 2013"/>
+              <a:gd name="T22" fmla="*/ 0 w 2028"/>
+              <a:gd name="T23" fmla="*/ 2013 h 2013"/>
+              <a:gd name="T24" fmla="*/ 16 w 2028"/>
+              <a:gd name="T25" fmla="*/ 1933 h 2013"/>
+              <a:gd name="T26" fmla="*/ 110 w 2028"/>
+              <a:gd name="T27" fmla="*/ 1460 h 2013"/>
+              <a:gd name="T28" fmla="*/ 1014 w 2028"/>
+              <a:gd name="T29" fmla="*/ 1089 h 2013"/>
+              <a:gd name="T30" fmla="*/ 1918 w 2028"/>
+              <a:gd name="T31" fmla="*/ 1459 h 2013"/>
+              <a:gd name="T32" fmla="*/ 2013 w 2028"/>
+              <a:gd name="T33" fmla="*/ 1932 h 2013"/>
+              <a:gd name="T34" fmla="*/ 2028 w 2028"/>
+              <a:gd name="T35" fmla="*/ 2013 h 2013"/>
+              <a:gd name="T36" fmla="*/ 161 w 2028"/>
+              <a:gd name="T37" fmla="*/ 1880 h 2013"/>
+              <a:gd name="T38" fmla="*/ 1865 w 2028"/>
+              <a:gd name="T39" fmla="*/ 1880 h 2013"/>
+              <a:gd name="T40" fmla="*/ 1786 w 2028"/>
+              <a:gd name="T41" fmla="*/ 1488 h 2013"/>
+              <a:gd name="T42" fmla="*/ 1013 w 2028"/>
+              <a:gd name="T43" fmla="*/ 1223 h 2013"/>
+              <a:gd name="T44" fmla="*/ 240 w 2028"/>
+              <a:gd name="T45" fmla="*/ 1488 h 2013"/>
+              <a:gd name="T46" fmla="*/ 161 w 2028"/>
+              <a:gd name="T47" fmla="*/ 1880 h 2013"/>
+            </a:gdLst>
+            <a:cxnLst>
+              <a:cxn ang="0">
+                <a:pos x="T0" y="T1"/>
+              </a:cxn>
+              <a:cxn ang="0">
+                <a:pos x="T2" y="T3"/>
+              </a:cxn>
+              <a:cxn ang="0">
+                <a:pos x="T4" y="T5"/>
+              </a:cxn>
+              <a:cxn ang="0">
+                <a:pos x="T6" y="T7"/>
+              </a:cxn>
+              <a:cxn ang="0">
+                <a:pos x="T8" y="T9"/>
+              </a:cxn>
+              <a:cxn ang="0">
+                <a:pos x="T10" y="T11"/>
+              </a:cxn>
+              <a:cxn ang="0">
+                <a:pos x="T12" y="T13"/>
+              </a:cxn>
+              <a:cxn ang="0">
+                <a:pos x="T14" y="T15"/>
+              </a:cxn>
+              <a:cxn ang="0">
+                <a:pos x="T16" y="T17"/>
+              </a:cxn>
+              <a:cxn ang="0">
+                <a:pos x="T18" y="T19"/>
+              </a:cxn>
+              <a:cxn ang="0">
+                <a:pos x="T20" y="T21"/>
+              </a:cxn>
+              <a:cxn ang="0">
+                <a:pos x="T22" y="T23"/>
+              </a:cxn>
+              <a:cxn ang="0">
+                <a:pos x="T24" y="T25"/>
+              </a:cxn>
+              <a:cxn ang="0">
+                <a:pos x="T26" y="T27"/>
+              </a:cxn>
+              <a:cxn ang="0">
+                <a:pos x="T28" y="T29"/>
+              </a:cxn>
+              <a:cxn ang="0">
+                <a:pos x="T30" y="T31"/>
+              </a:cxn>
+              <a:cxn ang="0">
+                <a:pos x="T32" y="T33"/>
+              </a:cxn>
+              <a:cxn ang="0">
+                <a:pos x="T34" y="T35"/>
+              </a:cxn>
+              <a:cxn ang="0">
+                <a:pos x="T36" y="T37"/>
+              </a:cxn>
+              <a:cxn ang="0">
+                <a:pos x="T38" y="T39"/>
+              </a:cxn>
+              <a:cxn ang="0">
+                <a:pos x="T40" y="T41"/>
+              </a:cxn>
+              <a:cxn ang="0">
+                <a:pos x="T42" y="T43"/>
+              </a:cxn>
+              <a:cxn ang="0">
+                <a:pos x="T44" y="T45"/>
+              </a:cxn>
+              <a:cxn ang="0">
+                <a:pos x="T46" y="T47"/>
+              </a:cxn>
+            </a:cxnLst>
+            <a:rect l="0" t="0" r="r" b="b"/>
+            <a:pathLst>
+              <a:path w="2028" h="2013">
+                <a:moveTo>
+                  <a:pt x="1013" y="960"/>
+                </a:moveTo>
+                <a:cubicBezTo>
+                  <a:pt x="749" y="960"/>
+                  <a:pt x="533" y="744"/>
+                  <a:pt x="533" y="480"/>
+                </a:cubicBezTo>
+                <a:cubicBezTo>
+                  <a:pt x="533" y="216"/>
+                  <a:pt x="749" y="0"/>
+                  <a:pt x="1013" y="0"/>
+                </a:cubicBezTo>
+                <a:cubicBezTo>
+                  <a:pt x="1277" y="0"/>
+                  <a:pt x="1493" y="216"/>
+                  <a:pt x="1493" y="480"/>
+                </a:cubicBezTo>
+                <a:cubicBezTo>
+                  <a:pt x="1493" y="744"/>
+                  <a:pt x="1277" y="960"/>
+                  <a:pt x="1013" y="960"/>
+                </a:cubicBezTo>
+                <a:close/>
+                <a:moveTo>
+                  <a:pt x="1013" y="133"/>
+                </a:moveTo>
+                <a:cubicBezTo>
+                  <a:pt x="822" y="133"/>
+                  <a:pt x="666" y="289"/>
+                  <a:pt x="666" y="480"/>
+                </a:cubicBezTo>
+                <a:cubicBezTo>
+                  <a:pt x="666" y="671"/>
+                  <a:pt x="822" y="827"/>
+                  <a:pt x="1013" y="827"/>
+                </a:cubicBezTo>
+                <a:cubicBezTo>
+                  <a:pt x="1204" y="827"/>
+                  <a:pt x="1360" y="671"/>
+                  <a:pt x="1360" y="480"/>
+                </a:cubicBezTo>
+                <a:cubicBezTo>
+                  <a:pt x="1360" y="289"/>
+                  <a:pt x="1204" y="133"/>
+                  <a:pt x="1013" y="133"/>
+                </a:cubicBezTo>
+                <a:close/>
+                <a:moveTo>
+                  <a:pt x="2028" y="2013"/>
+                </a:moveTo>
+                <a:lnTo>
+                  <a:pt x="0" y="2013"/>
+                </a:lnTo>
+                <a:lnTo>
+                  <a:pt x="16" y="1933"/>
+                </a:lnTo>
+                <a:cubicBezTo>
+                  <a:pt x="16" y="1933"/>
+                  <a:pt x="88" y="1565"/>
+                  <a:pt x="110" y="1460"/>
+                </a:cubicBezTo>
+                <a:cubicBezTo>
+                  <a:pt x="152" y="1272"/>
+                  <a:pt x="712" y="1089"/>
+                  <a:pt x="1014" y="1089"/>
+                </a:cubicBezTo>
+                <a:cubicBezTo>
+                  <a:pt x="1317" y="1089"/>
+                  <a:pt x="1877" y="1272"/>
+                  <a:pt x="1918" y="1459"/>
+                </a:cubicBezTo>
+                <a:cubicBezTo>
+                  <a:pt x="1941" y="1564"/>
+                  <a:pt x="2013" y="1932"/>
+                  <a:pt x="2013" y="1932"/>
+                </a:cubicBezTo>
+                <a:lnTo>
+                  <a:pt x="2028" y="2013"/>
+                </a:lnTo>
+                <a:close/>
+                <a:moveTo>
+                  <a:pt x="161" y="1880"/>
+                </a:moveTo>
+                <a:lnTo>
+                  <a:pt x="1865" y="1880"/>
+                </a:lnTo>
+                <a:cubicBezTo>
+                  <a:pt x="1842" y="1767"/>
+                  <a:pt x="1802" y="1563"/>
+                  <a:pt x="1786" y="1488"/>
+                </a:cubicBezTo>
+                <a:cubicBezTo>
+                  <a:pt x="1762" y="1413"/>
+                  <a:pt x="1325" y="1223"/>
+                  <a:pt x="1013" y="1223"/>
+                </a:cubicBezTo>
+                <a:cubicBezTo>
+                  <a:pt x="701" y="1223"/>
+                  <a:pt x="264" y="1413"/>
+                  <a:pt x="240" y="1488"/>
+                </a:cubicBezTo>
+                <a:cubicBezTo>
+                  <a:pt x="224" y="1563"/>
+                  <a:pt x="184" y="1767"/>
+                  <a:pt x="161" y="1880"/>
+                </a:cubicBezTo>
+                <a:close/>
+              </a:path>
+            </a:pathLst>
+          </a:custGeom>
+          <a:solidFill>
+            <a:schemeClr val="tx1">
+              <a:lumMod val="60000"/>
+              <a:lumOff val="40000"/>
+            </a:schemeClr>
+          </a:solidFill>
+          <a:ln w="0">
+            <a:noFill/>
+            <a:prstDash val="solid"/>
+            <a:round/>
+          </a:ln>
+        </p:spPr>
+        <p:txBody>
+          <a:bodyPr vert="horz" wrap="square" lIns="91440" tIns="45720" rIns="91440" bIns="45720" anchor="t" anchorCtr="0">
+            <a:prstTxWarp prst="textNoShape">
+              <a:avLst/>
+            </a:prstTxWarp>
+            <a:noAutofit/>
+          </a:bodyPr>
+          <a:p>
+            <a:pPr lvl="0">
+              <a:defRPr lang="ko-KR" altLang="en-US"/>
+            </a:pPr>
+            <a:endParaRPr lang="ko-KR" altLang="en-US"/>
+          </a:p>
+        </p:txBody>
+      </p:sp>
+      <p:pic>
+        <p:nvPicPr>
+          <p:cNvPr id="1020" name=""/>
+          <p:cNvPicPr>
+            <a:picLocks noChangeAspect="1"/>
+          </p:cNvPicPr>
+          <p:nvPr/>
+        </p:nvPicPr>
+        <p:blipFill rotWithShape="1">
+          <a:blip r:embed="rId6">
+            <a:lum/>
+          </a:blip>
+          <a:stretch>
+            <a:fillRect/>
+          </a:stretch>
+        </p:blipFill>
+        <p:spPr>
+          <a:xfrm rot="444691">
+            <a:off x="708522" y="172094"/>
+            <a:ext cx="376684" cy="376684"/>
+          </a:xfrm>
+          <a:prstGeom prst="rect">
+            <a:avLst/>
+          </a:prstGeom>
+          <a:ln>
+            <a:noFill/>
+          </a:ln>
+          <a:effectLst>
+            <a:outerShdw blurRad="76200" dist="76200" dir="2700000" algn="ctr" rotWithShape="0">
+              <a:srgbClr val="000000">
+                <a:alpha val="50000"/>
+              </a:srgbClr>
+            </a:outerShdw>
+          </a:effectLst>
+        </p:spPr>
+      </p:pic>
       <p:grpSp>
         <p:nvGrpSpPr>
-          <p:cNvPr id="1002" name="그룹 1002"/>
+          <p:cNvPr id="1024" name=""/>
           <p:cNvGrpSpPr/>
           <p:nvPr/>
         </p:nvGrpSpPr>
         <p:grpSpPr>
-          <a:xfrm>
-            <a:off x="7223987" y="3984910"/>
-            <a:ext cx="366489" cy="729376"/>
-            <a:chOff x="7223987" y="3984910"/>
-            <a:chExt cx="366489" cy="729376"/>
+          <a:xfrm rot="0">
+            <a:off x="533400" y="4914901"/>
+            <a:ext cx="7620000" cy="4876799"/>
+            <a:chOff x="2753482" y="1586107"/>
+            <a:chExt cx="6208785" cy="4139897"/>
           </a:xfrm>
         </p:grpSpPr>
-        <p:pic>
-          <p:nvPicPr>
-            <p:cNvPr id="10" name="Object 9"/>
-            <p:cNvPicPr>
-              <a:picLocks noChangeAspect="1"/>
-            </p:cNvPicPr>
+        <p:sp>
+          <p:nvSpPr>
+            <p:cNvPr id="56" name=""/>
+            <p:cNvSpPr/>
             <p:nvPr/>
-          </p:nvPicPr>
-          <p:blipFill>
-            <a:blip r:embed="rId3" cstate="print"/>
-            <a:stretch>
-              <a:fillRect/>
-            </a:stretch>
-          </p:blipFill>
+          </p:nvSpPr>
           <p:spPr>
             <a:xfrm>
-              <a:off x="7223987" y="3984910"/>
-              <a:ext cx="366489" cy="729376"/>
+              <a:off x="2753482" y="1586107"/>
+              <a:ext cx="6208785" cy="216000"/>
             </a:xfrm>
             <a:prstGeom prst="rect">
               <a:avLst/>
             </a:prstGeom>
+            <a:solidFill>
+              <a:srgbClr val="a6a6a6"/>
+            </a:solidFill>
+            <a:ln w="3175">
+              <a:solidFill>
+                <a:schemeClr val="tx1">
+                  <a:lumMod val="60000"/>
+                  <a:lumOff val="40000"/>
+                </a:schemeClr>
+              </a:solidFill>
+            </a:ln>
           </p:spPr>
-        </p:pic>
+          <p:style>
+            <a:lnRef idx="2">
+              <a:schemeClr val="accent1">
+                <a:shade val="50000"/>
+              </a:schemeClr>
+            </a:lnRef>
+            <a:fillRef idx="1">
+              <a:schemeClr val="accent1"/>
+            </a:fillRef>
+            <a:effectRef idx="0">
+              <a:schemeClr val="accent1"/>
+            </a:effectRef>
+            <a:fontRef idx="minor">
+              <a:schemeClr val="lt1"/>
+            </a:fontRef>
+          </p:style>
+          <p:txBody>
+            <a:bodyPr rot="0" vert="horz" wrap="square" lIns="91440" tIns="45720" rIns="228600" bIns="45720" anchor="ctr" anchorCtr="0">
+              <a:prstTxWarp prst="textNoShape">
+                <a:avLst/>
+              </a:prstTxWarp>
+              <a:noAutofit/>
+            </a:bodyPr>
+            <a:p>
+              <a:pPr lvl="0">
+                <a:defRPr lang="ko-KR" altLang="en-US"/>
+              </a:pPr>
+              <a:endParaRPr lang="en-US" altLang="ko-KR" sz="900">
+                <a:solidFill>
+                  <a:srgbClr val="5f5f5f"/>
+                </a:solidFill>
+                <a:latin typeface="Segoe UI"/>
+                <a:cs typeface="Segoe UI"/>
+              </a:endParaRPr>
+            </a:p>
+          </p:txBody>
+        </p:sp>
+        <p:grpSp>
+          <p:nvGrpSpPr>
+            <p:cNvPr id="35" name=""/>
+            <p:cNvGrpSpPr/>
+            <p:nvPr/>
+          </p:nvGrpSpPr>
+          <p:grpSpPr>
+            <a:xfrm rot="0">
+              <a:off x="2753482" y="1588504"/>
+              <a:ext cx="6208785" cy="4137500"/>
+              <a:chOff x="2753482" y="1588504"/>
+              <a:chExt cx="6208785" cy="4137499"/>
+            </a:xfrm>
+          </p:grpSpPr>
+          <p:sp>
+            <p:nvSpPr>
+              <p:cNvPr id="4" name=""/>
+              <p:cNvSpPr/>
+              <p:nvPr/>
+            </p:nvSpPr>
+            <p:spPr>
+              <a:xfrm>
+                <a:off x="2753482" y="1802107"/>
+                <a:ext cx="6208785" cy="3923897"/>
+              </a:xfrm>
+              <a:prstGeom prst="rect">
+                <a:avLst/>
+              </a:prstGeom>
+              <a:solidFill>
+                <a:srgbClr val="f2f2f2"/>
+              </a:solidFill>
+              <a:ln w="3175">
+                <a:solidFill>
+                  <a:schemeClr val="tx1">
+                    <a:lumMod val="60000"/>
+                    <a:lumOff val="40000"/>
+                  </a:schemeClr>
+                </a:solidFill>
+              </a:ln>
+              <a:effectLst/>
+            </p:spPr>
+            <p:style>
+              <a:lnRef idx="2">
+                <a:schemeClr val="accent1">
+                  <a:shade val="50000"/>
+                </a:schemeClr>
+              </a:lnRef>
+              <a:fillRef idx="1">
+                <a:schemeClr val="accent1"/>
+              </a:fillRef>
+              <a:effectRef idx="0">
+                <a:schemeClr val="accent1"/>
+              </a:effectRef>
+              <a:fontRef idx="minor">
+                <a:schemeClr val="lt1"/>
+              </a:fontRef>
+            </p:style>
+            <p:txBody>
+              <a:bodyPr tIns="54864" anchor="t" anchorCtr="0"/>
+              <a:p>
+                <a:pPr lvl="0">
+                  <a:defRPr lang="ko-KR" altLang="en-US"/>
+                </a:pPr>
+                <a:endParaRPr lang="ko-KR" altLang="en-US" sz="850">
+                  <a:solidFill>
+                    <a:srgbClr val="000000"/>
+                  </a:solidFill>
+                  <a:latin typeface="Segoe UI"/>
+                  <a:cs typeface="Segoe UI"/>
+                </a:endParaRPr>
+              </a:p>
+            </p:txBody>
+          </p:sp>
+          <p:cxnSp>
+            <p:nvCxnSpPr>
+              <p:cNvPr id="9" name=""/>
+              <p:cNvCxnSpPr>
+                <a:cxnSpLocks noChangeAspect="1"/>
+              </p:cNvCxnSpPr>
+              <p:nvPr/>
+            </p:nvCxnSpPr>
+            <p:spPr>
+              <a:xfrm>
+                <a:off x="3892298" y="1872959"/>
+                <a:ext cx="0" cy="0"/>
+              </a:xfrm>
+              <a:prstGeom prst="line">
+                <a:avLst/>
+              </a:prstGeom>
+              <a:ln w="3175">
+                <a:solidFill>
+                  <a:srgbClr val="464646"/>
+                </a:solidFill>
+              </a:ln>
+            </p:spPr>
+            <p:style>
+              <a:lnRef idx="1">
+                <a:schemeClr val="accent1"/>
+              </a:lnRef>
+              <a:fillRef idx="0">
+                <a:schemeClr val="accent1"/>
+              </a:fillRef>
+              <a:effectRef idx="0">
+                <a:schemeClr val="accent1"/>
+              </a:effectRef>
+              <a:fontRef idx="minor">
+                <a:schemeClr val="tx1"/>
+              </a:fontRef>
+            </p:style>
+          </p:cxnSp>
+          <p:cxnSp>
+            <p:nvCxnSpPr>
+              <p:cNvPr id="13" name=""/>
+              <p:cNvCxnSpPr>
+                <a:cxnSpLocks noChangeAspect="1"/>
+              </p:cNvCxnSpPr>
+              <p:nvPr/>
+            </p:nvCxnSpPr>
+            <p:spPr>
+              <a:xfrm>
+                <a:off x="7549898" y="1872959"/>
+                <a:ext cx="0" cy="0"/>
+              </a:xfrm>
+              <a:prstGeom prst="line">
+                <a:avLst/>
+              </a:prstGeom>
+              <a:ln w="3175">
+                <a:solidFill>
+                  <a:srgbClr val="464646"/>
+                </a:solidFill>
+              </a:ln>
+            </p:spPr>
+            <p:style>
+              <a:lnRef idx="1">
+                <a:schemeClr val="accent1"/>
+              </a:lnRef>
+              <a:fillRef idx="0">
+                <a:schemeClr val="accent1"/>
+              </a:fillRef>
+              <a:effectRef idx="0">
+                <a:schemeClr val="accent1"/>
+              </a:effectRef>
+              <a:fontRef idx="minor">
+                <a:schemeClr val="tx1"/>
+              </a:fontRef>
+            </p:style>
+          </p:cxnSp>
+          <p:sp>
+            <p:nvSpPr>
+              <p:cNvPr id="28" name=""/>
+              <p:cNvSpPr txBox="1"/>
+              <p:nvPr/>
+            </p:nvSpPr>
+            <p:spPr>
+              <a:xfrm>
+                <a:off x="2999609" y="1588504"/>
+                <a:ext cx="892174" cy="181958"/>
+              </a:xfrm>
+              <a:prstGeom prst="rect">
+                <a:avLst/>
+              </a:prstGeom>
+              <a:ln w="3175">
+                <a:noFill/>
+              </a:ln>
+            </p:spPr>
+            <p:txBody>
+              <a:bodyPr wrap="square">
+                <a:spAutoFit/>
+              </a:bodyPr>
+              <a:p>
+                <a:pPr>
+                  <a:defRPr lang="ko-KR" altLang="en-US"/>
+                </a:pPr>
+                <a:r>
+                  <a:rPr lang="en-US" altLang="ko-KR" sz="800">
+                    <a:solidFill>
+                      <a:schemeClr val="tx1">
+                        <a:lumMod val="60000"/>
+                        <a:lumOff val="40000"/>
+                      </a:schemeClr>
+                    </a:solidFill>
+                  </a:rPr>
+                  <a:t>Title</a:t>
+                </a:r>
+                <a:endParaRPr lang="en-US" altLang="ko-KR" sz="800">
+                  <a:solidFill>
+                    <a:schemeClr val="tx1">
+                      <a:lumMod val="60000"/>
+                      <a:lumOff val="40000"/>
+                    </a:schemeClr>
+                  </a:solidFill>
+                </a:endParaRPr>
+              </a:p>
+            </p:txBody>
+          </p:sp>
+          <p:sp>
+            <p:nvSpPr>
+              <p:cNvPr id="34" name=""/>
+              <p:cNvSpPr/>
+              <p:nvPr/>
+            </p:nvSpPr>
+            <p:spPr>
+              <a:xfrm>
+                <a:off x="2857248" y="1620393"/>
+                <a:ext cx="142875" cy="142875"/>
+              </a:xfrm>
+              <a:prstGeom prst="rect">
+                <a:avLst/>
+              </a:prstGeom>
+              <a:noFill/>
+              <a:ln w="3175">
+                <a:solidFill>
+                  <a:srgbClr val="008000"/>
+                </a:solidFill>
+              </a:ln>
+            </p:spPr>
+            <p:style>
+              <a:lnRef idx="2">
+                <a:schemeClr val="accent1">
+                  <a:shade val="20000"/>
+                </a:schemeClr>
+              </a:lnRef>
+              <a:fillRef idx="1">
+                <a:schemeClr val="accent1"/>
+              </a:fillRef>
+              <a:effectRef idx="0">
+                <a:schemeClr val="accent1"/>
+              </a:effectRef>
+              <a:fontRef idx="minor">
+                <a:schemeClr val="lt1"/>
+              </a:fontRef>
+            </p:style>
+            <p:txBody>
+              <a:bodyPr anchor="ctr"/>
+              <a:p>
+                <a:pPr algn="ctr">
+                  <a:defRPr lang="ko-KR" altLang="en-US"/>
+                </a:pPr>
+                <a:endParaRPr lang="en-US" altLang="ko-KR"/>
+              </a:p>
+            </p:txBody>
+          </p:sp>
+        </p:grpSp>
       </p:grpSp>
       <p:grpSp>
         <p:nvGrpSpPr>
-          <p:cNvPr id="1003" name="그룹 1003"/>
+          <p:cNvPr id="1022" name=""/>
           <p:cNvGrpSpPr/>
           <p:nvPr/>
         </p:nvGrpSpPr>
         <p:grpSpPr>
-          <a:xfrm>
-            <a:off x="13004939" y="6076158"/>
-            <a:ext cx="277571" cy="552413"/>
-            <a:chOff x="13004939" y="6076158"/>
-            <a:chExt cx="277571" cy="552413"/>
+          <a:xfrm rot="0">
+            <a:off x="945457" y="6591300"/>
+            <a:ext cx="6826941" cy="3051962"/>
+            <a:chOff x="4799838" y="3429000"/>
+            <a:chExt cx="1872234" cy="1224152"/>
           </a:xfrm>
         </p:grpSpPr>
-        <p:pic>
-          <p:nvPicPr>
-            <p:cNvPr id="13" name="Object 12"/>
-            <p:cNvPicPr>
-              <a:picLocks noChangeAspect="1"/>
-            </p:cNvPicPr>
+        <p:sp>
+          <p:nvSpPr>
+            <p:cNvPr id="9" name=""/>
+            <p:cNvSpPr/>
             <p:nvPr/>
-          </p:nvPicPr>
-          <p:blipFill>
-            <a:blip r:embed="rId4" cstate="print"/>
-            <a:stretch>
-              <a:fillRect/>
-            </a:stretch>
-          </p:blipFill>
+          </p:nvSpPr>
           <p:spPr>
             <a:xfrm>
-              <a:off x="13004939" y="6076158"/>
-              <a:ext cx="277571" cy="552413"/>
+              <a:off x="4799838" y="3429000"/>
+              <a:ext cx="1872234" cy="288036"/>
             </a:xfrm>
             <a:prstGeom prst="rect">
               <a:avLst/>
             </a:prstGeom>
+            <a:solidFill>
+              <a:srgbClr val="ffffff"/>
+            </a:solidFill>
+            <a:ln w="3175">
+              <a:solidFill>
+                <a:srgbClr val="000000"/>
+              </a:solidFill>
+            </a:ln>
           </p:spPr>
-        </p:pic>
+          <p:style>
+            <a:lnRef idx="2">
+              <a:schemeClr val="accent1">
+                <a:shade val="50000"/>
+              </a:schemeClr>
+            </a:lnRef>
+            <a:fillRef idx="1">
+              <a:schemeClr val="accent1"/>
+            </a:fillRef>
+            <a:effectRef idx="0">
+              <a:schemeClr val="accent1"/>
+            </a:effectRef>
+            <a:fontRef idx="minor">
+              <a:schemeClr val="lt1"/>
+            </a:fontRef>
+          </p:style>
+          <p:txBody>
+            <a:bodyPr rot="0" vert="horz" wrap="square" lIns="91440" tIns="45720" rIns="228600" bIns="45720" anchor="ctr" anchorCtr="0">
+              <a:prstTxWarp prst="textNoShape">
+                <a:avLst/>
+              </a:prstTxWarp>
+              <a:noAutofit/>
+            </a:bodyPr>
+            <a:p>
+              <a:pPr lvl="0">
+                <a:defRPr lang="ko-KR" altLang="en-US"/>
+              </a:pPr>
+              <a:r>
+                <a:rPr lang="en-US" altLang="ko-KR" sz="2400">
+                  <a:solidFill>
+                    <a:srgbClr val="5f5f5f"/>
+                  </a:solidFill>
+                  <a:latin typeface="에스코어 드림 2 ExtraLight"/>
+                  <a:ea typeface="에스코어 드림 2 ExtraLight"/>
+                  <a:cs typeface="함초롬돋움"/>
+                </a:rPr>
+                <a:t>ID</a:t>
+              </a:r>
+              <a:r>
+                <a:rPr lang="ko-KR" altLang="en-US" sz="2400">
+                  <a:solidFill>
+                    <a:srgbClr val="5f5f5f"/>
+                  </a:solidFill>
+                  <a:latin typeface="에스코어 드림 2 ExtraLight"/>
+                  <a:ea typeface="에스코어 드림 2 ExtraLight"/>
+                  <a:cs typeface="함초롬돋움"/>
+                </a:rPr>
+                <a:t> </a:t>
+              </a:r>
+              <a:r>
+                <a:rPr lang="en-US" altLang="ko-KR" sz="2400">
+                  <a:solidFill>
+                    <a:srgbClr val="5f5f5f"/>
+                  </a:solidFill>
+                  <a:latin typeface="에스코어 드림 2 ExtraLight"/>
+                  <a:ea typeface="에스코어 드림 2 ExtraLight"/>
+                  <a:cs typeface="함초롬돋움"/>
+                </a:rPr>
+                <a:t>:</a:t>
+              </a:r>
+              <a:r>
+                <a:rPr lang="ko-KR" altLang="en-US" sz="2400">
+                  <a:solidFill>
+                    <a:srgbClr val="5f5f5f"/>
+                  </a:solidFill>
+                  <a:latin typeface="에스코어 드림 2 ExtraLight"/>
+                  <a:ea typeface="에스코어 드림 2 ExtraLight"/>
+                  <a:cs typeface="함초롬돋움"/>
+                </a:rPr>
+                <a:t> </a:t>
+              </a:r>
+              <a:r>
+                <a:rPr lang="en-US" altLang="ko-KR" sz="2400">
+                  <a:solidFill>
+                    <a:srgbClr val="5f5f5f"/>
+                  </a:solidFill>
+                  <a:latin typeface="에스코어 드림 2 ExtraLight"/>
+                  <a:ea typeface="에스코어 드림 2 ExtraLight"/>
+                  <a:cs typeface="함초롬돋움"/>
+                </a:rPr>
+                <a:t>hanyijin7993</a:t>
+              </a:r>
+              <a:endParaRPr lang="en-US" altLang="ko-KR" sz="2400">
+                <a:solidFill>
+                  <a:srgbClr val="5f5f5f"/>
+                </a:solidFill>
+                <a:latin typeface="에스코어 드림 2 ExtraLight"/>
+                <a:ea typeface="에스코어 드림 2 ExtraLight"/>
+                <a:cs typeface="함초롬돋움"/>
+              </a:endParaRPr>
+            </a:p>
+          </p:txBody>
+        </p:sp>
+        <p:sp>
+          <p:nvSpPr>
+            <p:cNvPr id="10" name=""/>
+            <p:cNvSpPr/>
+            <p:nvPr/>
+          </p:nvSpPr>
+          <p:spPr>
+            <a:xfrm>
+              <a:off x="4799838" y="3795262"/>
+              <a:ext cx="1872233" cy="288036"/>
+            </a:xfrm>
+            <a:prstGeom prst="rect">
+              <a:avLst/>
+            </a:prstGeom>
+            <a:solidFill>
+              <a:srgbClr val="ffffff"/>
+            </a:solidFill>
+            <a:ln w="3175">
+              <a:solidFill>
+                <a:srgbClr val="000000"/>
+              </a:solidFill>
+            </a:ln>
+          </p:spPr>
+          <p:style>
+            <a:lnRef idx="2">
+              <a:schemeClr val="accent1">
+                <a:shade val="50000"/>
+              </a:schemeClr>
+            </a:lnRef>
+            <a:fillRef idx="1">
+              <a:schemeClr val="accent1"/>
+            </a:fillRef>
+            <a:effectRef idx="0">
+              <a:schemeClr val="accent1"/>
+            </a:effectRef>
+            <a:fontRef idx="minor">
+              <a:schemeClr val="lt1"/>
+            </a:fontRef>
+          </p:style>
+          <p:txBody>
+            <a:bodyPr rot="0" vert="horz" wrap="square" lIns="91440" tIns="45720" rIns="228600" bIns="45720" anchor="ctr" anchorCtr="0">
+              <a:prstTxWarp prst="textNoShape">
+                <a:avLst/>
+              </a:prstTxWarp>
+              <a:noAutofit/>
+            </a:bodyPr>
+            <a:p>
+              <a:pPr lvl="0">
+                <a:defRPr lang="ko-KR" altLang="en-US"/>
+              </a:pPr>
+              <a:r>
+                <a:rPr lang="en-US" altLang="ko-KR" sz="2400">
+                  <a:solidFill>
+                    <a:srgbClr val="5f5f5f"/>
+                  </a:solidFill>
+                  <a:latin typeface="에스코어 드림 2 ExtraLight"/>
+                  <a:ea typeface="에스코어 드림 2 ExtraLight"/>
+                  <a:cs typeface="함초롬돋움"/>
+                </a:rPr>
+                <a:t>PASSWORD : hanjjang1234</a:t>
+              </a:r>
+              <a:endParaRPr lang="en-US" altLang="ko-KR" sz="2400">
+                <a:solidFill>
+                  <a:srgbClr val="5f5f5f"/>
+                </a:solidFill>
+                <a:latin typeface="에스코어 드림 2 ExtraLight"/>
+                <a:ea typeface="에스코어 드림 2 ExtraLight"/>
+                <a:cs typeface="함초롬돋움"/>
+              </a:endParaRPr>
+            </a:p>
+          </p:txBody>
+        </p:sp>
+        <p:sp>
+          <p:nvSpPr>
+            <p:cNvPr id="11" name=""/>
+            <p:cNvSpPr/>
+            <p:nvPr/>
+          </p:nvSpPr>
+          <p:spPr>
+            <a:xfrm>
+              <a:off x="4799838" y="4365116"/>
+              <a:ext cx="1872233" cy="288036"/>
+            </a:xfrm>
+            <a:prstGeom prst="roundRect">
+              <a:avLst>
+                <a:gd name="adj" fmla="val 2194"/>
+              </a:avLst>
+            </a:prstGeom>
+            <a:solidFill>
+              <a:srgbClr val="96adc9"/>
+            </a:solidFill>
+            <a:ln w="3175" cap="flat" cmpd="sng" algn="ctr">
+              <a:solidFill>
+                <a:schemeClr val="dk1"/>
+              </a:solidFill>
+              <a:prstDash val="solid"/>
+              <a:round/>
+            </a:ln>
+            <a:effectLst/>
+          </p:spPr>
+          <p:style>
+            <a:lnRef idx="2">
+              <a:schemeClr val="accent1">
+                <a:shade val="50000"/>
+              </a:schemeClr>
+            </a:lnRef>
+            <a:fillRef idx="1">
+              <a:schemeClr val="accent1"/>
+            </a:fillRef>
+            <a:effectRef idx="0">
+              <a:schemeClr val="accent1"/>
+            </a:effectRef>
+            <a:fontRef idx="minor">
+              <a:schemeClr val="lt1"/>
+            </a:fontRef>
+          </p:style>
+          <p:txBody>
+            <a:bodyPr anchor="ctr">
+              <a:noAutofit/>
+            </a:bodyPr>
+            <a:p>
+              <a:pPr algn="ctr">
+                <a:defRPr lang="ko-KR" altLang="en-US"/>
+              </a:pPr>
+              <a:r>
+                <a:rPr lang="en-US" altLang="ko-KR" sz="2400" b="1">
+                  <a:solidFill>
+                    <a:schemeClr val="lt1"/>
+                  </a:solidFill>
+                  <a:latin typeface="에스코어 드림 4 Regular"/>
+                  <a:ea typeface="에스코어 드림 4 Regular"/>
+                  <a:cs typeface="함초롬돋움"/>
+                </a:rPr>
+                <a:t>LOGIN</a:t>
+              </a:r>
+              <a:endParaRPr lang="en-US" altLang="ko-KR" sz="2400" b="1">
+                <a:solidFill>
+                  <a:schemeClr val="lt1"/>
+                </a:solidFill>
+                <a:latin typeface="에스코어 드림 4 Regular"/>
+                <a:ea typeface="에스코어 드림 4 Regular"/>
+                <a:cs typeface="함초롬돋움"/>
+              </a:endParaRPr>
+            </a:p>
+          </p:txBody>
+        </p:sp>
       </p:grpSp>
+      <p:cxnSp>
+        <p:nvCxnSpPr>
+          <p:cNvPr id="1025" name=""/>
+          <p:cNvCxnSpPr>
+            <a:stCxn id="1015" idx="10"/>
+          </p:cNvCxnSpPr>
+          <p:nvPr/>
+        </p:nvCxnSpPr>
+        <p:spPr>
+          <a:xfrm>
+            <a:off x="838200" y="952500"/>
+            <a:ext cx="9144000" cy="0"/>
+          </a:xfrm>
+          <a:prstGeom prst="line">
+            <a:avLst/>
+          </a:prstGeom>
+          <a:ln w="25400">
+            <a:solidFill>
+              <a:srgbClr val="808080">
+                <a:alpha val="74000"/>
+              </a:srgbClr>
+            </a:solidFill>
+          </a:ln>
+        </p:spPr>
+        <p:style>
+          <a:lnRef idx="1">
+            <a:schemeClr val="accent1"/>
+          </a:lnRef>
+          <a:fillRef idx="0">
+            <a:schemeClr val="accent1"/>
+          </a:fillRef>
+          <a:effectRef idx="0">
+            <a:schemeClr val="accent1"/>
+          </a:effectRef>
+          <a:fontRef idx="minor">
+            <a:schemeClr val="tx1"/>
+          </a:fontRef>
+        </p:style>
+      </p:cxnSp>
+      <p:sp>
+        <p:nvSpPr>
+          <p:cNvPr id="1026" name=""/>
+          <p:cNvSpPr txBox="1"/>
+          <p:nvPr/>
+        </p:nvSpPr>
+        <p:spPr>
+          <a:xfrm>
+            <a:off x="1676400" y="5676900"/>
+            <a:ext cx="5257800" cy="636270"/>
+          </a:xfrm>
+          <a:prstGeom prst="rect">
+            <a:avLst/>
+          </a:prstGeom>
+        </p:spPr>
+        <p:txBody>
+          <a:bodyPr wrap="square">
+            <a:spAutoFit/>
+          </a:bodyPr>
+          <a:p>
+            <a:pPr algn="ctr">
+              <a:defRPr/>
+            </a:pPr>
+            <a:r>
+              <a:rPr lang="ko-KR" altLang="en-US" sz="3600">
+                <a:latin typeface="에스코어 드림 2 ExtraLight"/>
+                <a:ea typeface="에스코어 드림 2 ExtraLight"/>
+              </a:rPr>
+              <a:t>공동 인증서</a:t>
+            </a:r>
+            <a:endParaRPr lang="ko-KR" altLang="en-US" sz="3600">
+              <a:latin typeface="에스코어 드림 2 ExtraLight"/>
+              <a:ea typeface="에스코어 드림 2 ExtraLight"/>
+            </a:endParaRPr>
+          </a:p>
+        </p:txBody>
+      </p:sp>
+      <p:sp>
+        <p:nvSpPr>
+          <p:cNvPr id="1030" name=""/>
+          <p:cNvSpPr/>
+          <p:nvPr/>
+        </p:nvSpPr>
+        <p:spPr>
+          <a:xfrm rot="21518294">
+            <a:off x="6693422" y="5419457"/>
+            <a:ext cx="2439150" cy="990600"/>
+          </a:xfrm>
+          <a:prstGeom prst="leftRightRibbon">
+            <a:avLst>
+              <a:gd name="adj1" fmla="val 50000"/>
+              <a:gd name="adj2" fmla="val 50000"/>
+              <a:gd name="adj3" fmla="val 18750"/>
+            </a:avLst>
+          </a:prstGeom>
+          <a:solidFill>
+            <a:srgbClr val="d8803f"/>
+          </a:solidFill>
+          <a:ln>
+            <a:solidFill>
+              <a:srgbClr val="fefa2d">
+                <a:alpha val="74000"/>
+              </a:srgbClr>
+            </a:solidFill>
+          </a:ln>
+        </p:spPr>
+        <p:style>
+          <a:lnRef idx="2">
+            <a:schemeClr val="accent1">
+              <a:shade val="20000"/>
+            </a:schemeClr>
+          </a:lnRef>
+          <a:fillRef idx="1">
+            <a:schemeClr val="accent1"/>
+          </a:fillRef>
+          <a:effectRef idx="0">
+            <a:schemeClr val="accent1"/>
+          </a:effectRef>
+          <a:fontRef idx="minor">
+            <a:schemeClr val="lt1"/>
+          </a:fontRef>
+        </p:style>
+        <p:txBody>
+          <a:bodyPr anchor="ctr"/>
+          <a:p>
+            <a:pPr algn="ctr">
+              <a:defRPr/>
+            </a:pPr>
+            <a:endParaRPr lang="ko-KR" altLang="en-US"/>
+          </a:p>
+        </p:txBody>
+      </p:sp>
+      <p:sp>
+        <p:nvSpPr>
+          <p:cNvPr id="1033" name=""/>
+          <p:cNvSpPr txBox="1"/>
+          <p:nvPr/>
+        </p:nvSpPr>
+        <p:spPr>
+          <a:xfrm>
+            <a:off x="8458200" y="7374249"/>
+            <a:ext cx="9677400" cy="2396496"/>
+          </a:xfrm>
+          <a:prstGeom prst="rect">
+            <a:avLst/>
+          </a:prstGeom>
+          <a:solidFill>
+            <a:srgbClr val="ffffff">
+              <a:alpha val="58000"/>
+            </a:srgbClr>
+          </a:solidFill>
+        </p:spPr>
+        <p:txBody>
+          <a:bodyPr wrap="square">
+            <a:spAutoFit/>
+          </a:bodyPr>
+          <a:p>
+            <a:pPr lvl="0" algn="ctr">
+              <a:defRPr/>
+            </a:pPr>
+            <a:r>
+              <a:rPr lang="en-US" altLang="ko-KR" sz="2400" b="1">
+                <a:solidFill>
+                  <a:srgbClr val="0a33a9"/>
+                </a:solidFill>
+                <a:latin typeface="에스코어 드림 2 ExtraLight"/>
+                <a:ea typeface="에스코어 드림 2 ExtraLight"/>
+              </a:rPr>
+              <a:t>블록체인</a:t>
+            </a:r>
+            <a:r>
+              <a:rPr lang="ko-KR" altLang="en-US" sz="2400" b="1">
+                <a:solidFill>
+                  <a:srgbClr val="0a33a9"/>
+                </a:solidFill>
+                <a:latin typeface="에스코어 드림 2 ExtraLight"/>
+                <a:ea typeface="에스코어 드림 2 ExtraLight"/>
+              </a:rPr>
+              <a:t>의 시스템에서 </a:t>
+            </a:r>
+            <a:r>
+              <a:rPr lang="en-US" altLang="ko-KR" sz="2400" b="1">
+                <a:solidFill>
+                  <a:srgbClr val="0a33a9"/>
+                </a:solidFill>
+                <a:latin typeface="에스코어 드림 2 ExtraLight"/>
+                <a:ea typeface="에스코어 드림 2 ExtraLight"/>
+              </a:rPr>
+              <a:t>활용</a:t>
+            </a:r>
+            <a:r>
+              <a:rPr lang="ko-KR" altLang="en-US" sz="2400" b="1">
+                <a:solidFill>
+                  <a:srgbClr val="0a33a9"/>
+                </a:solidFill>
+                <a:latin typeface="에스코어 드림 2 ExtraLight"/>
+                <a:ea typeface="에스코어 드림 2 ExtraLight"/>
+              </a:rPr>
+              <a:t>되고 있는 </a:t>
+            </a:r>
+            <a:r>
+              <a:rPr lang="en-US" altLang="ko-KR" sz="2400" b="1">
+                <a:solidFill>
+                  <a:srgbClr val="0a33a9"/>
+                </a:solidFill>
+                <a:latin typeface="에스코어 드림 2 ExtraLight"/>
+                <a:ea typeface="에스코어 드림 2 ExtraLight"/>
+              </a:rPr>
+              <a:t>SHA-256</a:t>
+            </a:r>
+            <a:endParaRPr lang="en-US" altLang="ko-KR" sz="2400" b="1">
+              <a:solidFill>
+                <a:srgbClr val="0a33a9"/>
+              </a:solidFill>
+              <a:latin typeface="에스코어 드림 2 ExtraLight"/>
+              <a:ea typeface="에스코어 드림 2 ExtraLight"/>
+            </a:endParaRPr>
+          </a:p>
+          <a:p>
+            <a:pPr lvl="0">
+              <a:defRPr/>
+            </a:pPr>
+            <a:endParaRPr lang="en-US" altLang="ko-KR" sz="2400" b="1">
+              <a:latin typeface="에스코어 드림 2 ExtraLight"/>
+              <a:ea typeface="에스코어 드림 2 ExtraLight"/>
+            </a:endParaRPr>
+          </a:p>
+          <a:p>
+            <a:pPr lvl="0" algn="ctr">
+              <a:defRPr/>
+            </a:pPr>
+            <a:r>
+              <a:rPr lang="en-US" altLang="ko-KR" sz="2600" b="1">
+                <a:solidFill>
+                  <a:srgbClr val="000d59"/>
+                </a:solidFill>
+                <a:latin typeface="에스코어 드림 2 ExtraLight"/>
+                <a:ea typeface="에스코어 드림 2 ExtraLight"/>
+              </a:rPr>
+              <a:t>해시 함수중에 하나로서, </a:t>
+            </a:r>
+            <a:r>
+              <a:rPr lang="ko-KR" altLang="en-US" sz="2600" b="1">
+                <a:solidFill>
+                  <a:srgbClr val="000d59"/>
+                </a:solidFill>
+                <a:latin typeface="에스코어 드림 2 ExtraLight"/>
+                <a:ea typeface="에스코어 드림 2 ExtraLight"/>
+              </a:rPr>
+              <a:t>단방향 암호화로 </a:t>
+            </a:r>
+            <a:r>
+              <a:rPr lang="en-US" altLang="ko-KR" sz="2600" b="1">
+                <a:solidFill>
+                  <a:srgbClr val="000d59"/>
+                </a:solidFill>
+                <a:latin typeface="에스코어 드림 2 ExtraLight"/>
+                <a:ea typeface="에스코어 드림 2 ExtraLight"/>
+              </a:rPr>
+              <a:t>256bit</a:t>
+            </a:r>
+            <a:r>
+              <a:rPr lang="ko-KR" altLang="en-US" sz="2600" b="1">
+                <a:solidFill>
+                  <a:srgbClr val="000d59"/>
+                </a:solidFill>
+                <a:latin typeface="에스코어 드림 2 ExtraLight"/>
+                <a:ea typeface="에스코어 드림 2 ExtraLight"/>
+              </a:rPr>
+              <a:t>의 형태를 지님</a:t>
+            </a:r>
+            <a:endParaRPr lang="ko-KR" altLang="en-US" sz="2600" b="1">
+              <a:solidFill>
+                <a:srgbClr val="000d59"/>
+              </a:solidFill>
+              <a:latin typeface="에스코어 드림 2 ExtraLight"/>
+              <a:ea typeface="에스코어 드림 2 ExtraLight"/>
+            </a:endParaRPr>
+          </a:p>
+          <a:p>
+            <a:pPr lvl="0" algn="ctr">
+              <a:defRPr/>
+            </a:pPr>
+            <a:r>
+              <a:rPr lang="ko-KR" altLang="en-US" sz="2600" b="1">
+                <a:solidFill>
+                  <a:srgbClr val="000d59"/>
+                </a:solidFill>
+                <a:latin typeface="에스코어 드림 2 ExtraLight"/>
+                <a:ea typeface="에스코어 드림 2 ExtraLight"/>
+              </a:rPr>
+              <a:t>암호화된 결과를 픽셀값으로 변환하여 이미지 생성</a:t>
+            </a:r>
+            <a:r>
+              <a:rPr lang="en-US" altLang="ko-KR" sz="2600" b="1">
+                <a:solidFill>
+                  <a:srgbClr val="000d59"/>
+                </a:solidFill>
+                <a:latin typeface="에스코어 드림 2 ExtraLight"/>
+                <a:ea typeface="에스코어 드림 2 ExtraLight"/>
+              </a:rPr>
+              <a:t>,</a:t>
+            </a:r>
+            <a:endParaRPr lang="en-US" altLang="ko-KR" sz="2600" b="1">
+              <a:solidFill>
+                <a:srgbClr val="000d59"/>
+              </a:solidFill>
+              <a:latin typeface="에스코어 드림 2 ExtraLight"/>
+              <a:ea typeface="에스코어 드림 2 ExtraLight"/>
+            </a:endParaRPr>
+          </a:p>
+          <a:p>
+            <a:pPr lvl="0" algn="ctr">
+              <a:defRPr/>
+            </a:pPr>
+            <a:r>
+              <a:rPr lang="ko-KR" altLang="en-US" sz="2600" b="1">
+                <a:solidFill>
+                  <a:srgbClr val="000d59"/>
+                </a:solidFill>
+                <a:latin typeface="에스코어 드림 2 ExtraLight"/>
+                <a:ea typeface="에스코어 드림 2 ExtraLight"/>
+              </a:rPr>
+              <a:t>개인 정보</a:t>
+            </a:r>
+            <a:r>
+              <a:rPr lang="en-US" altLang="ko-KR" sz="2600" b="1">
+                <a:solidFill>
+                  <a:srgbClr val="000d59"/>
+                </a:solidFill>
+                <a:latin typeface="에스코어 드림 2 ExtraLight"/>
+                <a:ea typeface="에스코어 드림 2 ExtraLight"/>
+              </a:rPr>
+              <a:t>,</a:t>
+            </a:r>
+            <a:r>
+              <a:rPr lang="ko-KR" altLang="en-US" sz="2600" b="1">
+                <a:solidFill>
+                  <a:srgbClr val="000d59"/>
+                </a:solidFill>
+                <a:latin typeface="에스코어 드림 2 ExtraLight"/>
+                <a:ea typeface="에스코어 드림 2 ExtraLight"/>
+              </a:rPr>
+              <a:t> 인증서 등을 생성된 이미지로 대체하여 </a:t>
+            </a:r>
+            <a:endParaRPr lang="ko-KR" altLang="en-US" sz="2600" b="1">
+              <a:solidFill>
+                <a:srgbClr val="000d59"/>
+              </a:solidFill>
+              <a:latin typeface="에스코어 드림 2 ExtraLight"/>
+              <a:ea typeface="에스코어 드림 2 ExtraLight"/>
+            </a:endParaRPr>
+          </a:p>
+          <a:p>
+            <a:pPr lvl="0" algn="ctr">
+              <a:defRPr/>
+            </a:pPr>
+            <a:r>
+              <a:rPr lang="ko-KR" altLang="en-US" sz="2600" b="1">
+                <a:solidFill>
+                  <a:srgbClr val="000d59"/>
+                </a:solidFill>
+                <a:latin typeface="에스코어 드림 2 ExtraLight"/>
+                <a:ea typeface="에스코어 드림 2 ExtraLight"/>
+              </a:rPr>
+              <a:t>데이터 관리 및 보안 문제 해결</a:t>
+            </a:r>
+            <a:endParaRPr lang="ko-KR" altLang="en-US" sz="2600" b="1">
+              <a:solidFill>
+                <a:srgbClr val="000d59"/>
+              </a:solidFill>
+              <a:latin typeface="에스코어 드림 2 ExtraLight"/>
+              <a:ea typeface="에스코어 드림 2 ExtraLight"/>
+            </a:endParaRPr>
+          </a:p>
+        </p:txBody>
+      </p:sp>
+      <p:pic>
+        <p:nvPicPr>
+          <p:cNvPr id="1035" name=""/>
+          <p:cNvPicPr>
+            <a:picLocks noChangeAspect="1"/>
+          </p:cNvPicPr>
+          <p:nvPr/>
+        </p:nvPicPr>
+        <p:blipFill rotWithShape="1">
+          <a:blip r:embed="rId7">
+            <a:lum/>
+          </a:blip>
+          <a:stretch>
+            <a:fillRect/>
+          </a:stretch>
+        </p:blipFill>
+        <p:spPr>
+          <a:xfrm rot="840573">
+            <a:off x="16981860" y="8717235"/>
+            <a:ext cx="1085206" cy="1085206"/>
+          </a:xfrm>
+          <a:prstGeom prst="rect">
+            <a:avLst/>
+          </a:prstGeom>
+          <a:ln>
+            <a:noFill/>
+          </a:ln>
+          <a:effectLst>
+            <a:glow rad="63500">
+              <a:schemeClr val="accent6">
+                <a:satMod val="175000"/>
+                <a:alpha val="24000"/>
+              </a:schemeClr>
+            </a:glow>
+            <a:outerShdw blurRad="76200" dist="76200" dir="2700000" algn="ctr" rotWithShape="0">
+              <a:srgbClr val="000000">
+                <a:alpha val="50000"/>
+              </a:srgbClr>
+            </a:outerShdw>
+          </a:effectLst>
+        </p:spPr>
+      </p:pic>
     </p:spTree>
   </p:cSld>
   <p:clrMapOvr>
     <a:masterClrMapping/>
   </p:clrMapOvr>
+  <mc:AlternateContent xmlns:mc="http://schemas.openxmlformats.org/markup-compatibility/2006">
+    <mc:Choice xmlns:p14="http://schemas.microsoft.com/office/powerpoint/2010/main" Requires="p14">
+      <p:transition xmlns:mc="http://schemas.openxmlformats.org/markup-compatibility/2006" xmlns:p14="http://schemas.microsoft.com/office/powerpoint/2010/main" mc:Ignorable="p14" p14:dur="500"/>
+    </mc:Choice>
+    <mc:Fallback>
+      <p:transition/>
+    </mc:Fallback>
+  </mc:AlternateContent>
 </p:sld>
 </file>
 
 <file path=ppt/slides/slide18.xml><?xml version="1.0" encoding="utf-8"?>
 <p:sld xmlns:r="http://schemas.openxmlformats.org/officeDocument/2006/relationships" xmlns:c="http://schemas.openxmlformats.org/drawingml/2006/chart" xmlns:a="http://schemas.openxmlformats.org/drawingml/2006/main" xmlns:dgm="http://schemas.openxmlformats.org/drawingml/2006/diagram" xmlns:dsp="http://schemas.microsoft.com/office/drawing/2008/diagram" xmlns:p="http://schemas.openxmlformats.org/presentationml/2006/main">
   <p:cSld name="Slide 17">
-    <p:bg>
-      <p:bgPr shadeToTitle="0">
-        <a:solidFill>
-          <a:srgbClr val="f4f4f4"/>
-        </a:solidFill>
-      </p:bgPr>
-    </p:bg>
     <p:spTree>
       <p:nvGrpSpPr>
         <p:cNvPr id="1" name=""/>
@@ -12257,7 +18809,122 @@
         </p:nvSpPr>
         <p:spPr>
           <a:xfrm>
-            <a:off x="6438900" y="4199863"/>
+            <a:off x="6858000" y="6228027"/>
+            <a:ext cx="4876800" cy="1887273"/>
+          </a:xfrm>
+          <a:prstGeom prst="rect">
+            <a:avLst/>
+          </a:prstGeom>
+          <a:noFill/>
+        </p:spPr>
+        <p:txBody>
+          <a:bodyPr wrap="square"/>
+          <a:lstStyle/>
+          <a:p>
+            <a:pPr algn="just">
+              <a:defRPr/>
+            </a:pPr>
+            <a:r>
+              <a:rPr lang="en-US" altLang="ko-KR" sz="8300" b="0" kern="0" spc="-300">
+                <a:solidFill>
+                  <a:srgbClr val="000000"/>
+                </a:solidFill>
+                <a:latin typeface="에스코어 드림 6 Bold"/>
+                <a:cs typeface="에스코어 드림 6 Bold"/>
+              </a:rPr>
+              <a:t>A</a:t>
+            </a:r>
+            <a:r>
+              <a:rPr lang="ko-KR" altLang="en-US" sz="8300" b="0" kern="0" spc="-300">
+                <a:solidFill>
+                  <a:srgbClr val="000000"/>
+                </a:solidFill>
+                <a:latin typeface="에스코어 드림 6 Bold"/>
+                <a:cs typeface="에스코어 드림 6 Bold"/>
+              </a:rPr>
+              <a:t> </a:t>
+            </a:r>
+            <a:r>
+              <a:rPr lang="en-US" altLang="ko-KR" sz="8300" b="0" kern="0" spc="-300">
+                <a:solidFill>
+                  <a:srgbClr val="000000"/>
+                </a:solidFill>
+                <a:latin typeface="에스코어 드림 6 Bold"/>
+                <a:cs typeface="에스코어 드림 6 Bold"/>
+              </a:rPr>
+              <a:t>R</a:t>
+            </a:r>
+            <a:r>
+              <a:rPr lang="ko-KR" altLang="en-US" sz="8300" b="0" kern="0" spc="-300">
+                <a:solidFill>
+                  <a:srgbClr val="000000"/>
+                </a:solidFill>
+                <a:latin typeface="에스코어 드림 6 Bold"/>
+                <a:cs typeface="에스코어 드림 6 Bold"/>
+              </a:rPr>
+              <a:t> </a:t>
+            </a:r>
+            <a:r>
+              <a:rPr lang="en-US" altLang="ko-KR" sz="8300" b="0" kern="0" spc="-300">
+                <a:solidFill>
+                  <a:srgbClr val="000000"/>
+                </a:solidFill>
+                <a:latin typeface="에스코어 드림 6 Bold"/>
+                <a:cs typeface="에스코어 드림 6 Bold"/>
+              </a:rPr>
+              <a:t>T</a:t>
+            </a:r>
+            <a:r>
+              <a:rPr lang="ko-KR" altLang="en-US" sz="8300" b="0" kern="0" spc="-300">
+                <a:solidFill>
+                  <a:srgbClr val="000000"/>
+                </a:solidFill>
+                <a:latin typeface="에스코어 드림 6 Bold"/>
+                <a:cs typeface="에스코어 드림 6 Bold"/>
+              </a:rPr>
+              <a:t> </a:t>
+            </a:r>
+            <a:r>
+              <a:rPr lang="ko-KR" altLang="en-US" sz="8300" b="0" kern="0" spc="-300">
+                <a:solidFill>
+                  <a:srgbClr val="000000">
+                    <a:alpha val="0"/>
+                  </a:srgbClr>
+                </a:solidFill>
+                <a:latin typeface="에스코어 드림 6 Bold"/>
+                <a:cs typeface="에스코어 드림 6 Bold"/>
+              </a:rPr>
+              <a:t>ㅁㄲㅅ</a:t>
+            </a:r>
+            <a:r>
+              <a:rPr lang="en-US" altLang="ko-KR" sz="8300" b="0" kern="0" spc="-300">
+                <a:solidFill>
+                  <a:srgbClr val="000000"/>
+                </a:solidFill>
+                <a:latin typeface="에스코어 드림 6 Bold"/>
+                <a:cs typeface="에스코어 드림 6 Bold"/>
+              </a:rPr>
+              <a:t> </a:t>
+            </a:r>
+            <a:endParaRPr lang="en-US" altLang="ko-KR" sz="8300" b="0" kern="0" spc="-300">
+              <a:solidFill>
+                <a:srgbClr val="000000"/>
+              </a:solidFill>
+              <a:latin typeface="에스코어 드림 6 Bold"/>
+              <a:cs typeface="에스코어 드림 6 Bold"/>
+            </a:endParaRPr>
+          </a:p>
+        </p:txBody>
+      </p:sp>
+      <p:sp>
+        <p:nvSpPr>
+          <p:cNvPr id="1004" name="Object 5"/>
+          <p:cNvSpPr txBox="1"/>
+          <p:nvPr/>
+        </p:nvSpPr>
+        <p:spPr>
+          <a:xfrm>
+            <a:off x="6781800" y="2189427"/>
             <a:ext cx="5410200" cy="1887273"/>
           </a:xfrm>
           <a:prstGeom prst="rect">
@@ -12273,16 +18940,38 @@
               <a:defRPr/>
             </a:pPr>
             <a:r>
-              <a:rPr lang="en-US" sz="8300" b="0" kern="0" spc="-300">
+              <a:rPr lang="ko-KR" altLang="en-US" sz="8300" b="0" kern="0" spc="-300">
                 <a:solidFill>
                   <a:srgbClr val="000000"/>
                 </a:solidFill>
                 <a:latin typeface="에스코어 드림 6 Bold"/>
                 <a:cs typeface="에스코어 드림 6 Bold"/>
               </a:rPr>
-              <a:t>감사합니다</a:t>
-            </a:r>
-            <a:endParaRPr lang="en-US" sz="8300" b="0" kern="0" spc="-300">
+              <a:t>기술의 품질을 높이는 </a:t>
+            </a:r>
+            <a:r>
+              <a:rPr lang="ko-KR" altLang="en-US" sz="8300" b="0" kern="0" spc="-300">
+                <a:solidFill>
+                  <a:srgbClr val="000000">
+                    <a:alpha val="0"/>
+                  </a:srgbClr>
+                </a:solidFill>
+                <a:latin typeface="에스코어 드림 6 Bold"/>
+                <a:cs typeface="에스코어 드림 6 Bold"/>
+              </a:rPr>
+              <a:t>ㅁㄲㅅ</a:t>
+            </a:r>
+            <a:r>
+              <a:rPr lang="en-US" altLang="ko-KR" sz="8300" b="0" kern="0" spc="-300">
+                <a:solidFill>
+                  <a:srgbClr val="000000"/>
+                </a:solidFill>
+                <a:latin typeface="에스코어 드림 6 Bold"/>
+                <a:cs typeface="에스코어 드림 6 Bold"/>
+              </a:rPr>
+              <a:t> </a:t>
+            </a:r>
+            <a:endParaRPr lang="en-US" altLang="ko-KR" sz="8300" b="0" kern="0" spc="-300">
               <a:solidFill>
                 <a:srgbClr val="000000"/>
               </a:solidFill>
@@ -12311,13 +19000,6 @@
 <file path=ppt/slides/slide2.xml><?xml version="1.0" encoding="utf-8"?>
 <p:sld xmlns:r="http://schemas.openxmlformats.org/officeDocument/2006/relationships" xmlns:c="http://schemas.openxmlformats.org/drawingml/2006/chart" xmlns:a="http://schemas.openxmlformats.org/drawingml/2006/main" xmlns:dgm="http://schemas.openxmlformats.org/drawingml/2006/diagram" xmlns:dsp="http://schemas.microsoft.com/office/drawing/2008/diagram" xmlns:p="http://schemas.openxmlformats.org/presentationml/2006/main">
   <p:cSld name="Slide 3">
-    <p:bg>
-      <p:bgPr shadeToTitle="0">
-        <a:solidFill>
-          <a:srgbClr val="ffffff"/>
-        </a:solidFill>
-      </p:bgPr>
-    </p:bg>
     <p:spTree>
       <p:nvGrpSpPr>
         <p:cNvPr id="1" name=""/>
@@ -12547,13 +19229,6 @@
 <file path=ppt/slides/slide3.xml><?xml version="1.0" encoding="utf-8"?>
 <p:sld xmlns:r="http://schemas.openxmlformats.org/officeDocument/2006/relationships" xmlns:c="http://schemas.openxmlformats.org/drawingml/2006/chart" xmlns:a="http://schemas.openxmlformats.org/drawingml/2006/main" xmlns:dgm="http://schemas.openxmlformats.org/drawingml/2006/diagram" xmlns:dsp="http://schemas.microsoft.com/office/drawing/2008/diagram" xmlns:p="http://schemas.openxmlformats.org/presentationml/2006/main">
   <p:cSld name="Slide 8">
-    <p:bg>
-      <p:bgPr shadeToTitle="0">
-        <a:solidFill>
-          <a:srgbClr val="ffffff"/>
-        </a:solidFill>
-      </p:bgPr>
-    </p:bg>
     <p:spTree>
       <p:nvGrpSpPr>
         <p:cNvPr id="1" name=""/>
@@ -13224,13 +19899,6 @@
 <file path=ppt/slides/slide4.xml><?xml version="1.0" encoding="utf-8"?>
 <p:sld xmlns:r="http://schemas.openxmlformats.org/officeDocument/2006/relationships" xmlns:c="http://schemas.openxmlformats.org/drawingml/2006/chart" xmlns:a="http://schemas.openxmlformats.org/drawingml/2006/main" xmlns:dgm="http://schemas.openxmlformats.org/drawingml/2006/diagram" xmlns:dsp="http://schemas.microsoft.com/office/drawing/2008/diagram" xmlns:p="http://schemas.openxmlformats.org/presentationml/2006/main">
   <p:cSld name="Slide 9">
-    <p:bg>
-      <p:bgPr shadeToTitle="0">
-        <a:solidFill>
-          <a:srgbClr val="ffffff"/>
-        </a:solidFill>
-      </p:bgPr>
-    </p:bg>
     <p:spTree>
       <p:nvGrpSpPr>
         <p:cNvPr id="1" name=""/>
@@ -14022,13 +20690,6 @@
 <file path=ppt/slides/slide5.xml><?xml version="1.0" encoding="utf-8"?>
 <p:sld xmlns:r="http://schemas.openxmlformats.org/officeDocument/2006/relationships" xmlns:c="http://schemas.openxmlformats.org/drawingml/2006/chart" xmlns:a="http://schemas.openxmlformats.org/drawingml/2006/main" xmlns:dgm="http://schemas.openxmlformats.org/drawingml/2006/diagram" xmlns:dsp="http://schemas.microsoft.com/office/drawing/2008/diagram" xmlns:p="http://schemas.openxmlformats.org/presentationml/2006/main">
   <p:cSld name="Slide 6">
-    <p:bg>
-      <p:bgPr shadeToTitle="0">
-        <a:solidFill>
-          <a:srgbClr val="ffffff"/>
-        </a:solidFill>
-      </p:bgPr>
-    </p:bg>
     <p:spTree>
       <p:nvGrpSpPr>
         <p:cNvPr id="1" name=""/>
@@ -14145,13 +20806,13 @@
               <a:defRPr/>
             </a:pPr>
             <a:r>
-              <a:rPr lang="ko-KR" altLang="en-US" sz="2400">
+              <a:rPr lang="ko-KR" altLang="en-US" sz="2400" b="1">
                 <a:latin typeface="에스코어 드림 3 Light"/>
                 <a:ea typeface="에스코어 드림 3 Light"/>
               </a:rPr>
               <a:t>색상 추출기를 활용하여 각 문자의 색상을 분석</a:t>
             </a:r>
-            <a:endParaRPr lang="ko-KR" altLang="en-US" sz="2400">
+            <a:endParaRPr lang="ko-KR" altLang="en-US" sz="2400" b="1">
               <a:latin typeface="에스코어 드림 3 Light"/>
               <a:ea typeface="에스코어 드림 3 Light"/>
             </a:endParaRPr>
@@ -14160,7 +20821,7 @@
             <a:pPr algn="ctr">
               <a:defRPr/>
             </a:pPr>
-            <a:endParaRPr lang="ko-KR" altLang="en-US" sz="2400">
+            <a:endParaRPr lang="ko-KR" altLang="en-US" sz="2400" b="1">
               <a:latin typeface="에스코어 드림 3 Light"/>
               <a:ea typeface="에스코어 드림 3 Light"/>
             </a:endParaRPr>
@@ -14172,90 +20833,90 @@
               <a:defRPr/>
             </a:pPr>
             <a:r>
-              <a:rPr lang="ko-KR" altLang="en-US" sz="2400">
+              <a:rPr lang="ko-KR" altLang="en-US" sz="2400" b="1">
                 <a:latin typeface="에스코어 드림 3 Light"/>
                 <a:ea typeface="에스코어 드림 3 Light"/>
               </a:rPr>
               <a:t>파랑색</a:t>
             </a:r>
             <a:r>
-              <a:rPr lang="en-US" altLang="ko-KR" sz="2400">
+              <a:rPr lang="en-US" altLang="ko-KR" sz="2400" b="1">
                 <a:latin typeface="에스코어 드림 3 Light"/>
                 <a:ea typeface="에스코어 드림 3 Light"/>
               </a:rPr>
               <a:t> :</a:t>
             </a:r>
             <a:r>
-              <a:rPr lang="ko-KR" altLang="en-US" sz="2400">
+              <a:rPr lang="ko-KR" altLang="en-US" sz="2400" b="1">
                 <a:latin typeface="에스코어 드림 3 Light"/>
                 <a:ea typeface="에스코어 드림 3 Light"/>
               </a:rPr>
               <a:t> </a:t>
             </a:r>
             <a:r>
-              <a:rPr lang="en-US" altLang="ko-KR" sz="2400">
+              <a:rPr lang="en-US" altLang="ko-KR" sz="2400" b="1">
                 <a:latin typeface="에스코어 드림 3 Light"/>
                 <a:ea typeface="에스코어 드림 3 Light"/>
               </a:rPr>
               <a:t>RGB </a:t>
             </a:r>
             <a:r>
-              <a:rPr lang="ko-KR" altLang="en-US" sz="2400">
+              <a:rPr lang="ko-KR" altLang="en-US" sz="2400" b="1">
                 <a:latin typeface="에스코어 드림 3 Light"/>
                 <a:ea typeface="에스코어 드림 3 Light"/>
               </a:rPr>
               <a:t>에서 </a:t>
             </a:r>
             <a:r>
-              <a:rPr lang="en-US" altLang="ko-KR" sz="2400">
+              <a:rPr lang="en-US" altLang="ko-KR" sz="2400" b="1">
                 <a:latin typeface="에스코어 드림 3 Light"/>
                 <a:ea typeface="에스코어 드림 3 Light"/>
               </a:rPr>
               <a:t>AAAAFF</a:t>
             </a:r>
             <a:r>
-              <a:rPr lang="ko-KR" altLang="en-US" sz="2400">
+              <a:rPr lang="ko-KR" altLang="en-US" sz="2400" b="1">
                 <a:latin typeface="에스코어 드림 3 Light"/>
                 <a:ea typeface="에스코어 드림 3 Light"/>
               </a:rPr>
               <a:t> 픽셀값 </a:t>
             </a:r>
             <a:r>
-              <a:rPr lang="en-US" altLang="ko-KR" sz="2400">
+              <a:rPr lang="en-US" altLang="ko-KR" sz="2400" b="1">
                 <a:latin typeface="에스코어 드림 3 Light"/>
                 <a:ea typeface="에스코어 드림 3 Light"/>
               </a:rPr>
               <a:t>(170,</a:t>
             </a:r>
             <a:r>
-              <a:rPr lang="ko-KR" altLang="en-US" sz="2400">
+              <a:rPr lang="ko-KR" altLang="en-US" sz="2400" b="1">
                 <a:latin typeface="에스코어 드림 3 Light"/>
                 <a:ea typeface="에스코어 드림 3 Light"/>
               </a:rPr>
               <a:t> </a:t>
             </a:r>
             <a:r>
-              <a:rPr lang="en-US" altLang="ko-KR" sz="2400">
+              <a:rPr lang="en-US" altLang="ko-KR" sz="2400" b="1">
                 <a:latin typeface="에스코어 드림 3 Light"/>
                 <a:ea typeface="에스코어 드림 3 Light"/>
               </a:rPr>
               <a:t>170,</a:t>
             </a:r>
             <a:r>
-              <a:rPr lang="ko-KR" altLang="en-US" sz="2400">
+              <a:rPr lang="ko-KR" altLang="en-US" sz="2400" b="1">
                 <a:latin typeface="에스코어 드림 3 Light"/>
                 <a:ea typeface="에스코어 드림 3 Light"/>
               </a:rPr>
               <a:t> </a:t>
             </a:r>
             <a:r>
-              <a:rPr lang="en-US" altLang="ko-KR" sz="2400">
+              <a:rPr lang="en-US" altLang="ko-KR" sz="2400" b="1">
                 <a:latin typeface="에스코어 드림 3 Light"/>
                 <a:ea typeface="에스코어 드림 3 Light"/>
               </a:rPr>
               <a:t>255)</a:t>
             </a:r>
-            <a:endParaRPr lang="en-US" altLang="ko-KR" sz="2400">
+            <a:endParaRPr lang="en-US" altLang="ko-KR" sz="2400" b="1">
               <a:latin typeface="에스코어 드림 3 Light"/>
               <a:ea typeface="에스코어 드림 3 Light"/>
             </a:endParaRPr>
@@ -14267,76 +20928,76 @@
               <a:defRPr/>
             </a:pPr>
             <a:r>
-              <a:rPr lang="ko-KR" altLang="en-US" sz="2400">
+              <a:rPr lang="ko-KR" altLang="en-US" sz="2400" b="1">
                 <a:latin typeface="에스코어 드림 3 Light"/>
                 <a:ea typeface="에스코어 드림 3 Light"/>
               </a:rPr>
               <a:t>초록색</a:t>
             </a:r>
             <a:r>
-              <a:rPr lang="en-US" altLang="ko-KR" sz="2400">
+              <a:rPr lang="en-US" altLang="ko-KR" sz="2400" b="1">
                 <a:latin typeface="에스코어 드림 3 Light"/>
                 <a:ea typeface="에스코어 드림 3 Light"/>
               </a:rPr>
               <a:t> : RGB</a:t>
             </a:r>
             <a:r>
-              <a:rPr lang="ko-KR" altLang="en-US" sz="2400">
+              <a:rPr lang="ko-KR" altLang="en-US" sz="2400" b="1">
                 <a:latin typeface="에스코어 드림 3 Light"/>
                 <a:ea typeface="에스코어 드림 3 Light"/>
               </a:rPr>
               <a:t> 에서 </a:t>
             </a:r>
             <a:r>
-              <a:rPr lang="en-US" altLang="ko-KR" sz="2400">
+              <a:rPr lang="en-US" altLang="ko-KR" sz="2400" b="1">
                 <a:latin typeface="에스코어 드림 3 Light"/>
                 <a:ea typeface="에스코어 드림 3 Light"/>
               </a:rPr>
               <a:t>AAFFAA</a:t>
             </a:r>
             <a:r>
-              <a:rPr lang="ko-KR" altLang="en-US" sz="2400">
+              <a:rPr lang="ko-KR" altLang="en-US" sz="2400" b="1">
                 <a:latin typeface="에스코어 드림 3 Light"/>
                 <a:ea typeface="에스코어 드림 3 Light"/>
               </a:rPr>
               <a:t> 픽셀값 </a:t>
             </a:r>
             <a:r>
-              <a:rPr lang="en-US" altLang="ko-KR" sz="2400">
+              <a:rPr lang="en-US" altLang="ko-KR" sz="2400" b="1">
                 <a:latin typeface="에스코어 드림 3 Light"/>
                 <a:ea typeface="에스코어 드림 3 Light"/>
               </a:rPr>
               <a:t>(170,</a:t>
             </a:r>
             <a:r>
-              <a:rPr lang="ko-KR" altLang="en-US" sz="2400">
+              <a:rPr lang="ko-KR" altLang="en-US" sz="2400" b="1">
                 <a:latin typeface="에스코어 드림 3 Light"/>
                 <a:ea typeface="에스코어 드림 3 Light"/>
               </a:rPr>
               <a:t> </a:t>
             </a:r>
             <a:r>
-              <a:rPr lang="en-US" altLang="ko-KR" sz="2400">
+              <a:rPr lang="en-US" altLang="ko-KR" sz="2400" b="1">
                 <a:latin typeface="에스코어 드림 3 Light"/>
                 <a:ea typeface="에스코어 드림 3 Light"/>
               </a:rPr>
               <a:t>255,</a:t>
             </a:r>
             <a:r>
-              <a:rPr lang="ko-KR" altLang="en-US" sz="2400">
+              <a:rPr lang="ko-KR" altLang="en-US" sz="2400" b="1">
                 <a:latin typeface="에스코어 드림 3 Light"/>
                 <a:ea typeface="에스코어 드림 3 Light"/>
               </a:rPr>
               <a:t> </a:t>
             </a:r>
             <a:r>
-              <a:rPr lang="en-US" altLang="ko-KR" sz="2400">
+              <a:rPr lang="en-US" altLang="ko-KR" sz="2400" b="1">
                 <a:latin typeface="에스코어 드림 3 Light"/>
                 <a:ea typeface="에스코어 드림 3 Light"/>
               </a:rPr>
               <a:t>170)</a:t>
             </a:r>
-            <a:endParaRPr lang="en-US" altLang="ko-KR" sz="2400">
+            <a:endParaRPr lang="en-US" altLang="ko-KR" sz="2400" b="1">
               <a:latin typeface="에스코어 드림 3 Light"/>
               <a:ea typeface="에스코어 드림 3 Light"/>
             </a:endParaRPr>
@@ -14348,90 +21009,90 @@
               <a:defRPr/>
             </a:pPr>
             <a:r>
-              <a:rPr lang="ko-KR" altLang="en-US" sz="2400">
+              <a:rPr lang="ko-KR" altLang="en-US" sz="2400" b="1">
                 <a:latin typeface="에스코어 드림 3 Light"/>
                 <a:ea typeface="에스코어 드림 3 Light"/>
               </a:rPr>
               <a:t>빨간색 </a:t>
             </a:r>
             <a:r>
-              <a:rPr lang="en-US" altLang="ko-KR" sz="2400">
+              <a:rPr lang="en-US" altLang="ko-KR" sz="2400" b="1">
                 <a:latin typeface="에스코어 드림 3 Light"/>
                 <a:ea typeface="에스코어 드림 3 Light"/>
               </a:rPr>
               <a:t>:</a:t>
             </a:r>
             <a:r>
-              <a:rPr lang="ko-KR" altLang="en-US" sz="2400">
+              <a:rPr lang="ko-KR" altLang="en-US" sz="2400" b="1">
                 <a:latin typeface="에스코어 드림 3 Light"/>
                 <a:ea typeface="에스코어 드림 3 Light"/>
               </a:rPr>
               <a:t> </a:t>
             </a:r>
             <a:r>
-              <a:rPr lang="en-US" altLang="ko-KR" sz="2400">
+              <a:rPr lang="en-US" altLang="ko-KR" sz="2400" b="1">
                 <a:latin typeface="에스코어 드림 3 Light"/>
                 <a:ea typeface="에스코어 드림 3 Light"/>
               </a:rPr>
               <a:t>RGB</a:t>
             </a:r>
             <a:r>
-              <a:rPr lang="ko-KR" altLang="en-US" sz="2400">
+              <a:rPr lang="ko-KR" altLang="en-US" sz="2400" b="1">
                 <a:latin typeface="에스코어 드림 3 Light"/>
                 <a:ea typeface="에스코어 드림 3 Light"/>
               </a:rPr>
               <a:t> 에서 </a:t>
             </a:r>
             <a:r>
-              <a:rPr lang="en-US" altLang="ko-KR" sz="2400">
+              <a:rPr lang="en-US" altLang="ko-KR" sz="2400" b="1">
                 <a:latin typeface="에스코어 드림 3 Light"/>
                 <a:ea typeface="에스코어 드림 3 Light"/>
               </a:rPr>
               <a:t>FFAAAA</a:t>
             </a:r>
             <a:r>
-              <a:rPr lang="ko-KR" altLang="en-US" sz="2400">
+              <a:rPr lang="ko-KR" altLang="en-US" sz="2400" b="1">
                 <a:latin typeface="에스코어 드림 3 Light"/>
                 <a:ea typeface="에스코어 드림 3 Light"/>
               </a:rPr>
               <a:t> 픽셀값 </a:t>
             </a:r>
             <a:r>
-              <a:rPr lang="en-US" altLang="ko-KR" sz="2400">
+              <a:rPr lang="en-US" altLang="ko-KR" sz="2400" b="1">
                 <a:latin typeface="에스코어 드림 3 Light"/>
                 <a:ea typeface="에스코어 드림 3 Light"/>
               </a:rPr>
               <a:t>(255,</a:t>
             </a:r>
             <a:r>
-              <a:rPr lang="ko-KR" altLang="en-US" sz="2400">
+              <a:rPr lang="ko-KR" altLang="en-US" sz="2400" b="1">
                 <a:latin typeface="에스코어 드림 3 Light"/>
                 <a:ea typeface="에스코어 드림 3 Light"/>
               </a:rPr>
               <a:t> </a:t>
             </a:r>
             <a:r>
-              <a:rPr lang="en-US" altLang="ko-KR" sz="2400">
+              <a:rPr lang="en-US" altLang="ko-KR" sz="2400" b="1">
                 <a:latin typeface="에스코어 드림 3 Light"/>
                 <a:ea typeface="에스코어 드림 3 Light"/>
               </a:rPr>
               <a:t>170,</a:t>
             </a:r>
             <a:r>
-              <a:rPr lang="ko-KR" altLang="en-US" sz="2400">
+              <a:rPr lang="ko-KR" altLang="en-US" sz="2400" b="1">
                 <a:latin typeface="에스코어 드림 3 Light"/>
                 <a:ea typeface="에스코어 드림 3 Light"/>
               </a:rPr>
               <a:t> </a:t>
             </a:r>
             <a:r>
-              <a:rPr lang="en-US" altLang="ko-KR" sz="2400">
+              <a:rPr lang="en-US" altLang="ko-KR" sz="2400" b="1">
                 <a:latin typeface="에스코어 드림 3 Light"/>
                 <a:ea typeface="에스코어 드림 3 Light"/>
               </a:rPr>
               <a:t>170)</a:t>
             </a:r>
-            <a:endParaRPr lang="en-US" altLang="ko-KR" sz="2400">
+            <a:endParaRPr lang="en-US" altLang="ko-KR" sz="2400" b="1">
               <a:latin typeface="에스코어 드림 3 Light"/>
               <a:ea typeface="에스코어 드림 3 Light"/>
             </a:endParaRPr>
@@ -14442,7 +21103,7 @@
               <a:buChar char="•"/>
               <a:defRPr/>
             </a:pPr>
-            <a:endParaRPr lang="en-US" altLang="ko-KR" sz="2400">
+            <a:endParaRPr lang="en-US" altLang="ko-KR" sz="2400" b="1">
               <a:latin typeface="에스코어 드림 3 Light"/>
               <a:ea typeface="에스코어 드림 3 Light"/>
             </a:endParaRPr>
@@ -14452,13 +21113,13 @@
               <a:defRPr/>
             </a:pPr>
             <a:r>
-              <a:rPr lang="ko-KR" altLang="en-US" sz="2400">
+              <a:rPr lang="ko-KR" altLang="en-US" sz="2400" b="1">
                 <a:latin typeface="에스코어 드림 3 Light"/>
                 <a:ea typeface="에스코어 드림 3 Light"/>
               </a:rPr>
               <a:t>	구성되어 있음을 파악한다</a:t>
             </a:r>
-            <a:endParaRPr lang="ko-KR" altLang="en-US" sz="2400">
+            <a:endParaRPr lang="ko-KR" altLang="en-US" sz="2400" b="1">
               <a:latin typeface="에스코어 드림 3 Light"/>
               <a:ea typeface="에스코어 드림 3 Light"/>
             </a:endParaRPr>
@@ -14603,13 +21264,6 @@
 <file path=ppt/slides/slide6.xml><?xml version="1.0" encoding="utf-8"?>
 <p:sld xmlns:r="http://schemas.openxmlformats.org/officeDocument/2006/relationships" xmlns:c="http://schemas.openxmlformats.org/drawingml/2006/chart" xmlns:a="http://schemas.openxmlformats.org/drawingml/2006/main" xmlns:dgm="http://schemas.openxmlformats.org/drawingml/2006/diagram" xmlns:dsp="http://schemas.microsoft.com/office/drawing/2008/diagram" xmlns:p="http://schemas.openxmlformats.org/presentationml/2006/main" xmlns:mc="http://schemas.openxmlformats.org/markup-compatibility/2006" xmlns:a14="http://schemas.microsoft.com/office/drawing/2010/main" mc:Ignorable="a14 ">
   <p:cSld name="Slide 6">
-    <p:bg>
-      <p:bgPr shadeToTitle="0">
-        <a:solidFill>
-          <a:srgbClr val="ffffff"/>
-        </a:solidFill>
-      </p:bgPr>
-    </p:bg>
     <p:spTree>
       <p:nvGrpSpPr>
         <p:cNvPr id="1" name=""/>
@@ -16347,8 +23001,8 @@
               <a:solidFill>
                 <a:srgbClr val="000000"/>
               </a:solidFill>
-              <a:latin typeface="에스코어 드림 2 ExtraLight"/>
-              <a:ea typeface="에스코어 드림 2 ExtraLight"/>
+              <a:latin typeface="에스코어 드림 3 Light"/>
+              <a:ea typeface="에스코어 드림 3 Light"/>
               <a:cs typeface="에스코어 드림 4 Regular"/>
             </a:endParaRPr>
           </a:p>
@@ -16539,13 +23193,6 @@
 <file path=ppt/slides/slide7.xml><?xml version="1.0" encoding="utf-8"?>
 <p:sld xmlns:r="http://schemas.openxmlformats.org/officeDocument/2006/relationships" xmlns:c="http://schemas.openxmlformats.org/drawingml/2006/chart" xmlns:a="http://schemas.openxmlformats.org/drawingml/2006/main" xmlns:dgm="http://schemas.openxmlformats.org/drawingml/2006/diagram" xmlns:dsp="http://schemas.microsoft.com/office/drawing/2008/diagram" xmlns:p="http://schemas.openxmlformats.org/presentationml/2006/main">
   <p:cSld name="Slide 6">
-    <p:bg>
-      <p:bgPr shadeToTitle="0">
-        <a:solidFill>
-          <a:srgbClr val="ffffff"/>
-        </a:solidFill>
-      </p:bgPr>
-    </p:bg>
     <p:spTree>
       <p:nvGrpSpPr>
         <p:cNvPr id="1" name=""/>
@@ -17783,13 +24430,6 @@
 <file path=ppt/slides/slide8.xml><?xml version="1.0" encoding="utf-8"?>
 <p:sld xmlns:r="http://schemas.openxmlformats.org/officeDocument/2006/relationships" xmlns:c="http://schemas.openxmlformats.org/drawingml/2006/chart" xmlns:a="http://schemas.openxmlformats.org/drawingml/2006/main" xmlns:dgm="http://schemas.openxmlformats.org/drawingml/2006/diagram" xmlns:dsp="http://schemas.microsoft.com/office/drawing/2008/diagram" xmlns:p="http://schemas.openxmlformats.org/presentationml/2006/main">
   <p:cSld name="Slide 6">
-    <p:bg>
-      <p:bgPr shadeToTitle="0">
-        <a:solidFill>
-          <a:srgbClr val="ffffff"/>
-        </a:solidFill>
-      </p:bgPr>
-    </p:bg>
     <p:spTree>
       <p:nvGrpSpPr>
         <p:cNvPr id="1" name=""/>
@@ -18976,13 +25616,6 @@
 <file path=ppt/slides/slide9.xml><?xml version="1.0" encoding="utf-8"?>
 <p:sld xmlns:r="http://schemas.openxmlformats.org/officeDocument/2006/relationships" xmlns:c="http://schemas.openxmlformats.org/drawingml/2006/chart" xmlns:a="http://schemas.openxmlformats.org/drawingml/2006/main" xmlns:dgm="http://schemas.openxmlformats.org/drawingml/2006/diagram" xmlns:dsp="http://schemas.microsoft.com/office/drawing/2008/diagram" xmlns:p="http://schemas.openxmlformats.org/presentationml/2006/main">
   <p:cSld name="Slide 6">
-    <p:bg>
-      <p:bgPr shadeToTitle="0">
-        <a:solidFill>
-          <a:srgbClr val="ffffff"/>
-        </a:solidFill>
-      </p:bgPr>
-    </p:bg>
     <p:spTree>
       <p:nvGrpSpPr>
         <p:cNvPr id="1" name=""/>

--- a/python데이터 분석과 이미지처리.pptx
+++ b/python데이터 분석과 이미지처리.pptx
@@ -2,7 +2,7 @@
 <file path=ppt/presentation.xml><?xml version="1.0" encoding="utf-8"?>
 <p:presentation xmlns:r="http://schemas.openxmlformats.org/officeDocument/2006/relationships" xmlns:c="http://schemas.openxmlformats.org/drawingml/2006/chart" xmlns:a="http://schemas.openxmlformats.org/drawingml/2006/main" xmlns:dgm="http://schemas.openxmlformats.org/drawingml/2006/diagram" xmlns:dsp="http://schemas.microsoft.com/office/drawing/2008/diagram" xmlns:p="http://schemas.openxmlformats.org/presentationml/2006/main" saveSubsetFonts="1">
   <p:sldMasterIdLst>
-    <p:sldMasterId id="2147483725" r:id="rId1"/>
+    <p:sldMasterId id="2147483712" r:id="rId1"/>
   </p:sldMasterIdLst>
   <p:sldIdLst>
     <p:sldId id="256" r:id="rId2"/>

--- a/python데이터 분석과 이미지처리.pptx
+++ b/python데이터 분석과 이미지처리.pptx
@@ -2,7 +2,7 @@
 <file path=ppt/presentation.xml><?xml version="1.0" encoding="utf-8"?>
 <p:presentation xmlns:r="http://schemas.openxmlformats.org/officeDocument/2006/relationships" xmlns:c="http://schemas.openxmlformats.org/drawingml/2006/chart" xmlns:a="http://schemas.openxmlformats.org/drawingml/2006/main" xmlns:dgm="http://schemas.openxmlformats.org/drawingml/2006/diagram" xmlns:dsp="http://schemas.microsoft.com/office/drawing/2008/diagram" xmlns:p="http://schemas.openxmlformats.org/presentationml/2006/main" saveSubsetFonts="1">
   <p:sldMasterIdLst>
-    <p:sldMasterId id="2147483712" r:id="rId1"/>
+    <p:sldMasterId id="2147483714" r:id="rId1"/>
   </p:sldMasterIdLst>
   <p:sldIdLst>
     <p:sldId id="256" r:id="rId2"/>
@@ -20644,8 +20644,8 @@
         </p:nvSpPr>
         <p:spPr>
           <a:xfrm>
-            <a:off x="6858000" y="6228027"/>
-            <a:ext cx="4876800" cy="1887273"/>
+            <a:off x="6629400" y="6210300"/>
+            <a:ext cx="4876800" cy="1447800"/>
           </a:xfrm>
           <a:prstGeom prst="rect">
             <a:avLst/>
@@ -20662,7 +20662,7 @@
             <a:r>
               <a:rPr lang="en-US" altLang="ko-KR" sz="8300" b="0" kern="0" spc="-300">
                 <a:solidFill>
-                  <a:srgbClr val="000000"/>
+                  <a:schemeClr val="tx1"/>
                 </a:solidFill>
                 <a:latin typeface="에스코어 드림 6 Bold"/>
                 <a:cs typeface="에스코어 드림 6 Bold"/>
@@ -20672,17 +20672,17 @@
             <a:r>
               <a:rPr lang="ko-KR" altLang="en-US" sz="8300" b="0" kern="0" spc="-300">
                 <a:solidFill>
-                  <a:srgbClr val="000000"/>
+                  <a:schemeClr val="tx1"/>
                 </a:solidFill>
                 <a:latin typeface="에스코어 드림 6 Bold"/>
                 <a:cs typeface="에스코어 드림 6 Bold"/>
               </a:rPr>
-              <a:t> </a:t>
+              <a:t>     </a:t>
             </a:r>
             <a:r>
               <a:rPr lang="en-US" altLang="ko-KR" sz="8300" b="0" kern="0" spc="-300">
                 <a:solidFill>
-                  <a:srgbClr val="000000"/>
+                  <a:schemeClr val="tx1"/>
                 </a:solidFill>
                 <a:latin typeface="에스코어 드림 6 Bold"/>
                 <a:cs typeface="에스코어 드림 6 Bold"/>
@@ -20692,17 +20692,17 @@
             <a:r>
               <a:rPr lang="ko-KR" altLang="en-US" sz="8300" b="0" kern="0" spc="-300">
                 <a:solidFill>
-                  <a:srgbClr val="000000"/>
+                  <a:schemeClr val="tx1"/>
                 </a:solidFill>
                 <a:latin typeface="에스코어 드림 6 Bold"/>
                 <a:cs typeface="에스코어 드림 6 Bold"/>
               </a:rPr>
-              <a:t> </a:t>
+              <a:t>     </a:t>
             </a:r>
             <a:r>
               <a:rPr lang="en-US" altLang="ko-KR" sz="8300" b="0" kern="0" spc="-300">
                 <a:solidFill>
-                  <a:srgbClr val="000000"/>
+                  <a:schemeClr val="tx1"/>
                 </a:solidFill>
                 <a:latin typeface="에스코어 드림 6 Bold"/>
                 <a:cs typeface="에스코어 드림 6 Bold"/>
@@ -20712,7 +20712,7 @@
             <a:r>
               <a:rPr lang="ko-KR" altLang="en-US" sz="8300" b="0" kern="0" spc="-300">
                 <a:solidFill>
-                  <a:srgbClr val="000000"/>
+                  <a:schemeClr val="tx1"/>
                 </a:solidFill>
                 <a:latin typeface="에스코어 드림 6 Bold"/>
                 <a:cs typeface="에스코어 드림 6 Bold"/>
@@ -20720,30 +20720,18 @@
               <a:t> </a:t>
             </a:r>
             <a:r>
-              <a:rPr lang="ko-KR" altLang="en-US" sz="8300" b="0" kern="0" spc="-300">
-                <a:solidFill>
-                  <a:srgbClr val="000000">
-                    <a:alpha val="0"/>
-                  </a:srgbClr>
+              <a:rPr lang="en-US" altLang="ko-KR" sz="8300" b="0" kern="0" spc="-300">
+                <a:solidFill>
+                  <a:schemeClr val="tx1"/>
                 </a:solidFill>
                 <a:latin typeface="에스코어 드림 6 Bold"/>
                 <a:cs typeface="에스코어 드림 6 Bold"/>
               </a:rPr>
-              <a:t>ㅁㄲㅅ</a:t>
-            </a:r>
-            <a:r>
-              <a:rPr lang="en-US" altLang="ko-KR" sz="8300" b="0" kern="0" spc="-300">
-                <a:solidFill>
-                  <a:srgbClr val="000000"/>
-                </a:solidFill>
-                <a:latin typeface="에스코어 드림 6 Bold"/>
-                <a:cs typeface="에스코어 드림 6 Bold"/>
-              </a:rPr>
               <a:t> </a:t>
             </a:r>
             <a:endParaRPr lang="en-US" altLang="ko-KR" sz="8300" b="0" kern="0" spc="-300">
               <a:solidFill>
-                <a:srgbClr val="000000"/>
+                <a:schemeClr val="tx1"/>
               </a:solidFill>
               <a:latin typeface="에스코어 드림 6 Bold"/>
               <a:cs typeface="에스코어 드림 6 Bold"/>
@@ -20759,8 +20747,8 @@
         </p:nvSpPr>
         <p:spPr>
           <a:xfrm>
-            <a:off x="6781800" y="2189427"/>
-            <a:ext cx="5410200" cy="1887273"/>
+            <a:off x="6400800" y="2189427"/>
+            <a:ext cx="5410200" cy="3944673"/>
           </a:xfrm>
           <a:prstGeom prst="rect">
             <a:avLst/>
@@ -20782,31 +20770,9 @@
                 <a:latin typeface="에스코어 드림 6 Bold"/>
                 <a:cs typeface="에스코어 드림 6 Bold"/>
               </a:rPr>
-              <a:t>기술의 품질을 높이는 </a:t>
-            </a:r>
-            <a:r>
-              <a:rPr lang="ko-KR" altLang="en-US" sz="8300" b="0" kern="0" spc="-300">
-                <a:solidFill>
-                  <a:srgbClr val="000000">
-                    <a:alpha val="0"/>
-                  </a:srgbClr>
-                </a:solidFill>
-                <a:latin typeface="에스코어 드림 6 Bold"/>
-                <a:cs typeface="에스코어 드림 6 Bold"/>
-              </a:rPr>
-              <a:t>ㅁㄲㅅ</a:t>
-            </a:r>
-            <a:r>
-              <a:rPr lang="en-US" altLang="ko-KR" sz="8300" b="0" kern="0" spc="-300">
-                <a:solidFill>
-                  <a:srgbClr val="000000"/>
-                </a:solidFill>
-                <a:latin typeface="에스코어 드림 6 Bold"/>
-                <a:cs typeface="에스코어 드림 6 Bold"/>
-              </a:rPr>
-              <a:t> </a:t>
-            </a:r>
-            <a:endParaRPr lang="en-US" altLang="ko-KR" sz="8300" b="0" kern="0" spc="-300">
+              <a:t>기  술  의 품  질  을 높    이    는 </a:t>
+            </a:r>
+            <a:endParaRPr lang="ko-KR" altLang="en-US" sz="8300" b="0" kern="0" spc="-300">
               <a:solidFill>
                 <a:srgbClr val="000000"/>
               </a:solidFill>

--- a/python데이터 분석과 이미지처리.pptx
+++ b/python데이터 분석과 이미지처리.pptx
@@ -2,7 +2,7 @@
 <file path=ppt/presentation.xml><?xml version="1.0" encoding="utf-8"?>
 <p:presentation xmlns:r="http://schemas.openxmlformats.org/officeDocument/2006/relationships" xmlns:c="http://schemas.openxmlformats.org/drawingml/2006/chart" xmlns:a="http://schemas.openxmlformats.org/drawingml/2006/main" xmlns:dgm="http://schemas.openxmlformats.org/drawingml/2006/diagram" xmlns:dsp="http://schemas.microsoft.com/office/drawing/2008/diagram" xmlns:p="http://schemas.openxmlformats.org/presentationml/2006/main" saveSubsetFonts="1">
   <p:sldMasterIdLst>
-    <p:sldMasterId id="2147483714" r:id="rId1"/>
+    <p:sldMasterId id="2147483732" r:id="rId1"/>
   </p:sldMasterIdLst>
   <p:sldIdLst>
     <p:sldId id="256" r:id="rId2"/>
@@ -3665,16 +3665,6 @@
               </a:rPr>
               <a:t>)를 검출하는 주된 요소는 하얀색의 객체를 검출</a:t>
             </a:r>
-            <a:r>
-              <a:rPr lang="ko-KR" altLang="en-US" sz="2100" b="1" kern="0" spc="600">
-                <a:solidFill>
-                  <a:srgbClr val="008000"/>
-                </a:solidFill>
-                <a:latin typeface="에스코어 드림 4 Regular"/>
-                <a:cs typeface="에스코어 드림 4 Regular"/>
-              </a:rPr>
-              <a:t>한다</a:t>
-            </a:r>
             <a:endParaRPr lang="ko-KR" altLang="en-US" sz="2100" b="1" kern="0" spc="600">
               <a:solidFill>
                 <a:srgbClr val="008000"/>
@@ -3718,17 +3708,7 @@
                 <a:latin typeface="에스코어 드림 4 Regular"/>
                 <a:cs typeface="에스코어 드림 4 Regular"/>
               </a:rPr>
-              <a:t>형한다</a:t>
-            </a:r>
-            <a:r>
-              <a:rPr lang="en-US" altLang="ko-KR" sz="2100" b="1" kern="0" spc="600">
-                <a:solidFill>
-                  <a:srgbClr val="008000"/>
-                </a:solidFill>
-                <a:latin typeface="에스코어 드림 4 Regular"/>
-                <a:cs typeface="에스코어 드림 4 Regular"/>
-              </a:rPr>
-              <a:t>.</a:t>
+              <a:t>형</a:t>
             </a:r>
             <a:endParaRPr lang="en-US" altLang="ko-KR" sz="2100" b="1" kern="0" spc="600">
               <a:solidFill>
@@ -3831,7 +3811,7 @@
               <a:defRPr/>
             </a:pPr>
             <a:r>
-              <a:rPr lang="ko-KR" altLang="ko-KR" sz="2100" b="1" kern="0" spc="600">
+              <a:rPr lang="ko-KR" altLang="ko-KR" sz="2000" b="1" kern="0" spc="600">
                 <a:solidFill>
                   <a:srgbClr val="008000"/>
                 </a:solidFill>
@@ -3841,7 +3821,7 @@
               <a:t># (원본이미지, 임계값, 임계값 이상일 경우 바꿀 최대값(흰색</a:t>
             </a:r>
             <a:r>
-              <a:rPr lang="en-US" altLang="ko-KR" sz="2100" b="1" kern="0" spc="600">
+              <a:rPr lang="en-US" altLang="ko-KR" sz="2000" b="1" kern="0" spc="600">
                 <a:solidFill>
                   <a:srgbClr val="008000"/>
                 </a:solidFill>
@@ -3851,14 +3831,14 @@
               <a:t>=</a:t>
             </a:r>
             <a:r>
-              <a:rPr lang="ko-KR" altLang="ko-KR" sz="2100" b="1" kern="0" spc="600">
+              <a:rPr lang="ko-KR" altLang="ko-KR" sz="2000" b="1" kern="0" spc="600">
                 <a:solidFill>
                   <a:srgbClr val="008000"/>
                 </a:solidFill>
                 <a:latin typeface="에스코어 드림 4 Regular"/>
                 <a:cs typeface="에스코어 드림 4 Regular"/>
               </a:rPr>
-              <a:t>255로 지정),THRESH_BINARY)</a:t>
+              <a:t>255로지정),THRESH_BINARY)</a:t>
             </a:r>
             <a:endParaRPr lang="ko-KR" altLang="ko-KR" sz="2100" b="1" kern="0" spc="600">
               <a:solidFill>
@@ -3876,7 +3856,7 @@
               <a:defRPr/>
             </a:pPr>
             <a:r>
-              <a:rPr lang="ko-KR" altLang="ko-KR" sz="2100" b="1" kern="0" spc="600">
+              <a:rPr lang="ko-KR" altLang="ko-KR" sz="2000" b="1" kern="0" spc="600">
                 <a:solidFill>
                   <a:srgbClr val="008000"/>
                 </a:solidFill>
@@ -3886,7 +3866,7 @@
               <a:t>#</a:t>
             </a:r>
             <a:r>
-              <a:rPr lang="ko-KR" altLang="ko-KR" sz="2100" b="1" kern="0" spc="600">
+              <a:rPr lang="ko-KR" altLang="ko-KR" sz="2000" b="1" kern="0" spc="600">
                 <a:solidFill>
                   <a:srgbClr val="ff6600"/>
                 </a:solidFill>
@@ -3896,7 +3876,7 @@
               <a:t>THRESH_BINARY</a:t>
             </a:r>
             <a:r>
-              <a:rPr lang="ko-KR" altLang="ko-KR" sz="2100" b="1" kern="0" spc="600">
+              <a:rPr lang="ko-KR" altLang="ko-KR" sz="2000" b="1" kern="0" spc="600">
                 <a:solidFill>
                   <a:srgbClr val="008000"/>
                 </a:solidFill>
@@ -4187,7 +4167,7 @@
                 <a:latin typeface="에스코어 드림 3 Light"/>
                 <a:ea typeface="에스코어 드림 3 Light"/>
               </a:rPr>
-              <a:t># 윤곽선은 Numpy 구조의 배열로 검출된 윤곽선의 지점들이 담겨있다.</a:t>
+              <a:t># 윤곽선은 Numpy 구조의 배열로 검출된 윤곽선의 지점들이 담김.</a:t>
             </a:r>
             <a:endParaRPr lang="ko-KR" altLang="en-US" sz="2100" b="1">
               <a:solidFill>
@@ -4247,7 +4227,7 @@
                 <a:latin typeface="에스코어 드림 3 Light"/>
                 <a:ea typeface="에스코어 드림 3 Light"/>
               </a:rPr>
-              <a:t> : 외곽 윤곽선만 검출하며, 계층 구조를 구성하지 않습니다.</a:t>
+              <a:t> : 외곽 윤곽선만 검출하며, 계층 구조를 구성하지 않음.</a:t>
             </a:r>
             <a:endParaRPr lang="ko-KR" altLang="en-US" sz="2100" b="1">
               <a:solidFill>
@@ -4292,9 +4272,9 @@
                 <a:latin typeface="에스코어 드림 3 Light"/>
                 <a:ea typeface="에스코어 드림 3 Light"/>
               </a:rPr>
-              <a:t>: 윤곽점들 단순화 수평, 수직 및 대각선 요소를 압축하고 끝점만 남겨 둡니다.</a:t>
-            </a:r>
-            <a:endParaRPr lang="ko-KR" altLang="en-US" sz="2000" b="1">
+              <a:t>: 윤곽점들 단순화 수평, 수직 및 대각선 요소를 압축하고 끝점만 남겨 둠.</a:t>
+            </a:r>
+            <a:endParaRPr lang="ko-KR" altLang="en-US" sz="2100" b="1">
               <a:solidFill>
                 <a:schemeClr val="dk1"/>
               </a:solidFill>
@@ -4662,27 +4642,7 @@
                 <a:latin typeface="에스코어 드림 4 Regular"/>
                 <a:cs typeface="에스코어 드림 4 Regular"/>
               </a:rPr>
-              <a:t>외곽선이 감싸는 영역의 면적을 반환</a:t>
-            </a:r>
-            <a:r>
-              <a:rPr lang="ko-KR" altLang="en-US" sz="2200" b="1" kern="0" spc="600">
-                <a:solidFill>
-                  <a:srgbClr val="008000"/>
-                </a:solidFill>
-                <a:latin typeface="에스코어 드림 4 Regular"/>
-                <a:cs typeface="에스코어 드림 4 Regular"/>
-              </a:rPr>
-              <a:t>한다</a:t>
-            </a:r>
-            <a:r>
-              <a:rPr lang="ko-KR" altLang="ko-KR" sz="2200" b="1" kern="0" spc="600">
-                <a:solidFill>
-                  <a:srgbClr val="008000"/>
-                </a:solidFill>
-                <a:latin typeface="에스코어 드림 4 Regular"/>
-                <a:cs typeface="에스코어 드림 4 Regular"/>
-              </a:rPr>
-              <a:t>.</a:t>
+              <a:t>외곽선이 감싸는 영역의 면적을 반환.</a:t>
             </a:r>
             <a:endParaRPr lang="ko-KR" altLang="ko-KR" sz="2200" b="1" kern="0" spc="600">
               <a:solidFill>
@@ -4997,7 +4957,7 @@
                 <a:latin typeface="에스코어 드림 4 Regular"/>
                 <a:cs typeface="에스코어 드림 4 Regular"/>
               </a:rPr>
-              <a:t>									사각형(바운딩 박스)를 반환합니다.</a:t>
+              <a:t>									사각형(바운딩 박스)를 반환.</a:t>
             </a:r>
             <a:endParaRPr lang="ko-KR" altLang="en-US" sz="2200" b="1" kern="0" spc="600">
               <a:solidFill>
@@ -5274,7 +5234,7 @@
               </a:rPr>
               <a:t>    return chars</a:t>
             </a:r>
-            <a:endParaRPr lang="en-US" altLang="ko-KR" sz="2000" b="1" kern="0" spc="600">
+            <a:endParaRPr lang="en-US" altLang="ko-KR" sz="2200" b="1" kern="0" spc="600">
               <a:solidFill>
                 <a:srgbClr val="000000"/>
               </a:solidFill>
@@ -5940,9 +5900,19 @@
                 <a:latin typeface="에스코어 드림 4 Regular"/>
                 <a:cs typeface="에스코어 드림 4 Regular"/>
               </a:rPr>
-              <a:t>입력된 숫자가 파일명으로 지정된다</a:t>
-            </a:r>
-            <a:endParaRPr lang="ko-KR" altLang="en-US" b="1" kern="0" spc="600">
+              <a:t>입력된 숫자가 파일명으로 지정</a:t>
+            </a:r>
+            <a:r>
+              <a:rPr lang="en-US" altLang="ko-KR" sz="2000" b="1" kern="0" spc="600">
+                <a:solidFill>
+                  <a:srgbClr val="008000"/>
+                </a:solidFill>
+                <a:latin typeface="에스코어 드림 4 Regular"/>
+                <a:cs typeface="에스코어 드림 4 Regular"/>
+              </a:rPr>
+              <a:t>.</a:t>
+            </a:r>
+            <a:endParaRPr lang="en-US" altLang="ko-KR" sz="2000" b="1" kern="0" spc="600">
               <a:solidFill>
                 <a:srgbClr val="008000"/>
               </a:solidFill>
@@ -6254,9 +6224,9 @@
                 <a:latin typeface="에스코어 드림 4 Regular"/>
                 <a:cs typeface="에스코어 드림 4 Regular"/>
               </a:rPr>
-              <a:t>#파이썬 내장함수 ord(’a’)는 문자의 유니코드 값97을 돌려주는 함수이다.</a:t>
-            </a:r>
-            <a:endParaRPr lang="en-US" altLang="ko-KR" b="1" kern="0" spc="600">
+              <a:t>#파이썬 내장함수 ord(’a’)는 문자의 유니코드 값97을 돌려주는 함수.</a:t>
+            </a:r>
+            <a:endParaRPr lang="en-US" altLang="ko-KR" sz="2000" b="1" kern="0" spc="600">
               <a:solidFill>
                 <a:srgbClr val="008000"/>
               </a:solidFill>
@@ -6501,7 +6471,7 @@
         <p:spPr>
           <a:xfrm>
             <a:off x="9601200" y="1426845"/>
-            <a:ext cx="7543799" cy="419100"/>
+            <a:ext cx="7543800" cy="419099"/>
           </a:xfrm>
           <a:prstGeom prst="rect">
             <a:avLst/>
@@ -6838,7 +6808,7 @@
                 <a:latin typeface="에스코어 드림 4 Regular"/>
                 <a:cs typeface="에스코어 드림 4 Regular"/>
               </a:rPr>
-              <a:t>까지 입력된 숫자를 폴더명으로 지정한다</a:t>
+              <a:t>까지 입력된 숫자를 폴더명으로 지정</a:t>
             </a:r>
             <a:r>
               <a:rPr lang="en-US" altLang="ko-KR" sz="2000" b="1" kern="0" spc="600">
@@ -6986,7 +6956,7 @@
                 <a:latin typeface="에스코어 드림 4 Regular"/>
                 <a:cs typeface="에스코어 드림 4 Regular"/>
               </a:rPr>
-              <a:t>로 입력받는다</a:t>
+              <a:t>로 입력받음</a:t>
             </a:r>
             <a:r>
               <a:rPr lang="en-US" altLang="ko-KR" sz="2000" b="1" kern="0" spc="600">
@@ -9073,7 +9043,7 @@
         <p:spPr>
           <a:xfrm>
             <a:off x="1447800" y="2185219"/>
-            <a:ext cx="16002000" cy="7239000"/>
+            <a:ext cx="16383000" cy="7239000"/>
           </a:xfrm>
           <a:prstGeom prst="rect">
             <a:avLst/>
@@ -9688,7 +9658,17 @@
                 <a:latin typeface="에스코어 드림 4 Regular"/>
                 <a:cs typeface="에스코어 드림 4 Regular"/>
               </a:rPr>
-              <a:t>#가장 가까운 K(=1 하나)개를 찾아, 어떤 숫자에 해당하는지 찾는다</a:t>
+              <a:t>#가장 가까운 K(=1 하나)개를 찾아, 어떤 숫자에 해당하는지 찾</a:t>
+            </a:r>
+            <a:r>
+              <a:rPr lang="ko-KR" altLang="en-US" sz="2200" b="1" kern="0" spc="600">
+                <a:solidFill>
+                  <a:srgbClr val="008000"/>
+                </a:solidFill>
+                <a:latin typeface="에스코어 드림 4 Regular"/>
+                <a:cs typeface="에스코어 드림 4 Regular"/>
+              </a:rPr>
+              <a:t>음</a:t>
             </a:r>
             <a:r>
               <a:rPr lang="en-US" altLang="ko-KR" sz="2200" b="1" kern="0" spc="600">
@@ -9780,7 +9760,7 @@
               </a:rPr>
               <a:t>#데이터 레이블을 반환</a:t>
             </a:r>
-            <a:endParaRPr lang="en-US" altLang="ko-KR" sz="2000" b="1" kern="0" spc="600">
+            <a:endParaRPr lang="en-US" altLang="ko-KR" sz="2200" b="1" kern="0" spc="600">
               <a:solidFill>
                 <a:srgbClr val="008000"/>
               </a:solidFill>
@@ -10031,7 +10011,7 @@
                 <a:ea typeface="에스코어 드림 3 Light"/>
                 <a:cs typeface="에스코어 드림 4 Regular"/>
               </a:rPr>
-              <a:t>하는 개수를 지정할 수 있다</a:t>
+              <a:t>하는 개수를 지정</a:t>
             </a:r>
             <a:endParaRPr lang="ko-KR" altLang="en-US" sz="2400" b="1" kern="0" spc="600">
               <a:solidFill>
@@ -10602,7 +10582,7 @@
                 <a:latin typeface="에스코어 드림 4 Regular"/>
                 <a:cs typeface="에스코어 드림 4 Regular"/>
               </a:rPr>
-              <a:t>										</a:t>
+              <a:t>									</a:t>
             </a:r>
             <a:r>
               <a:rPr lang="en-US" altLang="ko-KR" sz="2200" b="1" kern="0" spc="600">
@@ -11486,7 +11466,27 @@
                 <a:latin typeface="에스코어 드림 4 Regular"/>
                 <a:cs typeface="에스코어 드림 4 Regular"/>
               </a:rPr>
-              <a:t>#수식정제 </a:t>
+              <a:t>#수식정제</a:t>
+            </a:r>
+            <a:r>
+              <a:rPr lang="ko-KR" altLang="en-US" sz="2100" b="1" kern="0" spc="600">
+                <a:solidFill>
+                  <a:srgbClr val="008000"/>
+                </a:solidFill>
+                <a:latin typeface="에스코어 드림 4 Regular"/>
+                <a:cs typeface="에스코어 드림 4 Regular"/>
+              </a:rPr>
+              <a:t>하는 함수</a:t>
+            </a:r>
+            <a:r>
+              <a:rPr lang="en-US" altLang="ko-KR" sz="2100" b="1" kern="0" spc="600">
+                <a:solidFill>
+                  <a:srgbClr val="008000"/>
+                </a:solidFill>
+                <a:latin typeface="에스코어 드림 4 Regular"/>
+                <a:cs typeface="에스코어 드림 4 Regular"/>
+              </a:rPr>
+              <a:t> </a:t>
             </a:r>
             <a:endParaRPr lang="en-US" altLang="ko-KR" sz="2100" b="1" kern="0" spc="600">
               <a:solidFill>
@@ -11856,7 +11856,7 @@
                 <a:latin typeface="에스코어 드림 4 Regular"/>
                 <a:cs typeface="에스코어 드림 4 Regular"/>
               </a:rPr>
-              <a:t>              </a:t>
+              <a:t>             </a:t>
             </a:r>
             <a:r>
               <a:rPr lang="en-US" altLang="ko-KR" sz="2100" b="1" kern="0" spc="600">
@@ -11926,7 +11926,27 @@
                 <a:latin typeface="에스코어 드림 4 Regular"/>
                 <a:cs typeface="에스코어 드림 4 Regular"/>
               </a:rPr>
-              <a:t># 특정한 폴더에 이미지 파일을 다운로드 받습니다.</a:t>
+              <a:t># 특정한 폴더에 이미지 파일을 다운로드 </a:t>
+            </a:r>
+            <a:r>
+              <a:rPr lang="ko-KR" altLang="en-US" sz="2100" b="1" kern="0" spc="600">
+                <a:solidFill>
+                  <a:srgbClr val="008000"/>
+                </a:solidFill>
+                <a:latin typeface="에스코어 드림 4 Regular"/>
+                <a:cs typeface="에스코어 드림 4 Regular"/>
+              </a:rPr>
+              <a:t>받음</a:t>
+            </a:r>
+            <a:r>
+              <a:rPr lang="en-US" altLang="ko-KR" sz="2100" b="1" kern="0" spc="600">
+                <a:solidFill>
+                  <a:srgbClr val="008000"/>
+                </a:solidFill>
+                <a:latin typeface="에스코어 드림 4 Regular"/>
+                <a:cs typeface="에스코어 드림 4 Regular"/>
+              </a:rPr>
+              <a:t>.</a:t>
             </a:r>
             <a:endParaRPr lang="en-US" altLang="ko-KR" sz="2100" b="1" kern="0" spc="600">
               <a:solidFill>
@@ -12131,11 +12151,11 @@
                 <a:latin typeface="에스코어 드림 4 Regular"/>
                 <a:cs typeface="에스코어 드림 4 Regular"/>
               </a:rPr>
-              <a:t># 다운로드 받은 이미지 파일을 분석하여 답을 도출합니다.</a:t>
+              <a:t># 다운로드 받은 이미지 파일을 분석하여 답을 도출.</a:t>
             </a:r>
             <a:endParaRPr lang="en-US" altLang="ko-KR" sz="2100" b="1" kern="0" spc="600">
               <a:solidFill>
-                <a:schemeClr val="tx1"/>
+                <a:srgbClr val="008000"/>
               </a:solidFill>
               <a:latin typeface="에스코어 드림 4 Regular"/>
               <a:cs typeface="에스코어 드림 4 Regular"/>
@@ -13301,7 +13321,7 @@
         </p:nvGraphicFramePr>
         <p:xfrm>
           <a:off x="9296400" y="3102201"/>
-          <a:ext cx="3429000" cy="3962400"/>
+          <a:ext cx="3428999" cy="3962400"/>
         </p:xfrm>
         <a:graphic>
           <a:graphicData uri="http://schemas.openxmlformats.org/drawingml/2006/table">
@@ -19415,8 +19435,8 @@
             </p:nvSpPr>
             <p:spPr>
               <a:xfrm>
-                <a:off x="2999608" y="1588503"/>
-                <a:ext cx="892174" cy="181958"/>
+                <a:off x="2999607" y="1588502"/>
+                <a:ext cx="892173" cy="181958"/>
               </a:xfrm>
               <a:prstGeom prst="rect">
                 <a:avLst/>
@@ -20072,7 +20092,7 @@
                 <a:latin typeface="에스코어 드림 2 ExtraLight"/>
                 <a:ea typeface="에스코어 드림 2 ExtraLight"/>
               </a:rPr>
-              <a:t>의 형태를 지닌다</a:t>
+              <a:t>의 형태를 지님</a:t>
             </a:r>
             <a:endParaRPr lang="ko-KR" altLang="en-US" sz="2800" b="1">
               <a:solidFill>
@@ -21584,7 +21604,7 @@
                 <a:ea typeface="에스코어 드림 3 Light"/>
                 <a:cs typeface="에스코어 드림 2 ExtraLight"/>
               </a:rPr>
-              <a:t>와 같은 다양한 개발 환경을 지원</a:t>
+              <a:t>와 같은 다양한 개발 환경을 지원함</a:t>
             </a:r>
             <a:endParaRPr lang="ko-KR" altLang="en-US" sz="2800" b="0" kern="0" spc="-100">
               <a:solidFill>
@@ -21624,7 +21644,7 @@
                 <a:ea typeface="에스코어 드림 3 Light"/>
                 <a:cs typeface="에스코어 드림 2 ExtraLight"/>
               </a:rPr>
-              <a:t>의 딥러닝 프레임워크를 지원</a:t>
+              <a:t>의 딥러닝 프레임워크를 지원함</a:t>
             </a:r>
             <a:endParaRPr lang="ko-KR" altLang="en-US" sz="2800" b="0" kern="0" spc="-100">
               <a:solidFill>
@@ -21719,7 +21739,7 @@
                 <a:ea typeface="에스코어 드림 3 Light"/>
                 <a:cs typeface="에스코어 드림 2 ExtraLight"/>
               </a:rPr>
-              <a:t> 모바일 로보틱스등 기술에 응용되고 있다</a:t>
+              <a:t> 모바일 로보틱스등 기술에 응용됨</a:t>
             </a:r>
             <a:endParaRPr lang="ko-KR" altLang="en-US" sz="2800" b="0" kern="0" spc="-100">
               <a:solidFill>
@@ -21909,7 +21929,7 @@
                 <a:ea typeface="에스코어 드림 3 Light"/>
                 <a:cs typeface="에스코어 드림 2 ExtraLight"/>
               </a:rPr>
-              <a:t> 분류분석 모델이다</a:t>
+              <a:t> 분류의 분석 모델</a:t>
             </a:r>
             <a:endParaRPr lang="ko-KR" altLang="en-US" sz="2400" b="0" kern="0" spc="-100">
               <a:solidFill>
@@ -21960,7 +21980,7 @@
                 <a:ea typeface="에스코어 드림 3 Light"/>
                 <a:cs typeface="에스코어 드림 2 ExtraLight"/>
               </a:rPr>
-              <a:t>개의 다른 데이터의 레이블을 참조하여 분류하는 알고리즘</a:t>
+              <a:t>개의 데이터를 데이터 레이블을 참조하여 분류하는 알고리즘</a:t>
             </a:r>
             <a:endParaRPr lang="ko-KR" altLang="en-US" sz="2400" b="0" kern="0" spc="-100">
               <a:solidFill>
@@ -22044,7 +22064,7 @@
                 <a:ea typeface="에스코어 드림 3 Light"/>
                 <a:cs typeface="에스코어 드림 2 ExtraLight"/>
               </a:rPr>
-              <a:t> 상품 추천에 대한 개별 선호 예측 등 많은 분야에서 응용되고 있다</a:t>
+              <a:t> 상품 추천에 대한 개별 선호 예측</a:t>
             </a:r>
             <a:r>
               <a:rPr lang="en-US" altLang="ko-KR" sz="2400" b="0" kern="0" spc="-100">
@@ -22055,9 +22075,20 @@
                 <a:ea typeface="에스코어 드림 3 Light"/>
                 <a:cs typeface="에스코어 드림 2 ExtraLight"/>
               </a:rPr>
-              <a:t>.</a:t>
-            </a:r>
-            <a:endParaRPr lang="en-US" altLang="ko-KR" sz="2400" b="0" kern="0" spc="-100">
+              <a:t>,</a:t>
+            </a:r>
+            <a:r>
+              <a:rPr lang="ko-KR" altLang="en-US" sz="2400" b="0" kern="0" spc="-100">
+                <a:solidFill>
+                  <a:schemeClr val="dk1"/>
+                </a:solidFill>
+                <a:latin typeface="에스코어 드림 3 Light"/>
+                <a:ea typeface="에스코어 드림 3 Light"/>
+                <a:cs typeface="에스코어 드림 2 ExtraLight"/>
+              </a:rPr>
+              <a:t> 유전자 데이터의 패턴인식 등 많은 분야에서 응용됨</a:t>
+            </a:r>
+            <a:endParaRPr lang="ko-KR" altLang="en-US" sz="2400" b="0" kern="0" spc="-100">
               <a:solidFill>
                 <a:schemeClr val="dk1"/>
               </a:solidFill>
@@ -22084,7 +22115,7 @@
                 <a:ea typeface="에스코어 드림 3 Light"/>
                 <a:cs typeface="에스코어 드림 2 ExtraLight"/>
               </a:rPr>
-              <a:t>물체 인식</a:t>
+              <a:t>알고리즘이 간단하여 구현하기가 쉽다는 장점을 지님</a:t>
             </a:r>
             <a:r>
               <a:rPr lang="en-US" altLang="ko-KR" sz="2400" b="0" kern="0" spc="-100">
@@ -22095,64 +22126,9 @@
                 <a:ea typeface="에스코어 드림 3 Light"/>
                 <a:cs typeface="에스코어 드림 2 ExtraLight"/>
               </a:rPr>
-              <a:t>,</a:t>
-            </a:r>
-            <a:r>
-              <a:rPr lang="ko-KR" altLang="en-US" sz="2400" b="0" kern="0" spc="-100">
-                <a:solidFill>
-                  <a:srgbClr val="000000"/>
-                </a:solidFill>
-                <a:latin typeface="에스코어 드림 3 Light"/>
-                <a:ea typeface="에스코어 드림 3 Light"/>
-                <a:cs typeface="에스코어 드림 2 ExtraLight"/>
-              </a:rPr>
-              <a:t> 안면인식</a:t>
-            </a:r>
-            <a:r>
-              <a:rPr lang="en-US" altLang="ko-KR" sz="2400" b="0" kern="0" spc="-100">
-                <a:solidFill>
-                  <a:srgbClr val="000000"/>
-                </a:solidFill>
-                <a:latin typeface="에스코어 드림 3 Light"/>
-                <a:ea typeface="에스코어 드림 3 Light"/>
-                <a:cs typeface="에스코어 드림 2 ExtraLight"/>
-              </a:rPr>
-              <a:t>,</a:t>
-            </a:r>
-            <a:r>
-              <a:rPr lang="ko-KR" altLang="en-US" sz="2400" b="0" kern="0" spc="-100">
-                <a:solidFill>
-                  <a:srgbClr val="000000"/>
-                </a:solidFill>
-                <a:latin typeface="에스코어 드림 3 Light"/>
-                <a:ea typeface="에스코어 드림 3 Light"/>
-                <a:cs typeface="에스코어 드림 2 ExtraLight"/>
-              </a:rPr>
-              <a:t> 제스처 인식</a:t>
-            </a:r>
-            <a:r>
-              <a:rPr lang="en-US" altLang="ko-KR" sz="2400" b="0" kern="0" spc="-100">
-                <a:solidFill>
-                  <a:srgbClr val="000000"/>
-                </a:solidFill>
-                <a:latin typeface="에스코어 드림 3 Light"/>
-                <a:ea typeface="에스코어 드림 3 Light"/>
-                <a:cs typeface="에스코어 드림 2 ExtraLight"/>
-              </a:rPr>
-              <a:t>,</a:t>
-            </a:r>
-            <a:r>
-              <a:rPr lang="ko-KR" altLang="en-US" sz="2400" b="0" kern="0" spc="-100">
-                <a:solidFill>
-                  <a:srgbClr val="000000"/>
-                </a:solidFill>
-                <a:latin typeface="에스코어 드림 3 Light"/>
-                <a:ea typeface="에스코어 드림 3 Light"/>
-                <a:cs typeface="에스코어 드림 2 ExtraLight"/>
-              </a:rPr>
-              <a:t> 모바일 로보틱스등 기술에 응용되고 있다</a:t>
-            </a:r>
-            <a:endParaRPr lang="ko-KR" altLang="en-US" sz="2400" b="0" kern="0" spc="-100">
+              <a:t>.</a:t>
+            </a:r>
+            <a:endParaRPr lang="en-US" altLang="ko-KR" sz="2400" b="0" kern="0" spc="-100">
               <a:solidFill>
                 <a:srgbClr val="000000"/>
               </a:solidFill>
@@ -22179,47 +22155,7 @@
                 <a:ea typeface="에스코어 드림 3 Light"/>
                 <a:cs typeface="에스코어 드림 2 ExtraLight"/>
               </a:rPr>
-              <a:t>알고리즘이 간단하여 구현하기가 쉽다는 장점이 있다</a:t>
-            </a:r>
-            <a:r>
-              <a:rPr lang="en-US" altLang="ko-KR" sz="2400" b="0" kern="0" spc="-100">
-                <a:solidFill>
-                  <a:srgbClr val="000000"/>
-                </a:solidFill>
-                <a:latin typeface="에스코어 드림 3 Light"/>
-                <a:ea typeface="에스코어 드림 3 Light"/>
-                <a:cs typeface="에스코어 드림 2 ExtraLight"/>
-              </a:rPr>
-              <a:t>.</a:t>
-            </a:r>
-            <a:endParaRPr lang="en-US" altLang="ko-KR" sz="2400" b="0" kern="0" spc="-100">
-              <a:solidFill>
-                <a:srgbClr val="000000"/>
-              </a:solidFill>
-              <a:latin typeface="에스코어 드림 3 Light"/>
-              <a:ea typeface="에스코어 드림 3 Light"/>
-              <a:cs typeface="에스코어 드림 2 ExtraLight"/>
-            </a:endParaRPr>
-          </a:p>
-          <a:p>
-            <a:pPr marL="257040" indent="-257040" algn="just">
-              <a:lnSpc>
-                <a:spcPct val="150000"/>
-              </a:lnSpc>
-              <a:buFont typeface="Arial"/>
-              <a:buChar char="•"/>
-              <a:defRPr/>
-            </a:pPr>
-            <a:r>
-              <a:rPr lang="ko-KR" altLang="en-US" sz="2400" b="0" kern="0" spc="-100">
-                <a:solidFill>
-                  <a:srgbClr val="000000"/>
-                </a:solidFill>
-                <a:latin typeface="에스코어 드림 3 Light"/>
-                <a:ea typeface="에스코어 드림 3 Light"/>
-                <a:cs typeface="에스코어 드림 2 ExtraLight"/>
-              </a:rPr>
-              <a:t>모델을 생성하지 않아 특징과 클래스 간 관계를 이해하는 데 제한적이며 데이터가 많아지면 분류 단계가 느려지는 단점이 있다</a:t>
+              <a:t>모델을 생성하지 않아 특징과 클래스 간 관계를 이해하는 데 제한적이며 데이터가 많아지면 분류 단계가 느려지는 단점을 지님</a:t>
             </a:r>
             <a:r>
               <a:rPr lang="en-US" altLang="ko-KR" sz="2400" b="0" kern="0" spc="-100">
@@ -22689,7 +22625,7 @@
                 <a:latin typeface="에스코어 드림 3 Light"/>
                 <a:ea typeface="에스코어 드림 3 Light"/>
               </a:rPr>
-              <a:t>	구성되어 있음을 파악한다</a:t>
+              <a:t>	구성되어 있음을 파악</a:t>
             </a:r>
             <a:endParaRPr lang="ko-KR" altLang="en-US" sz="2400" b="1">
               <a:latin typeface="에스코어 드림 3 Light"/>
@@ -22834,7 +22770,7 @@
 </file>
 
 <file path=ppt/slides/slide6.xml><?xml version="1.0" encoding="utf-8"?>
-<p:sld xmlns:r="http://schemas.openxmlformats.org/officeDocument/2006/relationships" xmlns:c="http://schemas.openxmlformats.org/drawingml/2006/chart" xmlns:a="http://schemas.openxmlformats.org/drawingml/2006/main" xmlns:dgm="http://schemas.openxmlformats.org/drawingml/2006/diagram" xmlns:dsp="http://schemas.microsoft.com/office/drawing/2008/diagram" xmlns:p="http://schemas.openxmlformats.org/presentationml/2006/main" xmlns:mc="http://schemas.openxmlformats.org/markup-compatibility/2006" xmlns:a14="http://schemas.microsoft.com/office/drawing/2010/main" mc:Ignorable="a14 ">
+<p:sld xmlns:r="http://schemas.openxmlformats.org/officeDocument/2006/relationships" xmlns:c="http://schemas.openxmlformats.org/drawingml/2006/chart" xmlns:a="http://schemas.openxmlformats.org/drawingml/2006/main" xmlns:dgm="http://schemas.openxmlformats.org/drawingml/2006/diagram" xmlns:dsp="http://schemas.microsoft.com/office/drawing/2008/diagram" xmlns:p="http://schemas.openxmlformats.org/presentationml/2006/main">
   <p:cSld name="Slide 6">
     <p:spTree>
       <p:nvGrpSpPr>
@@ -23082,7 +23018,7 @@
                 <a:latin typeface="에스코어 드림 3 Light"/>
                 <a:ea typeface="에스코어 드림 3 Light"/>
               </a:rPr>
-              <a:t>으로 표현한다</a:t>
+              <a:t>으로 표현</a:t>
             </a:r>
             <a:endParaRPr lang="ko-KR" altLang="en-US" sz="2400" b="1">
               <a:solidFill>
@@ -23386,7 +23322,7 @@
                 <a:latin typeface="에스코어 드림 3 Light"/>
                 <a:ea typeface="에스코어 드림 3 Light"/>
               </a:rPr>
-              <a:t>차원 배열로 반환된다</a:t>
+              <a:t>차원 배열로 반환</a:t>
             </a:r>
             <a:r>
               <a:rPr lang="en-US" altLang="ko-KR" sz="2400" b="1">
@@ -23664,7 +23600,7 @@
                 <a:latin typeface="에스코어 드림 3 Light"/>
                 <a:ea typeface="에스코어 드림 3 Light"/>
               </a:rPr>
-              <a:t>차원 행렬 배열로 반환된다</a:t>
+              <a:t>차원 행렬 배열로 반환</a:t>
             </a:r>
             <a:r>
               <a:rPr lang="en-US" altLang="ko-KR" sz="2400" b="1">
@@ -23856,7 +23792,7 @@
               </a:rPr>
               <a:t> 출력</a:t>
             </a:r>
-            <a:endParaRPr lang="ko-KR" altLang="en-US" sz="1800" b="1" kern="0" spc="600">
+            <a:endParaRPr lang="ko-KR" altLang="en-US" sz="2400" b="1" kern="0" spc="600">
               <a:solidFill>
                 <a:srgbClr val="000000"/>
               </a:solidFill>
@@ -23948,7 +23884,7 @@
 </file>
 
 <file path=ppt/slides/slide7.xml><?xml version="1.0" encoding="utf-8"?>
-<p:sld xmlns:r="http://schemas.openxmlformats.org/officeDocument/2006/relationships" xmlns:c="http://schemas.openxmlformats.org/drawingml/2006/chart" xmlns:a="http://schemas.openxmlformats.org/drawingml/2006/main" xmlns:dgm="http://schemas.openxmlformats.org/drawingml/2006/diagram" xmlns:dsp="http://schemas.microsoft.com/office/drawing/2008/diagram" xmlns:p="http://schemas.openxmlformats.org/presentationml/2006/main">
+<p:sld xmlns:r="http://schemas.openxmlformats.org/officeDocument/2006/relationships" xmlns:c="http://schemas.openxmlformats.org/drawingml/2006/chart" xmlns:a="http://schemas.openxmlformats.org/drawingml/2006/main" xmlns:dgm="http://schemas.openxmlformats.org/drawingml/2006/diagram" xmlns:dsp="http://schemas.microsoft.com/office/drawing/2008/diagram" xmlns:p="http://schemas.openxmlformats.org/presentationml/2006/main" xmlns:mc="http://schemas.openxmlformats.org/markup-compatibility/2006" xmlns:a14="http://schemas.microsoft.com/office/drawing/2010/main" mc:Ignorable="a14 ">
   <p:cSld name="Slide 6">
     <p:spTree>
       <p:nvGrpSpPr>
@@ -24052,7 +23988,7 @@
                 <a:ea typeface="에스코어 드림 3 Light"/>
                 <a:cs typeface="에스코어 드림 4 Regular"/>
               </a:rPr>
-              <a:t>는 디지털이미지를 구성하는 색상이나 밝기를 표시하는 값이다</a:t>
+              <a:t>는 디지털이미지를 구성하는 색상이나 밝기를 표시하는 값</a:t>
             </a:r>
             <a:endParaRPr lang="ko-KR" altLang="en-US" sz="2400" b="1" kern="0" spc="600">
               <a:solidFill>
@@ -24111,7 +24047,7 @@
                 <a:ea typeface="에스코어 드림 3 Light"/>
                 <a:cs typeface="에스코어 드림 4 Regular"/>
               </a:rPr>
-              <a:t> 각각의 픽셀은 그 지점의 밝기를 나타낸다</a:t>
+              <a:t> 각각의 픽셀은 그 지점의 밝기를 나타냄</a:t>
             </a:r>
             <a:r>
               <a:rPr lang="en-US" altLang="ko-KR" sz="2400" b="1" kern="0" spc="600">
@@ -24199,7 +24135,7 @@
                 <a:ea typeface="에스코어 드림 3 Light"/>
                 <a:cs typeface="에스코어 드림 4 Regular"/>
               </a:rPr>
-              <a:t> 사이의 값들 중 하나의 값이 가진다</a:t>
+              <a:t> 사이의 값들 중 하나의 값이 가짐</a:t>
             </a:r>
             <a:r>
               <a:rPr lang="en-US" altLang="ko-KR" sz="2400" b="1" kern="0" spc="600">
@@ -24258,7 +24194,7 @@
                 <a:ea typeface="에스코어 드림 3 Light"/>
                 <a:cs typeface="에스코어 드림 4 Regular"/>
               </a:rPr>
-              <a:t>은 가장 어두운 검은 색을 나타내고</a:t>
+              <a:t>은 가장 어두운 </a:t>
             </a:r>
             <a:r>
               <a:rPr lang="en-US" altLang="ko-KR" sz="2400" b="1" kern="0" spc="600">
@@ -24269,7 +24205,7 @@
                 <a:ea typeface="에스코어 드림 3 Light"/>
                 <a:cs typeface="에스코어 드림 4 Regular"/>
               </a:rPr>
-              <a:t>,</a:t>
+              <a:t>‘</a:t>
             </a:r>
             <a:r>
               <a:rPr lang="ko-KR" altLang="en-US" sz="2400" b="1" kern="0" spc="600">
@@ -24280,7 +24216,7 @@
                 <a:ea typeface="에스코어 드림 3 Light"/>
                 <a:cs typeface="에스코어 드림 4 Regular"/>
               </a:rPr>
-              <a:t> </a:t>
+              <a:t>검은 색</a:t>
             </a:r>
             <a:r>
               <a:rPr lang="en-US" altLang="ko-KR" sz="2400" b="1" kern="0" spc="600">
@@ -24291,7 +24227,7 @@
                 <a:ea typeface="에스코어 드림 3 Light"/>
                 <a:cs typeface="에스코어 드림 4 Regular"/>
               </a:rPr>
-              <a:t>255</a:t>
+              <a:t>’</a:t>
             </a:r>
             <a:r>
               <a:rPr lang="ko-KR" altLang="en-US" sz="2400" b="1" kern="0" spc="600">
@@ -24302,7 +24238,95 @@
                 <a:ea typeface="에스코어 드림 3 Light"/>
                 <a:cs typeface="에스코어 드림 4 Regular"/>
               </a:rPr>
-              <a:t>는 가장 밝은 상태 흰색을 나타낸다</a:t>
+              <a:t>을 나타내며</a:t>
+            </a:r>
+            <a:r>
+              <a:rPr lang="en-US" altLang="ko-KR" sz="2400" b="1" kern="0" spc="600">
+                <a:solidFill>
+                  <a:srgbClr val="000000"/>
+                </a:solidFill>
+                <a:latin typeface="에스코어 드림 3 Light"/>
+                <a:ea typeface="에스코어 드림 3 Light"/>
+                <a:cs typeface="에스코어 드림 4 Regular"/>
+              </a:rPr>
+              <a:t>,</a:t>
+            </a:r>
+            <a:r>
+              <a:rPr lang="ko-KR" altLang="en-US" sz="2400" b="1" kern="0" spc="600">
+                <a:solidFill>
+                  <a:srgbClr val="000000"/>
+                </a:solidFill>
+                <a:latin typeface="에스코어 드림 3 Light"/>
+                <a:ea typeface="에스코어 드림 3 Light"/>
+                <a:cs typeface="에스코어 드림 4 Regular"/>
+              </a:rPr>
+              <a:t> </a:t>
+            </a:r>
+            <a:r>
+              <a:rPr lang="en-US" altLang="ko-KR" sz="2400" b="1" kern="0" spc="600">
+                <a:solidFill>
+                  <a:srgbClr val="000000"/>
+                </a:solidFill>
+                <a:latin typeface="에스코어 드림 3 Light"/>
+                <a:ea typeface="에스코어 드림 3 Light"/>
+                <a:cs typeface="에스코어 드림 4 Regular"/>
+              </a:rPr>
+              <a:t>255</a:t>
+            </a:r>
+            <a:r>
+              <a:rPr lang="ko-KR" altLang="en-US" sz="2400" b="1" kern="0" spc="600">
+                <a:solidFill>
+                  <a:srgbClr val="000000"/>
+                </a:solidFill>
+                <a:latin typeface="에스코어 드림 3 Light"/>
+                <a:ea typeface="에스코어 드림 3 Light"/>
+                <a:cs typeface="에스코어 드림 4 Regular"/>
+              </a:rPr>
+              <a:t>는 가장 밝은 상태 </a:t>
+            </a:r>
+            <a:r>
+              <a:rPr lang="en-US" altLang="ko-KR" sz="2400" b="1" kern="0" spc="600">
+                <a:solidFill>
+                  <a:srgbClr val="000000"/>
+                </a:solidFill>
+                <a:latin typeface="에스코어 드림 3 Light"/>
+                <a:ea typeface="에스코어 드림 3 Light"/>
+                <a:cs typeface="에스코어 드림 4 Regular"/>
+              </a:rPr>
+              <a:t>‘</a:t>
+            </a:r>
+            <a:r>
+              <a:rPr lang="ko-KR" altLang="en-US" sz="2400" b="1" kern="0" spc="600">
+                <a:solidFill>
+                  <a:srgbClr val="000000"/>
+                </a:solidFill>
+                <a:latin typeface="에스코어 드림 3 Light"/>
+                <a:ea typeface="에스코어 드림 3 Light"/>
+                <a:cs typeface="에스코어 드림 4 Regular"/>
+              </a:rPr>
+              <a:t>흰색</a:t>
+            </a:r>
+            <a:r>
+              <a:rPr lang="en-US" altLang="ko-KR" sz="2400" b="1" kern="0" spc="600">
+                <a:solidFill>
+                  <a:srgbClr val="000000"/>
+                </a:solidFill>
+                <a:latin typeface="에스코어 드림 3 Light"/>
+                <a:ea typeface="에스코어 드림 3 Light"/>
+                <a:cs typeface="에스코어 드림 4 Regular"/>
+              </a:rPr>
+              <a:t>’</a:t>
+            </a:r>
+            <a:r>
+              <a:rPr lang="ko-KR" altLang="en-US" sz="2400" b="1" kern="0" spc="600">
+                <a:solidFill>
+                  <a:srgbClr val="000000"/>
+                </a:solidFill>
+                <a:latin typeface="에스코어 드림 3 Light"/>
+                <a:ea typeface="에스코어 드림 3 Light"/>
+                <a:cs typeface="에스코어 드림 4 Regular"/>
+              </a:rPr>
+              <a:t>을 나타냄</a:t>
             </a:r>
             <a:r>
               <a:rPr lang="en-US" altLang="ko-KR" sz="2400" b="1" kern="0" spc="600">
@@ -24440,7 +24464,7 @@
                 <a:ea typeface="에스코어 드림 3 Light"/>
                 <a:cs typeface="에스코어 드림 4 Regular"/>
               </a:rPr>
-              <a:t>을 조합하여 표현한다</a:t>
+              <a:t>을 조합하여 표현</a:t>
             </a:r>
             <a:endParaRPr lang="ko-KR" altLang="en-US" sz="2400" b="1" kern="0" spc="600">
               <a:solidFill>
@@ -24477,7 +24501,7 @@
                 <a:ea typeface="에스코어 드림 3 Light"/>
                 <a:cs typeface="에스코어 드림 4 Regular"/>
               </a:rPr>
-              <a:t>각 픽셀은</a:t>
+              <a:t>각 픽셀은 </a:t>
             </a:r>
             <a:r>
               <a:rPr lang="en-US" altLang="ko-KR" sz="2400" b="1" kern="0" spc="600">
@@ -24587,7 +24611,7 @@
                 <a:ea typeface="에스코어 드림 3 Light"/>
                 <a:cs typeface="에스코어 드림 4 Regular"/>
               </a:rPr>
-              <a:t>을 가진다</a:t>
+              <a:t>을 가짐</a:t>
             </a:r>
             <a:r>
               <a:rPr lang="en-US" altLang="ko-KR" sz="2400" b="1" kern="0" spc="600">
@@ -24699,7 +24723,7 @@
                 <a:ea typeface="에스코어 드림 3 Light"/>
                 <a:cs typeface="에스코어 드림 4 Regular"/>
               </a:rPr>
-              <a:t>은 검은색</a:t>
+              <a:t>은 </a:t>
             </a:r>
             <a:r>
               <a:rPr lang="en-US" altLang="ko-KR" sz="2400" b="1" kern="0" spc="600">
@@ -24710,7 +24734,7 @@
                 <a:ea typeface="에스코어 드림 3 Light"/>
                 <a:cs typeface="에스코어 드림 4 Regular"/>
               </a:rPr>
-              <a:t>,</a:t>
+              <a:t>‘</a:t>
             </a:r>
             <a:r>
               <a:rPr lang="ko-KR" altLang="en-US" sz="2400" b="1" kern="0" spc="600">
@@ -24721,7 +24745,7 @@
                 <a:ea typeface="에스코어 드림 3 Light"/>
                 <a:cs typeface="에스코어 드림 4 Regular"/>
               </a:rPr>
-              <a:t> </a:t>
+              <a:t>검은색</a:t>
             </a:r>
             <a:r>
               <a:rPr lang="en-US" altLang="ko-KR" sz="2400" b="1" kern="0" spc="600">
@@ -24732,7 +24756,7 @@
                 <a:ea typeface="에스코어 드림 3 Light"/>
                 <a:cs typeface="에스코어 드림 4 Regular"/>
               </a:rPr>
-              <a:t>255</a:t>
+              <a:t>’,</a:t>
             </a:r>
             <a:r>
               <a:rPr lang="ko-KR" altLang="en-US" sz="2400" b="1" kern="0" spc="600">
@@ -24743,7 +24767,7 @@
                 <a:ea typeface="에스코어 드림 3 Light"/>
                 <a:cs typeface="에스코어 드림 4 Regular"/>
               </a:rPr>
-              <a:t>는 원색을 나타낸다</a:t>
+              <a:t> </a:t>
             </a:r>
             <a:r>
               <a:rPr lang="en-US" altLang="ko-KR" sz="2400" b="1" kern="0" spc="600">
@@ -24754,9 +24778,75 @@
                 <a:ea typeface="에스코어 드림 3 Light"/>
                 <a:cs typeface="에스코어 드림 4 Regular"/>
               </a:rPr>
+              <a:t>255</a:t>
+            </a:r>
+            <a:r>
+              <a:rPr lang="ko-KR" altLang="en-US" sz="2400" b="1" kern="0" spc="600">
+                <a:solidFill>
+                  <a:srgbClr val="000000"/>
+                </a:solidFill>
+                <a:latin typeface="에스코어 드림 3 Light"/>
+                <a:ea typeface="에스코어 드림 3 Light"/>
+                <a:cs typeface="에스코어 드림 4 Regular"/>
+              </a:rPr>
+              <a:t>는 </a:t>
+            </a:r>
+            <a:r>
+              <a:rPr lang="en-US" altLang="ko-KR" sz="2400" b="1" kern="0" spc="600">
+                <a:solidFill>
+                  <a:srgbClr val="000000"/>
+                </a:solidFill>
+                <a:latin typeface="에스코어 드림 3 Light"/>
+                <a:ea typeface="에스코어 드림 3 Light"/>
+                <a:cs typeface="에스코어 드림 4 Regular"/>
+              </a:rPr>
+              <a:t>‘</a:t>
+            </a:r>
+            <a:r>
+              <a:rPr lang="ko-KR" altLang="en-US" sz="2400" b="1" kern="0" spc="600">
+                <a:solidFill>
+                  <a:srgbClr val="000000"/>
+                </a:solidFill>
+                <a:latin typeface="에스코어 드림 3 Light"/>
+                <a:ea typeface="에스코어 드림 3 Light"/>
+                <a:cs typeface="에스코어 드림 4 Regular"/>
+              </a:rPr>
+              <a:t>원색</a:t>
+            </a:r>
+            <a:r>
+              <a:rPr lang="en-US" altLang="ko-KR" sz="2400" b="1" kern="0" spc="600">
+                <a:solidFill>
+                  <a:srgbClr val="000000"/>
+                </a:solidFill>
+                <a:latin typeface="에스코어 드림 3 Light"/>
+                <a:ea typeface="에스코어 드림 3 Light"/>
+                <a:cs typeface="에스코어 드림 4 Regular"/>
+              </a:rPr>
+              <a:t>’</a:t>
+            </a:r>
+            <a:r>
+              <a:rPr lang="ko-KR" altLang="en-US" sz="2400" b="1" kern="0" spc="600">
+                <a:solidFill>
+                  <a:srgbClr val="000000"/>
+                </a:solidFill>
+                <a:latin typeface="에스코어 드림 3 Light"/>
+                <a:ea typeface="에스코어 드림 3 Light"/>
+                <a:cs typeface="에스코어 드림 4 Regular"/>
+              </a:rPr>
+              <a:t>을 나타냄</a:t>
+            </a:r>
+            <a:r>
+              <a:rPr lang="en-US" altLang="ko-KR" sz="2400" b="1" kern="0" spc="600">
+                <a:solidFill>
+                  <a:srgbClr val="000000"/>
+                </a:solidFill>
+                <a:latin typeface="에스코어 드림 3 Light"/>
+                <a:ea typeface="에스코어 드림 3 Light"/>
+                <a:cs typeface="에스코어 드림 4 Regular"/>
+              </a:rPr>
               <a:t>.</a:t>
             </a:r>
-            <a:endParaRPr lang="en-US" altLang="ko-KR" sz="2800" b="1" kern="0" spc="600">
+            <a:endParaRPr lang="en-US" altLang="ko-KR" sz="2400" b="1" kern="0" spc="600">
               <a:solidFill>
                 <a:srgbClr val="000000"/>
               </a:solidFill>
@@ -25391,7 +25481,7 @@
                 <a:ea typeface="에스코어 드림 3 Light"/>
                 <a:cs typeface="에스코어 드림 4 Regular"/>
               </a:rPr>
-              <a:t>특정색상을 지닌 단어를 이미지로 추출</a:t>
+              <a:t>특정색상을 지닌 단어를 이미지로 추출하는 함수</a:t>
             </a:r>
             <a:endParaRPr lang="ko-KR" altLang="en-US" sz="2200" b="1" kern="0" spc="600">
               <a:solidFill>
@@ -25857,7 +25947,7 @@
         <p:spPr>
           <a:xfrm>
             <a:off x="10210801" y="5985510"/>
-            <a:ext cx="7391400" cy="1099184"/>
+            <a:ext cx="7391399" cy="1099184"/>
           </a:xfrm>
           <a:prstGeom prst="rect">
             <a:avLst/>
@@ -25951,7 +26041,7 @@
                 <a:latin typeface="에스코어 드림 4 Regular"/>
                 <a:cs typeface="에스코어 드림 4 Regular"/>
               </a:rPr>
-              <a:t> 검은색으로 변경한다 </a:t>
+              <a:t> 검은색으로 변경 </a:t>
             </a:r>
             <a:endParaRPr lang="ko-KR" altLang="en-US" sz="2200" b="1" kern="0" spc="600">
               <a:solidFill>
@@ -25977,8 +26067,8 @@
         </p:nvSpPr>
         <p:spPr>
           <a:xfrm>
-            <a:off x="9144000" y="8042909"/>
-            <a:ext cx="8153400" cy="1032510"/>
+            <a:off x="9144000" y="8042908"/>
+            <a:ext cx="8153400" cy="1032512"/>
           </a:xfrm>
           <a:prstGeom prst="rect">
             <a:avLst/>
@@ -26011,7 +26101,7 @@
                 <a:latin typeface="에스코어 드림 4 Regular"/>
                 <a:cs typeface="에스코어 드림 4 Regular"/>
               </a:rPr>
-              <a:t>추출하고자 하는 색상의 단어</a:t>
+              <a:t>추출하고자 하는 색상의 단어를</a:t>
             </a:r>
             <a:endParaRPr lang="ko-KR" altLang="en-US" sz="2200" b="1" kern="0" spc="600">
               <a:solidFill>
@@ -26063,9 +26153,9 @@
                 <a:latin typeface="에스코어 드림 4 Regular"/>
                 <a:cs typeface="에스코어 드림 4 Regular"/>
               </a:rPr>
-              <a:t> 흰색으로 변경한다 </a:t>
-            </a:r>
-            <a:endParaRPr lang="ko-KR" altLang="en-US" b="1" kern="0" spc="600">
+              <a:t> 흰색으로 변경 </a:t>
+            </a:r>
+            <a:endParaRPr lang="ko-KR" altLang="en-US" sz="2200" b="1" kern="0" spc="600">
               <a:solidFill>
                 <a:srgbClr val="008000"/>
               </a:solidFill>
@@ -26123,7 +26213,7 @@
                 <a:latin typeface="에스코어 드림 4 Regular"/>
                 <a:cs typeface="에스코어 드림 4 Regular"/>
               </a:rPr>
-              <a:t>추출하고자하는단어의 색상외의변수 </a:t>
+              <a:t>추출하고자하는단어의 색상외의 변수 </a:t>
             </a:r>
             <a:endParaRPr lang="ko-KR" altLang="en-US" sz="2200" b="1" kern="0" spc="600">
               <a:solidFill>
@@ -26471,7 +26561,7 @@
                 <a:latin typeface="에스코어 드림 4 Regular"/>
                 <a:cs typeface="에스코어 드림 4 Regular"/>
               </a:rPr>
-              <a:t>전체 이미지에서 왼쪽부터 이미지를 윤관석 기준으로 추출</a:t>
+              <a:t>전체 이미지에서 왼쪽부터 이미지를 윤관석 기준으로 추출하는 함수</a:t>
             </a:r>
             <a:endParaRPr lang="ko-KR" altLang="en-US" sz="2100" b="1" kern="0" spc="600">
               <a:solidFill>
